--- a/PP-EDA#BOT2.pptx
+++ b/PP-EDA#BOT2.pptx
@@ -14,21 +14,21 @@
     <p:sldId id="274" r:id="rId8"/>
     <p:sldId id="276" r:id="rId9"/>
     <p:sldId id="277" r:id="rId10"/>
-    <p:sldId id="278" r:id="rId11"/>
-    <p:sldId id="283" r:id="rId12"/>
-    <p:sldId id="279" r:id="rId13"/>
-    <p:sldId id="284" r:id="rId14"/>
-    <p:sldId id="285" r:id="rId15"/>
-    <p:sldId id="286" r:id="rId16"/>
-    <p:sldId id="287" r:id="rId17"/>
+    <p:sldId id="283" r:id="rId11"/>
+    <p:sldId id="279" r:id="rId12"/>
+    <p:sldId id="284" r:id="rId13"/>
+    <p:sldId id="285" r:id="rId14"/>
+    <p:sldId id="286" r:id="rId15"/>
+    <p:sldId id="287" r:id="rId16"/>
+    <p:sldId id="278" r:id="rId17"/>
     <p:sldId id="280" r:id="rId18"/>
-    <p:sldId id="281" r:id="rId19"/>
-    <p:sldId id="282" r:id="rId20"/>
-    <p:sldId id="288" r:id="rId21"/>
-    <p:sldId id="289" r:id="rId22"/>
-    <p:sldId id="291" r:id="rId23"/>
-    <p:sldId id="290" r:id="rId24"/>
-    <p:sldId id="292" r:id="rId25"/>
+    <p:sldId id="282" r:id="rId19"/>
+    <p:sldId id="288" r:id="rId20"/>
+    <p:sldId id="289" r:id="rId21"/>
+    <p:sldId id="291" r:id="rId22"/>
+    <p:sldId id="290" r:id="rId23"/>
+    <p:sldId id="292" r:id="rId24"/>
+    <p:sldId id="281" r:id="rId25"/>
     <p:sldId id="295" r:id="rId26"/>
     <p:sldId id="271" r:id="rId27"/>
     <p:sldId id="296" r:id="rId28"/>
@@ -144,6 +144,7 @@
 <p1510:revInfo xmlns:a="http://schemas.openxmlformats.org/drawingml/2006/main" xmlns:r="http://schemas.openxmlformats.org/officeDocument/2006/relationships" xmlns:p1510="http://schemas.microsoft.com/office/powerpoint/2015/10/main">
   <p1510:revLst>
     <p1510:client id="{0836BCB5-6D2D-00BD-1E8A-A9F0827C1EF5}" v="1037" dt="2022-01-09T14:21:54.908"/>
+    <p1510:client id="{08683FFD-B9EC-C51B-3773-AF5BF4822B09}" v="2" dt="2022-03-20T14:37:31.930"/>
     <p1510:client id="{0F55923C-1D8C-4605-A2C0-1BDC84585E28}" v="259" dt="2021-12-11T11:40:09.711"/>
     <p1510:client id="{131E511F-5EB5-3F4F-2A46-1ACBBEEE7D03}" v="579" dt="2022-03-11T10:24:06.988"/>
     <p1510:client id="{2E88412A-3638-5D68-2A0F-5AA85DAE470F}" v="592" dt="2021-12-11T16:43:00.686"/>
@@ -159,4915 +160,6 @@
     <p1510:client id="{C005BC4A-8083-201A-6C4A-7177CDB81462}" v="146" dt="2022-02-27T13:25:31.809"/>
   </p1510:revLst>
 </p1510:revInfo>
-</file>
-
-<file path=ppt/changesInfos/changesInfo1.xml><?xml version="1.0" encoding="utf-8"?>
-<pc:chgInfo xmlns:a="http://schemas.openxmlformats.org/drawingml/2006/main" xmlns:r="http://schemas.openxmlformats.org/officeDocument/2006/relationships" xmlns:ac="http://schemas.microsoft.com/office/drawing/2013/main/command" xmlns:pc="http://schemas.microsoft.com/office/powerpoint/2013/main/command">
-  <pc:docChgLst>
-    <pc:chgData name="MORLACCO LORENZO" userId="S::lorenzo.morlacco@studenti.unicam.it::54291d95-2e02-4358-9635-1ef35feff65f" providerId="AD" clId="Web-{131E511F-5EB5-3F4F-2A46-1ACBBEEE7D03}"/>
-    <pc:docChg chg="modSld">
-      <pc:chgData name="MORLACCO LORENZO" userId="S::lorenzo.morlacco@studenti.unicam.it::54291d95-2e02-4358-9635-1ef35feff65f" providerId="AD" clId="Web-{131E511F-5EB5-3F4F-2A46-1ACBBEEE7D03}" dt="2022-03-11T10:24:05.331" v="389" actId="20577"/>
-      <pc:docMkLst>
-        <pc:docMk/>
-      </pc:docMkLst>
-      <pc:sldChg chg="delSp modSp">
-        <pc:chgData name="MORLACCO LORENZO" userId="S::lorenzo.morlacco@studenti.unicam.it::54291d95-2e02-4358-9635-1ef35feff65f" providerId="AD" clId="Web-{131E511F-5EB5-3F4F-2A46-1ACBBEEE7D03}" dt="2022-03-11T09:51:26.190" v="163" actId="1076"/>
-        <pc:sldMkLst>
-          <pc:docMk/>
-          <pc:sldMk cId="3589518533" sldId="279"/>
-        </pc:sldMkLst>
-        <pc:spChg chg="mod">
-          <ac:chgData name="MORLACCO LORENZO" userId="S::lorenzo.morlacco@studenti.unicam.it::54291d95-2e02-4358-9635-1ef35feff65f" providerId="AD" clId="Web-{131E511F-5EB5-3F4F-2A46-1ACBBEEE7D03}" dt="2022-03-11T09:51:26.190" v="163" actId="1076"/>
-          <ac:spMkLst>
-            <pc:docMk/>
-            <pc:sldMk cId="3589518533" sldId="279"/>
-            <ac:spMk id="5" creationId="{582C0EC0-91C9-41F7-AF33-D9E16D0D227A}"/>
-          </ac:spMkLst>
-        </pc:spChg>
-        <pc:graphicFrameChg chg="del">
-          <ac:chgData name="MORLACCO LORENZO" userId="S::lorenzo.morlacco@studenti.unicam.it::54291d95-2e02-4358-9635-1ef35feff65f" providerId="AD" clId="Web-{131E511F-5EB5-3F4F-2A46-1ACBBEEE7D03}" dt="2022-03-11T09:16:55.790" v="25"/>
-          <ac:graphicFrameMkLst>
-            <pc:docMk/>
-            <pc:sldMk cId="3589518533" sldId="279"/>
-            <ac:graphicFrameMk id="7" creationId="{57EE934A-4F45-448E-9129-77E19308A08F}"/>
-          </ac:graphicFrameMkLst>
-        </pc:graphicFrameChg>
-      </pc:sldChg>
-      <pc:sldChg chg="modSp">
-        <pc:chgData name="MORLACCO LORENZO" userId="S::lorenzo.morlacco@studenti.unicam.it::54291d95-2e02-4358-9635-1ef35feff65f" providerId="AD" clId="Web-{131E511F-5EB5-3F4F-2A46-1ACBBEEE7D03}" dt="2022-03-11T10:23:59.503" v="383" actId="20577"/>
-        <pc:sldMkLst>
-          <pc:docMk/>
-          <pc:sldMk cId="3081553341" sldId="282"/>
-        </pc:sldMkLst>
-        <pc:spChg chg="mod">
-          <ac:chgData name="MORLACCO LORENZO" userId="S::lorenzo.morlacco@studenti.unicam.it::54291d95-2e02-4358-9635-1ef35feff65f" providerId="AD" clId="Web-{131E511F-5EB5-3F4F-2A46-1ACBBEEE7D03}" dt="2022-03-11T10:23:59.503" v="383" actId="20577"/>
-          <ac:spMkLst>
-            <pc:docMk/>
-            <pc:sldMk cId="3081553341" sldId="282"/>
-            <ac:spMk id="7" creationId="{C2E0AE67-9228-419B-A532-AD20136A4394}"/>
-          </ac:spMkLst>
-        </pc:spChg>
-      </pc:sldChg>
-      <pc:sldChg chg="modSp">
-        <pc:chgData name="MORLACCO LORENZO" userId="S::lorenzo.morlacco@studenti.unicam.it::54291d95-2e02-4358-9635-1ef35feff65f" providerId="AD" clId="Web-{131E511F-5EB5-3F4F-2A46-1ACBBEEE7D03}" dt="2022-03-11T10:24:05.331" v="389" actId="20577"/>
-        <pc:sldMkLst>
-          <pc:docMk/>
-          <pc:sldMk cId="2804122369" sldId="283"/>
-        </pc:sldMkLst>
-        <pc:spChg chg="mod">
-          <ac:chgData name="MORLACCO LORENZO" userId="S::lorenzo.morlacco@studenti.unicam.it::54291d95-2e02-4358-9635-1ef35feff65f" providerId="AD" clId="Web-{131E511F-5EB5-3F4F-2A46-1ACBBEEE7D03}" dt="2022-03-11T10:24:05.331" v="389" actId="20577"/>
-          <ac:spMkLst>
-            <pc:docMk/>
-            <pc:sldMk cId="2804122369" sldId="283"/>
-            <ac:spMk id="5" creationId="{582C0EC0-91C9-41F7-AF33-D9E16D0D227A}"/>
-          </ac:spMkLst>
-        </pc:spChg>
-      </pc:sldChg>
-      <pc:sldChg chg="modSp">
-        <pc:chgData name="MORLACCO LORENZO" userId="S::lorenzo.morlacco@studenti.unicam.it::54291d95-2e02-4358-9635-1ef35feff65f" providerId="AD" clId="Web-{131E511F-5EB5-3F4F-2A46-1ACBBEEE7D03}" dt="2022-03-11T09:51:41.425" v="165" actId="1076"/>
-        <pc:sldMkLst>
-          <pc:docMk/>
-          <pc:sldMk cId="1230455064" sldId="284"/>
-        </pc:sldMkLst>
-        <pc:spChg chg="mod">
-          <ac:chgData name="MORLACCO LORENZO" userId="S::lorenzo.morlacco@studenti.unicam.it::54291d95-2e02-4358-9635-1ef35feff65f" providerId="AD" clId="Web-{131E511F-5EB5-3F4F-2A46-1ACBBEEE7D03}" dt="2022-03-11T09:51:41.425" v="165" actId="1076"/>
-          <ac:spMkLst>
-            <pc:docMk/>
-            <pc:sldMk cId="1230455064" sldId="284"/>
-            <ac:spMk id="5" creationId="{582C0EC0-91C9-41F7-AF33-D9E16D0D227A}"/>
-          </ac:spMkLst>
-        </pc:spChg>
-      </pc:sldChg>
-      <pc:sldChg chg="addSp delSp modSp">
-        <pc:chgData name="MORLACCO LORENZO" userId="S::lorenzo.morlacco@studenti.unicam.it::54291d95-2e02-4358-9635-1ef35feff65f" providerId="AD" clId="Web-{131E511F-5EB5-3F4F-2A46-1ACBBEEE7D03}" dt="2022-03-11T10:03:36.377" v="332" actId="1076"/>
-        <pc:sldMkLst>
-          <pc:docMk/>
-          <pc:sldMk cId="3893808787" sldId="285"/>
-        </pc:sldMkLst>
-        <pc:spChg chg="mod">
-          <ac:chgData name="MORLACCO LORENZO" userId="S::lorenzo.morlacco@studenti.unicam.it::54291d95-2e02-4358-9635-1ef35feff65f" providerId="AD" clId="Web-{131E511F-5EB5-3F4F-2A46-1ACBBEEE7D03}" dt="2022-03-11T10:03:13.641" v="325" actId="20577"/>
-          <ac:spMkLst>
-            <pc:docMk/>
-            <pc:sldMk cId="3893808787" sldId="285"/>
-            <ac:spMk id="5" creationId="{582C0EC0-91C9-41F7-AF33-D9E16D0D227A}"/>
-          </ac:spMkLst>
-        </pc:spChg>
-        <pc:graphicFrameChg chg="add del mod modGraphic">
-          <ac:chgData name="MORLACCO LORENZO" userId="S::lorenzo.morlacco@studenti.unicam.it::54291d95-2e02-4358-9635-1ef35feff65f" providerId="AD" clId="Web-{131E511F-5EB5-3F4F-2A46-1ACBBEEE7D03}" dt="2022-03-11T10:02:22.622" v="310"/>
-          <ac:graphicFrameMkLst>
-            <pc:docMk/>
-            <pc:sldMk cId="3893808787" sldId="285"/>
-            <ac:graphicFrameMk id="2" creationId="{FC9C7B2C-08BD-4BAE-8E81-6409BF44710D}"/>
-          </ac:graphicFrameMkLst>
-        </pc:graphicFrameChg>
-        <pc:graphicFrameChg chg="add mod modGraphic">
-          <ac:chgData name="MORLACCO LORENZO" userId="S::lorenzo.morlacco@studenti.unicam.it::54291d95-2e02-4358-9635-1ef35feff65f" providerId="AD" clId="Web-{131E511F-5EB5-3F4F-2A46-1ACBBEEE7D03}" dt="2022-03-11T10:03:36.377" v="332" actId="1076"/>
-          <ac:graphicFrameMkLst>
-            <pc:docMk/>
-            <pc:sldMk cId="3893808787" sldId="285"/>
-            <ac:graphicFrameMk id="7" creationId="{42CAB851-7895-43BE-91E5-F5B80429CC92}"/>
-          </ac:graphicFrameMkLst>
-        </pc:graphicFrameChg>
-      </pc:sldChg>
-      <pc:sldChg chg="modSp">
-        <pc:chgData name="MORLACCO LORENZO" userId="S::lorenzo.morlacco@studenti.unicam.it::54291d95-2e02-4358-9635-1ef35feff65f" providerId="AD" clId="Web-{131E511F-5EB5-3F4F-2A46-1ACBBEEE7D03}" dt="2022-03-11T10:14:09.512" v="367" actId="20577"/>
-        <pc:sldMkLst>
-          <pc:docMk/>
-          <pc:sldMk cId="359471410" sldId="286"/>
-        </pc:sldMkLst>
-        <pc:spChg chg="mod">
-          <ac:chgData name="MORLACCO LORENZO" userId="S::lorenzo.morlacco@studenti.unicam.it::54291d95-2e02-4358-9635-1ef35feff65f" providerId="AD" clId="Web-{131E511F-5EB5-3F4F-2A46-1ACBBEEE7D03}" dt="2022-03-11T10:14:09.512" v="367" actId="20577"/>
-          <ac:spMkLst>
-            <pc:docMk/>
-            <pc:sldMk cId="359471410" sldId="286"/>
-            <ac:spMk id="5" creationId="{582C0EC0-91C9-41F7-AF33-D9E16D0D227A}"/>
-          </ac:spMkLst>
-        </pc:spChg>
-      </pc:sldChg>
-      <pc:sldChg chg="delSp">
-        <pc:chgData name="MORLACCO LORENZO" userId="S::lorenzo.morlacco@studenti.unicam.it::54291d95-2e02-4358-9635-1ef35feff65f" providerId="AD" clId="Web-{131E511F-5EB5-3F4F-2A46-1ACBBEEE7D03}" dt="2022-03-11T09:02:17.687" v="0"/>
-        <pc:sldMkLst>
-          <pc:docMk/>
-          <pc:sldMk cId="3809191670" sldId="292"/>
-        </pc:sldMkLst>
-        <pc:spChg chg="del">
-          <ac:chgData name="MORLACCO LORENZO" userId="S::lorenzo.morlacco@studenti.unicam.it::54291d95-2e02-4358-9635-1ef35feff65f" providerId="AD" clId="Web-{131E511F-5EB5-3F4F-2A46-1ACBBEEE7D03}" dt="2022-03-11T09:02:17.687" v="0"/>
-          <ac:spMkLst>
-            <pc:docMk/>
-            <pc:sldMk cId="3809191670" sldId="292"/>
-            <ac:spMk id="7" creationId="{DA489B31-7FF9-4B05-8847-C82CFDAD9DEA}"/>
-          </ac:spMkLst>
-        </pc:spChg>
-      </pc:sldChg>
-    </pc:docChg>
-  </pc:docChgLst>
-  <pc:docChgLst>
-    <pc:chgData name="MORLACCO LORENZO" userId="S::lorenzo.morlacco@studenti.unicam.it::54291d95-2e02-4358-9635-1ef35feff65f" providerId="AD" clId="Web-{2E88412A-3638-5D68-2A0F-5AA85DAE470F}"/>
-    <pc:docChg chg="addSld delSld modSld sldOrd">
-      <pc:chgData name="MORLACCO LORENZO" userId="S::lorenzo.morlacco@studenti.unicam.it::54291d95-2e02-4358-9635-1ef35feff65f" providerId="AD" clId="Web-{2E88412A-3638-5D68-2A0F-5AA85DAE470F}" dt="2021-12-11T16:43:00.686" v="598" actId="20577"/>
-      <pc:docMkLst>
-        <pc:docMk/>
-      </pc:docMkLst>
-      <pc:sldChg chg="addSp delSp modSp mod setBg addAnim delAnim">
-        <pc:chgData name="MORLACCO LORENZO" userId="S::lorenzo.morlacco@studenti.unicam.it::54291d95-2e02-4358-9635-1ef35feff65f" providerId="AD" clId="Web-{2E88412A-3638-5D68-2A0F-5AA85DAE470F}" dt="2021-12-11T14:45:54.250" v="177" actId="20577"/>
-        <pc:sldMkLst>
-          <pc:docMk/>
-          <pc:sldMk cId="4229398084" sldId="257"/>
-        </pc:sldMkLst>
-        <pc:spChg chg="mod ord">
-          <ac:chgData name="MORLACCO LORENZO" userId="S::lorenzo.morlacco@studenti.unicam.it::54291d95-2e02-4358-9635-1ef35feff65f" providerId="AD" clId="Web-{2E88412A-3638-5D68-2A0F-5AA85DAE470F}" dt="2021-12-11T14:17:00.845" v="16" actId="20577"/>
-          <ac:spMkLst>
-            <pc:docMk/>
-            <pc:sldMk cId="4229398084" sldId="257"/>
-            <ac:spMk id="2" creationId="{EE402CF0-08BA-4A76-BB35-3F8A866D0C66}"/>
-          </ac:spMkLst>
-        </pc:spChg>
-        <pc:spChg chg="mod ord">
-          <ac:chgData name="MORLACCO LORENZO" userId="S::lorenzo.morlacco@studenti.unicam.it::54291d95-2e02-4358-9635-1ef35feff65f" providerId="AD" clId="Web-{2E88412A-3638-5D68-2A0F-5AA85DAE470F}" dt="2021-12-11T14:45:54.250" v="177" actId="20577"/>
-          <ac:spMkLst>
-            <pc:docMk/>
-            <pc:sldMk cId="4229398084" sldId="257"/>
-            <ac:spMk id="3" creationId="{D5C6D999-65D6-4EE9-9528-22AEAA589580}"/>
-          </ac:spMkLst>
-        </pc:spChg>
-        <pc:spChg chg="add del">
-          <ac:chgData name="MORLACCO LORENZO" userId="S::lorenzo.morlacco@studenti.unicam.it::54291d95-2e02-4358-9635-1ef35feff65f" providerId="AD" clId="Web-{2E88412A-3638-5D68-2A0F-5AA85DAE470F}" dt="2021-12-11T14:05:33.030" v="2"/>
-          <ac:spMkLst>
-            <pc:docMk/>
-            <pc:sldMk cId="4229398084" sldId="257"/>
-            <ac:spMk id="5" creationId="{83030214-227F-42DB-9282-BBA6AF8D94A8}"/>
-          </ac:spMkLst>
-        </pc:spChg>
-        <pc:spChg chg="add del">
-          <ac:chgData name="MORLACCO LORENZO" userId="S::lorenzo.morlacco@studenti.unicam.it::54291d95-2e02-4358-9635-1ef35feff65f" providerId="AD" clId="Web-{2E88412A-3638-5D68-2A0F-5AA85DAE470F}" dt="2021-12-11T14:05:33.030" v="2"/>
-          <ac:spMkLst>
-            <pc:docMk/>
-            <pc:sldMk cId="4229398084" sldId="257"/>
-            <ac:spMk id="10" creationId="{0D7A9289-BAD1-4A78-979F-A655C886DBF5}"/>
-          </ac:spMkLst>
-        </pc:spChg>
-        <pc:spChg chg="add del">
-          <ac:chgData name="MORLACCO LORENZO" userId="S::lorenzo.morlacco@studenti.unicam.it::54291d95-2e02-4358-9635-1ef35feff65f" providerId="AD" clId="Web-{2E88412A-3638-5D68-2A0F-5AA85DAE470F}" dt="2021-12-11T14:05:32.999" v="1"/>
-          <ac:spMkLst>
-            <pc:docMk/>
-            <pc:sldMk cId="4229398084" sldId="257"/>
-            <ac:spMk id="43" creationId="{6A10670B-6568-4038-91D8-392C78C0CFE4}"/>
-          </ac:spMkLst>
-        </pc:spChg>
-        <pc:spChg chg="add del">
-          <ac:chgData name="MORLACCO LORENZO" userId="S::lorenzo.morlacco@studenti.unicam.it::54291d95-2e02-4358-9635-1ef35feff65f" providerId="AD" clId="Web-{2E88412A-3638-5D68-2A0F-5AA85DAE470F}" dt="2021-12-11T14:05:32.999" v="1"/>
-          <ac:spMkLst>
-            <pc:docMk/>
-            <pc:sldMk cId="4229398084" sldId="257"/>
-            <ac:spMk id="45" creationId="{62163DB6-3EE7-474C-8726-1A05F7DE4229}"/>
-          </ac:spMkLst>
-        </pc:spChg>
-        <pc:spChg chg="add del">
-          <ac:chgData name="MORLACCO LORENZO" userId="S::lorenzo.morlacco@studenti.unicam.it::54291d95-2e02-4358-9635-1ef35feff65f" providerId="AD" clId="Web-{2E88412A-3638-5D68-2A0F-5AA85DAE470F}" dt="2021-12-11T14:05:32.999" v="1"/>
-          <ac:spMkLst>
-            <pc:docMk/>
-            <pc:sldMk cId="4229398084" sldId="257"/>
-            <ac:spMk id="47" creationId="{57ABABA7-0420-4200-9B65-1C1967CE9373}"/>
-          </ac:spMkLst>
-        </pc:spChg>
-        <pc:spChg chg="add del">
-          <ac:chgData name="MORLACCO LORENZO" userId="S::lorenzo.morlacco@studenti.unicam.it::54291d95-2e02-4358-9635-1ef35feff65f" providerId="AD" clId="Web-{2E88412A-3638-5D68-2A0F-5AA85DAE470F}" dt="2021-12-11T14:05:32.999" v="1"/>
-          <ac:spMkLst>
-            <pc:docMk/>
-            <pc:sldMk cId="4229398084" sldId="257"/>
-            <ac:spMk id="49" creationId="{A317EBE3-FF86-4DA1-BC9A-331F7F2144E9}"/>
-          </ac:spMkLst>
-        </pc:spChg>
-        <pc:spChg chg="add del">
-          <ac:chgData name="MORLACCO LORENZO" userId="S::lorenzo.morlacco@studenti.unicam.it::54291d95-2e02-4358-9635-1ef35feff65f" providerId="AD" clId="Web-{2E88412A-3638-5D68-2A0F-5AA85DAE470F}" dt="2021-12-11T14:05:55.390" v="6"/>
-          <ac:spMkLst>
-            <pc:docMk/>
-            <pc:sldMk cId="4229398084" sldId="257"/>
-            <ac:spMk id="50" creationId="{6A10670B-6568-4038-91D8-392C78C0CFE4}"/>
-          </ac:spMkLst>
-        </pc:spChg>
-        <pc:spChg chg="add del">
-          <ac:chgData name="MORLACCO LORENZO" userId="S::lorenzo.morlacco@studenti.unicam.it::54291d95-2e02-4358-9635-1ef35feff65f" providerId="AD" clId="Web-{2E88412A-3638-5D68-2A0F-5AA85DAE470F}" dt="2021-12-11T14:05:55.390" v="6"/>
-          <ac:spMkLst>
-            <pc:docMk/>
-            <pc:sldMk cId="4229398084" sldId="257"/>
-            <ac:spMk id="64" creationId="{62163DB6-3EE7-474C-8726-1A05F7DE4229}"/>
-          </ac:spMkLst>
-        </pc:spChg>
-        <pc:spChg chg="add del">
-          <ac:chgData name="MORLACCO LORENZO" userId="S::lorenzo.morlacco@studenti.unicam.it::54291d95-2e02-4358-9635-1ef35feff65f" providerId="AD" clId="Web-{2E88412A-3638-5D68-2A0F-5AA85DAE470F}" dt="2021-12-11T14:05:55.390" v="6"/>
-          <ac:spMkLst>
-            <pc:docMk/>
-            <pc:sldMk cId="4229398084" sldId="257"/>
-            <ac:spMk id="78" creationId="{F81819F9-8CAC-4A6C-8F06-0482027F9736}"/>
-          </ac:spMkLst>
-        </pc:spChg>
-        <pc:spChg chg="add del">
-          <ac:chgData name="MORLACCO LORENZO" userId="S::lorenzo.morlacco@studenti.unicam.it::54291d95-2e02-4358-9635-1ef35feff65f" providerId="AD" clId="Web-{2E88412A-3638-5D68-2A0F-5AA85DAE470F}" dt="2021-12-11T14:05:55.390" v="6"/>
-          <ac:spMkLst>
-            <pc:docMk/>
-            <pc:sldMk cId="4229398084" sldId="257"/>
-            <ac:spMk id="79" creationId="{1310EFE2-B91D-47E7-B117-C2A802800A7C}"/>
-          </ac:spMkLst>
-        </pc:spChg>
-        <pc:spChg chg="add del">
-          <ac:chgData name="MORLACCO LORENZO" userId="S::lorenzo.morlacco@studenti.unicam.it::54291d95-2e02-4358-9635-1ef35feff65f" providerId="AD" clId="Web-{2E88412A-3638-5D68-2A0F-5AA85DAE470F}" dt="2021-12-11T14:05:55.390" v="6"/>
-          <ac:spMkLst>
-            <pc:docMk/>
-            <pc:sldMk cId="4229398084" sldId="257"/>
-            <ac:spMk id="80" creationId="{4A98CC08-AEC2-4E8F-8F52-0F5C6372DB4F}"/>
-          </ac:spMkLst>
-        </pc:spChg>
-        <pc:spChg chg="add">
-          <ac:chgData name="MORLACCO LORENZO" userId="S::lorenzo.morlacco@studenti.unicam.it::54291d95-2e02-4358-9635-1ef35feff65f" providerId="AD" clId="Web-{2E88412A-3638-5D68-2A0F-5AA85DAE470F}" dt="2021-12-11T14:05:55.390" v="6"/>
-          <ac:spMkLst>
-            <pc:docMk/>
-            <pc:sldMk cId="4229398084" sldId="257"/>
-            <ac:spMk id="89" creationId="{7A5FC171-5EF1-470A-B19B-DB937973D2A7}"/>
-          </ac:spMkLst>
-        </pc:spChg>
-        <pc:spChg chg="add">
-          <ac:chgData name="MORLACCO LORENZO" userId="S::lorenzo.morlacco@studenti.unicam.it::54291d95-2e02-4358-9635-1ef35feff65f" providerId="AD" clId="Web-{2E88412A-3638-5D68-2A0F-5AA85DAE470F}" dt="2021-12-11T14:05:55.390" v="6"/>
-          <ac:spMkLst>
-            <pc:docMk/>
-            <pc:sldMk cId="4229398084" sldId="257"/>
-            <ac:spMk id="91" creationId="{685D77DF-610F-4D0F-A3D2-4FBBC96640E4}"/>
-          </ac:spMkLst>
-        </pc:spChg>
-        <pc:spChg chg="add">
-          <ac:chgData name="MORLACCO LORENZO" userId="S::lorenzo.morlacco@studenti.unicam.it::54291d95-2e02-4358-9635-1ef35feff65f" providerId="AD" clId="Web-{2E88412A-3638-5D68-2A0F-5AA85DAE470F}" dt="2021-12-11T14:05:55.390" v="6"/>
-          <ac:spMkLst>
-            <pc:docMk/>
-            <pc:sldMk cId="4229398084" sldId="257"/>
-            <ac:spMk id="93" creationId="{2513384B-399F-47B1-9ABD-172607AA4E6E}"/>
-          </ac:spMkLst>
-        </pc:spChg>
-        <pc:spChg chg="add del">
-          <ac:chgData name="MORLACCO LORENZO" userId="S::lorenzo.morlacco@studenti.unicam.it::54291d95-2e02-4358-9635-1ef35feff65f" providerId="AD" clId="Web-{2E88412A-3638-5D68-2A0F-5AA85DAE470F}" dt="2021-12-11T14:05:55.374" v="5"/>
-          <ac:spMkLst>
-            <pc:docMk/>
-            <pc:sldMk cId="4229398084" sldId="257"/>
-            <ac:spMk id="116" creationId="{6A10670B-6568-4038-91D8-392C78C0CFE4}"/>
-          </ac:spMkLst>
-        </pc:spChg>
-        <pc:spChg chg="add del">
-          <ac:chgData name="MORLACCO LORENZO" userId="S::lorenzo.morlacco@studenti.unicam.it::54291d95-2e02-4358-9635-1ef35feff65f" providerId="AD" clId="Web-{2E88412A-3638-5D68-2A0F-5AA85DAE470F}" dt="2021-12-11T14:05:55.374" v="5"/>
-          <ac:spMkLst>
-            <pc:docMk/>
-            <pc:sldMk cId="4229398084" sldId="257"/>
-            <ac:spMk id="118" creationId="{62163DB6-3EE7-474C-8726-1A05F7DE4229}"/>
-          </ac:spMkLst>
-        </pc:spChg>
-        <pc:spChg chg="add del">
-          <ac:chgData name="MORLACCO LORENZO" userId="S::lorenzo.morlacco@studenti.unicam.it::54291d95-2e02-4358-9635-1ef35feff65f" providerId="AD" clId="Web-{2E88412A-3638-5D68-2A0F-5AA85DAE470F}" dt="2021-12-11T14:05:55.374" v="5"/>
-          <ac:spMkLst>
-            <pc:docMk/>
-            <pc:sldMk cId="4229398084" sldId="257"/>
-            <ac:spMk id="120" creationId="{57ABABA7-0420-4200-9B65-1C1967CE9373}"/>
-          </ac:spMkLst>
-        </pc:spChg>
-        <pc:spChg chg="add del">
-          <ac:chgData name="MORLACCO LORENZO" userId="S::lorenzo.morlacco@studenti.unicam.it::54291d95-2e02-4358-9635-1ef35feff65f" providerId="AD" clId="Web-{2E88412A-3638-5D68-2A0F-5AA85DAE470F}" dt="2021-12-11T14:05:55.374" v="5"/>
-          <ac:spMkLst>
-            <pc:docMk/>
-            <pc:sldMk cId="4229398084" sldId="257"/>
-            <ac:spMk id="122" creationId="{1E86F813-D67B-409D-AA77-FA8878C28E40}"/>
-          </ac:spMkLst>
-        </pc:spChg>
-        <pc:grpChg chg="add del">
-          <ac:chgData name="MORLACCO LORENZO" userId="S::lorenzo.morlacco@studenti.unicam.it::54291d95-2e02-4358-9635-1ef35feff65f" providerId="AD" clId="Web-{2E88412A-3638-5D68-2A0F-5AA85DAE470F}" dt="2021-12-11T14:05:55.390" v="6"/>
-          <ac:grpSpMkLst>
-            <pc:docMk/>
-            <pc:sldMk cId="4229398084" sldId="257"/>
-            <ac:grpSpMk id="12" creationId="{04E9F44E-02E7-4A97-B7DB-1DB0F1F4EB04}"/>
-          </ac:grpSpMkLst>
-        </pc:grpChg>
-        <pc:grpChg chg="add del">
-          <ac:chgData name="MORLACCO LORENZO" userId="S::lorenzo.morlacco@studenti.unicam.it::54291d95-2e02-4358-9635-1ef35feff65f" providerId="AD" clId="Web-{2E88412A-3638-5D68-2A0F-5AA85DAE470F}" dt="2021-12-11T14:05:55.390" v="6"/>
-          <ac:grpSpMkLst>
-            <pc:docMk/>
-            <pc:sldMk cId="4229398084" sldId="257"/>
-            <ac:grpSpMk id="14" creationId="{3F22DE9C-F188-48E2-A82C-4434A8EEEA57}"/>
-          </ac:grpSpMkLst>
-        </pc:grpChg>
-        <pc:grpChg chg="add del">
-          <ac:chgData name="MORLACCO LORENZO" userId="S::lorenzo.morlacco@studenti.unicam.it::54291d95-2e02-4358-9635-1ef35feff65f" providerId="AD" clId="Web-{2E88412A-3638-5D68-2A0F-5AA85DAE470F}" dt="2021-12-11T14:05:32.999" v="1"/>
-          <ac:grpSpMkLst>
-            <pc:docMk/>
-            <pc:sldMk cId="4229398084" sldId="257"/>
-            <ac:grpSpMk id="15" creationId="{04E9F44E-02E7-4A97-B7DB-1DB0F1F4EB04}"/>
-          </ac:grpSpMkLst>
-        </pc:grpChg>
-        <pc:grpChg chg="add del">
-          <ac:chgData name="MORLACCO LORENZO" userId="S::lorenzo.morlacco@studenti.unicam.it::54291d95-2e02-4358-9635-1ef35feff65f" providerId="AD" clId="Web-{2E88412A-3638-5D68-2A0F-5AA85DAE470F}" dt="2021-12-11T14:05:32.999" v="1"/>
-          <ac:grpSpMkLst>
-            <pc:docMk/>
-            <pc:sldMk cId="4229398084" sldId="257"/>
-            <ac:grpSpMk id="29" creationId="{3F22DE9C-F188-48E2-A82C-4434A8EEEA57}"/>
-          </ac:grpSpMkLst>
-        </pc:grpChg>
-        <pc:grpChg chg="add del">
-          <ac:chgData name="MORLACCO LORENZO" userId="S::lorenzo.morlacco@studenti.unicam.it::54291d95-2e02-4358-9635-1ef35feff65f" providerId="AD" clId="Web-{2E88412A-3638-5D68-2A0F-5AA85DAE470F}" dt="2021-12-11T14:05:55.390" v="6"/>
-          <ac:grpSpMkLst>
-            <pc:docMk/>
-            <pc:sldMk cId="4229398084" sldId="257"/>
-            <ac:grpSpMk id="65" creationId="{40A75861-F6C5-44A9-B161-B03701CBDE0C}"/>
-          </ac:grpSpMkLst>
-        </pc:grpChg>
-        <pc:grpChg chg="add del">
-          <ac:chgData name="MORLACCO LORENZO" userId="S::lorenzo.morlacco@studenti.unicam.it::54291d95-2e02-4358-9635-1ef35feff65f" providerId="AD" clId="Web-{2E88412A-3638-5D68-2A0F-5AA85DAE470F}" dt="2021-12-11T14:05:55.390" v="6"/>
-          <ac:grpSpMkLst>
-            <pc:docMk/>
-            <pc:sldMk cId="4229398084" sldId="257"/>
-            <ac:grpSpMk id="81" creationId="{5D1545E6-EB3C-4478-A661-A2CA963F129C}"/>
-          </ac:grpSpMkLst>
-        </pc:grpChg>
-        <pc:grpChg chg="add del">
-          <ac:chgData name="MORLACCO LORENZO" userId="S::lorenzo.morlacco@studenti.unicam.it::54291d95-2e02-4358-9635-1ef35feff65f" providerId="AD" clId="Web-{2E88412A-3638-5D68-2A0F-5AA85DAE470F}" dt="2021-12-11T14:05:55.374" v="5"/>
-          <ac:grpSpMkLst>
-            <pc:docMk/>
-            <pc:sldMk cId="4229398084" sldId="257"/>
-            <ac:grpSpMk id="88" creationId="{04E9F44E-02E7-4A97-B7DB-1DB0F1F4EB04}"/>
-          </ac:grpSpMkLst>
-        </pc:grpChg>
-        <pc:grpChg chg="add del">
-          <ac:chgData name="MORLACCO LORENZO" userId="S::lorenzo.morlacco@studenti.unicam.it::54291d95-2e02-4358-9635-1ef35feff65f" providerId="AD" clId="Web-{2E88412A-3638-5D68-2A0F-5AA85DAE470F}" dt="2021-12-11T14:05:55.374" v="5"/>
-          <ac:grpSpMkLst>
-            <pc:docMk/>
-            <pc:sldMk cId="4229398084" sldId="257"/>
-            <ac:grpSpMk id="102" creationId="{3F22DE9C-F188-48E2-A82C-4434A8EEEA57}"/>
-          </ac:grpSpMkLst>
-        </pc:grpChg>
-        <pc:picChg chg="add">
-          <ac:chgData name="MORLACCO LORENZO" userId="S::lorenzo.morlacco@studenti.unicam.it::54291d95-2e02-4358-9635-1ef35feff65f" providerId="AD" clId="Web-{2E88412A-3638-5D68-2A0F-5AA85DAE470F}" dt="2021-12-11T14:05:55.390" v="6"/>
-          <ac:picMkLst>
-            <pc:docMk/>
-            <pc:sldMk cId="4229398084" sldId="257"/>
-            <ac:picMk id="85" creationId="{44E0A77A-EFFE-492D-9558-8307748CCF4F}"/>
-          </ac:picMkLst>
-        </pc:picChg>
-        <pc:cxnChg chg="add del">
-          <ac:chgData name="MORLACCO LORENZO" userId="S::lorenzo.morlacco@studenti.unicam.it::54291d95-2e02-4358-9635-1ef35feff65f" providerId="AD" clId="Web-{2E88412A-3638-5D68-2A0F-5AA85DAE470F}" dt="2021-12-11T14:05:32.999" v="1"/>
-          <ac:cxnSpMkLst>
-            <pc:docMk/>
-            <pc:sldMk cId="4229398084" sldId="257"/>
-            <ac:cxnSpMk id="51" creationId="{34D43EC1-35FA-4FC3-8526-F655CEB09D9C}"/>
-          </ac:cxnSpMkLst>
-        </pc:cxnChg>
-      </pc:sldChg>
-      <pc:sldChg chg="new del">
-        <pc:chgData name="MORLACCO LORENZO" userId="S::lorenzo.morlacco@studenti.unicam.it::54291d95-2e02-4358-9635-1ef35feff65f" providerId="AD" clId="Web-{2E88412A-3638-5D68-2A0F-5AA85DAE470F}" dt="2021-12-11T14:46:05.641" v="180"/>
-        <pc:sldMkLst>
-          <pc:docMk/>
-          <pc:sldMk cId="4285951181" sldId="258"/>
-        </pc:sldMkLst>
-      </pc:sldChg>
-      <pc:sldChg chg="modSp add replId">
-        <pc:chgData name="MORLACCO LORENZO" userId="S::lorenzo.morlacco@studenti.unicam.it::54291d95-2e02-4358-9635-1ef35feff65f" providerId="AD" clId="Web-{2E88412A-3638-5D68-2A0F-5AA85DAE470F}" dt="2021-12-11T16:04:18.038" v="407" actId="20577"/>
-        <pc:sldMkLst>
-          <pc:docMk/>
-          <pc:sldMk cId="1631322759" sldId="259"/>
-        </pc:sldMkLst>
-        <pc:spChg chg="mod">
-          <ac:chgData name="MORLACCO LORENZO" userId="S::lorenzo.morlacco@studenti.unicam.it::54291d95-2e02-4358-9635-1ef35feff65f" providerId="AD" clId="Web-{2E88412A-3638-5D68-2A0F-5AA85DAE470F}" dt="2021-12-11T15:08:04.241" v="289" actId="20577"/>
-          <ac:spMkLst>
-            <pc:docMk/>
-            <pc:sldMk cId="1631322759" sldId="259"/>
-            <ac:spMk id="2" creationId="{EE402CF0-08BA-4A76-BB35-3F8A866D0C66}"/>
-          </ac:spMkLst>
-        </pc:spChg>
-        <pc:spChg chg="mod">
-          <ac:chgData name="MORLACCO LORENZO" userId="S::lorenzo.morlacco@studenti.unicam.it::54291d95-2e02-4358-9635-1ef35feff65f" providerId="AD" clId="Web-{2E88412A-3638-5D68-2A0F-5AA85DAE470F}" dt="2021-12-11T16:04:18.038" v="407" actId="20577"/>
-          <ac:spMkLst>
-            <pc:docMk/>
-            <pc:sldMk cId="1631322759" sldId="259"/>
-            <ac:spMk id="3" creationId="{D5C6D999-65D6-4EE9-9528-22AEAA589580}"/>
-          </ac:spMkLst>
-        </pc:spChg>
-        <pc:picChg chg="mod">
-          <ac:chgData name="MORLACCO LORENZO" userId="S::lorenzo.morlacco@studenti.unicam.it::54291d95-2e02-4358-9635-1ef35feff65f" providerId="AD" clId="Web-{2E88412A-3638-5D68-2A0F-5AA85DAE470F}" dt="2021-12-11T16:04:10.460" v="403" actId="1076"/>
-          <ac:picMkLst>
-            <pc:docMk/>
-            <pc:sldMk cId="1631322759" sldId="259"/>
-            <ac:picMk id="85" creationId="{44E0A77A-EFFE-492D-9558-8307748CCF4F}"/>
-          </ac:picMkLst>
-        </pc:picChg>
-      </pc:sldChg>
-      <pc:sldChg chg="addSp delSp modSp add replId">
-        <pc:chgData name="MORLACCO LORENZO" userId="S::lorenzo.morlacco@studenti.unicam.it::54291d95-2e02-4358-9635-1ef35feff65f" providerId="AD" clId="Web-{2E88412A-3638-5D68-2A0F-5AA85DAE470F}" dt="2021-12-11T15:27:54.806" v="317" actId="1076"/>
-        <pc:sldMkLst>
-          <pc:docMk/>
-          <pc:sldMk cId="2527810687" sldId="260"/>
-        </pc:sldMkLst>
-        <pc:spChg chg="mod">
-          <ac:chgData name="MORLACCO LORENZO" userId="S::lorenzo.morlacco@studenti.unicam.it::54291d95-2e02-4358-9635-1ef35feff65f" providerId="AD" clId="Web-{2E88412A-3638-5D68-2A0F-5AA85DAE470F}" dt="2021-12-11T15:16:42.817" v="302" actId="20577"/>
-          <ac:spMkLst>
-            <pc:docMk/>
-            <pc:sldMk cId="2527810687" sldId="260"/>
-            <ac:spMk id="2" creationId="{EE402CF0-08BA-4A76-BB35-3F8A866D0C66}"/>
-          </ac:spMkLst>
-        </pc:spChg>
-        <pc:spChg chg="del mod">
-          <ac:chgData name="MORLACCO LORENZO" userId="S::lorenzo.morlacco@studenti.unicam.it::54291d95-2e02-4358-9635-1ef35feff65f" providerId="AD" clId="Web-{2E88412A-3638-5D68-2A0F-5AA85DAE470F}" dt="2021-12-11T15:27:28.321" v="308"/>
-          <ac:spMkLst>
-            <pc:docMk/>
-            <pc:sldMk cId="2527810687" sldId="260"/>
-            <ac:spMk id="3" creationId="{D5C6D999-65D6-4EE9-9528-22AEAA589580}"/>
-          </ac:spMkLst>
-        </pc:spChg>
-        <pc:picChg chg="add mod ord">
-          <ac:chgData name="MORLACCO LORENZO" userId="S::lorenzo.morlacco@studenti.unicam.it::54291d95-2e02-4358-9635-1ef35feff65f" providerId="AD" clId="Web-{2E88412A-3638-5D68-2A0F-5AA85DAE470F}" dt="2021-12-11T15:27:54.806" v="317" actId="1076"/>
-          <ac:picMkLst>
-            <pc:docMk/>
-            <pc:sldMk cId="2527810687" sldId="260"/>
-            <ac:picMk id="4" creationId="{9669EB75-DC52-4296-9C82-273587F942C4}"/>
-          </ac:picMkLst>
-        </pc:picChg>
-        <pc:picChg chg="mod">
-          <ac:chgData name="MORLACCO LORENZO" userId="S::lorenzo.morlacco@studenti.unicam.it::54291d95-2e02-4358-9635-1ef35feff65f" providerId="AD" clId="Web-{2E88412A-3638-5D68-2A0F-5AA85DAE470F}" dt="2021-12-11T15:26:52.367" v="305" actId="1076"/>
-          <ac:picMkLst>
-            <pc:docMk/>
-            <pc:sldMk cId="2527810687" sldId="260"/>
-            <ac:picMk id="85" creationId="{44E0A77A-EFFE-492D-9558-8307748CCF4F}"/>
-          </ac:picMkLst>
-        </pc:picChg>
-      </pc:sldChg>
-      <pc:sldChg chg="addSp delSp modSp add replId">
-        <pc:chgData name="MORLACCO LORENZO" userId="S::lorenzo.morlacco@studenti.unicam.it::54291d95-2e02-4358-9635-1ef35feff65f" providerId="AD" clId="Web-{2E88412A-3638-5D68-2A0F-5AA85DAE470F}" dt="2021-12-11T15:40:17.250" v="344" actId="20577"/>
-        <pc:sldMkLst>
-          <pc:docMk/>
-          <pc:sldMk cId="1826112408" sldId="261"/>
-        </pc:sldMkLst>
-        <pc:spChg chg="del mod">
-          <ac:chgData name="MORLACCO LORENZO" userId="S::lorenzo.morlacco@studenti.unicam.it::54291d95-2e02-4358-9635-1ef35feff65f" providerId="AD" clId="Web-{2E88412A-3638-5D68-2A0F-5AA85DAE470F}" dt="2021-12-11T15:28:27.291" v="321"/>
-          <ac:spMkLst>
-            <pc:docMk/>
-            <pc:sldMk cId="1826112408" sldId="261"/>
-            <ac:spMk id="2" creationId="{EE402CF0-08BA-4A76-BB35-3F8A866D0C66}"/>
-          </ac:spMkLst>
-        </pc:spChg>
-        <pc:spChg chg="add mod">
-          <ac:chgData name="MORLACCO LORENZO" userId="S::lorenzo.morlacco@studenti.unicam.it::54291d95-2e02-4358-9635-1ef35feff65f" providerId="AD" clId="Web-{2E88412A-3638-5D68-2A0F-5AA85DAE470F}" dt="2021-12-11T15:40:17.250" v="344" actId="20577"/>
-          <ac:spMkLst>
-            <pc:docMk/>
-            <pc:sldMk cId="1826112408" sldId="261"/>
-            <ac:spMk id="5" creationId="{059684AB-E8B0-45C1-BD50-A508DBA0FB51}"/>
-          </ac:spMkLst>
-        </pc:spChg>
-        <pc:picChg chg="del">
-          <ac:chgData name="MORLACCO LORENZO" userId="S::lorenzo.morlacco@studenti.unicam.it::54291d95-2e02-4358-9635-1ef35feff65f" providerId="AD" clId="Web-{2E88412A-3638-5D68-2A0F-5AA85DAE470F}" dt="2021-12-11T15:28:21.635" v="319"/>
-          <ac:picMkLst>
-            <pc:docMk/>
-            <pc:sldMk cId="1826112408" sldId="261"/>
-            <ac:picMk id="4" creationId="{9669EB75-DC52-4296-9C82-273587F942C4}"/>
-          </ac:picMkLst>
-        </pc:picChg>
-      </pc:sldChg>
-      <pc:sldChg chg="modSp add ord replId">
-        <pc:chgData name="MORLACCO LORENZO" userId="S::lorenzo.morlacco@studenti.unicam.it::54291d95-2e02-4358-9635-1ef35feff65f" providerId="AD" clId="Web-{2E88412A-3638-5D68-2A0F-5AA85DAE470F}" dt="2021-12-11T16:36:12.053" v="424" actId="20577"/>
-        <pc:sldMkLst>
-          <pc:docMk/>
-          <pc:sldMk cId="2136501127" sldId="262"/>
-        </pc:sldMkLst>
-        <pc:spChg chg="mod">
-          <ac:chgData name="MORLACCO LORENZO" userId="S::lorenzo.morlacco@studenti.unicam.it::54291d95-2e02-4358-9635-1ef35feff65f" providerId="AD" clId="Web-{2E88412A-3638-5D68-2A0F-5AA85DAE470F}" dt="2021-12-11T15:47:13.902" v="352" actId="20577"/>
-          <ac:spMkLst>
-            <pc:docMk/>
-            <pc:sldMk cId="2136501127" sldId="262"/>
-            <ac:spMk id="2" creationId="{EE402CF0-08BA-4A76-BB35-3F8A866D0C66}"/>
-          </ac:spMkLst>
-        </pc:spChg>
-        <pc:spChg chg="mod">
-          <ac:chgData name="MORLACCO LORENZO" userId="S::lorenzo.morlacco@studenti.unicam.it::54291d95-2e02-4358-9635-1ef35feff65f" providerId="AD" clId="Web-{2E88412A-3638-5D68-2A0F-5AA85DAE470F}" dt="2021-12-11T16:36:12.053" v="424" actId="20577"/>
-          <ac:spMkLst>
-            <pc:docMk/>
-            <pc:sldMk cId="2136501127" sldId="262"/>
-            <ac:spMk id="3" creationId="{D5C6D999-65D6-4EE9-9528-22AEAA589580}"/>
-          </ac:spMkLst>
-        </pc:spChg>
-      </pc:sldChg>
-      <pc:sldChg chg="modSp add replId">
-        <pc:chgData name="MORLACCO LORENZO" userId="S::lorenzo.morlacco@studenti.unicam.it::54291d95-2e02-4358-9635-1ef35feff65f" providerId="AD" clId="Web-{2E88412A-3638-5D68-2A0F-5AA85DAE470F}" dt="2021-12-11T16:42:40.826" v="592" actId="20577"/>
-        <pc:sldMkLst>
-          <pc:docMk/>
-          <pc:sldMk cId="752975945" sldId="263"/>
-        </pc:sldMkLst>
-        <pc:spChg chg="mod">
-          <ac:chgData name="MORLACCO LORENZO" userId="S::lorenzo.morlacco@studenti.unicam.it::54291d95-2e02-4358-9635-1ef35feff65f" providerId="AD" clId="Web-{2E88412A-3638-5D68-2A0F-5AA85DAE470F}" dt="2021-12-11T16:37:27.476" v="428" actId="20577"/>
-          <ac:spMkLst>
-            <pc:docMk/>
-            <pc:sldMk cId="752975945" sldId="263"/>
-            <ac:spMk id="2" creationId="{EE402CF0-08BA-4A76-BB35-3F8A866D0C66}"/>
-          </ac:spMkLst>
-        </pc:spChg>
-        <pc:spChg chg="mod">
-          <ac:chgData name="MORLACCO LORENZO" userId="S::lorenzo.morlacco@studenti.unicam.it::54291d95-2e02-4358-9635-1ef35feff65f" providerId="AD" clId="Web-{2E88412A-3638-5D68-2A0F-5AA85DAE470F}" dt="2021-12-11T16:42:40.826" v="592" actId="20577"/>
-          <ac:spMkLst>
-            <pc:docMk/>
-            <pc:sldMk cId="752975945" sldId="263"/>
-            <ac:spMk id="3" creationId="{D5C6D999-65D6-4EE9-9528-22AEAA589580}"/>
-          </ac:spMkLst>
-        </pc:spChg>
-      </pc:sldChg>
-      <pc:sldChg chg="modSp add replId">
-        <pc:chgData name="MORLACCO LORENZO" userId="S::lorenzo.morlacco@studenti.unicam.it::54291d95-2e02-4358-9635-1ef35feff65f" providerId="AD" clId="Web-{2E88412A-3638-5D68-2A0F-5AA85DAE470F}" dt="2021-12-11T16:43:00.686" v="598" actId="20577"/>
-        <pc:sldMkLst>
-          <pc:docMk/>
-          <pc:sldMk cId="3400147835" sldId="264"/>
-        </pc:sldMkLst>
-        <pc:spChg chg="mod">
-          <ac:chgData name="MORLACCO LORENZO" userId="S::lorenzo.morlacco@studenti.unicam.it::54291d95-2e02-4358-9635-1ef35feff65f" providerId="AD" clId="Web-{2E88412A-3638-5D68-2A0F-5AA85DAE470F}" dt="2021-12-11T16:42:51.420" v="596" actId="20577"/>
-          <ac:spMkLst>
-            <pc:docMk/>
-            <pc:sldMk cId="3400147835" sldId="264"/>
-            <ac:spMk id="2" creationId="{EE402CF0-08BA-4A76-BB35-3F8A866D0C66}"/>
-          </ac:spMkLst>
-        </pc:spChg>
-        <pc:spChg chg="mod">
-          <ac:chgData name="MORLACCO LORENZO" userId="S::lorenzo.morlacco@studenti.unicam.it::54291d95-2e02-4358-9635-1ef35feff65f" providerId="AD" clId="Web-{2E88412A-3638-5D68-2A0F-5AA85DAE470F}" dt="2021-12-11T16:43:00.686" v="598" actId="20577"/>
-          <ac:spMkLst>
-            <pc:docMk/>
-            <pc:sldMk cId="3400147835" sldId="264"/>
-            <ac:spMk id="3" creationId="{D5C6D999-65D6-4EE9-9528-22AEAA589580}"/>
-          </ac:spMkLst>
-        </pc:spChg>
-      </pc:sldChg>
-    </pc:docChg>
-  </pc:docChgLst>
-  <pc:docChgLst>
-    <pc:chgData name="MORLACCO LORENZO" userId="S::lorenzo.morlacco@studenti.unicam.it::54291d95-2e02-4358-9635-1ef35feff65f" providerId="AD" clId="Web-{5B1BFA35-B45C-07B4-F4BB-CA8BD145AF6A}"/>
-    <pc:docChg chg="addSld modSld sldOrd">
-      <pc:chgData name="MORLACCO LORENZO" userId="S::lorenzo.morlacco@studenti.unicam.it::54291d95-2e02-4358-9635-1ef35feff65f" providerId="AD" clId="Web-{5B1BFA35-B45C-07B4-F4BB-CA8BD145AF6A}" dt="2021-12-12T19:40:34.734" v="708" actId="20577"/>
-      <pc:docMkLst>
-        <pc:docMk/>
-      </pc:docMkLst>
-      <pc:sldChg chg="addSp modSp">
-        <pc:chgData name="MORLACCO LORENZO" userId="S::lorenzo.morlacco@studenti.unicam.it::54291d95-2e02-4358-9635-1ef35feff65f" providerId="AD" clId="Web-{5B1BFA35-B45C-07B4-F4BB-CA8BD145AF6A}" dt="2021-12-12T19:40:34.734" v="708" actId="20577"/>
-        <pc:sldMkLst>
-          <pc:docMk/>
-          <pc:sldMk cId="4229398084" sldId="257"/>
-        </pc:sldMkLst>
-        <pc:spChg chg="mod">
-          <ac:chgData name="MORLACCO LORENZO" userId="S::lorenzo.morlacco@studenti.unicam.it::54291d95-2e02-4358-9635-1ef35feff65f" providerId="AD" clId="Web-{5B1BFA35-B45C-07B4-F4BB-CA8BD145AF6A}" dt="2021-12-12T19:40:34.734" v="708" actId="20577"/>
-          <ac:spMkLst>
-            <pc:docMk/>
-            <pc:sldMk cId="4229398084" sldId="257"/>
-            <ac:spMk id="3" creationId="{D5C6D999-65D6-4EE9-9528-22AEAA589580}"/>
-          </ac:spMkLst>
-        </pc:spChg>
-        <pc:spChg chg="add mod">
-          <ac:chgData name="MORLACCO LORENZO" userId="S::lorenzo.morlacco@studenti.unicam.it::54291d95-2e02-4358-9635-1ef35feff65f" providerId="AD" clId="Web-{5B1BFA35-B45C-07B4-F4BB-CA8BD145AF6A}" dt="2021-12-12T09:10:09.195" v="527" actId="1076"/>
-          <ac:spMkLst>
-            <pc:docMk/>
-            <pc:sldMk cId="4229398084" sldId="257"/>
-            <ac:spMk id="4" creationId="{1F2BBCFB-FD3E-4297-8B11-18FE8D1A2F2D}"/>
-          </ac:spMkLst>
-        </pc:spChg>
-      </pc:sldChg>
-      <pc:sldChg chg="addSp modSp">
-        <pc:chgData name="MORLACCO LORENZO" userId="S::lorenzo.morlacco@studenti.unicam.it::54291d95-2e02-4358-9635-1ef35feff65f" providerId="AD" clId="Web-{5B1BFA35-B45C-07B4-F4BB-CA8BD145AF6A}" dt="2021-12-12T09:12:27.558" v="558" actId="1076"/>
-        <pc:sldMkLst>
-          <pc:docMk/>
-          <pc:sldMk cId="1631322759" sldId="259"/>
-        </pc:sldMkLst>
-        <pc:spChg chg="mod">
-          <ac:chgData name="MORLACCO LORENZO" userId="S::lorenzo.morlacco@studenti.unicam.it::54291d95-2e02-4358-9635-1ef35feff65f" providerId="AD" clId="Web-{5B1BFA35-B45C-07B4-F4BB-CA8BD145AF6A}" dt="2021-12-12T07:26:04.134" v="45" actId="20577"/>
-          <ac:spMkLst>
-            <pc:docMk/>
-            <pc:sldMk cId="1631322759" sldId="259"/>
-            <ac:spMk id="3" creationId="{D5C6D999-65D6-4EE9-9528-22AEAA589580}"/>
-          </ac:spMkLst>
-        </pc:spChg>
-        <pc:spChg chg="add mod">
-          <ac:chgData name="MORLACCO LORENZO" userId="S::lorenzo.morlacco@studenti.unicam.it::54291d95-2e02-4358-9635-1ef35feff65f" providerId="AD" clId="Web-{5B1BFA35-B45C-07B4-F4BB-CA8BD145AF6A}" dt="2021-12-12T09:12:27.558" v="558" actId="1076"/>
-          <ac:spMkLst>
-            <pc:docMk/>
-            <pc:sldMk cId="1631322759" sldId="259"/>
-            <ac:spMk id="4" creationId="{72E298A3-0797-4FCE-952A-201E5020658B}"/>
-          </ac:spMkLst>
-        </pc:spChg>
-      </pc:sldChg>
-      <pc:sldChg chg="addSp modSp">
-        <pc:chgData name="MORLACCO LORENZO" userId="S::lorenzo.morlacco@studenti.unicam.it::54291d95-2e02-4358-9635-1ef35feff65f" providerId="AD" clId="Web-{5B1BFA35-B45C-07B4-F4BB-CA8BD145AF6A}" dt="2021-12-12T09:12:07.464" v="557" actId="14100"/>
-        <pc:sldMkLst>
-          <pc:docMk/>
-          <pc:sldMk cId="2527810687" sldId="260"/>
-        </pc:sldMkLst>
-        <pc:spChg chg="mod">
-          <ac:chgData name="MORLACCO LORENZO" userId="S::lorenzo.morlacco@studenti.unicam.it::54291d95-2e02-4358-9635-1ef35feff65f" providerId="AD" clId="Web-{5B1BFA35-B45C-07B4-F4BB-CA8BD145AF6A}" dt="2021-12-12T09:11:56.807" v="549" actId="20577"/>
-          <ac:spMkLst>
-            <pc:docMk/>
-            <pc:sldMk cId="2527810687" sldId="260"/>
-            <ac:spMk id="2" creationId="{EE402CF0-08BA-4A76-BB35-3F8A866D0C66}"/>
-          </ac:spMkLst>
-        </pc:spChg>
-        <pc:spChg chg="add mod">
-          <ac:chgData name="MORLACCO LORENZO" userId="S::lorenzo.morlacco@studenti.unicam.it::54291d95-2e02-4358-9635-1ef35feff65f" providerId="AD" clId="Web-{5B1BFA35-B45C-07B4-F4BB-CA8BD145AF6A}" dt="2021-12-12T09:12:07.464" v="557" actId="14100"/>
-          <ac:spMkLst>
-            <pc:docMk/>
-            <pc:sldMk cId="2527810687" sldId="260"/>
-            <ac:spMk id="3" creationId="{D6505D8A-7153-4835-9639-41AC170308BA}"/>
-          </ac:spMkLst>
-        </pc:spChg>
-      </pc:sldChg>
-      <pc:sldChg chg="addSp modSp">
-        <pc:chgData name="MORLACCO LORENZO" userId="S::lorenzo.morlacco@studenti.unicam.it::54291d95-2e02-4358-9635-1ef35feff65f" providerId="AD" clId="Web-{5B1BFA35-B45C-07B4-F4BB-CA8BD145AF6A}" dt="2021-12-12T09:13:24.825" v="574" actId="1076"/>
-        <pc:sldMkLst>
-          <pc:docMk/>
-          <pc:sldMk cId="1826112408" sldId="261"/>
-        </pc:sldMkLst>
-        <pc:spChg chg="add mod">
-          <ac:chgData name="MORLACCO LORENZO" userId="S::lorenzo.morlacco@studenti.unicam.it::54291d95-2e02-4358-9635-1ef35feff65f" providerId="AD" clId="Web-{5B1BFA35-B45C-07B4-F4BB-CA8BD145AF6A}" dt="2021-12-12T09:13:24.825" v="574" actId="1076"/>
-          <ac:spMkLst>
-            <pc:docMk/>
-            <pc:sldMk cId="1826112408" sldId="261"/>
-            <ac:spMk id="2" creationId="{F83ADB71-6C2E-4651-9BB6-35D098D7D320}"/>
-          </ac:spMkLst>
-        </pc:spChg>
-      </pc:sldChg>
-      <pc:sldChg chg="addSp modSp ord">
-        <pc:chgData name="MORLACCO LORENZO" userId="S::lorenzo.morlacco@studenti.unicam.it::54291d95-2e02-4358-9635-1ef35feff65f" providerId="AD" clId="Web-{5B1BFA35-B45C-07B4-F4BB-CA8BD145AF6A}" dt="2021-12-12T19:39:35.514" v="692"/>
-        <pc:sldMkLst>
-          <pc:docMk/>
-          <pc:sldMk cId="2136501127" sldId="262"/>
-        </pc:sldMkLst>
-        <pc:spChg chg="mod">
-          <ac:chgData name="MORLACCO LORENZO" userId="S::lorenzo.morlacco@studenti.unicam.it::54291d95-2e02-4358-9635-1ef35feff65f" providerId="AD" clId="Web-{5B1BFA35-B45C-07B4-F4BB-CA8BD145AF6A}" dt="2021-12-12T09:04:11.061" v="485" actId="1076"/>
-          <ac:spMkLst>
-            <pc:docMk/>
-            <pc:sldMk cId="2136501127" sldId="262"/>
-            <ac:spMk id="3" creationId="{D5C6D999-65D6-4EE9-9528-22AEAA589580}"/>
-          </ac:spMkLst>
-        </pc:spChg>
-        <pc:spChg chg="add mod">
-          <ac:chgData name="MORLACCO LORENZO" userId="S::lorenzo.morlacco@studenti.unicam.it::54291d95-2e02-4358-9635-1ef35feff65f" providerId="AD" clId="Web-{5B1BFA35-B45C-07B4-F4BB-CA8BD145AF6A}" dt="2021-12-12T09:13:45.669" v="578" actId="1076"/>
-          <ac:spMkLst>
-            <pc:docMk/>
-            <pc:sldMk cId="2136501127" sldId="262"/>
-            <ac:spMk id="4" creationId="{4A86D865-6319-4F73-B2CC-CDAE0369FC28}"/>
-          </ac:spMkLst>
-        </pc:spChg>
-      </pc:sldChg>
-      <pc:sldChg chg="addSp modSp">
-        <pc:chgData name="MORLACCO LORENZO" userId="S::lorenzo.morlacco@studenti.unicam.it::54291d95-2e02-4358-9635-1ef35feff65f" providerId="AD" clId="Web-{5B1BFA35-B45C-07B4-F4BB-CA8BD145AF6A}" dt="2021-12-12T19:39:34.296" v="691" actId="20577"/>
-        <pc:sldMkLst>
-          <pc:docMk/>
-          <pc:sldMk cId="752975945" sldId="263"/>
-        </pc:sldMkLst>
-        <pc:spChg chg="mod">
-          <ac:chgData name="MORLACCO LORENZO" userId="S::lorenzo.morlacco@studenti.unicam.it::54291d95-2e02-4358-9635-1ef35feff65f" providerId="AD" clId="Web-{5B1BFA35-B45C-07B4-F4BB-CA8BD145AF6A}" dt="2021-12-12T19:39:34.296" v="691" actId="20577"/>
-          <ac:spMkLst>
-            <pc:docMk/>
-            <pc:sldMk cId="752975945" sldId="263"/>
-            <ac:spMk id="3" creationId="{D5C6D999-65D6-4EE9-9528-22AEAA589580}"/>
-          </ac:spMkLst>
-        </pc:spChg>
-        <pc:spChg chg="add mod">
-          <ac:chgData name="MORLACCO LORENZO" userId="S::lorenzo.morlacco@studenti.unicam.it::54291d95-2e02-4358-9635-1ef35feff65f" providerId="AD" clId="Web-{5B1BFA35-B45C-07B4-F4BB-CA8BD145AF6A}" dt="2021-12-12T09:14:16.045" v="583" actId="1076"/>
-          <ac:spMkLst>
-            <pc:docMk/>
-            <pc:sldMk cId="752975945" sldId="263"/>
-            <ac:spMk id="4" creationId="{F7418FC5-82CA-4F9B-A1D2-B8B2DBB17F8F}"/>
-          </ac:spMkLst>
-        </pc:spChg>
-      </pc:sldChg>
-      <pc:sldChg chg="addSp delSp modSp ord">
-        <pc:chgData name="MORLACCO LORENZO" userId="S::lorenzo.morlacco@studenti.unicam.it::54291d95-2e02-4358-9635-1ef35feff65f" providerId="AD" clId="Web-{5B1BFA35-B45C-07B4-F4BB-CA8BD145AF6A}" dt="2021-12-12T19:39:37.061" v="693"/>
-        <pc:sldMkLst>
-          <pc:docMk/>
-          <pc:sldMk cId="3400147835" sldId="264"/>
-        </pc:sldMkLst>
-        <pc:spChg chg="mod">
-          <ac:chgData name="MORLACCO LORENZO" userId="S::lorenzo.morlacco@studenti.unicam.it::54291d95-2e02-4358-9635-1ef35feff65f" providerId="AD" clId="Web-{5B1BFA35-B45C-07B4-F4BB-CA8BD145AF6A}" dt="2021-12-12T19:23:16.279" v="682" actId="20577"/>
-          <ac:spMkLst>
-            <pc:docMk/>
-            <pc:sldMk cId="3400147835" sldId="264"/>
-            <ac:spMk id="3" creationId="{D5C6D999-65D6-4EE9-9528-22AEAA589580}"/>
-          </ac:spMkLst>
-        </pc:spChg>
-        <pc:spChg chg="add del">
-          <ac:chgData name="MORLACCO LORENZO" userId="S::lorenzo.morlacco@studenti.unicam.it::54291d95-2e02-4358-9635-1ef35feff65f" providerId="AD" clId="Web-{5B1BFA35-B45C-07B4-F4BB-CA8BD145AF6A}" dt="2021-12-12T19:22:18.949" v="674"/>
-          <ac:spMkLst>
-            <pc:docMk/>
-            <pc:sldMk cId="3400147835" sldId="264"/>
-            <ac:spMk id="4" creationId="{A4CBC59B-1BE0-4449-BFB3-D80D0FA6A970}"/>
-          </ac:spMkLst>
-        </pc:spChg>
-        <pc:spChg chg="add mod">
-          <ac:chgData name="MORLACCO LORENZO" userId="S::lorenzo.morlacco@studenti.unicam.it::54291d95-2e02-4358-9635-1ef35feff65f" providerId="AD" clId="Web-{5B1BFA35-B45C-07B4-F4BB-CA8BD145AF6A}" dt="2021-12-12T09:14:48.452" v="594" actId="1076"/>
-          <ac:spMkLst>
-            <pc:docMk/>
-            <pc:sldMk cId="3400147835" sldId="264"/>
-            <ac:spMk id="5" creationId="{D5CCC6AE-359E-4F0C-9FA2-5E6B4EC02A19}"/>
-          </ac:spMkLst>
-        </pc:spChg>
-      </pc:sldChg>
-      <pc:sldChg chg="addSp delSp modSp add ord replId">
-        <pc:chgData name="MORLACCO LORENZO" userId="S::lorenzo.morlacco@studenti.unicam.it::54291d95-2e02-4358-9635-1ef35feff65f" providerId="AD" clId="Web-{5B1BFA35-B45C-07B4-F4BB-CA8BD145AF6A}" dt="2021-12-12T19:39:40.108" v="694"/>
-        <pc:sldMkLst>
-          <pc:docMk/>
-          <pc:sldMk cId="3482265382" sldId="265"/>
-        </pc:sldMkLst>
-        <pc:spChg chg="mod">
-          <ac:chgData name="MORLACCO LORENZO" userId="S::lorenzo.morlacco@studenti.unicam.it::54291d95-2e02-4358-9635-1ef35feff65f" providerId="AD" clId="Web-{5B1BFA35-B45C-07B4-F4BB-CA8BD145AF6A}" dt="2021-12-12T08:15:17.678" v="310" actId="20577"/>
-          <ac:spMkLst>
-            <pc:docMk/>
-            <pc:sldMk cId="3482265382" sldId="265"/>
-            <ac:spMk id="2" creationId="{EE402CF0-08BA-4A76-BB35-3F8A866D0C66}"/>
-          </ac:spMkLst>
-        </pc:spChg>
-        <pc:spChg chg="mod">
-          <ac:chgData name="MORLACCO LORENZO" userId="S::lorenzo.morlacco@studenti.unicam.it::54291d95-2e02-4358-9635-1ef35feff65f" providerId="AD" clId="Web-{5B1BFA35-B45C-07B4-F4BB-CA8BD145AF6A}" dt="2021-12-12T09:04:28.092" v="486" actId="20577"/>
-          <ac:spMkLst>
-            <pc:docMk/>
-            <pc:sldMk cId="3482265382" sldId="265"/>
-            <ac:spMk id="3" creationId="{D5C6D999-65D6-4EE9-9528-22AEAA589580}"/>
-          </ac:spMkLst>
-        </pc:spChg>
-        <pc:spChg chg="add">
-          <ac:chgData name="MORLACCO LORENZO" userId="S::lorenzo.morlacco@studenti.unicam.it::54291d95-2e02-4358-9635-1ef35feff65f" providerId="AD" clId="Web-{5B1BFA35-B45C-07B4-F4BB-CA8BD145AF6A}" dt="2021-12-12T09:15:06.687" v="595"/>
-          <ac:spMkLst>
-            <pc:docMk/>
-            <pc:sldMk cId="3482265382" sldId="265"/>
-            <ac:spMk id="5" creationId="{C5F72088-089E-4D99-847D-98D8D63893F5}"/>
-          </ac:spMkLst>
-        </pc:spChg>
-        <pc:picChg chg="add del mod">
-          <ac:chgData name="MORLACCO LORENZO" userId="S::lorenzo.morlacco@studenti.unicam.it::54291d95-2e02-4358-9635-1ef35feff65f" providerId="AD" clId="Web-{5B1BFA35-B45C-07B4-F4BB-CA8BD145AF6A}" dt="2021-12-12T09:04:31.671" v="487"/>
-          <ac:picMkLst>
-            <pc:docMk/>
-            <pc:sldMk cId="3482265382" sldId="265"/>
-            <ac:picMk id="4" creationId="{E55C7950-2537-4C62-99CE-28EFC2E140C5}"/>
-          </ac:picMkLst>
-        </pc:picChg>
-      </pc:sldChg>
-      <pc:sldChg chg="addSp modSp add ord replId">
-        <pc:chgData name="MORLACCO LORENZO" userId="S::lorenzo.morlacco@studenti.unicam.it::54291d95-2e02-4358-9635-1ef35feff65f" providerId="AD" clId="Web-{5B1BFA35-B45C-07B4-F4BB-CA8BD145AF6A}" dt="2021-12-12T19:40:00.171" v="697"/>
-        <pc:sldMkLst>
-          <pc:docMk/>
-          <pc:sldMk cId="11786322" sldId="266"/>
-        </pc:sldMkLst>
-        <pc:spChg chg="mod">
-          <ac:chgData name="MORLACCO LORENZO" userId="S::lorenzo.morlacco@studenti.unicam.it::54291d95-2e02-4358-9635-1ef35feff65f" providerId="AD" clId="Web-{5B1BFA35-B45C-07B4-F4BB-CA8BD145AF6A}" dt="2021-12-12T09:06:14.017" v="510" actId="14100"/>
-          <ac:spMkLst>
-            <pc:docMk/>
-            <pc:sldMk cId="11786322" sldId="266"/>
-            <ac:spMk id="2" creationId="{EE402CF0-08BA-4A76-BB35-3F8A866D0C66}"/>
-          </ac:spMkLst>
-        </pc:spChg>
-        <pc:spChg chg="mod">
-          <ac:chgData name="MORLACCO LORENZO" userId="S::lorenzo.morlacco@studenti.unicam.it::54291d95-2e02-4358-9635-1ef35feff65f" providerId="AD" clId="Web-{5B1BFA35-B45C-07B4-F4BB-CA8BD145AF6A}" dt="2021-12-12T09:08:19.380" v="515" actId="20577"/>
-          <ac:spMkLst>
-            <pc:docMk/>
-            <pc:sldMk cId="11786322" sldId="266"/>
-            <ac:spMk id="3" creationId="{D5C6D999-65D6-4EE9-9528-22AEAA589580}"/>
-          </ac:spMkLst>
-        </pc:spChg>
-        <pc:spChg chg="add">
-          <ac:chgData name="MORLACCO LORENZO" userId="S::lorenzo.morlacco@studenti.unicam.it::54291d95-2e02-4358-9635-1ef35feff65f" providerId="AD" clId="Web-{5B1BFA35-B45C-07B4-F4BB-CA8BD145AF6A}" dt="2021-12-12T09:15:13.359" v="596"/>
-          <ac:spMkLst>
-            <pc:docMk/>
-            <pc:sldMk cId="11786322" sldId="266"/>
-            <ac:spMk id="4" creationId="{4A1C261F-5B2A-43D4-9AAB-AA42AA5C237E}"/>
-          </ac:spMkLst>
-        </pc:spChg>
-      </pc:sldChg>
-      <pc:sldChg chg="addSp modSp add ord replId">
-        <pc:chgData name="MORLACCO LORENZO" userId="S::lorenzo.morlacco@studenti.unicam.it::54291d95-2e02-4358-9635-1ef35feff65f" providerId="AD" clId="Web-{5B1BFA35-B45C-07B4-F4BB-CA8BD145AF6A}" dt="2021-12-12T19:39:45.593" v="696"/>
-        <pc:sldMkLst>
-          <pc:docMk/>
-          <pc:sldMk cId="1371090573" sldId="267"/>
-        </pc:sldMkLst>
-        <pc:spChg chg="mod">
-          <ac:chgData name="MORLACCO LORENZO" userId="S::lorenzo.morlacco@studenti.unicam.it::54291d95-2e02-4358-9635-1ef35feff65f" providerId="AD" clId="Web-{5B1BFA35-B45C-07B4-F4BB-CA8BD145AF6A}" dt="2021-12-12T17:04:03.932" v="624" actId="14100"/>
-          <ac:spMkLst>
-            <pc:docMk/>
-            <pc:sldMk cId="1371090573" sldId="267"/>
-            <ac:spMk id="2" creationId="{EE402CF0-08BA-4A76-BB35-3F8A866D0C66}"/>
-          </ac:spMkLst>
-        </pc:spChg>
-        <pc:spChg chg="mod">
-          <ac:chgData name="MORLACCO LORENZO" userId="S::lorenzo.morlacco@studenti.unicam.it::54291d95-2e02-4358-9635-1ef35feff65f" providerId="AD" clId="Web-{5B1BFA35-B45C-07B4-F4BB-CA8BD145AF6A}" dt="2021-12-12T17:07:14.451" v="673" actId="20577"/>
-          <ac:spMkLst>
-            <pc:docMk/>
-            <pc:sldMk cId="1371090573" sldId="267"/>
-            <ac:spMk id="3" creationId="{D5C6D999-65D6-4EE9-9528-22AEAA589580}"/>
-          </ac:spMkLst>
-        </pc:spChg>
-        <pc:spChg chg="add">
-          <ac:chgData name="MORLACCO LORENZO" userId="S::lorenzo.morlacco@studenti.unicam.it::54291d95-2e02-4358-9635-1ef35feff65f" providerId="AD" clId="Web-{5B1BFA35-B45C-07B4-F4BB-CA8BD145AF6A}" dt="2021-12-12T09:15:20.672" v="597"/>
-          <ac:spMkLst>
-            <pc:docMk/>
-            <pc:sldMk cId="1371090573" sldId="267"/>
-            <ac:spMk id="4" creationId="{4FF8D536-9CBD-403A-A383-2D795E7BF856}"/>
-          </ac:spMkLst>
-        </pc:spChg>
-      </pc:sldChg>
-    </pc:docChg>
-  </pc:docChgLst>
-  <pc:docChgLst>
-    <pc:chgData name="MORLACCO LORENZO" userId="S::lorenzo.morlacco@studenti.unicam.it::54291d95-2e02-4358-9635-1ef35feff65f" providerId="AD" clId="Web-{77232E76-2D2F-9C0C-2294-B0C98A5A0EB1}"/>
-    <pc:docChg chg="modSld">
-      <pc:chgData name="MORLACCO LORENZO" userId="S::lorenzo.morlacco@studenti.unicam.it::54291d95-2e02-4358-9635-1ef35feff65f" providerId="AD" clId="Web-{77232E76-2D2F-9C0C-2294-B0C98A5A0EB1}" dt="2022-03-11T21:41:54.021" v="215" actId="1076"/>
-      <pc:docMkLst>
-        <pc:docMk/>
-      </pc:docMkLst>
-      <pc:sldChg chg="modSp">
-        <pc:chgData name="MORLACCO LORENZO" userId="S::lorenzo.morlacco@studenti.unicam.it::54291d95-2e02-4358-9635-1ef35feff65f" providerId="AD" clId="Web-{77232E76-2D2F-9C0C-2294-B0C98A5A0EB1}" dt="2022-03-11T21:23:26.880" v="59" actId="20577"/>
-        <pc:sldMkLst>
-          <pc:docMk/>
-          <pc:sldMk cId="3938796509" sldId="268"/>
-        </pc:sldMkLst>
-        <pc:spChg chg="mod">
-          <ac:chgData name="MORLACCO LORENZO" userId="S::lorenzo.morlacco@studenti.unicam.it::54291d95-2e02-4358-9635-1ef35feff65f" providerId="AD" clId="Web-{77232E76-2D2F-9C0C-2294-B0C98A5A0EB1}" dt="2022-03-11T21:23:26.880" v="59" actId="20577"/>
-          <ac:spMkLst>
-            <pc:docMk/>
-            <pc:sldMk cId="3938796509" sldId="268"/>
-            <ac:spMk id="3" creationId="{D5C6D999-65D6-4EE9-9528-22AEAA589580}"/>
-          </ac:spMkLst>
-        </pc:spChg>
-      </pc:sldChg>
-      <pc:sldChg chg="modSp">
-        <pc:chgData name="MORLACCO LORENZO" userId="S::lorenzo.morlacco@studenti.unicam.it::54291d95-2e02-4358-9635-1ef35feff65f" providerId="AD" clId="Web-{77232E76-2D2F-9C0C-2294-B0C98A5A0EB1}" dt="2022-03-11T21:41:42.130" v="209" actId="1076"/>
-        <pc:sldMkLst>
-          <pc:docMk/>
-          <pc:sldMk cId="3589518533" sldId="279"/>
-        </pc:sldMkLst>
-        <pc:spChg chg="mod">
-          <ac:chgData name="MORLACCO LORENZO" userId="S::lorenzo.morlacco@studenti.unicam.it::54291d95-2e02-4358-9635-1ef35feff65f" providerId="AD" clId="Web-{77232E76-2D2F-9C0C-2294-B0C98A5A0EB1}" dt="2022-03-11T21:31:45.128" v="78" actId="14100"/>
-          <ac:spMkLst>
-            <pc:docMk/>
-            <pc:sldMk cId="3589518533" sldId="279"/>
-            <ac:spMk id="4" creationId="{72E298A3-0797-4FCE-952A-201E5020658B}"/>
-          </ac:spMkLst>
-        </pc:spChg>
-        <pc:spChg chg="mod">
-          <ac:chgData name="MORLACCO LORENZO" userId="S::lorenzo.morlacco@studenti.unicam.it::54291d95-2e02-4358-9635-1ef35feff65f" providerId="AD" clId="Web-{77232E76-2D2F-9C0C-2294-B0C98A5A0EB1}" dt="2022-03-11T21:41:42.130" v="209" actId="1076"/>
-          <ac:spMkLst>
-            <pc:docMk/>
-            <pc:sldMk cId="3589518533" sldId="279"/>
-            <ac:spMk id="5" creationId="{582C0EC0-91C9-41F7-AF33-D9E16D0D227A}"/>
-          </ac:spMkLst>
-        </pc:spChg>
-      </pc:sldChg>
-      <pc:sldChg chg="modSp">
-        <pc:chgData name="MORLACCO LORENZO" userId="S::lorenzo.morlacco@studenti.unicam.it::54291d95-2e02-4358-9635-1ef35feff65f" providerId="AD" clId="Web-{77232E76-2D2F-9C0C-2294-B0C98A5A0EB1}" dt="2022-03-11T21:33:11.021" v="123" actId="14100"/>
-        <pc:sldMkLst>
-          <pc:docMk/>
-          <pc:sldMk cId="3081553341" sldId="282"/>
-        </pc:sldMkLst>
-        <pc:spChg chg="mod">
-          <ac:chgData name="MORLACCO LORENZO" userId="S::lorenzo.morlacco@studenti.unicam.it::54291d95-2e02-4358-9635-1ef35feff65f" providerId="AD" clId="Web-{77232E76-2D2F-9C0C-2294-B0C98A5A0EB1}" dt="2022-03-11T21:33:11.021" v="123" actId="14100"/>
-          <ac:spMkLst>
-            <pc:docMk/>
-            <pc:sldMk cId="3081553341" sldId="282"/>
-            <ac:spMk id="4" creationId="{72E298A3-0797-4FCE-952A-201E5020658B}"/>
-          </ac:spMkLst>
-        </pc:spChg>
-      </pc:sldChg>
-      <pc:sldChg chg="modSp">
-        <pc:chgData name="MORLACCO LORENZO" userId="S::lorenzo.morlacco@studenti.unicam.it::54291d95-2e02-4358-9635-1ef35feff65f" providerId="AD" clId="Web-{77232E76-2D2F-9C0C-2294-B0C98A5A0EB1}" dt="2022-03-11T21:31:27.987" v="71" actId="14100"/>
-        <pc:sldMkLst>
-          <pc:docMk/>
-          <pc:sldMk cId="2804122369" sldId="283"/>
-        </pc:sldMkLst>
-        <pc:spChg chg="mod">
-          <ac:chgData name="MORLACCO LORENZO" userId="S::lorenzo.morlacco@studenti.unicam.it::54291d95-2e02-4358-9635-1ef35feff65f" providerId="AD" clId="Web-{77232E76-2D2F-9C0C-2294-B0C98A5A0EB1}" dt="2022-03-11T21:31:27.987" v="71" actId="14100"/>
-          <ac:spMkLst>
-            <pc:docMk/>
-            <pc:sldMk cId="2804122369" sldId="283"/>
-            <ac:spMk id="4" creationId="{72E298A3-0797-4FCE-952A-201E5020658B}"/>
-          </ac:spMkLst>
-        </pc:spChg>
-      </pc:sldChg>
-      <pc:sldChg chg="modSp">
-        <pc:chgData name="MORLACCO LORENZO" userId="S::lorenzo.morlacco@studenti.unicam.it::54291d95-2e02-4358-9635-1ef35feff65f" providerId="AD" clId="Web-{77232E76-2D2F-9C0C-2294-B0C98A5A0EB1}" dt="2022-03-11T21:41:54.021" v="215" actId="1076"/>
-        <pc:sldMkLst>
-          <pc:docMk/>
-          <pc:sldMk cId="1230455064" sldId="284"/>
-        </pc:sldMkLst>
-        <pc:spChg chg="mod">
-          <ac:chgData name="MORLACCO LORENZO" userId="S::lorenzo.morlacco@studenti.unicam.it::54291d95-2e02-4358-9635-1ef35feff65f" providerId="AD" clId="Web-{77232E76-2D2F-9C0C-2294-B0C98A5A0EB1}" dt="2022-03-11T21:31:58.566" v="85" actId="14100"/>
-          <ac:spMkLst>
-            <pc:docMk/>
-            <pc:sldMk cId="1230455064" sldId="284"/>
-            <ac:spMk id="4" creationId="{72E298A3-0797-4FCE-952A-201E5020658B}"/>
-          </ac:spMkLst>
-        </pc:spChg>
-        <pc:spChg chg="mod">
-          <ac:chgData name="MORLACCO LORENZO" userId="S::lorenzo.morlacco@studenti.unicam.it::54291d95-2e02-4358-9635-1ef35feff65f" providerId="AD" clId="Web-{77232E76-2D2F-9C0C-2294-B0C98A5A0EB1}" dt="2022-03-11T21:41:54.021" v="215" actId="1076"/>
-          <ac:spMkLst>
-            <pc:docMk/>
-            <pc:sldMk cId="1230455064" sldId="284"/>
-            <ac:spMk id="5" creationId="{582C0EC0-91C9-41F7-AF33-D9E16D0D227A}"/>
-          </ac:spMkLst>
-        </pc:spChg>
-      </pc:sldChg>
-      <pc:sldChg chg="modSp">
-        <pc:chgData name="MORLACCO LORENZO" userId="S::lorenzo.morlacco@studenti.unicam.it::54291d95-2e02-4358-9635-1ef35feff65f" providerId="AD" clId="Web-{77232E76-2D2F-9C0C-2294-B0C98A5A0EB1}" dt="2022-03-11T21:32:11.363" v="94" actId="14100"/>
-        <pc:sldMkLst>
-          <pc:docMk/>
-          <pc:sldMk cId="3893808787" sldId="285"/>
-        </pc:sldMkLst>
-        <pc:spChg chg="mod">
-          <ac:chgData name="MORLACCO LORENZO" userId="S::lorenzo.morlacco@studenti.unicam.it::54291d95-2e02-4358-9635-1ef35feff65f" providerId="AD" clId="Web-{77232E76-2D2F-9C0C-2294-B0C98A5A0EB1}" dt="2022-03-11T21:32:11.363" v="94" actId="14100"/>
-          <ac:spMkLst>
-            <pc:docMk/>
-            <pc:sldMk cId="3893808787" sldId="285"/>
-            <ac:spMk id="4" creationId="{72E298A3-0797-4FCE-952A-201E5020658B}"/>
-          </ac:spMkLst>
-        </pc:spChg>
-      </pc:sldChg>
-      <pc:sldChg chg="modSp">
-        <pc:chgData name="MORLACCO LORENZO" userId="S::lorenzo.morlacco@studenti.unicam.it::54291d95-2e02-4358-9635-1ef35feff65f" providerId="AD" clId="Web-{77232E76-2D2F-9C0C-2294-B0C98A5A0EB1}" dt="2022-03-11T21:32:26.004" v="102" actId="14100"/>
-        <pc:sldMkLst>
-          <pc:docMk/>
-          <pc:sldMk cId="359471410" sldId="286"/>
-        </pc:sldMkLst>
-        <pc:spChg chg="mod">
-          <ac:chgData name="MORLACCO LORENZO" userId="S::lorenzo.morlacco@studenti.unicam.it::54291d95-2e02-4358-9635-1ef35feff65f" providerId="AD" clId="Web-{77232E76-2D2F-9C0C-2294-B0C98A5A0EB1}" dt="2022-03-11T21:32:26.004" v="102" actId="14100"/>
-          <ac:spMkLst>
-            <pc:docMk/>
-            <pc:sldMk cId="359471410" sldId="286"/>
-            <ac:spMk id="4" creationId="{72E298A3-0797-4FCE-952A-201E5020658B}"/>
-          </ac:spMkLst>
-        </pc:spChg>
-        <pc:spChg chg="mod">
-          <ac:chgData name="MORLACCO LORENZO" userId="S::lorenzo.morlacco@studenti.unicam.it::54291d95-2e02-4358-9635-1ef35feff65f" providerId="AD" clId="Web-{77232E76-2D2F-9C0C-2294-B0C98A5A0EB1}" dt="2022-03-11T21:07:45.051" v="26" actId="20577"/>
-          <ac:spMkLst>
-            <pc:docMk/>
-            <pc:sldMk cId="359471410" sldId="286"/>
-            <ac:spMk id="5" creationId="{582C0EC0-91C9-41F7-AF33-D9E16D0D227A}"/>
-          </ac:spMkLst>
-        </pc:spChg>
-      </pc:sldChg>
-      <pc:sldChg chg="modSp">
-        <pc:chgData name="MORLACCO LORENZO" userId="S::lorenzo.morlacco@studenti.unicam.it::54291d95-2e02-4358-9635-1ef35feff65f" providerId="AD" clId="Web-{77232E76-2D2F-9C0C-2294-B0C98A5A0EB1}" dt="2022-03-11T21:32:49.380" v="113" actId="14100"/>
-        <pc:sldMkLst>
-          <pc:docMk/>
-          <pc:sldMk cId="519801183" sldId="287"/>
-        </pc:sldMkLst>
-        <pc:spChg chg="mod">
-          <ac:chgData name="MORLACCO LORENZO" userId="S::lorenzo.morlacco@studenti.unicam.it::54291d95-2e02-4358-9635-1ef35feff65f" providerId="AD" clId="Web-{77232E76-2D2F-9C0C-2294-B0C98A5A0EB1}" dt="2022-03-11T21:32:49.380" v="113" actId="14100"/>
-          <ac:spMkLst>
-            <pc:docMk/>
-            <pc:sldMk cId="519801183" sldId="287"/>
-            <ac:spMk id="4" creationId="{72E298A3-0797-4FCE-952A-201E5020658B}"/>
-          </ac:spMkLst>
-        </pc:spChg>
-      </pc:sldChg>
-      <pc:sldChg chg="modSp">
-        <pc:chgData name="MORLACCO LORENZO" userId="S::lorenzo.morlacco@studenti.unicam.it::54291d95-2e02-4358-9635-1ef35feff65f" providerId="AD" clId="Web-{77232E76-2D2F-9C0C-2294-B0C98A5A0EB1}" dt="2022-03-11T21:33:28.569" v="130" actId="14100"/>
-        <pc:sldMkLst>
-          <pc:docMk/>
-          <pc:sldMk cId="1203876950" sldId="288"/>
-        </pc:sldMkLst>
-        <pc:spChg chg="mod">
-          <ac:chgData name="MORLACCO LORENZO" userId="S::lorenzo.morlacco@studenti.unicam.it::54291d95-2e02-4358-9635-1ef35feff65f" providerId="AD" clId="Web-{77232E76-2D2F-9C0C-2294-B0C98A5A0EB1}" dt="2022-03-11T21:33:28.569" v="130" actId="14100"/>
-          <ac:spMkLst>
-            <pc:docMk/>
-            <pc:sldMk cId="1203876950" sldId="288"/>
-            <ac:spMk id="4" creationId="{72E298A3-0797-4FCE-952A-201E5020658B}"/>
-          </ac:spMkLst>
-        </pc:spChg>
-      </pc:sldChg>
-      <pc:sldChg chg="modSp">
-        <pc:chgData name="MORLACCO LORENZO" userId="S::lorenzo.morlacco@studenti.unicam.it::54291d95-2e02-4358-9635-1ef35feff65f" providerId="AD" clId="Web-{77232E76-2D2F-9C0C-2294-B0C98A5A0EB1}" dt="2022-03-11T21:33:39.413" v="137" actId="14100"/>
-        <pc:sldMkLst>
-          <pc:docMk/>
-          <pc:sldMk cId="1630008750" sldId="289"/>
-        </pc:sldMkLst>
-        <pc:spChg chg="mod">
-          <ac:chgData name="MORLACCO LORENZO" userId="S::lorenzo.morlacco@studenti.unicam.it::54291d95-2e02-4358-9635-1ef35feff65f" providerId="AD" clId="Web-{77232E76-2D2F-9C0C-2294-B0C98A5A0EB1}" dt="2022-03-11T21:33:39.413" v="137" actId="14100"/>
-          <ac:spMkLst>
-            <pc:docMk/>
-            <pc:sldMk cId="1630008750" sldId="289"/>
-            <ac:spMk id="4" creationId="{72E298A3-0797-4FCE-952A-201E5020658B}"/>
-          </ac:spMkLst>
-        </pc:spChg>
-      </pc:sldChg>
-      <pc:sldChg chg="modSp">
-        <pc:chgData name="MORLACCO LORENZO" userId="S::lorenzo.morlacco@studenti.unicam.it::54291d95-2e02-4358-9635-1ef35feff65f" providerId="AD" clId="Web-{77232E76-2D2F-9C0C-2294-B0C98A5A0EB1}" dt="2022-03-11T21:34:32.289" v="167" actId="14100"/>
-        <pc:sldMkLst>
-          <pc:docMk/>
-          <pc:sldMk cId="3681940788" sldId="290"/>
-        </pc:sldMkLst>
-        <pc:spChg chg="mod">
-          <ac:chgData name="MORLACCO LORENZO" userId="S::lorenzo.morlacco@studenti.unicam.it::54291d95-2e02-4358-9635-1ef35feff65f" providerId="AD" clId="Web-{77232E76-2D2F-9C0C-2294-B0C98A5A0EB1}" dt="2022-03-11T21:34:32.289" v="167" actId="14100"/>
-          <ac:spMkLst>
-            <pc:docMk/>
-            <pc:sldMk cId="3681940788" sldId="290"/>
-            <ac:spMk id="4" creationId="{72E298A3-0797-4FCE-952A-201E5020658B}"/>
-          </ac:spMkLst>
-        </pc:spChg>
-      </pc:sldChg>
-      <pc:sldChg chg="modSp">
-        <pc:chgData name="MORLACCO LORENZO" userId="S::lorenzo.morlacco@studenti.unicam.it::54291d95-2e02-4358-9635-1ef35feff65f" providerId="AD" clId="Web-{77232E76-2D2F-9C0C-2294-B0C98A5A0EB1}" dt="2022-03-11T21:34:18.898" v="159" actId="14100"/>
-        <pc:sldMkLst>
-          <pc:docMk/>
-          <pc:sldMk cId="4096092241" sldId="291"/>
-        </pc:sldMkLst>
-        <pc:spChg chg="mod">
-          <ac:chgData name="MORLACCO LORENZO" userId="S::lorenzo.morlacco@studenti.unicam.it::54291d95-2e02-4358-9635-1ef35feff65f" providerId="AD" clId="Web-{77232E76-2D2F-9C0C-2294-B0C98A5A0EB1}" dt="2022-03-11T21:34:18.898" v="159" actId="14100"/>
-          <ac:spMkLst>
-            <pc:docMk/>
-            <pc:sldMk cId="4096092241" sldId="291"/>
-            <ac:spMk id="4" creationId="{72E298A3-0797-4FCE-952A-201E5020658B}"/>
-          </ac:spMkLst>
-        </pc:spChg>
-      </pc:sldChg>
-      <pc:sldChg chg="modSp">
-        <pc:chgData name="MORLACCO LORENZO" userId="S::lorenzo.morlacco@studenti.unicam.it::54291d95-2e02-4358-9635-1ef35feff65f" providerId="AD" clId="Web-{77232E76-2D2F-9C0C-2294-B0C98A5A0EB1}" dt="2022-03-11T21:33:56.491" v="150" actId="14100"/>
-        <pc:sldMkLst>
-          <pc:docMk/>
-          <pc:sldMk cId="3809191670" sldId="292"/>
-        </pc:sldMkLst>
-        <pc:spChg chg="mod">
-          <ac:chgData name="MORLACCO LORENZO" userId="S::lorenzo.morlacco@studenti.unicam.it::54291d95-2e02-4358-9635-1ef35feff65f" providerId="AD" clId="Web-{77232E76-2D2F-9C0C-2294-B0C98A5A0EB1}" dt="2022-03-11T21:33:56.491" v="150" actId="14100"/>
-          <ac:spMkLst>
-            <pc:docMk/>
-            <pc:sldMk cId="3809191670" sldId="292"/>
-            <ac:spMk id="4" creationId="{72E298A3-0797-4FCE-952A-201E5020658B}"/>
-          </ac:spMkLst>
-        </pc:spChg>
-      </pc:sldChg>
-      <pc:sldChg chg="modSp">
-        <pc:chgData name="MORLACCO LORENZO" userId="S::lorenzo.morlacco@studenti.unicam.it::54291d95-2e02-4358-9635-1ef35feff65f" providerId="AD" clId="Web-{77232E76-2D2F-9C0C-2294-B0C98A5A0EB1}" dt="2022-03-11T21:18:40.575" v="53" actId="1076"/>
-        <pc:sldMkLst>
-          <pc:docMk/>
-          <pc:sldMk cId="697450504" sldId="293"/>
-        </pc:sldMkLst>
-        <pc:spChg chg="mod">
-          <ac:chgData name="MORLACCO LORENZO" userId="S::lorenzo.morlacco@studenti.unicam.it::54291d95-2e02-4358-9635-1ef35feff65f" providerId="AD" clId="Web-{77232E76-2D2F-9C0C-2294-B0C98A5A0EB1}" dt="2022-03-11T21:06:34.143" v="24" actId="20577"/>
-          <ac:spMkLst>
-            <pc:docMk/>
-            <pc:sldMk cId="697450504" sldId="293"/>
-            <ac:spMk id="6" creationId="{7DD476E4-E523-4442-93E0-CA75FCD90AED}"/>
-          </ac:spMkLst>
-        </pc:spChg>
-        <pc:picChg chg="mod">
-          <ac:chgData name="MORLACCO LORENZO" userId="S::lorenzo.morlacco@studenti.unicam.it::54291d95-2e02-4358-9635-1ef35feff65f" providerId="AD" clId="Web-{77232E76-2D2F-9C0C-2294-B0C98A5A0EB1}" dt="2022-03-11T21:18:40.575" v="53" actId="1076"/>
-          <ac:picMkLst>
-            <pc:docMk/>
-            <pc:sldMk cId="697450504" sldId="293"/>
-            <ac:picMk id="85" creationId="{44E0A77A-EFFE-492D-9558-8307748CCF4F}"/>
-          </ac:picMkLst>
-        </pc:picChg>
-      </pc:sldChg>
-      <pc:sldChg chg="delSp modSp">
-        <pc:chgData name="MORLACCO LORENZO" userId="S::lorenzo.morlacco@studenti.unicam.it::54291d95-2e02-4358-9635-1ef35feff65f" providerId="AD" clId="Web-{77232E76-2D2F-9C0C-2294-B0C98A5A0EB1}" dt="2022-03-11T21:30:22.235" v="63" actId="20577"/>
-        <pc:sldMkLst>
-          <pc:docMk/>
-          <pc:sldMk cId="3401810496" sldId="294"/>
-        </pc:sldMkLst>
-        <pc:spChg chg="mod">
-          <ac:chgData name="MORLACCO LORENZO" userId="S::lorenzo.morlacco@studenti.unicam.it::54291d95-2e02-4358-9635-1ef35feff65f" providerId="AD" clId="Web-{77232E76-2D2F-9C0C-2294-B0C98A5A0EB1}" dt="2022-03-11T21:30:22.235" v="63" actId="20577"/>
-          <ac:spMkLst>
-            <pc:docMk/>
-            <pc:sldMk cId="3401810496" sldId="294"/>
-            <ac:spMk id="2" creationId="{EE402CF0-08BA-4A76-BB35-3F8A866D0C66}"/>
-          </ac:spMkLst>
-        </pc:spChg>
-        <pc:spChg chg="del">
-          <ac:chgData name="MORLACCO LORENZO" userId="S::lorenzo.morlacco@studenti.unicam.it::54291d95-2e02-4358-9635-1ef35feff65f" providerId="AD" clId="Web-{77232E76-2D2F-9C0C-2294-B0C98A5A0EB1}" dt="2022-03-11T21:15:55.272" v="27"/>
-          <ac:spMkLst>
-            <pc:docMk/>
-            <pc:sldMk cId="3401810496" sldId="294"/>
-            <ac:spMk id="6" creationId="{7DD476E4-E523-4442-93E0-CA75FCD90AED}"/>
-          </ac:spMkLst>
-        </pc:spChg>
-      </pc:sldChg>
-    </pc:docChg>
-  </pc:docChgLst>
-  <pc:docChgLst>
-    <pc:chgData name="MORLACCO LORENZO" userId="S::lorenzo.morlacco@studenti.unicam.it::54291d95-2e02-4358-9635-1ef35feff65f" providerId="AD" clId="Web-{C005BC4A-8083-201A-6C4A-7177CDB81462}"/>
-    <pc:docChg chg="addSld delSld modSld sldOrd">
-      <pc:chgData name="MORLACCO LORENZO" userId="S::lorenzo.morlacco@studenti.unicam.it::54291d95-2e02-4358-9635-1ef35feff65f" providerId="AD" clId="Web-{C005BC4A-8083-201A-6C4A-7177CDB81462}" dt="2022-02-27T13:25:31.809" v="132" actId="20577"/>
-      <pc:docMkLst>
-        <pc:docMk/>
-      </pc:docMkLst>
-      <pc:sldChg chg="del">
-        <pc:chgData name="MORLACCO LORENZO" userId="S::lorenzo.morlacco@studenti.unicam.it::54291d95-2e02-4358-9635-1ef35feff65f" providerId="AD" clId="Web-{C005BC4A-8083-201A-6C4A-7177CDB81462}" dt="2022-02-27T13:06:14.840" v="58"/>
-        <pc:sldMkLst>
-          <pc:docMk/>
-          <pc:sldMk cId="2527810687" sldId="260"/>
-        </pc:sldMkLst>
-      </pc:sldChg>
-      <pc:sldChg chg="del">
-        <pc:chgData name="MORLACCO LORENZO" userId="S::lorenzo.morlacco@studenti.unicam.it::54291d95-2e02-4358-9635-1ef35feff65f" providerId="AD" clId="Web-{C005BC4A-8083-201A-6C4A-7177CDB81462}" dt="2022-02-27T13:06:16.558" v="59"/>
-        <pc:sldMkLst>
-          <pc:docMk/>
-          <pc:sldMk cId="1826112408" sldId="261"/>
-        </pc:sldMkLst>
-      </pc:sldChg>
-      <pc:sldChg chg="del">
-        <pc:chgData name="MORLACCO LORENZO" userId="S::lorenzo.morlacco@studenti.unicam.it::54291d95-2e02-4358-9635-1ef35feff65f" providerId="AD" clId="Web-{C005BC4A-8083-201A-6C4A-7177CDB81462}" dt="2022-02-27T13:06:18.090" v="60"/>
-        <pc:sldMkLst>
-          <pc:docMk/>
-          <pc:sldMk cId="3400147835" sldId="264"/>
-        </pc:sldMkLst>
-      </pc:sldChg>
-      <pc:sldChg chg="del">
-        <pc:chgData name="MORLACCO LORENZO" userId="S::lorenzo.morlacco@studenti.unicam.it::54291d95-2e02-4358-9635-1ef35feff65f" providerId="AD" clId="Web-{C005BC4A-8083-201A-6C4A-7177CDB81462}" dt="2022-02-27T13:06:19.418" v="61"/>
-        <pc:sldMkLst>
-          <pc:docMk/>
-          <pc:sldMk cId="11786322" sldId="266"/>
-        </pc:sldMkLst>
-      </pc:sldChg>
-      <pc:sldChg chg="del">
-        <pc:chgData name="MORLACCO LORENZO" userId="S::lorenzo.morlacco@studenti.unicam.it::54291d95-2e02-4358-9635-1ef35feff65f" providerId="AD" clId="Web-{C005BC4A-8083-201A-6C4A-7177CDB81462}" dt="2022-02-27T13:06:20.637" v="62"/>
-        <pc:sldMkLst>
-          <pc:docMk/>
-          <pc:sldMk cId="3057882476" sldId="269"/>
-        </pc:sldMkLst>
-      </pc:sldChg>
-      <pc:sldChg chg="del">
-        <pc:chgData name="MORLACCO LORENZO" userId="S::lorenzo.morlacco@studenti.unicam.it::54291d95-2e02-4358-9635-1ef35feff65f" providerId="AD" clId="Web-{C005BC4A-8083-201A-6C4A-7177CDB81462}" dt="2022-02-27T13:06:21.527" v="63"/>
-        <pc:sldMkLst>
-          <pc:docMk/>
-          <pc:sldMk cId="1483864545" sldId="270"/>
-        </pc:sldMkLst>
-      </pc:sldChg>
-      <pc:sldChg chg="addSp delSp modSp add del">
-        <pc:chgData name="MORLACCO LORENZO" userId="S::lorenzo.morlacco@studenti.unicam.it::54291d95-2e02-4358-9635-1ef35feff65f" providerId="AD" clId="Web-{C005BC4A-8083-201A-6C4A-7177CDB81462}" dt="2022-02-27T13:08:23.482" v="92"/>
-        <pc:sldMkLst>
-          <pc:docMk/>
-          <pc:sldMk cId="4000774353" sldId="271"/>
-        </pc:sldMkLst>
-        <pc:spChg chg="mod">
-          <ac:chgData name="MORLACCO LORENZO" userId="S::lorenzo.morlacco@studenti.unicam.it::54291d95-2e02-4358-9635-1ef35feff65f" providerId="AD" clId="Web-{C005BC4A-8083-201A-6C4A-7177CDB81462}" dt="2022-02-27T13:08:21.794" v="91" actId="20577"/>
-          <ac:spMkLst>
-            <pc:docMk/>
-            <pc:sldMk cId="4000774353" sldId="271"/>
-            <ac:spMk id="2" creationId="{EE402CF0-08BA-4A76-BB35-3F8A866D0C66}"/>
-          </ac:spMkLst>
-        </pc:spChg>
-        <pc:spChg chg="add mod">
-          <ac:chgData name="MORLACCO LORENZO" userId="S::lorenzo.morlacco@studenti.unicam.it::54291d95-2e02-4358-9635-1ef35feff65f" providerId="AD" clId="Web-{C005BC4A-8083-201A-6C4A-7177CDB81462}" dt="2022-02-27T13:08:23.482" v="92"/>
-          <ac:spMkLst>
-            <pc:docMk/>
-            <pc:sldMk cId="4000774353" sldId="271"/>
-            <ac:spMk id="6" creationId="{7DD476E4-E523-4442-93E0-CA75FCD90AED}"/>
-          </ac:spMkLst>
-        </pc:spChg>
-        <pc:graphicFrameChg chg="del">
-          <ac:chgData name="MORLACCO LORENZO" userId="S::lorenzo.morlacco@studenti.unicam.it::54291d95-2e02-4358-9635-1ef35feff65f" providerId="AD" clId="Web-{C005BC4A-8083-201A-6C4A-7177CDB81462}" dt="2022-02-27T13:08:23.482" v="92"/>
-          <ac:graphicFrameMkLst>
-            <pc:docMk/>
-            <pc:sldMk cId="4000774353" sldId="271"/>
-            <ac:graphicFrameMk id="5" creationId="{944FB7A1-1AE7-43EE-8DB0-64326B4D55DE}"/>
-          </ac:graphicFrameMkLst>
-        </pc:graphicFrameChg>
-      </pc:sldChg>
-      <pc:sldChg chg="modSp">
-        <pc:chgData name="MORLACCO LORENZO" userId="S::lorenzo.morlacco@studenti.unicam.it::54291d95-2e02-4358-9635-1ef35feff65f" providerId="AD" clId="Web-{C005BC4A-8083-201A-6C4A-7177CDB81462}" dt="2022-02-27T13:04:04.572" v="50" actId="20577"/>
-        <pc:sldMkLst>
-          <pc:docMk/>
-          <pc:sldMk cId="2355785671" sldId="278"/>
-        </pc:sldMkLst>
-        <pc:spChg chg="mod">
-          <ac:chgData name="MORLACCO LORENZO" userId="S::lorenzo.morlacco@studenti.unicam.it::54291d95-2e02-4358-9635-1ef35feff65f" providerId="AD" clId="Web-{C005BC4A-8083-201A-6C4A-7177CDB81462}" dt="2022-02-27T13:04:04.572" v="50" actId="20577"/>
-          <ac:spMkLst>
-            <pc:docMk/>
-            <pc:sldMk cId="2355785671" sldId="278"/>
-            <ac:spMk id="2" creationId="{EE402CF0-08BA-4A76-BB35-3F8A866D0C66}"/>
-          </ac:spMkLst>
-        </pc:spChg>
-      </pc:sldChg>
-      <pc:sldChg chg="delSp modSp add replId">
-        <pc:chgData name="MORLACCO LORENZO" userId="S::lorenzo.morlacco@studenti.unicam.it::54291d95-2e02-4358-9635-1ef35feff65f" providerId="AD" clId="Web-{C005BC4A-8083-201A-6C4A-7177CDB81462}" dt="2022-02-27T13:11:04.250" v="105" actId="20577"/>
-        <pc:sldMkLst>
-          <pc:docMk/>
-          <pc:sldMk cId="3589518533" sldId="279"/>
-        </pc:sldMkLst>
-        <pc:spChg chg="mod">
-          <ac:chgData name="MORLACCO LORENZO" userId="S::lorenzo.morlacco@studenti.unicam.it::54291d95-2e02-4358-9635-1ef35feff65f" providerId="AD" clId="Web-{C005BC4A-8083-201A-6C4A-7177CDB81462}" dt="2022-02-27T13:11:04.250" v="105" actId="20577"/>
-          <ac:spMkLst>
-            <pc:docMk/>
-            <pc:sldMk cId="3589518533" sldId="279"/>
-            <ac:spMk id="2" creationId="{EE402CF0-08BA-4A76-BB35-3F8A866D0C66}"/>
-          </ac:spMkLst>
-        </pc:spChg>
-        <pc:picChg chg="del">
-          <ac:chgData name="MORLACCO LORENZO" userId="S::lorenzo.morlacco@studenti.unicam.it::54291d95-2e02-4358-9635-1ef35feff65f" providerId="AD" clId="Web-{C005BC4A-8083-201A-6C4A-7177CDB81462}" dt="2022-02-27T12:50:05.868" v="1"/>
-          <ac:picMkLst>
-            <pc:docMk/>
-            <pc:sldMk cId="3589518533" sldId="279"/>
-            <ac:picMk id="5" creationId="{ABC9D2A9-C028-4AFD-AEAA-9DCE7CB5C819}"/>
-          </ac:picMkLst>
-        </pc:picChg>
-      </pc:sldChg>
-      <pc:sldChg chg="modSp add ord replId">
-        <pc:chgData name="MORLACCO LORENZO" userId="S::lorenzo.morlacco@studenti.unicam.it::54291d95-2e02-4358-9635-1ef35feff65f" providerId="AD" clId="Web-{C005BC4A-8083-201A-6C4A-7177CDB81462}" dt="2022-02-27T13:01:21.601" v="40" actId="20577"/>
-        <pc:sldMkLst>
-          <pc:docMk/>
-          <pc:sldMk cId="2076402078" sldId="280"/>
-        </pc:sldMkLst>
-        <pc:spChg chg="mod">
-          <ac:chgData name="MORLACCO LORENZO" userId="S::lorenzo.morlacco@studenti.unicam.it::54291d95-2e02-4358-9635-1ef35feff65f" providerId="AD" clId="Web-{C005BC4A-8083-201A-6C4A-7177CDB81462}" dt="2022-02-27T13:00:11.318" v="18" actId="20577"/>
-          <ac:spMkLst>
-            <pc:docMk/>
-            <pc:sldMk cId="2076402078" sldId="280"/>
-            <ac:spMk id="2" creationId="{EE402CF0-08BA-4A76-BB35-3F8A866D0C66}"/>
-          </ac:spMkLst>
-        </pc:spChg>
-        <pc:spChg chg="mod">
-          <ac:chgData name="MORLACCO LORENZO" userId="S::lorenzo.morlacco@studenti.unicam.it::54291d95-2e02-4358-9635-1ef35feff65f" providerId="AD" clId="Web-{C005BC4A-8083-201A-6C4A-7177CDB81462}" dt="2022-02-27T13:01:00.132" v="28" actId="20577"/>
-          <ac:spMkLst>
-            <pc:docMk/>
-            <pc:sldMk cId="2076402078" sldId="280"/>
-            <ac:spMk id="3" creationId="{D5C6D999-65D6-4EE9-9528-22AEAA589580}"/>
-          </ac:spMkLst>
-        </pc:spChg>
-        <pc:spChg chg="mod">
-          <ac:chgData name="MORLACCO LORENZO" userId="S::lorenzo.morlacco@studenti.unicam.it::54291d95-2e02-4358-9635-1ef35feff65f" providerId="AD" clId="Web-{C005BC4A-8083-201A-6C4A-7177CDB81462}" dt="2022-02-27T13:01:21.601" v="40" actId="20577"/>
-          <ac:spMkLst>
-            <pc:docMk/>
-            <pc:sldMk cId="2076402078" sldId="280"/>
-            <ac:spMk id="4" creationId="{72E298A3-0797-4FCE-952A-201E5020658B}"/>
-          </ac:spMkLst>
-        </pc:spChg>
-      </pc:sldChg>
-      <pc:sldChg chg="addSp modSp add replId">
-        <pc:chgData name="MORLACCO LORENZO" userId="S::lorenzo.morlacco@studenti.unicam.it::54291d95-2e02-4358-9635-1ef35feff65f" providerId="AD" clId="Web-{C005BC4A-8083-201A-6C4A-7177CDB81462}" dt="2022-02-27T13:05:31.136" v="55" actId="1076"/>
-        <pc:sldMkLst>
-          <pc:docMk/>
-          <pc:sldMk cId="1320378831" sldId="281"/>
-        </pc:sldMkLst>
-        <pc:spChg chg="mod">
-          <ac:chgData name="MORLACCO LORENZO" userId="S::lorenzo.morlacco@studenti.unicam.it::54291d95-2e02-4358-9635-1ef35feff65f" providerId="AD" clId="Web-{C005BC4A-8083-201A-6C4A-7177CDB81462}" dt="2022-02-27T13:04:01.775" v="48" actId="20577"/>
-          <ac:spMkLst>
-            <pc:docMk/>
-            <pc:sldMk cId="1320378831" sldId="281"/>
-            <ac:spMk id="2" creationId="{EE402CF0-08BA-4A76-BB35-3F8A866D0C66}"/>
-          </ac:spMkLst>
-        </pc:spChg>
-        <pc:spChg chg="mod">
-          <ac:chgData name="MORLACCO LORENZO" userId="S::lorenzo.morlacco@studenti.unicam.it::54291d95-2e02-4358-9635-1ef35feff65f" providerId="AD" clId="Web-{C005BC4A-8083-201A-6C4A-7177CDB81462}" dt="2022-02-27T13:03:30.306" v="42" actId="20577"/>
-          <ac:spMkLst>
-            <pc:docMk/>
-            <pc:sldMk cId="1320378831" sldId="281"/>
-            <ac:spMk id="3" creationId="{D5C6D999-65D6-4EE9-9528-22AEAA589580}"/>
-          </ac:spMkLst>
-        </pc:spChg>
-        <pc:picChg chg="add mod">
-          <ac:chgData name="MORLACCO LORENZO" userId="S::lorenzo.morlacco@studenti.unicam.it::54291d95-2e02-4358-9635-1ef35feff65f" providerId="AD" clId="Web-{C005BC4A-8083-201A-6C4A-7177CDB81462}" dt="2022-02-27T13:05:31.136" v="55" actId="1076"/>
-          <ac:picMkLst>
-            <pc:docMk/>
-            <pc:sldMk cId="1320378831" sldId="281"/>
-            <ac:picMk id="5" creationId="{D42D9EE4-923C-41CF-801B-CD24C62EEAA6}"/>
-          </ac:picMkLst>
-        </pc:picChg>
-      </pc:sldChg>
-      <pc:sldChg chg="delSp modSp add replId">
-        <pc:chgData name="MORLACCO LORENZO" userId="S::lorenzo.morlacco@studenti.unicam.it::54291d95-2e02-4358-9635-1ef35feff65f" providerId="AD" clId="Web-{C005BC4A-8083-201A-6C4A-7177CDB81462}" dt="2022-02-27T13:25:31.809" v="132" actId="20577"/>
-        <pc:sldMkLst>
-          <pc:docMk/>
-          <pc:sldMk cId="3081553341" sldId="282"/>
-        </pc:sldMkLst>
-        <pc:spChg chg="mod">
-          <ac:chgData name="MORLACCO LORENZO" userId="S::lorenzo.morlacco@studenti.unicam.it::54291d95-2e02-4358-9635-1ef35feff65f" providerId="AD" clId="Web-{C005BC4A-8083-201A-6C4A-7177CDB81462}" dt="2022-02-27T13:25:31.809" v="132" actId="20577"/>
-          <ac:spMkLst>
-            <pc:docMk/>
-            <pc:sldMk cId="3081553341" sldId="282"/>
-            <ac:spMk id="2" creationId="{EE402CF0-08BA-4A76-BB35-3F8A866D0C66}"/>
-          </ac:spMkLst>
-        </pc:spChg>
-        <pc:picChg chg="del">
-          <ac:chgData name="MORLACCO LORENZO" userId="S::lorenzo.morlacco@studenti.unicam.it::54291d95-2e02-4358-9635-1ef35feff65f" providerId="AD" clId="Web-{C005BC4A-8083-201A-6C4A-7177CDB81462}" dt="2022-02-27T13:06:09.027" v="57"/>
-          <ac:picMkLst>
-            <pc:docMk/>
-            <pc:sldMk cId="3081553341" sldId="282"/>
-            <ac:picMk id="5" creationId="{D42D9EE4-923C-41CF-801B-CD24C62EEAA6}"/>
-          </ac:picMkLst>
-        </pc:picChg>
-      </pc:sldChg>
-    </pc:docChg>
-  </pc:docChgLst>
-  <pc:docChgLst>
-    <pc:chgData name="MORLACCO LORENZO" userId="S::lorenzo.morlacco@studenti.unicam.it::54291d95-2e02-4358-9635-1ef35feff65f" providerId="AD" clId="Web-{4C017CA2-64FF-3574-1173-C66AFFEDFE76}"/>
-    <pc:docChg chg="addSld modSld sldOrd">
-      <pc:chgData name="MORLACCO LORENZO" userId="S::lorenzo.morlacco@studenti.unicam.it::54291d95-2e02-4358-9635-1ef35feff65f" providerId="AD" clId="Web-{4C017CA2-64FF-3574-1173-C66AFFEDFE76}" dt="2022-03-11T13:27:44.655" v="494" actId="1076"/>
-      <pc:docMkLst>
-        <pc:docMk/>
-      </pc:docMkLst>
-      <pc:sldChg chg="addSp delSp modSp ord">
-        <pc:chgData name="MORLACCO LORENZO" userId="S::lorenzo.morlacco@studenti.unicam.it::54291d95-2e02-4358-9635-1ef35feff65f" providerId="AD" clId="Web-{4C017CA2-64FF-3574-1173-C66AFFEDFE76}" dt="2022-03-11T13:00:38.062" v="484" actId="1076"/>
-        <pc:sldMkLst>
-          <pc:docMk/>
-          <pc:sldMk cId="4000774353" sldId="271"/>
-        </pc:sldMkLst>
-        <pc:spChg chg="mod">
-          <ac:chgData name="MORLACCO LORENZO" userId="S::lorenzo.morlacco@studenti.unicam.it::54291d95-2e02-4358-9635-1ef35feff65f" providerId="AD" clId="Web-{4C017CA2-64FF-3574-1173-C66AFFEDFE76}" dt="2022-03-11T12:55:24.416" v="471" actId="20577"/>
-          <ac:spMkLst>
-            <pc:docMk/>
-            <pc:sldMk cId="4000774353" sldId="271"/>
-            <ac:spMk id="2" creationId="{EE402CF0-08BA-4A76-BB35-3F8A866D0C66}"/>
-          </ac:spMkLst>
-        </pc:spChg>
-        <pc:spChg chg="del">
-          <ac:chgData name="MORLACCO LORENZO" userId="S::lorenzo.morlacco@studenti.unicam.it::54291d95-2e02-4358-9635-1ef35feff65f" providerId="AD" clId="Web-{4C017CA2-64FF-3574-1173-C66AFFEDFE76}" dt="2022-03-11T12:59:52.563" v="472"/>
-          <ac:spMkLst>
-            <pc:docMk/>
-            <pc:sldMk cId="4000774353" sldId="271"/>
-            <ac:spMk id="6" creationId="{7DD476E4-E523-4442-93E0-CA75FCD90AED}"/>
-          </ac:spMkLst>
-        </pc:spChg>
-        <pc:picChg chg="add mod ord">
-          <ac:chgData name="MORLACCO LORENZO" userId="S::lorenzo.morlacco@studenti.unicam.it::54291d95-2e02-4358-9635-1ef35feff65f" providerId="AD" clId="Web-{4C017CA2-64FF-3574-1173-C66AFFEDFE76}" dt="2022-03-11T13:00:38.062" v="484" actId="1076"/>
-          <ac:picMkLst>
-            <pc:docMk/>
-            <pc:sldMk cId="4000774353" sldId="271"/>
-            <ac:picMk id="3" creationId="{F58761FE-14AD-437B-B3BF-CCE3DAE3E0AA}"/>
-          </ac:picMkLst>
-        </pc:picChg>
-        <pc:picChg chg="add mod">
-          <ac:chgData name="MORLACCO LORENZO" userId="S::lorenzo.morlacco@studenti.unicam.it::54291d95-2e02-4358-9635-1ef35feff65f" providerId="AD" clId="Web-{4C017CA2-64FF-3574-1173-C66AFFEDFE76}" dt="2022-03-11T13:00:36.078" v="483" actId="1076"/>
-          <ac:picMkLst>
-            <pc:docMk/>
-            <pc:sldMk cId="4000774353" sldId="271"/>
-            <ac:picMk id="5" creationId="{CAB3FE70-4D69-4619-96BC-0CB781A0D951}"/>
-          </ac:picMkLst>
-        </pc:picChg>
-      </pc:sldChg>
-      <pc:sldChg chg="modSp">
-        <pc:chgData name="MORLACCO LORENZO" userId="S::lorenzo.morlacco@studenti.unicam.it::54291d95-2e02-4358-9635-1ef35feff65f" providerId="AD" clId="Web-{4C017CA2-64FF-3574-1173-C66AFFEDFE76}" dt="2022-03-11T11:56:19.092" v="18" actId="20577"/>
-        <pc:sldMkLst>
-          <pc:docMk/>
-          <pc:sldMk cId="3589518533" sldId="279"/>
-        </pc:sldMkLst>
-        <pc:spChg chg="mod">
-          <ac:chgData name="MORLACCO LORENZO" userId="S::lorenzo.morlacco@studenti.unicam.it::54291d95-2e02-4358-9635-1ef35feff65f" providerId="AD" clId="Web-{4C017CA2-64FF-3574-1173-C66AFFEDFE76}" dt="2022-03-11T11:56:19.092" v="18" actId="20577"/>
-          <ac:spMkLst>
-            <pc:docMk/>
-            <pc:sldMk cId="3589518533" sldId="279"/>
-            <ac:spMk id="5" creationId="{582C0EC0-91C9-41F7-AF33-D9E16D0D227A}"/>
-          </ac:spMkLst>
-        </pc:spChg>
-      </pc:sldChg>
-      <pc:sldChg chg="modSp">
-        <pc:chgData name="MORLACCO LORENZO" userId="S::lorenzo.morlacco@studenti.unicam.it::54291d95-2e02-4358-9635-1ef35feff65f" providerId="AD" clId="Web-{4C017CA2-64FF-3574-1173-C66AFFEDFE76}" dt="2022-03-11T12:24:14.301" v="198" actId="20577"/>
-        <pc:sldMkLst>
-          <pc:docMk/>
-          <pc:sldMk cId="3081553341" sldId="282"/>
-        </pc:sldMkLst>
-        <pc:spChg chg="mod">
-          <ac:chgData name="MORLACCO LORENZO" userId="S::lorenzo.morlacco@studenti.unicam.it::54291d95-2e02-4358-9635-1ef35feff65f" providerId="AD" clId="Web-{4C017CA2-64FF-3574-1173-C66AFFEDFE76}" dt="2022-03-11T12:24:14.301" v="198" actId="20577"/>
-          <ac:spMkLst>
-            <pc:docMk/>
-            <pc:sldMk cId="3081553341" sldId="282"/>
-            <ac:spMk id="7" creationId="{C2E0AE67-9228-419B-A532-AD20136A4394}"/>
-          </ac:spMkLst>
-        </pc:spChg>
-      </pc:sldChg>
-      <pc:sldChg chg="modSp">
-        <pc:chgData name="MORLACCO LORENZO" userId="S::lorenzo.morlacco@studenti.unicam.it::54291d95-2e02-4358-9635-1ef35feff65f" providerId="AD" clId="Web-{4C017CA2-64FF-3574-1173-C66AFFEDFE76}" dt="2022-03-11T11:57:16.205" v="31" actId="20577"/>
-        <pc:sldMkLst>
-          <pc:docMk/>
-          <pc:sldMk cId="1230455064" sldId="284"/>
-        </pc:sldMkLst>
-        <pc:spChg chg="mod">
-          <ac:chgData name="MORLACCO LORENZO" userId="S::lorenzo.morlacco@studenti.unicam.it::54291d95-2e02-4358-9635-1ef35feff65f" providerId="AD" clId="Web-{4C017CA2-64FF-3574-1173-C66AFFEDFE76}" dt="2022-03-11T11:57:16.205" v="31" actId="20577"/>
-          <ac:spMkLst>
-            <pc:docMk/>
-            <pc:sldMk cId="1230455064" sldId="284"/>
-            <ac:spMk id="5" creationId="{582C0EC0-91C9-41F7-AF33-D9E16D0D227A}"/>
-          </ac:spMkLst>
-        </pc:spChg>
-      </pc:sldChg>
-      <pc:sldChg chg="modSp">
-        <pc:chgData name="MORLACCO LORENZO" userId="S::lorenzo.morlacco@studenti.unicam.it::54291d95-2e02-4358-9635-1ef35feff65f" providerId="AD" clId="Web-{4C017CA2-64FF-3574-1173-C66AFFEDFE76}" dt="2022-03-11T12:49:06.561" v="454" actId="1076"/>
-        <pc:sldMkLst>
-          <pc:docMk/>
-          <pc:sldMk cId="359471410" sldId="286"/>
-        </pc:sldMkLst>
-        <pc:spChg chg="mod">
-          <ac:chgData name="MORLACCO LORENZO" userId="S::lorenzo.morlacco@studenti.unicam.it::54291d95-2e02-4358-9635-1ef35feff65f" providerId="AD" clId="Web-{4C017CA2-64FF-3574-1173-C66AFFEDFE76}" dt="2022-03-11T12:49:06.561" v="454" actId="1076"/>
-          <ac:spMkLst>
-            <pc:docMk/>
-            <pc:sldMk cId="359471410" sldId="286"/>
-            <ac:spMk id="5" creationId="{582C0EC0-91C9-41F7-AF33-D9E16D0D227A}"/>
-          </ac:spMkLst>
-        </pc:spChg>
-      </pc:sldChg>
-      <pc:sldChg chg="addSp delSp modSp">
-        <pc:chgData name="MORLACCO LORENZO" userId="S::lorenzo.morlacco@studenti.unicam.it::54291d95-2e02-4358-9635-1ef35feff65f" providerId="AD" clId="Web-{4C017CA2-64FF-3574-1173-C66AFFEDFE76}" dt="2022-03-11T12:03:46.154" v="73" actId="1076"/>
-        <pc:sldMkLst>
-          <pc:docMk/>
-          <pc:sldMk cId="519801183" sldId="287"/>
-        </pc:sldMkLst>
-        <pc:spChg chg="mod">
-          <ac:chgData name="MORLACCO LORENZO" userId="S::lorenzo.morlacco@studenti.unicam.it::54291d95-2e02-4358-9635-1ef35feff65f" providerId="AD" clId="Web-{4C017CA2-64FF-3574-1173-C66AFFEDFE76}" dt="2022-03-11T12:03:46.154" v="73" actId="1076"/>
-          <ac:spMkLst>
-            <pc:docMk/>
-            <pc:sldMk cId="519801183" sldId="287"/>
-            <ac:spMk id="5" creationId="{582C0EC0-91C9-41F7-AF33-D9E16D0D227A}"/>
-          </ac:spMkLst>
-        </pc:spChg>
-        <pc:picChg chg="add del mod">
-          <ac:chgData name="MORLACCO LORENZO" userId="S::lorenzo.morlacco@studenti.unicam.it::54291d95-2e02-4358-9635-1ef35feff65f" providerId="AD" clId="Web-{4C017CA2-64FF-3574-1173-C66AFFEDFE76}" dt="2022-03-11T11:59:23.464" v="54"/>
-          <ac:picMkLst>
-            <pc:docMk/>
-            <pc:sldMk cId="519801183" sldId="287"/>
-            <ac:picMk id="2" creationId="{2960F8C7-3F29-43B5-9376-58C7DEF6D83B}"/>
-          </ac:picMkLst>
-        </pc:picChg>
-        <pc:picChg chg="add del mod">
-          <ac:chgData name="MORLACCO LORENZO" userId="S::lorenzo.morlacco@studenti.unicam.it::54291d95-2e02-4358-9635-1ef35feff65f" providerId="AD" clId="Web-{4C017CA2-64FF-3574-1173-C66AFFEDFE76}" dt="2022-03-11T12:02:29.664" v="66"/>
-          <ac:picMkLst>
-            <pc:docMk/>
-            <pc:sldMk cId="519801183" sldId="287"/>
-            <ac:picMk id="6" creationId="{49E4E077-0B3F-4F77-B328-954E424B7ACD}"/>
-          </ac:picMkLst>
-        </pc:picChg>
-        <pc:picChg chg="add mod">
-          <ac:chgData name="MORLACCO LORENZO" userId="S::lorenzo.morlacco@studenti.unicam.it::54291d95-2e02-4358-9635-1ef35feff65f" providerId="AD" clId="Web-{4C017CA2-64FF-3574-1173-C66AFFEDFE76}" dt="2022-03-11T12:03:41.935" v="72" actId="1076"/>
-          <ac:picMkLst>
-            <pc:docMk/>
-            <pc:sldMk cId="519801183" sldId="287"/>
-            <ac:picMk id="7" creationId="{143BA2CD-8A0B-47D4-B85B-2DA827961ACE}"/>
-          </ac:picMkLst>
-        </pc:picChg>
-      </pc:sldChg>
-      <pc:sldChg chg="modSp">
-        <pc:chgData name="MORLACCO LORENZO" userId="S::lorenzo.morlacco@studenti.unicam.it::54291d95-2e02-4358-9635-1ef35feff65f" providerId="AD" clId="Web-{4C017CA2-64FF-3574-1173-C66AFFEDFE76}" dt="2022-03-11T12:23:04.281" v="194" actId="1076"/>
-        <pc:sldMkLst>
-          <pc:docMk/>
-          <pc:sldMk cId="1203876950" sldId="288"/>
-        </pc:sldMkLst>
-        <pc:spChg chg="mod">
-          <ac:chgData name="MORLACCO LORENZO" userId="S::lorenzo.morlacco@studenti.unicam.it::54291d95-2e02-4358-9635-1ef35feff65f" providerId="AD" clId="Web-{4C017CA2-64FF-3574-1173-C66AFFEDFE76}" dt="2022-03-11T12:23:04.281" v="194" actId="1076"/>
-          <ac:spMkLst>
-            <pc:docMk/>
-            <pc:sldMk cId="1203876950" sldId="288"/>
-            <ac:spMk id="5" creationId="{582C0EC0-91C9-41F7-AF33-D9E16D0D227A}"/>
-          </ac:spMkLst>
-        </pc:spChg>
-      </pc:sldChg>
-      <pc:sldChg chg="addSp delSp modSp">
-        <pc:chgData name="MORLACCO LORENZO" userId="S::lorenzo.morlacco@studenti.unicam.it::54291d95-2e02-4358-9635-1ef35feff65f" providerId="AD" clId="Web-{4C017CA2-64FF-3574-1173-C66AFFEDFE76}" dt="2022-03-11T12:29:53.356" v="278" actId="1076"/>
-        <pc:sldMkLst>
-          <pc:docMk/>
-          <pc:sldMk cId="1630008750" sldId="289"/>
-        </pc:sldMkLst>
-        <pc:spChg chg="mod">
-          <ac:chgData name="MORLACCO LORENZO" userId="S::lorenzo.morlacco@studenti.unicam.it::54291d95-2e02-4358-9635-1ef35feff65f" providerId="AD" clId="Web-{4C017CA2-64FF-3574-1173-C66AFFEDFE76}" dt="2022-03-11T12:29:11.041" v="277" actId="20577"/>
-          <ac:spMkLst>
-            <pc:docMk/>
-            <pc:sldMk cId="1630008750" sldId="289"/>
-            <ac:spMk id="5" creationId="{582C0EC0-91C9-41F7-AF33-D9E16D0D227A}"/>
-          </ac:spMkLst>
-        </pc:spChg>
-        <pc:graphicFrameChg chg="add del mod">
-          <ac:chgData name="MORLACCO LORENZO" userId="S::lorenzo.morlacco@studenti.unicam.it::54291d95-2e02-4358-9635-1ef35feff65f" providerId="AD" clId="Web-{4C017CA2-64FF-3574-1173-C66AFFEDFE76}" dt="2022-03-11T12:26:14.341" v="216"/>
-          <ac:graphicFrameMkLst>
-            <pc:docMk/>
-            <pc:sldMk cId="1630008750" sldId="289"/>
-            <ac:graphicFrameMk id="6" creationId="{E581772B-3D35-451C-A4EF-813C550EF024}"/>
-          </ac:graphicFrameMkLst>
-        </pc:graphicFrameChg>
-        <pc:graphicFrameChg chg="add mod modGraphic">
-          <ac:chgData name="MORLACCO LORENZO" userId="S::lorenzo.morlacco@studenti.unicam.it::54291d95-2e02-4358-9635-1ef35feff65f" providerId="AD" clId="Web-{4C017CA2-64FF-3574-1173-C66AFFEDFE76}" dt="2022-03-11T12:29:53.356" v="278" actId="1076"/>
-          <ac:graphicFrameMkLst>
-            <pc:docMk/>
-            <pc:sldMk cId="1630008750" sldId="289"/>
-            <ac:graphicFrameMk id="8" creationId="{A9BBD9E9-53F1-4C56-971D-AA95AB6B0818}"/>
-          </ac:graphicFrameMkLst>
-        </pc:graphicFrameChg>
-      </pc:sldChg>
-      <pc:sldChg chg="modSp">
-        <pc:chgData name="MORLACCO LORENZO" userId="S::lorenzo.morlacco@studenti.unicam.it::54291d95-2e02-4358-9635-1ef35feff65f" providerId="AD" clId="Web-{4C017CA2-64FF-3574-1173-C66AFFEDFE76}" dt="2022-03-11T12:48:52.029" v="453" actId="1076"/>
-        <pc:sldMkLst>
-          <pc:docMk/>
-          <pc:sldMk cId="3681940788" sldId="290"/>
-        </pc:sldMkLst>
-        <pc:spChg chg="mod">
-          <ac:chgData name="MORLACCO LORENZO" userId="S::lorenzo.morlacco@studenti.unicam.it::54291d95-2e02-4358-9635-1ef35feff65f" providerId="AD" clId="Web-{4C017CA2-64FF-3574-1173-C66AFFEDFE76}" dt="2022-03-11T12:48:52.029" v="453" actId="1076"/>
-          <ac:spMkLst>
-            <pc:docMk/>
-            <pc:sldMk cId="3681940788" sldId="290"/>
-            <ac:spMk id="5" creationId="{582C0EC0-91C9-41F7-AF33-D9E16D0D227A}"/>
-          </ac:spMkLst>
-        </pc:spChg>
-      </pc:sldChg>
-      <pc:sldChg chg="addSp modSp">
-        <pc:chgData name="MORLACCO LORENZO" userId="S::lorenzo.morlacco@studenti.unicam.it::54291d95-2e02-4358-9635-1ef35feff65f" providerId="AD" clId="Web-{4C017CA2-64FF-3574-1173-C66AFFEDFE76}" dt="2022-03-11T12:48:33.887" v="452" actId="1076"/>
-        <pc:sldMkLst>
-          <pc:docMk/>
-          <pc:sldMk cId="4096092241" sldId="291"/>
-        </pc:sldMkLst>
-        <pc:spChg chg="mod">
-          <ac:chgData name="MORLACCO LORENZO" userId="S::lorenzo.morlacco@studenti.unicam.it::54291d95-2e02-4358-9635-1ef35feff65f" providerId="AD" clId="Web-{4C017CA2-64FF-3574-1173-C66AFFEDFE76}" dt="2022-03-11T12:48:09.526" v="447" actId="20577"/>
-          <ac:spMkLst>
-            <pc:docMk/>
-            <pc:sldMk cId="4096092241" sldId="291"/>
-            <ac:spMk id="5" creationId="{582C0EC0-91C9-41F7-AF33-D9E16D0D227A}"/>
-          </ac:spMkLst>
-        </pc:spChg>
-        <pc:picChg chg="add mod">
-          <ac:chgData name="MORLACCO LORENZO" userId="S::lorenzo.morlacco@studenti.unicam.it::54291d95-2e02-4358-9635-1ef35feff65f" providerId="AD" clId="Web-{4C017CA2-64FF-3574-1173-C66AFFEDFE76}" dt="2022-03-11T12:48:33.887" v="452" actId="1076"/>
-          <ac:picMkLst>
-            <pc:docMk/>
-            <pc:sldMk cId="4096092241" sldId="291"/>
-            <ac:picMk id="2" creationId="{A2411118-A28D-4EC1-821D-62240DDE34A0}"/>
-          </ac:picMkLst>
-        </pc:picChg>
-      </pc:sldChg>
-      <pc:sldChg chg="addSp modSp">
-        <pc:chgData name="MORLACCO LORENZO" userId="S::lorenzo.morlacco@studenti.unicam.it::54291d95-2e02-4358-9635-1ef35feff65f" providerId="AD" clId="Web-{4C017CA2-64FF-3574-1173-C66AFFEDFE76}" dt="2022-03-11T12:43:54.665" v="360" actId="20577"/>
-        <pc:sldMkLst>
-          <pc:docMk/>
-          <pc:sldMk cId="3809191670" sldId="292"/>
-        </pc:sldMkLst>
-        <pc:spChg chg="mod">
-          <ac:chgData name="MORLACCO LORENZO" userId="S::lorenzo.morlacco@studenti.unicam.it::54291d95-2e02-4358-9635-1ef35feff65f" providerId="AD" clId="Web-{4C017CA2-64FF-3574-1173-C66AFFEDFE76}" dt="2022-03-11T12:43:54.665" v="360" actId="20577"/>
-          <ac:spMkLst>
-            <pc:docMk/>
-            <pc:sldMk cId="3809191670" sldId="292"/>
-            <ac:spMk id="5" creationId="{582C0EC0-91C9-41F7-AF33-D9E16D0D227A}"/>
-          </ac:spMkLst>
-        </pc:spChg>
-        <pc:picChg chg="add mod">
-          <ac:chgData name="MORLACCO LORENZO" userId="S::lorenzo.morlacco@studenti.unicam.it::54291d95-2e02-4358-9635-1ef35feff65f" providerId="AD" clId="Web-{4C017CA2-64FF-3574-1173-C66AFFEDFE76}" dt="2022-03-11T12:43:00.645" v="357" actId="1076"/>
-          <ac:picMkLst>
-            <pc:docMk/>
-            <pc:sldMk cId="3809191670" sldId="292"/>
-            <ac:picMk id="2" creationId="{A8A1A343-9B52-4C25-9BB6-677FC6CB7A22}"/>
-          </ac:picMkLst>
-        </pc:picChg>
-      </pc:sldChg>
-      <pc:sldChg chg="modSp">
-        <pc:chgData name="MORLACCO LORENZO" userId="S::lorenzo.morlacco@studenti.unicam.it::54291d95-2e02-4358-9635-1ef35feff65f" providerId="AD" clId="Web-{4C017CA2-64FF-3574-1173-C66AFFEDFE76}" dt="2022-03-11T12:46:21.894" v="442" actId="20577"/>
-        <pc:sldMkLst>
-          <pc:docMk/>
-          <pc:sldMk cId="697450504" sldId="293"/>
-        </pc:sldMkLst>
-        <pc:spChg chg="mod">
-          <ac:chgData name="MORLACCO LORENZO" userId="S::lorenzo.morlacco@studenti.unicam.it::54291d95-2e02-4358-9635-1ef35feff65f" providerId="AD" clId="Web-{4C017CA2-64FF-3574-1173-C66AFFEDFE76}" dt="2022-03-11T12:46:21.894" v="442" actId="20577"/>
-          <ac:spMkLst>
-            <pc:docMk/>
-            <pc:sldMk cId="697450504" sldId="293"/>
-            <ac:spMk id="6" creationId="{7DD476E4-E523-4442-93E0-CA75FCD90AED}"/>
-          </ac:spMkLst>
-        </pc:spChg>
-      </pc:sldChg>
-      <pc:sldChg chg="addSp delSp modSp add replId">
-        <pc:chgData name="MORLACCO LORENZO" userId="S::lorenzo.morlacco@studenti.unicam.it::54291d95-2e02-4358-9635-1ef35feff65f" providerId="AD" clId="Web-{4C017CA2-64FF-3574-1173-C66AFFEDFE76}" dt="2022-03-11T12:55:16.166" v="466" actId="1076"/>
-        <pc:sldMkLst>
-          <pc:docMk/>
-          <pc:sldMk cId="1761915001" sldId="295"/>
-        </pc:sldMkLst>
-        <pc:spChg chg="del">
-          <ac:chgData name="MORLACCO LORENZO" userId="S::lorenzo.morlacco@studenti.unicam.it::54291d95-2e02-4358-9635-1ef35feff65f" providerId="AD" clId="Web-{4C017CA2-64FF-3574-1173-C66AFFEDFE76}" dt="2022-03-11T12:54:46.335" v="460"/>
-          <ac:spMkLst>
-            <pc:docMk/>
-            <pc:sldMk cId="1761915001" sldId="295"/>
-            <ac:spMk id="6" creationId="{7DD476E4-E523-4442-93E0-CA75FCD90AED}"/>
-          </ac:spMkLst>
-        </pc:spChg>
-        <pc:picChg chg="add mod ord">
-          <ac:chgData name="MORLACCO LORENZO" userId="S::lorenzo.morlacco@studenti.unicam.it::54291d95-2e02-4358-9635-1ef35feff65f" providerId="AD" clId="Web-{4C017CA2-64FF-3574-1173-C66AFFEDFE76}" dt="2022-03-11T12:55:16.166" v="466" actId="1076"/>
-          <ac:picMkLst>
-            <pc:docMk/>
-            <pc:sldMk cId="1761915001" sldId="295"/>
-            <ac:picMk id="3" creationId="{2A1E129A-53EF-4A6A-867D-B1DD3EA8B39D}"/>
-          </ac:picMkLst>
-        </pc:picChg>
-        <pc:picChg chg="add mod">
-          <ac:chgData name="MORLACCO LORENZO" userId="S::lorenzo.morlacco@studenti.unicam.it::54291d95-2e02-4358-9635-1ef35feff65f" providerId="AD" clId="Web-{4C017CA2-64FF-3574-1173-C66AFFEDFE76}" dt="2022-03-11T12:55:10.415" v="465" actId="1076"/>
-          <ac:picMkLst>
-            <pc:docMk/>
-            <pc:sldMk cId="1761915001" sldId="295"/>
-            <ac:picMk id="5" creationId="{4B4AC658-DFAC-40D7-B75B-00EAB0871584}"/>
-          </ac:picMkLst>
-        </pc:picChg>
-      </pc:sldChg>
-      <pc:sldChg chg="addSp delSp modSp add replId">
-        <pc:chgData name="MORLACCO LORENZO" userId="S::lorenzo.morlacco@studenti.unicam.it::54291d95-2e02-4358-9635-1ef35feff65f" providerId="AD" clId="Web-{4C017CA2-64FF-3574-1173-C66AFFEDFE76}" dt="2022-03-11T13:27:44.655" v="494" actId="1076"/>
-        <pc:sldMkLst>
-          <pc:docMk/>
-          <pc:sldMk cId="1510061098" sldId="296"/>
-        </pc:sldMkLst>
-        <pc:spChg chg="add del mod">
-          <ac:chgData name="MORLACCO LORENZO" userId="S::lorenzo.morlacco@studenti.unicam.it::54291d95-2e02-4358-9635-1ef35feff65f" providerId="AD" clId="Web-{4C017CA2-64FF-3574-1173-C66AFFEDFE76}" dt="2022-03-11T13:01:37.473" v="488"/>
-          <ac:spMkLst>
-            <pc:docMk/>
-            <pc:sldMk cId="1510061098" sldId="296"/>
-            <ac:spMk id="7" creationId="{CB108CB1-77A4-4236-9AD1-5359B006E70F}"/>
-          </ac:spMkLst>
-        </pc:spChg>
-        <pc:picChg chg="del">
-          <ac:chgData name="MORLACCO LORENZO" userId="S::lorenzo.morlacco@studenti.unicam.it::54291d95-2e02-4358-9635-1ef35feff65f" providerId="AD" clId="Web-{4C017CA2-64FF-3574-1173-C66AFFEDFE76}" dt="2022-03-11T13:00:58.017" v="486"/>
-          <ac:picMkLst>
-            <pc:docMk/>
-            <pc:sldMk cId="1510061098" sldId="296"/>
-            <ac:picMk id="3" creationId="{F58761FE-14AD-437B-B3BF-CCE3DAE3E0AA}"/>
-          </ac:picMkLst>
-        </pc:picChg>
-        <pc:picChg chg="del">
-          <ac:chgData name="MORLACCO LORENZO" userId="S::lorenzo.morlacco@studenti.unicam.it::54291d95-2e02-4358-9635-1ef35feff65f" providerId="AD" clId="Web-{4C017CA2-64FF-3574-1173-C66AFFEDFE76}" dt="2022-03-11T13:00:58.736" v="487"/>
-          <ac:picMkLst>
-            <pc:docMk/>
-            <pc:sldMk cId="1510061098" sldId="296"/>
-            <ac:picMk id="5" creationId="{CAB3FE70-4D69-4619-96BC-0CB781A0D951}"/>
-          </ac:picMkLst>
-        </pc:picChg>
-        <pc:picChg chg="add mod ord">
-          <ac:chgData name="MORLACCO LORENZO" userId="S::lorenzo.morlacco@studenti.unicam.it::54291d95-2e02-4358-9635-1ef35feff65f" providerId="AD" clId="Web-{4C017CA2-64FF-3574-1173-C66AFFEDFE76}" dt="2022-03-11T13:27:44.655" v="494" actId="1076"/>
-          <ac:picMkLst>
-            <pc:docMk/>
-            <pc:sldMk cId="1510061098" sldId="296"/>
-            <ac:picMk id="8" creationId="{07BCAA3F-4956-4ED2-8DB1-3D318F75409D}"/>
-          </ac:picMkLst>
-        </pc:picChg>
-      </pc:sldChg>
-    </pc:docChg>
-  </pc:docChgLst>
-  <pc:docChgLst>
-    <pc:chgData name="MORLACCO LORENZO" userId="S::lorenzo.morlacco@studenti.unicam.it::54291d95-2e02-4358-9635-1ef35feff65f" providerId="AD" clId="Web-{8608BC2B-1951-C4BB-F93E-6BC67F7D7231}"/>
-    <pc:docChg chg="modSld">
-      <pc:chgData name="MORLACCO LORENZO" userId="S::lorenzo.morlacco@studenti.unicam.it::54291d95-2e02-4358-9635-1ef35feff65f" providerId="AD" clId="Web-{8608BC2B-1951-C4BB-F93E-6BC67F7D7231}" dt="2022-03-11T13:27:06.746" v="10" actId="14100"/>
-      <pc:docMkLst>
-        <pc:docMk/>
-      </pc:docMkLst>
-      <pc:sldChg chg="addSp delSp modSp">
-        <pc:chgData name="MORLACCO LORENZO" userId="S::lorenzo.morlacco@studenti.unicam.it::54291d95-2e02-4358-9635-1ef35feff65f" providerId="AD" clId="Web-{8608BC2B-1951-C4BB-F93E-6BC67F7D7231}" dt="2022-03-11T13:27:06.746" v="10" actId="14100"/>
-        <pc:sldMkLst>
-          <pc:docMk/>
-          <pc:sldMk cId="1510061098" sldId="296"/>
-        </pc:sldMkLst>
-        <pc:picChg chg="add mod">
-          <ac:chgData name="MORLACCO LORENZO" userId="S::lorenzo.morlacco@studenti.unicam.it::54291d95-2e02-4358-9635-1ef35feff65f" providerId="AD" clId="Web-{8608BC2B-1951-C4BB-F93E-6BC67F7D7231}" dt="2022-03-11T13:27:02.543" v="8" actId="1076"/>
-          <ac:picMkLst>
-            <pc:docMk/>
-            <pc:sldMk cId="1510061098" sldId="296"/>
-            <ac:picMk id="3" creationId="{FC6342E4-6B4C-4367-A5B7-5B678568D538}"/>
-          </ac:picMkLst>
-        </pc:picChg>
-        <pc:picChg chg="mod">
-          <ac:chgData name="MORLACCO LORENZO" userId="S::lorenzo.morlacco@studenti.unicam.it::54291d95-2e02-4358-9635-1ef35feff65f" providerId="AD" clId="Web-{8608BC2B-1951-C4BB-F93E-6BC67F7D7231}" dt="2022-03-11T13:27:06.746" v="10" actId="14100"/>
-          <ac:picMkLst>
-            <pc:docMk/>
-            <pc:sldMk cId="1510061098" sldId="296"/>
-            <ac:picMk id="8" creationId="{07BCAA3F-4956-4ED2-8DB1-3D318F75409D}"/>
-          </ac:picMkLst>
-        </pc:picChg>
-        <pc:picChg chg="add del">
-          <ac:chgData name="MORLACCO LORENZO" userId="S::lorenzo.morlacco@studenti.unicam.it::54291d95-2e02-4358-9635-1ef35feff65f" providerId="AD" clId="Web-{8608BC2B-1951-C4BB-F93E-6BC67F7D7231}" dt="2022-03-11T13:26:35.777" v="1"/>
-          <ac:picMkLst>
-            <pc:docMk/>
-            <pc:sldMk cId="1510061098" sldId="296"/>
-            <ac:picMk id="85" creationId="{44E0A77A-EFFE-492D-9558-8307748CCF4F}"/>
-          </ac:picMkLst>
-        </pc:picChg>
-      </pc:sldChg>
-    </pc:docChg>
-  </pc:docChgLst>
-  <pc:docChgLst>
-    <pc:chgData name="MORLACCO LORENZO" userId="S::lorenzo.morlacco@studenti.unicam.it::54291d95-2e02-4358-9635-1ef35feff65f" providerId="AD" clId="Web-{8C4E8AB2-F7BB-BE7A-0E47-AE189ABE79E1}"/>
-    <pc:docChg chg="addSld delSld modSld sldOrd">
-      <pc:chgData name="MORLACCO LORENZO" userId="S::lorenzo.morlacco@studenti.unicam.it::54291d95-2e02-4358-9635-1ef35feff65f" providerId="AD" clId="Web-{8C4E8AB2-F7BB-BE7A-0E47-AE189ABE79E1}" dt="2022-02-26T17:37:52.785" v="1027" actId="1076"/>
-      <pc:docMkLst>
-        <pc:docMk/>
-      </pc:docMkLst>
-      <pc:sldChg chg="modSp">
-        <pc:chgData name="MORLACCO LORENZO" userId="S::lorenzo.morlacco@studenti.unicam.it::54291d95-2e02-4358-9635-1ef35feff65f" providerId="AD" clId="Web-{8C4E8AB2-F7BB-BE7A-0E47-AE189ABE79E1}" dt="2022-02-26T16:09:19.154" v="411" actId="1076"/>
-        <pc:sldMkLst>
-          <pc:docMk/>
-          <pc:sldMk cId="109857222" sldId="256"/>
-        </pc:sldMkLst>
-        <pc:spChg chg="mod">
-          <ac:chgData name="MORLACCO LORENZO" userId="S::lorenzo.morlacco@studenti.unicam.it::54291d95-2e02-4358-9635-1ef35feff65f" providerId="AD" clId="Web-{8C4E8AB2-F7BB-BE7A-0E47-AE189ABE79E1}" dt="2022-02-26T16:09:19.154" v="411" actId="1076"/>
-          <ac:spMkLst>
-            <pc:docMk/>
-            <pc:sldMk cId="109857222" sldId="256"/>
-            <ac:spMk id="2" creationId="{00000000-0000-0000-0000-000000000000}"/>
-          </ac:spMkLst>
-        </pc:spChg>
-      </pc:sldChg>
-      <pc:sldChg chg="addSp delSp modSp">
-        <pc:chgData name="MORLACCO LORENZO" userId="S::lorenzo.morlacco@studenti.unicam.it::54291d95-2e02-4358-9635-1ef35feff65f" providerId="AD" clId="Web-{8C4E8AB2-F7BB-BE7A-0E47-AE189ABE79E1}" dt="2022-02-26T14:14:30.412" v="6" actId="1076"/>
-        <pc:sldMkLst>
-          <pc:docMk/>
-          <pc:sldMk cId="4229398084" sldId="257"/>
-        </pc:sldMkLst>
-        <pc:picChg chg="del">
-          <ac:chgData name="MORLACCO LORENZO" userId="S::lorenzo.morlacco@studenti.unicam.it::54291d95-2e02-4358-9635-1ef35feff65f" providerId="AD" clId="Web-{8C4E8AB2-F7BB-BE7A-0E47-AE189ABE79E1}" dt="2022-02-26T14:13:31.205" v="0"/>
-          <ac:picMkLst>
-            <pc:docMk/>
-            <pc:sldMk cId="4229398084" sldId="257"/>
-            <ac:picMk id="5" creationId="{AEE7C78F-64E6-4574-96D4-897087E4C5F9}"/>
-          </ac:picMkLst>
-        </pc:picChg>
-        <pc:picChg chg="add mod">
-          <ac:chgData name="MORLACCO LORENZO" userId="S::lorenzo.morlacco@studenti.unicam.it::54291d95-2e02-4358-9635-1ef35feff65f" providerId="AD" clId="Web-{8C4E8AB2-F7BB-BE7A-0E47-AE189ABE79E1}" dt="2022-02-26T14:14:30.412" v="6" actId="1076"/>
-          <ac:picMkLst>
-            <pc:docMk/>
-            <pc:sldMk cId="4229398084" sldId="257"/>
-            <ac:picMk id="6" creationId="{703636AE-622D-4B6F-BD69-4BF6AE882464}"/>
-          </ac:picMkLst>
-        </pc:picChg>
-      </pc:sldChg>
-      <pc:sldChg chg="modSp">
-        <pc:chgData name="MORLACCO LORENZO" userId="S::lorenzo.morlacco@studenti.unicam.it::54291d95-2e02-4358-9635-1ef35feff65f" providerId="AD" clId="Web-{8C4E8AB2-F7BB-BE7A-0E47-AE189ABE79E1}" dt="2022-02-26T16:32:21.044" v="737" actId="20577"/>
-        <pc:sldMkLst>
-          <pc:docMk/>
-          <pc:sldMk cId="1631322759" sldId="259"/>
-        </pc:sldMkLst>
-        <pc:spChg chg="mod">
-          <ac:chgData name="MORLACCO LORENZO" userId="S::lorenzo.morlacco@studenti.unicam.it::54291d95-2e02-4358-9635-1ef35feff65f" providerId="AD" clId="Web-{8C4E8AB2-F7BB-BE7A-0E47-AE189ABE79E1}" dt="2022-02-26T16:32:21.044" v="737" actId="20577"/>
-          <ac:spMkLst>
-            <pc:docMk/>
-            <pc:sldMk cId="1631322759" sldId="259"/>
-            <ac:spMk id="3" creationId="{D5C6D999-65D6-4EE9-9528-22AEAA589580}"/>
-          </ac:spMkLst>
-        </pc:spChg>
-        <pc:picChg chg="mod">
-          <ac:chgData name="MORLACCO LORENZO" userId="S::lorenzo.morlacco@studenti.unicam.it::54291d95-2e02-4358-9635-1ef35feff65f" providerId="AD" clId="Web-{8C4E8AB2-F7BB-BE7A-0E47-AE189ABE79E1}" dt="2022-02-26T15:20:50.408" v="320" actId="1076"/>
-          <ac:picMkLst>
-            <pc:docMk/>
-            <pc:sldMk cId="1631322759" sldId="259"/>
-            <ac:picMk id="5" creationId="{9F35E441-AB66-4044-B538-3CD6E00E85D7}"/>
-          </ac:picMkLst>
-        </pc:picChg>
-      </pc:sldChg>
-      <pc:sldChg chg="modSp">
-        <pc:chgData name="MORLACCO LORENZO" userId="S::lorenzo.morlacco@studenti.unicam.it::54291d95-2e02-4358-9635-1ef35feff65f" providerId="AD" clId="Web-{8C4E8AB2-F7BB-BE7A-0E47-AE189ABE79E1}" dt="2022-02-26T16:19:07.058" v="552" actId="20577"/>
-        <pc:sldMkLst>
-          <pc:docMk/>
-          <pc:sldMk cId="2527810687" sldId="260"/>
-        </pc:sldMkLst>
-        <pc:spChg chg="mod">
-          <ac:chgData name="MORLACCO LORENZO" userId="S::lorenzo.morlacco@studenti.unicam.it::54291d95-2e02-4358-9635-1ef35feff65f" providerId="AD" clId="Web-{8C4E8AB2-F7BB-BE7A-0E47-AE189ABE79E1}" dt="2022-02-26T16:19:07.058" v="552" actId="20577"/>
-          <ac:spMkLst>
-            <pc:docMk/>
-            <pc:sldMk cId="2527810687" sldId="260"/>
-            <ac:spMk id="2" creationId="{EE402CF0-08BA-4A76-BB35-3F8A866D0C66}"/>
-          </ac:spMkLst>
-        </pc:spChg>
-      </pc:sldChg>
-      <pc:sldChg chg="modSp">
-        <pc:chgData name="MORLACCO LORENZO" userId="S::lorenzo.morlacco@studenti.unicam.it::54291d95-2e02-4358-9635-1ef35feff65f" providerId="AD" clId="Web-{8C4E8AB2-F7BB-BE7A-0E47-AE189ABE79E1}" dt="2022-02-26T16:26:01.832" v="651" actId="20577"/>
-        <pc:sldMkLst>
-          <pc:docMk/>
-          <pc:sldMk cId="3938796509" sldId="268"/>
-        </pc:sldMkLst>
-        <pc:spChg chg="mod">
-          <ac:chgData name="MORLACCO LORENZO" userId="S::lorenzo.morlacco@studenti.unicam.it::54291d95-2e02-4358-9635-1ef35feff65f" providerId="AD" clId="Web-{8C4E8AB2-F7BB-BE7A-0E47-AE189ABE79E1}" dt="2022-02-26T16:26:01.832" v="651" actId="20577"/>
-          <ac:spMkLst>
-            <pc:docMk/>
-            <pc:sldMk cId="3938796509" sldId="268"/>
-            <ac:spMk id="3" creationId="{D5C6D999-65D6-4EE9-9528-22AEAA589580}"/>
-          </ac:spMkLst>
-        </pc:spChg>
-      </pc:sldChg>
-      <pc:sldChg chg="addSp delSp modSp add replId">
-        <pc:chgData name="MORLACCO LORENZO" userId="S::lorenzo.morlacco@studenti.unicam.it::54291d95-2e02-4358-9635-1ef35feff65f" providerId="AD" clId="Web-{8C4E8AB2-F7BB-BE7A-0E47-AE189ABE79E1}" dt="2022-02-26T16:06:50.322" v="395" actId="20577"/>
-        <pc:sldMkLst>
-          <pc:docMk/>
-          <pc:sldMk cId="168909577" sldId="272"/>
-        </pc:sldMkLst>
-        <pc:spChg chg="mod">
-          <ac:chgData name="MORLACCO LORENZO" userId="S::lorenzo.morlacco@studenti.unicam.it::54291d95-2e02-4358-9635-1ef35feff65f" providerId="AD" clId="Web-{8C4E8AB2-F7BB-BE7A-0E47-AE189ABE79E1}" dt="2022-02-26T15:22:34.878" v="326" actId="20577"/>
-          <ac:spMkLst>
-            <pc:docMk/>
-            <pc:sldMk cId="168909577" sldId="272"/>
-            <ac:spMk id="2" creationId="{EE402CF0-08BA-4A76-BB35-3F8A866D0C66}"/>
-          </ac:spMkLst>
-        </pc:spChg>
-        <pc:spChg chg="mod">
-          <ac:chgData name="MORLACCO LORENZO" userId="S::lorenzo.morlacco@studenti.unicam.it::54291d95-2e02-4358-9635-1ef35feff65f" providerId="AD" clId="Web-{8C4E8AB2-F7BB-BE7A-0E47-AE189ABE79E1}" dt="2022-02-26T16:06:50.322" v="395" actId="20577"/>
-          <ac:spMkLst>
-            <pc:docMk/>
-            <pc:sldMk cId="168909577" sldId="272"/>
-            <ac:spMk id="3" creationId="{D5C6D999-65D6-4EE9-9528-22AEAA589580}"/>
-          </ac:spMkLst>
-        </pc:spChg>
-        <pc:spChg chg="mod">
-          <ac:chgData name="MORLACCO LORENZO" userId="S::lorenzo.morlacco@studenti.unicam.it::54291d95-2e02-4358-9635-1ef35feff65f" providerId="AD" clId="Web-{8C4E8AB2-F7BB-BE7A-0E47-AE189ABE79E1}" dt="2022-02-26T15:23:19.645" v="331" actId="20577"/>
-          <ac:spMkLst>
-            <pc:docMk/>
-            <pc:sldMk cId="168909577" sldId="272"/>
-            <ac:spMk id="4" creationId="{72E298A3-0797-4FCE-952A-201E5020658B}"/>
-          </ac:spMkLst>
-        </pc:spChg>
-        <pc:picChg chg="del">
-          <ac:chgData name="MORLACCO LORENZO" userId="S::lorenzo.morlacco@studenti.unicam.it::54291d95-2e02-4358-9635-1ef35feff65f" providerId="AD" clId="Web-{8C4E8AB2-F7BB-BE7A-0E47-AE189ABE79E1}" dt="2022-02-26T15:22:37.425" v="327"/>
-          <ac:picMkLst>
-            <pc:docMk/>
-            <pc:sldMk cId="168909577" sldId="272"/>
-            <ac:picMk id="5" creationId="{9F35E441-AB66-4044-B538-3CD6E00E85D7}"/>
-          </ac:picMkLst>
-        </pc:picChg>
-        <pc:picChg chg="add mod">
-          <ac:chgData name="MORLACCO LORENZO" userId="S::lorenzo.morlacco@studenti.unicam.it::54291d95-2e02-4358-9635-1ef35feff65f" providerId="AD" clId="Web-{8C4E8AB2-F7BB-BE7A-0E47-AE189ABE79E1}" dt="2022-02-26T15:23:06.629" v="330" actId="14100"/>
-          <ac:picMkLst>
-            <pc:docMk/>
-            <pc:sldMk cId="168909577" sldId="272"/>
-            <ac:picMk id="6" creationId="{9D0E0340-E855-4C64-A4C4-1AD3D19F8BFA}"/>
-          </ac:picMkLst>
-        </pc:picChg>
-      </pc:sldChg>
-      <pc:sldChg chg="addSp delSp modSp add replId">
-        <pc:chgData name="MORLACCO LORENZO" userId="S::lorenzo.morlacco@studenti.unicam.it::54291d95-2e02-4358-9635-1ef35feff65f" providerId="AD" clId="Web-{8C4E8AB2-F7BB-BE7A-0E47-AE189ABE79E1}" dt="2022-02-26T16:29:34.962" v="708" actId="20577"/>
-        <pc:sldMkLst>
-          <pc:docMk/>
-          <pc:sldMk cId="2694635940" sldId="273"/>
-        </pc:sldMkLst>
-        <pc:spChg chg="del mod">
-          <ac:chgData name="MORLACCO LORENZO" userId="S::lorenzo.morlacco@studenti.unicam.it::54291d95-2e02-4358-9635-1ef35feff65f" providerId="AD" clId="Web-{8C4E8AB2-F7BB-BE7A-0E47-AE189ABE79E1}" dt="2022-02-26T16:07:25.839" v="398"/>
-          <ac:spMkLst>
-            <pc:docMk/>
-            <pc:sldMk cId="2694635940" sldId="273"/>
-            <ac:spMk id="2" creationId="{EE402CF0-08BA-4A76-BB35-3F8A866D0C66}"/>
-          </ac:spMkLst>
-        </pc:spChg>
-        <pc:spChg chg="mod">
-          <ac:chgData name="MORLACCO LORENZO" userId="S::lorenzo.morlacco@studenti.unicam.it::54291d95-2e02-4358-9635-1ef35feff65f" providerId="AD" clId="Web-{8C4E8AB2-F7BB-BE7A-0E47-AE189ABE79E1}" dt="2022-02-26T16:29:34.962" v="708" actId="20577"/>
-          <ac:spMkLst>
-            <pc:docMk/>
-            <pc:sldMk cId="2694635940" sldId="273"/>
-            <ac:spMk id="3" creationId="{D5C6D999-65D6-4EE9-9528-22AEAA589580}"/>
-          </ac:spMkLst>
-        </pc:spChg>
-        <pc:spChg chg="add del mod">
-          <ac:chgData name="MORLACCO LORENZO" userId="S::lorenzo.morlacco@studenti.unicam.it::54291d95-2e02-4358-9635-1ef35feff65f" providerId="AD" clId="Web-{8C4E8AB2-F7BB-BE7A-0E47-AE189ABE79E1}" dt="2022-02-26T16:14:14.207" v="415"/>
-          <ac:spMkLst>
-            <pc:docMk/>
-            <pc:sldMk cId="2694635940" sldId="273"/>
-            <ac:spMk id="7" creationId="{1F437757-07B5-418B-8D61-5C750490C642}"/>
-          </ac:spMkLst>
-        </pc:spChg>
-      </pc:sldChg>
-      <pc:sldChg chg="add del replId">
-        <pc:chgData name="MORLACCO LORENZO" userId="S::lorenzo.morlacco@studenti.unicam.it::54291d95-2e02-4358-9635-1ef35feff65f" providerId="AD" clId="Web-{8C4E8AB2-F7BB-BE7A-0E47-AE189ABE79E1}" dt="2022-02-26T16:19:21.995" v="554"/>
-        <pc:sldMkLst>
-          <pc:docMk/>
-          <pc:sldMk cId="2241306881" sldId="274"/>
-        </pc:sldMkLst>
-      </pc:sldChg>
-      <pc:sldChg chg="delSp modSp add ord replId">
-        <pc:chgData name="MORLACCO LORENZO" userId="S::lorenzo.morlacco@studenti.unicam.it::54291d95-2e02-4358-9635-1ef35feff65f" providerId="AD" clId="Web-{8C4E8AB2-F7BB-BE7A-0E47-AE189ABE79E1}" dt="2022-02-26T16:58:23.933" v="878" actId="1076"/>
-        <pc:sldMkLst>
-          <pc:docMk/>
-          <pc:sldMk cId="3377501150" sldId="274"/>
-        </pc:sldMkLst>
-        <pc:spChg chg="mod">
-          <ac:chgData name="MORLACCO LORENZO" userId="S::lorenzo.morlacco@studenti.unicam.it::54291d95-2e02-4358-9635-1ef35feff65f" providerId="AD" clId="Web-{8C4E8AB2-F7BB-BE7A-0E47-AE189ABE79E1}" dt="2022-02-26T16:52:54.905" v="855" actId="20577"/>
-          <ac:spMkLst>
-            <pc:docMk/>
-            <pc:sldMk cId="3377501150" sldId="274"/>
-            <ac:spMk id="2" creationId="{EE402CF0-08BA-4A76-BB35-3F8A866D0C66}"/>
-          </ac:spMkLst>
-        </pc:spChg>
-        <pc:spChg chg="mod">
-          <ac:chgData name="MORLACCO LORENZO" userId="S::lorenzo.morlacco@studenti.unicam.it::54291d95-2e02-4358-9635-1ef35feff65f" providerId="AD" clId="Web-{8C4E8AB2-F7BB-BE7A-0E47-AE189ABE79E1}" dt="2022-02-26T16:58:23.933" v="878" actId="1076"/>
-          <ac:spMkLst>
-            <pc:docMk/>
-            <pc:sldMk cId="3377501150" sldId="274"/>
-            <ac:spMk id="3" creationId="{D5C6D999-65D6-4EE9-9528-22AEAA589580}"/>
-          </ac:spMkLst>
-        </pc:spChg>
-        <pc:spChg chg="mod">
-          <ac:chgData name="MORLACCO LORENZO" userId="S::lorenzo.morlacco@studenti.unicam.it::54291d95-2e02-4358-9635-1ef35feff65f" providerId="AD" clId="Web-{8C4E8AB2-F7BB-BE7A-0E47-AE189ABE79E1}" dt="2022-02-26T16:52:51.061" v="853" actId="20577"/>
-          <ac:spMkLst>
-            <pc:docMk/>
-            <pc:sldMk cId="3377501150" sldId="274"/>
-            <ac:spMk id="4" creationId="{72E298A3-0797-4FCE-952A-201E5020658B}"/>
-          </ac:spMkLst>
-        </pc:spChg>
-        <pc:spChg chg="mod">
-          <ac:chgData name="MORLACCO LORENZO" userId="S::lorenzo.morlacco@studenti.unicam.it::54291d95-2e02-4358-9635-1ef35feff65f" providerId="AD" clId="Web-{8C4E8AB2-F7BB-BE7A-0E47-AE189ABE79E1}" dt="2022-02-26T16:33:12.342" v="745" actId="20577"/>
-          <ac:spMkLst>
-            <pc:docMk/>
-            <pc:sldMk cId="3377501150" sldId="274"/>
-            <ac:spMk id="89" creationId="{7A5FC171-5EF1-470A-B19B-DB937973D2A7}"/>
-          </ac:spMkLst>
-        </pc:spChg>
-        <pc:picChg chg="del">
-          <ac:chgData name="MORLACCO LORENZO" userId="S::lorenzo.morlacco@studenti.unicam.it::54291d95-2e02-4358-9635-1ef35feff65f" providerId="AD" clId="Web-{8C4E8AB2-F7BB-BE7A-0E47-AE189ABE79E1}" dt="2022-02-26T16:20:19.137" v="565"/>
-          <ac:picMkLst>
-            <pc:docMk/>
-            <pc:sldMk cId="3377501150" sldId="274"/>
-            <ac:picMk id="6" creationId="{9D0E0340-E855-4C64-A4C4-1AD3D19F8BFA}"/>
-          </ac:picMkLst>
-        </pc:picChg>
-      </pc:sldChg>
-      <pc:sldChg chg="add del replId">
-        <pc:chgData name="MORLACCO LORENZO" userId="S::lorenzo.morlacco@studenti.unicam.it::54291d95-2e02-4358-9635-1ef35feff65f" providerId="AD" clId="Web-{8C4E8AB2-F7BB-BE7A-0E47-AE189ABE79E1}" dt="2022-02-26T16:53:22.002" v="860"/>
-        <pc:sldMkLst>
-          <pc:docMk/>
-          <pc:sldMk cId="2554488059" sldId="275"/>
-        </pc:sldMkLst>
-      </pc:sldChg>
-      <pc:sldChg chg="modSp add replId">
-        <pc:chgData name="MORLACCO LORENZO" userId="S::lorenzo.morlacco@studenti.unicam.it::54291d95-2e02-4358-9635-1ef35feff65f" providerId="AD" clId="Web-{8C4E8AB2-F7BB-BE7A-0E47-AE189ABE79E1}" dt="2022-02-26T17:35:41.267" v="1016" actId="20577"/>
-        <pc:sldMkLst>
-          <pc:docMk/>
-          <pc:sldMk cId="2120586765" sldId="276"/>
-        </pc:sldMkLst>
-        <pc:spChg chg="mod">
-          <ac:chgData name="MORLACCO LORENZO" userId="S::lorenzo.morlacco@studenti.unicam.it::54291d95-2e02-4358-9635-1ef35feff65f" providerId="AD" clId="Web-{8C4E8AB2-F7BB-BE7A-0E47-AE189ABE79E1}" dt="2022-02-26T16:53:22.640" v="863" actId="20577"/>
-          <ac:spMkLst>
-            <pc:docMk/>
-            <pc:sldMk cId="2120586765" sldId="276"/>
-            <ac:spMk id="2" creationId="{EE402CF0-08BA-4A76-BB35-3F8A866D0C66}"/>
-          </ac:spMkLst>
-        </pc:spChg>
-        <pc:spChg chg="mod">
-          <ac:chgData name="MORLACCO LORENZO" userId="S::lorenzo.morlacco@studenti.unicam.it::54291d95-2e02-4358-9635-1ef35feff65f" providerId="AD" clId="Web-{8C4E8AB2-F7BB-BE7A-0E47-AE189ABE79E1}" dt="2022-02-26T16:58:18.995" v="877" actId="1076"/>
-          <ac:spMkLst>
-            <pc:docMk/>
-            <pc:sldMk cId="2120586765" sldId="276"/>
-            <ac:spMk id="3" creationId="{D5C6D999-65D6-4EE9-9528-22AEAA589580}"/>
-          </ac:spMkLst>
-        </pc:spChg>
-        <pc:spChg chg="mod">
-          <ac:chgData name="MORLACCO LORENZO" userId="S::lorenzo.morlacco@studenti.unicam.it::54291d95-2e02-4358-9635-1ef35feff65f" providerId="AD" clId="Web-{8C4E8AB2-F7BB-BE7A-0E47-AE189ABE79E1}" dt="2022-02-26T17:35:41.267" v="1016" actId="20577"/>
-          <ac:spMkLst>
-            <pc:docMk/>
-            <pc:sldMk cId="2120586765" sldId="276"/>
-            <ac:spMk id="4" creationId="{72E298A3-0797-4FCE-952A-201E5020658B}"/>
-          </ac:spMkLst>
-        </pc:spChg>
-      </pc:sldChg>
-      <pc:sldChg chg="addSp delSp modSp add replId">
-        <pc:chgData name="MORLACCO LORENZO" userId="S::lorenzo.morlacco@studenti.unicam.it::54291d95-2e02-4358-9635-1ef35feff65f" providerId="AD" clId="Web-{8C4E8AB2-F7BB-BE7A-0E47-AE189ABE79E1}" dt="2022-02-26T17:35:53.080" v="1019" actId="20577"/>
-        <pc:sldMkLst>
-          <pc:docMk/>
-          <pc:sldMk cId="840405265" sldId="277"/>
-        </pc:sldMkLst>
-        <pc:spChg chg="del">
-          <ac:chgData name="MORLACCO LORENZO" userId="S::lorenzo.morlacco@studenti.unicam.it::54291d95-2e02-4358-9635-1ef35feff65f" providerId="AD" clId="Web-{8C4E8AB2-F7BB-BE7A-0E47-AE189ABE79E1}" dt="2022-02-26T16:59:24.606" v="880"/>
-          <ac:spMkLst>
-            <pc:docMk/>
-            <pc:sldMk cId="840405265" sldId="277"/>
-            <ac:spMk id="2" creationId="{EE402CF0-08BA-4A76-BB35-3F8A866D0C66}"/>
-          </ac:spMkLst>
-        </pc:spChg>
-        <pc:spChg chg="del mod">
-          <ac:chgData name="MORLACCO LORENZO" userId="S::lorenzo.morlacco@studenti.unicam.it::54291d95-2e02-4358-9635-1ef35feff65f" providerId="AD" clId="Web-{8C4E8AB2-F7BB-BE7A-0E47-AE189ABE79E1}" dt="2022-02-26T17:00:24.607" v="883"/>
-          <ac:spMkLst>
-            <pc:docMk/>
-            <pc:sldMk cId="840405265" sldId="277"/>
-            <ac:spMk id="3" creationId="{D5C6D999-65D6-4EE9-9528-22AEAA589580}"/>
-          </ac:spMkLst>
-        </pc:spChg>
-        <pc:spChg chg="mod">
-          <ac:chgData name="MORLACCO LORENZO" userId="S::lorenzo.morlacco@studenti.unicam.it::54291d95-2e02-4358-9635-1ef35feff65f" providerId="AD" clId="Web-{8C4E8AB2-F7BB-BE7A-0E47-AE189ABE79E1}" dt="2022-02-26T17:35:53.080" v="1019" actId="20577"/>
-          <ac:spMkLst>
-            <pc:docMk/>
-            <pc:sldMk cId="840405265" sldId="277"/>
-            <ac:spMk id="4" creationId="{72E298A3-0797-4FCE-952A-201E5020658B}"/>
-          </ac:spMkLst>
-        </pc:spChg>
-        <pc:spChg chg="add del mod">
-          <ac:chgData name="MORLACCO LORENZO" userId="S::lorenzo.morlacco@studenti.unicam.it::54291d95-2e02-4358-9635-1ef35feff65f" providerId="AD" clId="Web-{8C4E8AB2-F7BB-BE7A-0E47-AE189ABE79E1}" dt="2022-02-26T16:59:30.309" v="882"/>
-          <ac:spMkLst>
-            <pc:docMk/>
-            <pc:sldMk cId="840405265" sldId="277"/>
-            <ac:spMk id="6" creationId="{80EE646F-5C0E-49AF-BF7F-C0D491BD75AA}"/>
-          </ac:spMkLst>
-        </pc:spChg>
-        <pc:spChg chg="add del mod">
-          <ac:chgData name="MORLACCO LORENZO" userId="S::lorenzo.morlacco@studenti.unicam.it::54291d95-2e02-4358-9635-1ef35feff65f" providerId="AD" clId="Web-{8C4E8AB2-F7BB-BE7A-0E47-AE189ABE79E1}" dt="2022-02-26T17:00:38.138" v="884"/>
-          <ac:spMkLst>
-            <pc:docMk/>
-            <pc:sldMk cId="840405265" sldId="277"/>
-            <ac:spMk id="8" creationId="{7D16AEFA-C45A-4263-91D8-8960D5BAD5B6}"/>
-          </ac:spMkLst>
-        </pc:spChg>
-        <pc:spChg chg="add mod">
-          <ac:chgData name="MORLACCO LORENZO" userId="S::lorenzo.morlacco@studenti.unicam.it::54291d95-2e02-4358-9635-1ef35feff65f" providerId="AD" clId="Web-{8C4E8AB2-F7BB-BE7A-0E47-AE189ABE79E1}" dt="2022-02-26T17:32:39.779" v="986" actId="20577"/>
-          <ac:spMkLst>
-            <pc:docMk/>
-            <pc:sldMk cId="840405265" sldId="277"/>
-            <ac:spMk id="10" creationId="{00643C27-A2EA-491A-8677-82E46CC1FF25}"/>
-          </ac:spMkLst>
-        </pc:spChg>
-        <pc:picChg chg="add mod ord">
-          <ac:chgData name="MORLACCO LORENZO" userId="S::lorenzo.morlacco@studenti.unicam.it::54291d95-2e02-4358-9635-1ef35feff65f" providerId="AD" clId="Web-{8C4E8AB2-F7BB-BE7A-0E47-AE189ABE79E1}" dt="2022-02-26T17:06:19.568" v="893" actId="1076"/>
-          <ac:picMkLst>
-            <pc:docMk/>
-            <pc:sldMk cId="840405265" sldId="277"/>
-            <ac:picMk id="9" creationId="{7E7C7146-01EF-482E-B524-98E632781817}"/>
-          </ac:picMkLst>
-        </pc:picChg>
-        <pc:picChg chg="add del mod">
-          <ac:chgData name="MORLACCO LORENZO" userId="S::lorenzo.morlacco@studenti.unicam.it::54291d95-2e02-4358-9635-1ef35feff65f" providerId="AD" clId="Web-{8C4E8AB2-F7BB-BE7A-0E47-AE189ABE79E1}" dt="2022-02-26T17:05:08.551" v="889" actId="1076"/>
-          <ac:picMkLst>
-            <pc:docMk/>
-            <pc:sldMk cId="840405265" sldId="277"/>
-            <ac:picMk id="85" creationId="{44E0A77A-EFFE-492D-9558-8307748CCF4F}"/>
-          </ac:picMkLst>
-        </pc:picChg>
-      </pc:sldChg>
-      <pc:sldChg chg="add del replId">
-        <pc:chgData name="MORLACCO LORENZO" userId="S::lorenzo.morlacco@studenti.unicam.it::54291d95-2e02-4358-9635-1ef35feff65f" providerId="AD" clId="Web-{8C4E8AB2-F7BB-BE7A-0E47-AE189ABE79E1}" dt="2022-02-26T16:53:21.984" v="859"/>
-        <pc:sldMkLst>
-          <pc:docMk/>
-          <pc:sldMk cId="2040231049" sldId="277"/>
-        </pc:sldMkLst>
-      </pc:sldChg>
-      <pc:sldChg chg="addSp modSp add ord replId">
-        <pc:chgData name="MORLACCO LORENZO" userId="S::lorenzo.morlacco@studenti.unicam.it::54291d95-2e02-4358-9635-1ef35feff65f" providerId="AD" clId="Web-{8C4E8AB2-F7BB-BE7A-0E47-AE189ABE79E1}" dt="2022-02-26T17:37:52.785" v="1027" actId="1076"/>
-        <pc:sldMkLst>
-          <pc:docMk/>
-          <pc:sldMk cId="2355785671" sldId="278"/>
-        </pc:sldMkLst>
-        <pc:spChg chg="mod">
-          <ac:chgData name="MORLACCO LORENZO" userId="S::lorenzo.morlacco@studenti.unicam.it::54291d95-2e02-4358-9635-1ef35feff65f" providerId="AD" clId="Web-{8C4E8AB2-F7BB-BE7A-0E47-AE189ABE79E1}" dt="2022-02-26T17:35:25.032" v="1013" actId="20577"/>
-          <ac:spMkLst>
-            <pc:docMk/>
-            <pc:sldMk cId="2355785671" sldId="278"/>
-            <ac:spMk id="2" creationId="{EE402CF0-08BA-4A76-BB35-3F8A866D0C66}"/>
-          </ac:spMkLst>
-        </pc:spChg>
-        <pc:spChg chg="mod">
-          <ac:chgData name="MORLACCO LORENZO" userId="S::lorenzo.morlacco@studenti.unicam.it::54291d95-2e02-4358-9635-1ef35feff65f" providerId="AD" clId="Web-{8C4E8AB2-F7BB-BE7A-0E47-AE189ABE79E1}" dt="2022-02-26T17:35:13.141" v="1009" actId="20577"/>
-          <ac:spMkLst>
-            <pc:docMk/>
-            <pc:sldMk cId="2355785671" sldId="278"/>
-            <ac:spMk id="3" creationId="{D5C6D999-65D6-4EE9-9528-22AEAA589580}"/>
-          </ac:spMkLst>
-        </pc:spChg>
-        <pc:spChg chg="mod">
-          <ac:chgData name="MORLACCO LORENZO" userId="S::lorenzo.morlacco@studenti.unicam.it::54291d95-2e02-4358-9635-1ef35feff65f" providerId="AD" clId="Web-{8C4E8AB2-F7BB-BE7A-0E47-AE189ABE79E1}" dt="2022-02-26T17:36:06.299" v="1022" actId="20577"/>
-          <ac:spMkLst>
-            <pc:docMk/>
-            <pc:sldMk cId="2355785671" sldId="278"/>
-            <ac:spMk id="4" creationId="{72E298A3-0797-4FCE-952A-201E5020658B}"/>
-          </ac:spMkLst>
-        </pc:spChg>
-        <pc:picChg chg="add mod">
-          <ac:chgData name="MORLACCO LORENZO" userId="S::lorenzo.morlacco@studenti.unicam.it::54291d95-2e02-4358-9635-1ef35feff65f" providerId="AD" clId="Web-{8C4E8AB2-F7BB-BE7A-0E47-AE189ABE79E1}" dt="2022-02-26T17:37:52.785" v="1027" actId="1076"/>
-          <ac:picMkLst>
-            <pc:docMk/>
-            <pc:sldMk cId="2355785671" sldId="278"/>
-            <ac:picMk id="5" creationId="{ABC9D2A9-C028-4AFD-AEAA-9DCE7CB5C819}"/>
-          </ac:picMkLst>
-        </pc:picChg>
-      </pc:sldChg>
-    </pc:docChg>
-  </pc:docChgLst>
-  <pc:docChgLst>
-    <pc:chgData name="MORLACCO LORENZO" userId="S::lorenzo.morlacco@studenti.unicam.it::54291d95-2e02-4358-9635-1ef35feff65f" providerId="AD" clId="Web-{A4DFC6B5-DB08-0088-8A5D-E520A833398B}"/>
-    <pc:docChg chg="addSld modSld">
-      <pc:chgData name="MORLACCO LORENZO" userId="S::lorenzo.morlacco@studenti.unicam.it::54291d95-2e02-4358-9635-1ef35feff65f" providerId="AD" clId="Web-{A4DFC6B5-DB08-0088-8A5D-E520A833398B}" dt="2021-12-14T14:36:45.038" v="64" actId="20577"/>
-      <pc:docMkLst>
-        <pc:docMk/>
-      </pc:docMkLst>
-      <pc:sldChg chg="modSp">
-        <pc:chgData name="MORLACCO LORENZO" userId="S::lorenzo.morlacco@studenti.unicam.it::54291d95-2e02-4358-9635-1ef35feff65f" providerId="AD" clId="Web-{A4DFC6B5-DB08-0088-8A5D-E520A833398B}" dt="2021-12-14T14:36:45.038" v="64" actId="20577"/>
-        <pc:sldMkLst>
-          <pc:docMk/>
-          <pc:sldMk cId="4229398084" sldId="257"/>
-        </pc:sldMkLst>
-        <pc:spChg chg="mod">
-          <ac:chgData name="MORLACCO LORENZO" userId="S::lorenzo.morlacco@studenti.unicam.it::54291d95-2e02-4358-9635-1ef35feff65f" providerId="AD" clId="Web-{A4DFC6B5-DB08-0088-8A5D-E520A833398B}" dt="2021-12-14T14:29:18.712" v="10" actId="20577"/>
-          <ac:spMkLst>
-            <pc:docMk/>
-            <pc:sldMk cId="4229398084" sldId="257"/>
-            <ac:spMk id="2" creationId="{EE402CF0-08BA-4A76-BB35-3F8A866D0C66}"/>
-          </ac:spMkLst>
-        </pc:spChg>
-        <pc:spChg chg="mod">
-          <ac:chgData name="MORLACCO LORENZO" userId="S::lorenzo.morlacco@studenti.unicam.it::54291d95-2e02-4358-9635-1ef35feff65f" providerId="AD" clId="Web-{A4DFC6B5-DB08-0088-8A5D-E520A833398B}" dt="2021-12-14T14:36:45.038" v="64" actId="20577"/>
-          <ac:spMkLst>
-            <pc:docMk/>
-            <pc:sldMk cId="4229398084" sldId="257"/>
-            <ac:spMk id="3" creationId="{D5C6D999-65D6-4EE9-9528-22AEAA589580}"/>
-          </ac:spMkLst>
-        </pc:spChg>
-        <pc:spChg chg="mod">
-          <ac:chgData name="MORLACCO LORENZO" userId="S::lorenzo.morlacco@studenti.unicam.it::54291d95-2e02-4358-9635-1ef35feff65f" providerId="AD" clId="Web-{A4DFC6B5-DB08-0088-8A5D-E520A833398B}" dt="2021-12-14T14:29:33.618" v="14" actId="14100"/>
-          <ac:spMkLst>
-            <pc:docMk/>
-            <pc:sldMk cId="4229398084" sldId="257"/>
-            <ac:spMk id="4" creationId="{1F2BBCFB-FD3E-4297-8B11-18FE8D1A2F2D}"/>
-          </ac:spMkLst>
-        </pc:spChg>
-      </pc:sldChg>
-      <pc:sldChg chg="add replId">
-        <pc:chgData name="MORLACCO LORENZO" userId="S::lorenzo.morlacco@studenti.unicam.it::54291d95-2e02-4358-9635-1ef35feff65f" providerId="AD" clId="Web-{A4DFC6B5-DB08-0088-8A5D-E520A833398B}" dt="2021-12-14T14:29:06.446" v="0"/>
-        <pc:sldMkLst>
-          <pc:docMk/>
-          <pc:sldMk cId="3938796509" sldId="268"/>
-        </pc:sldMkLst>
-      </pc:sldChg>
-    </pc:docChg>
-  </pc:docChgLst>
-  <pc:docChgLst>
-    <pc:chgData name="MORLACCO LORENZO" userId="S::lorenzo.morlacco@studenti.unicam.it::54291d95-2e02-4358-9635-1ef35feff65f" providerId="AD" clId="Web-{0F55923C-1D8C-4605-A2C0-1BDC84585E28}"/>
-    <pc:docChg chg="addSld modSld addMainMaster delMainMaster">
-      <pc:chgData name="MORLACCO LORENZO" userId="S::lorenzo.morlacco@studenti.unicam.it::54291d95-2e02-4358-9635-1ef35feff65f" providerId="AD" clId="Web-{0F55923C-1D8C-4605-A2C0-1BDC84585E28}" dt="2021-12-11T11:46:37.395" v="230"/>
-      <pc:docMkLst>
-        <pc:docMk/>
-      </pc:docMkLst>
-      <pc:sldChg chg="addSp delSp modSp mod modClrScheme chgLayout">
-        <pc:chgData name="MORLACCO LORENZO" userId="S::lorenzo.morlacco@studenti.unicam.it::54291d95-2e02-4358-9635-1ef35feff65f" providerId="AD" clId="Web-{0F55923C-1D8C-4605-A2C0-1BDC84585E28}" dt="2021-12-11T11:14:58.107" v="174" actId="1076"/>
-        <pc:sldMkLst>
-          <pc:docMk/>
-          <pc:sldMk cId="109857222" sldId="256"/>
-        </pc:sldMkLst>
-        <pc:spChg chg="mod ord">
-          <ac:chgData name="MORLACCO LORENZO" userId="S::lorenzo.morlacco@studenti.unicam.it::54291d95-2e02-4358-9635-1ef35feff65f" providerId="AD" clId="Web-{0F55923C-1D8C-4605-A2C0-1BDC84585E28}" dt="2021-12-11T11:12:54.525" v="145" actId="1076"/>
-          <ac:spMkLst>
-            <pc:docMk/>
-            <pc:sldMk cId="109857222" sldId="256"/>
-            <ac:spMk id="2" creationId="{00000000-0000-0000-0000-000000000000}"/>
-          </ac:spMkLst>
-        </pc:spChg>
-        <pc:spChg chg="mod ord">
-          <ac:chgData name="MORLACCO LORENZO" userId="S::lorenzo.morlacco@studenti.unicam.it::54291d95-2e02-4358-9635-1ef35feff65f" providerId="AD" clId="Web-{0F55923C-1D8C-4605-A2C0-1BDC84585E28}" dt="2021-12-11T11:14:05.339" v="147" actId="14100"/>
-          <ac:spMkLst>
-            <pc:docMk/>
-            <pc:sldMk cId="109857222" sldId="256"/>
-            <ac:spMk id="3" creationId="{00000000-0000-0000-0000-000000000000}"/>
-          </ac:spMkLst>
-        </pc:spChg>
-        <pc:spChg chg="add del">
-          <ac:chgData name="MORLACCO LORENZO" userId="S::lorenzo.morlacco@studenti.unicam.it::54291d95-2e02-4358-9635-1ef35feff65f" providerId="AD" clId="Web-{0F55923C-1D8C-4605-A2C0-1BDC84585E28}" dt="2021-12-11T11:09:10.103" v="129"/>
-          <ac:spMkLst>
-            <pc:docMk/>
-            <pc:sldMk cId="109857222" sldId="256"/>
-            <ac:spMk id="4" creationId="{52380F31-0367-41CB-8878-E56AE13720C5}"/>
-          </ac:spMkLst>
-        </pc:spChg>
-        <pc:spChg chg="add mod">
-          <ac:chgData name="MORLACCO LORENZO" userId="S::lorenzo.morlacco@studenti.unicam.it::54291d95-2e02-4358-9635-1ef35feff65f" providerId="AD" clId="Web-{0F55923C-1D8C-4605-A2C0-1BDC84585E28}" dt="2021-12-11T11:14:58.107" v="174" actId="1076"/>
-          <ac:spMkLst>
-            <pc:docMk/>
-            <pc:sldMk cId="109857222" sldId="256"/>
-            <ac:spMk id="6" creationId="{2706F856-C7BB-4BE3-9F65-9296AE82C228}"/>
-          </ac:spMkLst>
-        </pc:spChg>
-        <pc:picChg chg="add mod">
-          <ac:chgData name="MORLACCO LORENZO" userId="S::lorenzo.morlacco@studenti.unicam.it::54291d95-2e02-4358-9635-1ef35feff65f" providerId="AD" clId="Web-{0F55923C-1D8C-4605-A2C0-1BDC84585E28}" dt="2021-12-11T11:12:42.446" v="142" actId="1076"/>
-          <ac:picMkLst>
-            <pc:docMk/>
-            <pc:sldMk cId="109857222" sldId="256"/>
-            <ac:picMk id="5" creationId="{4CE16899-4ABB-4153-B693-D2F624883927}"/>
-          </ac:picMkLst>
-        </pc:picChg>
-      </pc:sldChg>
-      <pc:sldChg chg="addSp delSp modSp new mod setBg addAnim delAnim">
-        <pc:chgData name="MORLACCO LORENZO" userId="S::lorenzo.morlacco@studenti.unicam.it::54291d95-2e02-4358-9635-1ef35feff65f" providerId="AD" clId="Web-{0F55923C-1D8C-4605-A2C0-1BDC84585E28}" dt="2021-12-11T11:46:37.395" v="230"/>
-        <pc:sldMkLst>
-          <pc:docMk/>
-          <pc:sldMk cId="4229398084" sldId="257"/>
-        </pc:sldMkLst>
-        <pc:spChg chg="mod ord">
-          <ac:chgData name="MORLACCO LORENZO" userId="S::lorenzo.morlacco@studenti.unicam.it::54291d95-2e02-4358-9635-1ef35feff65f" providerId="AD" clId="Web-{0F55923C-1D8C-4605-A2C0-1BDC84585E28}" dt="2021-12-11T11:46:37.395" v="230"/>
-          <ac:spMkLst>
-            <pc:docMk/>
-            <pc:sldMk cId="4229398084" sldId="257"/>
-            <ac:spMk id="2" creationId="{EE402CF0-08BA-4A76-BB35-3F8A866D0C66}"/>
-          </ac:spMkLst>
-        </pc:spChg>
-        <pc:spChg chg="mod">
-          <ac:chgData name="MORLACCO LORENZO" userId="S::lorenzo.morlacco@studenti.unicam.it::54291d95-2e02-4358-9635-1ef35feff65f" providerId="AD" clId="Web-{0F55923C-1D8C-4605-A2C0-1BDC84585E28}" dt="2021-12-11T11:46:37.395" v="230"/>
-          <ac:spMkLst>
-            <pc:docMk/>
-            <pc:sldMk cId="4229398084" sldId="257"/>
-            <ac:spMk id="3" creationId="{D5C6D999-65D6-4EE9-9528-22AEAA589580}"/>
-          </ac:spMkLst>
-        </pc:spChg>
-        <pc:spChg chg="add">
-          <ac:chgData name="MORLACCO LORENZO" userId="S::lorenzo.morlacco@studenti.unicam.it::54291d95-2e02-4358-9635-1ef35feff65f" providerId="AD" clId="Web-{0F55923C-1D8C-4605-A2C0-1BDC84585E28}" dt="2021-12-11T11:46:37.395" v="230"/>
-          <ac:spMkLst>
-            <pc:docMk/>
-            <pc:sldMk cId="4229398084" sldId="257"/>
-            <ac:spMk id="5" creationId="{83030214-227F-42DB-9282-BBA6AF8D94A8}"/>
-          </ac:spMkLst>
-        </pc:spChg>
-        <pc:spChg chg="add">
-          <ac:chgData name="MORLACCO LORENZO" userId="S::lorenzo.morlacco@studenti.unicam.it::54291d95-2e02-4358-9635-1ef35feff65f" providerId="AD" clId="Web-{0F55923C-1D8C-4605-A2C0-1BDC84585E28}" dt="2021-12-11T11:46:37.395" v="230"/>
-          <ac:spMkLst>
-            <pc:docMk/>
-            <pc:sldMk cId="4229398084" sldId="257"/>
-            <ac:spMk id="10" creationId="{0D7A9289-BAD1-4A78-979F-A655C886DBF5}"/>
-          </ac:spMkLst>
-        </pc:spChg>
-        <pc:spChg chg="add del">
-          <ac:chgData name="MORLACCO LORENZO" userId="S::lorenzo.morlacco@studenti.unicam.it::54291d95-2e02-4358-9635-1ef35feff65f" providerId="AD" clId="Web-{0F55923C-1D8C-4605-A2C0-1BDC84585E28}" dt="2021-12-11T11:46:37.379" v="229"/>
-          <ac:spMkLst>
-            <pc:docMk/>
-            <pc:sldMk cId="4229398084" sldId="257"/>
-            <ac:spMk id="36" creationId="{6A10670B-6568-4038-91D8-392C78C0CFE4}"/>
-          </ac:spMkLst>
-        </pc:spChg>
-        <pc:spChg chg="add del">
-          <ac:chgData name="MORLACCO LORENZO" userId="S::lorenzo.morlacco@studenti.unicam.it::54291d95-2e02-4358-9635-1ef35feff65f" providerId="AD" clId="Web-{0F55923C-1D8C-4605-A2C0-1BDC84585E28}" dt="2021-12-11T11:46:37.379" v="229"/>
-          <ac:spMkLst>
-            <pc:docMk/>
-            <pc:sldMk cId="4229398084" sldId="257"/>
-            <ac:spMk id="38" creationId="{62163DB6-3EE7-474C-8726-1A05F7DE4229}"/>
-          </ac:spMkLst>
-        </pc:spChg>
-        <pc:spChg chg="add del">
-          <ac:chgData name="MORLACCO LORENZO" userId="S::lorenzo.morlacco@studenti.unicam.it::54291d95-2e02-4358-9635-1ef35feff65f" providerId="AD" clId="Web-{0F55923C-1D8C-4605-A2C0-1BDC84585E28}" dt="2021-12-11T11:46:37.379" v="229"/>
-          <ac:spMkLst>
-            <pc:docMk/>
-            <pc:sldMk cId="4229398084" sldId="257"/>
-            <ac:spMk id="40" creationId="{F81819F9-8CAC-4A6C-8F06-0482027F9736}"/>
-          </ac:spMkLst>
-        </pc:spChg>
-        <pc:spChg chg="add del">
-          <ac:chgData name="MORLACCO LORENZO" userId="S::lorenzo.morlacco@studenti.unicam.it::54291d95-2e02-4358-9635-1ef35feff65f" providerId="AD" clId="Web-{0F55923C-1D8C-4605-A2C0-1BDC84585E28}" dt="2021-12-11T11:46:37.379" v="229"/>
-          <ac:spMkLst>
-            <pc:docMk/>
-            <pc:sldMk cId="4229398084" sldId="257"/>
-            <ac:spMk id="42" creationId="{4A98CC08-AEC2-4E8F-8F52-0F5C6372DB4F}"/>
-          </ac:spMkLst>
-        </pc:spChg>
-        <pc:spChg chg="add del">
-          <ac:chgData name="MORLACCO LORENZO" userId="S::lorenzo.morlacco@studenti.unicam.it::54291d95-2e02-4358-9635-1ef35feff65f" providerId="AD" clId="Web-{0F55923C-1D8C-4605-A2C0-1BDC84585E28}" dt="2021-12-11T11:46:37.379" v="229"/>
-          <ac:spMkLst>
-            <pc:docMk/>
-            <pc:sldMk cId="4229398084" sldId="257"/>
-            <ac:spMk id="72" creationId="{1310EFE2-B91D-47E7-B117-C2A802800A7C}"/>
-          </ac:spMkLst>
-        </pc:spChg>
-        <pc:grpChg chg="add del">
-          <ac:chgData name="MORLACCO LORENZO" userId="S::lorenzo.morlacco@studenti.unicam.it::54291d95-2e02-4358-9635-1ef35feff65f" providerId="AD" clId="Web-{0F55923C-1D8C-4605-A2C0-1BDC84585E28}" dt="2021-12-11T11:46:37.379" v="229"/>
-          <ac:grpSpMkLst>
-            <pc:docMk/>
-            <pc:sldMk cId="4229398084" sldId="257"/>
-            <ac:grpSpMk id="8" creationId="{04E9F44E-02E7-4A97-B7DB-1DB0F1F4EB04}"/>
-          </ac:grpSpMkLst>
-        </pc:grpChg>
-        <pc:grpChg chg="add del">
-          <ac:chgData name="MORLACCO LORENZO" userId="S::lorenzo.morlacco@studenti.unicam.it::54291d95-2e02-4358-9635-1ef35feff65f" providerId="AD" clId="Web-{0F55923C-1D8C-4605-A2C0-1BDC84585E28}" dt="2021-12-11T11:46:37.379" v="229"/>
-          <ac:grpSpMkLst>
-            <pc:docMk/>
-            <pc:sldMk cId="4229398084" sldId="257"/>
-            <ac:grpSpMk id="22" creationId="{3F22DE9C-F188-48E2-A82C-4434A8EEEA57}"/>
-          </ac:grpSpMkLst>
-        </pc:grpChg>
-        <pc:grpChg chg="add del">
-          <ac:chgData name="MORLACCO LORENZO" userId="S::lorenzo.morlacco@studenti.unicam.it::54291d95-2e02-4358-9635-1ef35feff65f" providerId="AD" clId="Web-{0F55923C-1D8C-4605-A2C0-1BDC84585E28}" dt="2021-12-11T11:46:37.379" v="229"/>
-          <ac:grpSpMkLst>
-            <pc:docMk/>
-            <pc:sldMk cId="4229398084" sldId="257"/>
-            <ac:grpSpMk id="44" creationId="{5D1545E6-EB3C-4478-A661-A2CA963F129C}"/>
-          </ac:grpSpMkLst>
-        </pc:grpChg>
-        <pc:grpChg chg="add del">
-          <ac:chgData name="MORLACCO LORENZO" userId="S::lorenzo.morlacco@studenti.unicam.it::54291d95-2e02-4358-9635-1ef35feff65f" providerId="AD" clId="Web-{0F55923C-1D8C-4605-A2C0-1BDC84585E28}" dt="2021-12-11T11:46:37.379" v="229"/>
-          <ac:grpSpMkLst>
-            <pc:docMk/>
-            <pc:sldMk cId="4229398084" sldId="257"/>
-            <ac:grpSpMk id="58" creationId="{40A75861-F6C5-44A9-B161-B03701CBDE0C}"/>
-          </ac:grpSpMkLst>
-        </pc:grpChg>
-      </pc:sldChg>
-      <pc:sldMasterChg chg="del delSldLayout">
-        <pc:chgData name="MORLACCO LORENZO" userId="S::lorenzo.morlacco@studenti.unicam.it::54291d95-2e02-4358-9635-1ef35feff65f" providerId="AD" clId="Web-{0F55923C-1D8C-4605-A2C0-1BDC84585E28}" dt="2021-12-11T11:00:53.553" v="0"/>
-        <pc:sldMasterMkLst>
-          <pc:docMk/>
-          <pc:sldMasterMk cId="2460954070" sldId="2147483660"/>
-        </pc:sldMasterMkLst>
-        <pc:sldLayoutChg chg="del">
-          <pc:chgData name="MORLACCO LORENZO" userId="S::lorenzo.morlacco@studenti.unicam.it::54291d95-2e02-4358-9635-1ef35feff65f" providerId="AD" clId="Web-{0F55923C-1D8C-4605-A2C0-1BDC84585E28}" dt="2021-12-11T11:00:53.553" v="0"/>
-          <pc:sldLayoutMkLst>
-            <pc:docMk/>
-            <pc:sldMasterMk cId="2460954070" sldId="2147483660"/>
-            <pc:sldLayoutMk cId="2385387890" sldId="2147483661"/>
-          </pc:sldLayoutMkLst>
-        </pc:sldLayoutChg>
-        <pc:sldLayoutChg chg="del">
-          <pc:chgData name="MORLACCO LORENZO" userId="S::lorenzo.morlacco@studenti.unicam.it::54291d95-2e02-4358-9635-1ef35feff65f" providerId="AD" clId="Web-{0F55923C-1D8C-4605-A2C0-1BDC84585E28}" dt="2021-12-11T11:00:53.553" v="0"/>
-          <pc:sldLayoutMkLst>
-            <pc:docMk/>
-            <pc:sldMasterMk cId="2460954070" sldId="2147483660"/>
-            <pc:sldLayoutMk cId="949138452" sldId="2147483662"/>
-          </pc:sldLayoutMkLst>
-        </pc:sldLayoutChg>
-        <pc:sldLayoutChg chg="del">
-          <pc:chgData name="MORLACCO LORENZO" userId="S::lorenzo.morlacco@studenti.unicam.it::54291d95-2e02-4358-9635-1ef35feff65f" providerId="AD" clId="Web-{0F55923C-1D8C-4605-A2C0-1BDC84585E28}" dt="2021-12-11T11:00:53.553" v="0"/>
-          <pc:sldLayoutMkLst>
-            <pc:docMk/>
-            <pc:sldMasterMk cId="2460954070" sldId="2147483660"/>
-            <pc:sldLayoutMk cId="2591524520" sldId="2147483663"/>
-          </pc:sldLayoutMkLst>
-        </pc:sldLayoutChg>
-        <pc:sldLayoutChg chg="del">
-          <pc:chgData name="MORLACCO LORENZO" userId="S::lorenzo.morlacco@studenti.unicam.it::54291d95-2e02-4358-9635-1ef35feff65f" providerId="AD" clId="Web-{0F55923C-1D8C-4605-A2C0-1BDC84585E28}" dt="2021-12-11T11:00:53.553" v="0"/>
-          <pc:sldLayoutMkLst>
-            <pc:docMk/>
-            <pc:sldMasterMk cId="2460954070" sldId="2147483660"/>
-            <pc:sldLayoutMk cId="1203092039" sldId="2147483664"/>
-          </pc:sldLayoutMkLst>
-        </pc:sldLayoutChg>
-        <pc:sldLayoutChg chg="del">
-          <pc:chgData name="MORLACCO LORENZO" userId="S::lorenzo.morlacco@studenti.unicam.it::54291d95-2e02-4358-9635-1ef35feff65f" providerId="AD" clId="Web-{0F55923C-1D8C-4605-A2C0-1BDC84585E28}" dt="2021-12-11T11:00:53.553" v="0"/>
-          <pc:sldLayoutMkLst>
-            <pc:docMk/>
-            <pc:sldMasterMk cId="2460954070" sldId="2147483660"/>
-            <pc:sldLayoutMk cId="3733172339" sldId="2147483665"/>
-          </pc:sldLayoutMkLst>
-        </pc:sldLayoutChg>
-        <pc:sldLayoutChg chg="del">
-          <pc:chgData name="MORLACCO LORENZO" userId="S::lorenzo.morlacco@studenti.unicam.it::54291d95-2e02-4358-9635-1ef35feff65f" providerId="AD" clId="Web-{0F55923C-1D8C-4605-A2C0-1BDC84585E28}" dt="2021-12-11T11:00:53.553" v="0"/>
-          <pc:sldLayoutMkLst>
-            <pc:docMk/>
-            <pc:sldMasterMk cId="2460954070" sldId="2147483660"/>
-            <pc:sldLayoutMk cId="3210312558" sldId="2147483666"/>
-          </pc:sldLayoutMkLst>
-        </pc:sldLayoutChg>
-        <pc:sldLayoutChg chg="del">
-          <pc:chgData name="MORLACCO LORENZO" userId="S::lorenzo.morlacco@studenti.unicam.it::54291d95-2e02-4358-9635-1ef35feff65f" providerId="AD" clId="Web-{0F55923C-1D8C-4605-A2C0-1BDC84585E28}" dt="2021-12-11T11:00:53.553" v="0"/>
-          <pc:sldLayoutMkLst>
-            <pc:docMk/>
-            <pc:sldMasterMk cId="2460954070" sldId="2147483660"/>
-            <pc:sldLayoutMk cId="3146388984" sldId="2147483667"/>
-          </pc:sldLayoutMkLst>
-        </pc:sldLayoutChg>
-        <pc:sldLayoutChg chg="del">
-          <pc:chgData name="MORLACCO LORENZO" userId="S::lorenzo.morlacco@studenti.unicam.it::54291d95-2e02-4358-9635-1ef35feff65f" providerId="AD" clId="Web-{0F55923C-1D8C-4605-A2C0-1BDC84585E28}" dt="2021-12-11T11:00:53.553" v="0"/>
-          <pc:sldLayoutMkLst>
-            <pc:docMk/>
-            <pc:sldMasterMk cId="2460954070" sldId="2147483660"/>
-            <pc:sldLayoutMk cId="3171841454" sldId="2147483668"/>
-          </pc:sldLayoutMkLst>
-        </pc:sldLayoutChg>
-        <pc:sldLayoutChg chg="del">
-          <pc:chgData name="MORLACCO LORENZO" userId="S::lorenzo.morlacco@studenti.unicam.it::54291d95-2e02-4358-9635-1ef35feff65f" providerId="AD" clId="Web-{0F55923C-1D8C-4605-A2C0-1BDC84585E28}" dt="2021-12-11T11:00:53.553" v="0"/>
-          <pc:sldLayoutMkLst>
-            <pc:docMk/>
-            <pc:sldMasterMk cId="2460954070" sldId="2147483660"/>
-            <pc:sldLayoutMk cId="1718958274" sldId="2147483669"/>
-          </pc:sldLayoutMkLst>
-        </pc:sldLayoutChg>
-        <pc:sldLayoutChg chg="del">
-          <pc:chgData name="MORLACCO LORENZO" userId="S::lorenzo.morlacco@studenti.unicam.it::54291d95-2e02-4358-9635-1ef35feff65f" providerId="AD" clId="Web-{0F55923C-1D8C-4605-A2C0-1BDC84585E28}" dt="2021-12-11T11:00:53.553" v="0"/>
-          <pc:sldLayoutMkLst>
-            <pc:docMk/>
-            <pc:sldMasterMk cId="2460954070" sldId="2147483660"/>
-            <pc:sldLayoutMk cId="2202905451" sldId="2147483670"/>
-          </pc:sldLayoutMkLst>
-        </pc:sldLayoutChg>
-        <pc:sldLayoutChg chg="del">
-          <pc:chgData name="MORLACCO LORENZO" userId="S::lorenzo.morlacco@studenti.unicam.it::54291d95-2e02-4358-9635-1ef35feff65f" providerId="AD" clId="Web-{0F55923C-1D8C-4605-A2C0-1BDC84585E28}" dt="2021-12-11T11:00:53.553" v="0"/>
-          <pc:sldLayoutMkLst>
-            <pc:docMk/>
-            <pc:sldMasterMk cId="2460954070" sldId="2147483660"/>
-            <pc:sldLayoutMk cId="3479445657" sldId="2147483671"/>
-          </pc:sldLayoutMkLst>
-        </pc:sldLayoutChg>
-      </pc:sldMasterChg>
-      <pc:sldMasterChg chg="add del addSldLayout delSldLayout modSldLayout">
-        <pc:chgData name="MORLACCO LORENZO" userId="S::lorenzo.morlacco@studenti.unicam.it::54291d95-2e02-4358-9635-1ef35feff65f" providerId="AD" clId="Web-{0F55923C-1D8C-4605-A2C0-1BDC84585E28}" dt="2021-12-11T11:01:04.366" v="1"/>
-        <pc:sldMasterMkLst>
-          <pc:docMk/>
-          <pc:sldMasterMk cId="1738541494" sldId="2147483672"/>
-        </pc:sldMasterMkLst>
-        <pc:sldLayoutChg chg="add del mod replId">
-          <pc:chgData name="MORLACCO LORENZO" userId="S::lorenzo.morlacco@studenti.unicam.it::54291d95-2e02-4358-9635-1ef35feff65f" providerId="AD" clId="Web-{0F55923C-1D8C-4605-A2C0-1BDC84585E28}" dt="2021-12-11T11:01:04.366" v="1"/>
-          <pc:sldLayoutMkLst>
-            <pc:docMk/>
-            <pc:sldMasterMk cId="1738541494" sldId="2147483672"/>
-            <pc:sldLayoutMk cId="4182348352" sldId="2147483673"/>
-          </pc:sldLayoutMkLst>
-        </pc:sldLayoutChg>
-        <pc:sldLayoutChg chg="add del mod replId">
-          <pc:chgData name="MORLACCO LORENZO" userId="S::lorenzo.morlacco@studenti.unicam.it::54291d95-2e02-4358-9635-1ef35feff65f" providerId="AD" clId="Web-{0F55923C-1D8C-4605-A2C0-1BDC84585E28}" dt="2021-12-11T11:01:04.366" v="1"/>
-          <pc:sldLayoutMkLst>
-            <pc:docMk/>
-            <pc:sldMasterMk cId="1738541494" sldId="2147483672"/>
-            <pc:sldLayoutMk cId="844155963" sldId="2147483674"/>
-          </pc:sldLayoutMkLst>
-        </pc:sldLayoutChg>
-        <pc:sldLayoutChg chg="add del mod replId">
-          <pc:chgData name="MORLACCO LORENZO" userId="S::lorenzo.morlacco@studenti.unicam.it::54291d95-2e02-4358-9635-1ef35feff65f" providerId="AD" clId="Web-{0F55923C-1D8C-4605-A2C0-1BDC84585E28}" dt="2021-12-11T11:01:04.366" v="1"/>
-          <pc:sldLayoutMkLst>
-            <pc:docMk/>
-            <pc:sldMasterMk cId="1738541494" sldId="2147483672"/>
-            <pc:sldLayoutMk cId="2052444729" sldId="2147483675"/>
-          </pc:sldLayoutMkLst>
-        </pc:sldLayoutChg>
-        <pc:sldLayoutChg chg="add del mod replId">
-          <pc:chgData name="MORLACCO LORENZO" userId="S::lorenzo.morlacco@studenti.unicam.it::54291d95-2e02-4358-9635-1ef35feff65f" providerId="AD" clId="Web-{0F55923C-1D8C-4605-A2C0-1BDC84585E28}" dt="2021-12-11T11:01:04.366" v="1"/>
-          <pc:sldLayoutMkLst>
-            <pc:docMk/>
-            <pc:sldMasterMk cId="1738541494" sldId="2147483672"/>
-            <pc:sldLayoutMk cId="3325047515" sldId="2147483676"/>
-          </pc:sldLayoutMkLst>
-        </pc:sldLayoutChg>
-        <pc:sldLayoutChg chg="add del mod replId">
-          <pc:chgData name="MORLACCO LORENZO" userId="S::lorenzo.morlacco@studenti.unicam.it::54291d95-2e02-4358-9635-1ef35feff65f" providerId="AD" clId="Web-{0F55923C-1D8C-4605-A2C0-1BDC84585E28}" dt="2021-12-11T11:01:04.366" v="1"/>
-          <pc:sldLayoutMkLst>
-            <pc:docMk/>
-            <pc:sldMasterMk cId="1738541494" sldId="2147483672"/>
-            <pc:sldLayoutMk cId="410016589" sldId="2147483677"/>
-          </pc:sldLayoutMkLst>
-        </pc:sldLayoutChg>
-        <pc:sldLayoutChg chg="add del mod replId">
-          <pc:chgData name="MORLACCO LORENZO" userId="S::lorenzo.morlacco@studenti.unicam.it::54291d95-2e02-4358-9635-1ef35feff65f" providerId="AD" clId="Web-{0F55923C-1D8C-4605-A2C0-1BDC84585E28}" dt="2021-12-11T11:01:04.366" v="1"/>
-          <pc:sldLayoutMkLst>
-            <pc:docMk/>
-            <pc:sldMasterMk cId="1738541494" sldId="2147483672"/>
-            <pc:sldLayoutMk cId="3557593478" sldId="2147483678"/>
-          </pc:sldLayoutMkLst>
-        </pc:sldLayoutChg>
-        <pc:sldLayoutChg chg="add del mod replId">
-          <pc:chgData name="MORLACCO LORENZO" userId="S::lorenzo.morlacco@studenti.unicam.it::54291d95-2e02-4358-9635-1ef35feff65f" providerId="AD" clId="Web-{0F55923C-1D8C-4605-A2C0-1BDC84585E28}" dt="2021-12-11T11:01:04.366" v="1"/>
-          <pc:sldLayoutMkLst>
-            <pc:docMk/>
-            <pc:sldMasterMk cId="1738541494" sldId="2147483672"/>
-            <pc:sldLayoutMk cId="4196751435" sldId="2147483679"/>
-          </pc:sldLayoutMkLst>
-        </pc:sldLayoutChg>
-        <pc:sldLayoutChg chg="add del mod replId">
-          <pc:chgData name="MORLACCO LORENZO" userId="S::lorenzo.morlacco@studenti.unicam.it::54291d95-2e02-4358-9635-1ef35feff65f" providerId="AD" clId="Web-{0F55923C-1D8C-4605-A2C0-1BDC84585E28}" dt="2021-12-11T11:01:04.366" v="1"/>
-          <pc:sldLayoutMkLst>
-            <pc:docMk/>
-            <pc:sldMasterMk cId="1738541494" sldId="2147483672"/>
-            <pc:sldLayoutMk cId="1623850498" sldId="2147483680"/>
-          </pc:sldLayoutMkLst>
-        </pc:sldLayoutChg>
-        <pc:sldLayoutChg chg="add del mod replId">
-          <pc:chgData name="MORLACCO LORENZO" userId="S::lorenzo.morlacco@studenti.unicam.it::54291d95-2e02-4358-9635-1ef35feff65f" providerId="AD" clId="Web-{0F55923C-1D8C-4605-A2C0-1BDC84585E28}" dt="2021-12-11T11:01:04.366" v="1"/>
-          <pc:sldLayoutMkLst>
-            <pc:docMk/>
-            <pc:sldMasterMk cId="1738541494" sldId="2147483672"/>
-            <pc:sldLayoutMk cId="671144311" sldId="2147483681"/>
-          </pc:sldLayoutMkLst>
-        </pc:sldLayoutChg>
-        <pc:sldLayoutChg chg="add del mod replId">
-          <pc:chgData name="MORLACCO LORENZO" userId="S::lorenzo.morlacco@studenti.unicam.it::54291d95-2e02-4358-9635-1ef35feff65f" providerId="AD" clId="Web-{0F55923C-1D8C-4605-A2C0-1BDC84585E28}" dt="2021-12-11T11:01:04.366" v="1"/>
-          <pc:sldLayoutMkLst>
-            <pc:docMk/>
-            <pc:sldMasterMk cId="1738541494" sldId="2147483672"/>
-            <pc:sldLayoutMk cId="1534198900" sldId="2147483682"/>
-          </pc:sldLayoutMkLst>
-        </pc:sldLayoutChg>
-        <pc:sldLayoutChg chg="add del mod replId">
-          <pc:chgData name="MORLACCO LORENZO" userId="S::lorenzo.morlacco@studenti.unicam.it::54291d95-2e02-4358-9635-1ef35feff65f" providerId="AD" clId="Web-{0F55923C-1D8C-4605-A2C0-1BDC84585E28}" dt="2021-12-11T11:01:04.366" v="1"/>
-          <pc:sldLayoutMkLst>
-            <pc:docMk/>
-            <pc:sldMasterMk cId="1738541494" sldId="2147483672"/>
-            <pc:sldLayoutMk cId="2742021769" sldId="2147483683"/>
-          </pc:sldLayoutMkLst>
-        </pc:sldLayoutChg>
-        <pc:sldLayoutChg chg="add del mod replId">
-          <pc:chgData name="MORLACCO LORENZO" userId="S::lorenzo.morlacco@studenti.unicam.it::54291d95-2e02-4358-9635-1ef35feff65f" providerId="AD" clId="Web-{0F55923C-1D8C-4605-A2C0-1BDC84585E28}" dt="2021-12-11T11:01:04.366" v="1"/>
-          <pc:sldLayoutMkLst>
-            <pc:docMk/>
-            <pc:sldMasterMk cId="1738541494" sldId="2147483672"/>
-            <pc:sldLayoutMk cId="654292167" sldId="2147483684"/>
-          </pc:sldLayoutMkLst>
-        </pc:sldLayoutChg>
-        <pc:sldLayoutChg chg="add del mod replId">
-          <pc:chgData name="MORLACCO LORENZO" userId="S::lorenzo.morlacco@studenti.unicam.it::54291d95-2e02-4358-9635-1ef35feff65f" providerId="AD" clId="Web-{0F55923C-1D8C-4605-A2C0-1BDC84585E28}" dt="2021-12-11T11:01:04.366" v="1"/>
-          <pc:sldLayoutMkLst>
-            <pc:docMk/>
-            <pc:sldMasterMk cId="1738541494" sldId="2147483672"/>
-            <pc:sldLayoutMk cId="958593281" sldId="2147483685"/>
-          </pc:sldLayoutMkLst>
-        </pc:sldLayoutChg>
-        <pc:sldLayoutChg chg="add del mod replId">
-          <pc:chgData name="MORLACCO LORENZO" userId="S::lorenzo.morlacco@studenti.unicam.it::54291d95-2e02-4358-9635-1ef35feff65f" providerId="AD" clId="Web-{0F55923C-1D8C-4605-A2C0-1BDC84585E28}" dt="2021-12-11T11:01:04.366" v="1"/>
-          <pc:sldLayoutMkLst>
-            <pc:docMk/>
-            <pc:sldMasterMk cId="1738541494" sldId="2147483672"/>
-            <pc:sldLayoutMk cId="2918378474" sldId="2147483686"/>
-          </pc:sldLayoutMkLst>
-        </pc:sldLayoutChg>
-        <pc:sldLayoutChg chg="add del mod replId">
-          <pc:chgData name="MORLACCO LORENZO" userId="S::lorenzo.morlacco@studenti.unicam.it::54291d95-2e02-4358-9635-1ef35feff65f" providerId="AD" clId="Web-{0F55923C-1D8C-4605-A2C0-1BDC84585E28}" dt="2021-12-11T11:01:04.366" v="1"/>
-          <pc:sldLayoutMkLst>
-            <pc:docMk/>
-            <pc:sldMasterMk cId="1738541494" sldId="2147483672"/>
-            <pc:sldLayoutMk cId="3695685022" sldId="2147483687"/>
-          </pc:sldLayoutMkLst>
-        </pc:sldLayoutChg>
-        <pc:sldLayoutChg chg="add del mod replId">
-          <pc:chgData name="MORLACCO LORENZO" userId="S::lorenzo.morlacco@studenti.unicam.it::54291d95-2e02-4358-9635-1ef35feff65f" providerId="AD" clId="Web-{0F55923C-1D8C-4605-A2C0-1BDC84585E28}" dt="2021-12-11T11:01:04.366" v="1"/>
-          <pc:sldLayoutMkLst>
-            <pc:docMk/>
-            <pc:sldMasterMk cId="1738541494" sldId="2147483672"/>
-            <pc:sldLayoutMk cId="891215485" sldId="2147483688"/>
-          </pc:sldLayoutMkLst>
-        </pc:sldLayoutChg>
-      </pc:sldMasterChg>
-      <pc:sldMasterChg chg="add del addSldLayout delSldLayout modSldLayout">
-        <pc:chgData name="MORLACCO LORENZO" userId="S::lorenzo.morlacco@studenti.unicam.it::54291d95-2e02-4358-9635-1ef35feff65f" providerId="AD" clId="Web-{0F55923C-1D8C-4605-A2C0-1BDC84585E28}" dt="2021-12-11T11:01:19.257" v="2"/>
-        <pc:sldMasterMkLst>
-          <pc:docMk/>
-          <pc:sldMasterMk cId="927353407" sldId="2147483689"/>
-        </pc:sldMasterMkLst>
-        <pc:sldLayoutChg chg="add del mod replId">
-          <pc:chgData name="MORLACCO LORENZO" userId="S::lorenzo.morlacco@studenti.unicam.it::54291d95-2e02-4358-9635-1ef35feff65f" providerId="AD" clId="Web-{0F55923C-1D8C-4605-A2C0-1BDC84585E28}" dt="2021-12-11T11:01:19.257" v="2"/>
-          <pc:sldLayoutMkLst>
-            <pc:docMk/>
-            <pc:sldMasterMk cId="927353407" sldId="2147483689"/>
-            <pc:sldLayoutMk cId="1859668189" sldId="2147483690"/>
-          </pc:sldLayoutMkLst>
-        </pc:sldLayoutChg>
-        <pc:sldLayoutChg chg="add del mod replId">
-          <pc:chgData name="MORLACCO LORENZO" userId="S::lorenzo.morlacco@studenti.unicam.it::54291d95-2e02-4358-9635-1ef35feff65f" providerId="AD" clId="Web-{0F55923C-1D8C-4605-A2C0-1BDC84585E28}" dt="2021-12-11T11:01:19.257" v="2"/>
-          <pc:sldLayoutMkLst>
-            <pc:docMk/>
-            <pc:sldMasterMk cId="927353407" sldId="2147483689"/>
-            <pc:sldLayoutMk cId="1144451395" sldId="2147483691"/>
-          </pc:sldLayoutMkLst>
-        </pc:sldLayoutChg>
-        <pc:sldLayoutChg chg="add del mod replId">
-          <pc:chgData name="MORLACCO LORENZO" userId="S::lorenzo.morlacco@studenti.unicam.it::54291d95-2e02-4358-9635-1ef35feff65f" providerId="AD" clId="Web-{0F55923C-1D8C-4605-A2C0-1BDC84585E28}" dt="2021-12-11T11:01:19.257" v="2"/>
-          <pc:sldLayoutMkLst>
-            <pc:docMk/>
-            <pc:sldMasterMk cId="927353407" sldId="2147483689"/>
-            <pc:sldLayoutMk cId="2662856251" sldId="2147483692"/>
-          </pc:sldLayoutMkLst>
-        </pc:sldLayoutChg>
-        <pc:sldLayoutChg chg="add del mod replId">
-          <pc:chgData name="MORLACCO LORENZO" userId="S::lorenzo.morlacco@studenti.unicam.it::54291d95-2e02-4358-9635-1ef35feff65f" providerId="AD" clId="Web-{0F55923C-1D8C-4605-A2C0-1BDC84585E28}" dt="2021-12-11T11:01:19.257" v="2"/>
-          <pc:sldLayoutMkLst>
-            <pc:docMk/>
-            <pc:sldMasterMk cId="927353407" sldId="2147483689"/>
-            <pc:sldLayoutMk cId="1619522531" sldId="2147483693"/>
-          </pc:sldLayoutMkLst>
-        </pc:sldLayoutChg>
-        <pc:sldLayoutChg chg="add del mod replId">
-          <pc:chgData name="MORLACCO LORENZO" userId="S::lorenzo.morlacco@studenti.unicam.it::54291d95-2e02-4358-9635-1ef35feff65f" providerId="AD" clId="Web-{0F55923C-1D8C-4605-A2C0-1BDC84585E28}" dt="2021-12-11T11:01:19.257" v="2"/>
-          <pc:sldLayoutMkLst>
-            <pc:docMk/>
-            <pc:sldMasterMk cId="927353407" sldId="2147483689"/>
-            <pc:sldLayoutMk cId="1163139900" sldId="2147483694"/>
-          </pc:sldLayoutMkLst>
-        </pc:sldLayoutChg>
-        <pc:sldLayoutChg chg="add del mod replId">
-          <pc:chgData name="MORLACCO LORENZO" userId="S::lorenzo.morlacco@studenti.unicam.it::54291d95-2e02-4358-9635-1ef35feff65f" providerId="AD" clId="Web-{0F55923C-1D8C-4605-A2C0-1BDC84585E28}" dt="2021-12-11T11:01:19.257" v="2"/>
-          <pc:sldLayoutMkLst>
-            <pc:docMk/>
-            <pc:sldMasterMk cId="927353407" sldId="2147483689"/>
-            <pc:sldLayoutMk cId="1281373818" sldId="2147483695"/>
-          </pc:sldLayoutMkLst>
-        </pc:sldLayoutChg>
-        <pc:sldLayoutChg chg="add del mod replId">
-          <pc:chgData name="MORLACCO LORENZO" userId="S::lorenzo.morlacco@studenti.unicam.it::54291d95-2e02-4358-9635-1ef35feff65f" providerId="AD" clId="Web-{0F55923C-1D8C-4605-A2C0-1BDC84585E28}" dt="2021-12-11T11:01:19.257" v="2"/>
-          <pc:sldLayoutMkLst>
-            <pc:docMk/>
-            <pc:sldMasterMk cId="927353407" sldId="2147483689"/>
-            <pc:sldLayoutMk cId="2286293680" sldId="2147483696"/>
-          </pc:sldLayoutMkLst>
-        </pc:sldLayoutChg>
-        <pc:sldLayoutChg chg="add del mod replId">
-          <pc:chgData name="MORLACCO LORENZO" userId="S::lorenzo.morlacco@studenti.unicam.it::54291d95-2e02-4358-9635-1ef35feff65f" providerId="AD" clId="Web-{0F55923C-1D8C-4605-A2C0-1BDC84585E28}" dt="2021-12-11T11:01:19.257" v="2"/>
-          <pc:sldLayoutMkLst>
-            <pc:docMk/>
-            <pc:sldMasterMk cId="927353407" sldId="2147483689"/>
-            <pc:sldLayoutMk cId="2603973293" sldId="2147483697"/>
-          </pc:sldLayoutMkLst>
-        </pc:sldLayoutChg>
-        <pc:sldLayoutChg chg="add del mod replId">
-          <pc:chgData name="MORLACCO LORENZO" userId="S::lorenzo.morlacco@studenti.unicam.it::54291d95-2e02-4358-9635-1ef35feff65f" providerId="AD" clId="Web-{0F55923C-1D8C-4605-A2C0-1BDC84585E28}" dt="2021-12-11T11:01:19.257" v="2"/>
-          <pc:sldLayoutMkLst>
-            <pc:docMk/>
-            <pc:sldMasterMk cId="927353407" sldId="2147483689"/>
-            <pc:sldLayoutMk cId="506195792" sldId="2147483698"/>
-          </pc:sldLayoutMkLst>
-        </pc:sldLayoutChg>
-        <pc:sldLayoutChg chg="add del mod replId">
-          <pc:chgData name="MORLACCO LORENZO" userId="S::lorenzo.morlacco@studenti.unicam.it::54291d95-2e02-4358-9635-1ef35feff65f" providerId="AD" clId="Web-{0F55923C-1D8C-4605-A2C0-1BDC84585E28}" dt="2021-12-11T11:01:19.257" v="2"/>
-          <pc:sldLayoutMkLst>
-            <pc:docMk/>
-            <pc:sldMasterMk cId="927353407" sldId="2147483689"/>
-            <pc:sldLayoutMk cId="1788776773" sldId="2147483699"/>
-          </pc:sldLayoutMkLst>
-        </pc:sldLayoutChg>
-        <pc:sldLayoutChg chg="add del mod replId">
-          <pc:chgData name="MORLACCO LORENZO" userId="S::lorenzo.morlacco@studenti.unicam.it::54291d95-2e02-4358-9635-1ef35feff65f" providerId="AD" clId="Web-{0F55923C-1D8C-4605-A2C0-1BDC84585E28}" dt="2021-12-11T11:01:19.257" v="2"/>
-          <pc:sldLayoutMkLst>
-            <pc:docMk/>
-            <pc:sldMasterMk cId="927353407" sldId="2147483689"/>
-            <pc:sldLayoutMk cId="3013035904" sldId="2147483700"/>
-          </pc:sldLayoutMkLst>
-        </pc:sldLayoutChg>
-      </pc:sldMasterChg>
-      <pc:sldMasterChg chg="add del addSldLayout delSldLayout modSldLayout">
-        <pc:chgData name="MORLACCO LORENZO" userId="S::lorenzo.morlacco@studenti.unicam.it::54291d95-2e02-4358-9635-1ef35feff65f" providerId="AD" clId="Web-{0F55923C-1D8C-4605-A2C0-1BDC84585E28}" dt="2021-12-11T11:01:21.694" v="3"/>
-        <pc:sldMasterMkLst>
-          <pc:docMk/>
-          <pc:sldMasterMk cId="1489181003" sldId="2147483701"/>
-        </pc:sldMasterMkLst>
-        <pc:sldLayoutChg chg="add del mod replId">
-          <pc:chgData name="MORLACCO LORENZO" userId="S::lorenzo.morlacco@studenti.unicam.it::54291d95-2e02-4358-9635-1ef35feff65f" providerId="AD" clId="Web-{0F55923C-1D8C-4605-A2C0-1BDC84585E28}" dt="2021-12-11T11:01:21.694" v="3"/>
-          <pc:sldLayoutMkLst>
-            <pc:docMk/>
-            <pc:sldMasterMk cId="1489181003" sldId="2147483701"/>
-            <pc:sldLayoutMk cId="1794829812" sldId="2147483702"/>
-          </pc:sldLayoutMkLst>
-        </pc:sldLayoutChg>
-        <pc:sldLayoutChg chg="add del mod replId">
-          <pc:chgData name="MORLACCO LORENZO" userId="S::lorenzo.morlacco@studenti.unicam.it::54291d95-2e02-4358-9635-1ef35feff65f" providerId="AD" clId="Web-{0F55923C-1D8C-4605-A2C0-1BDC84585E28}" dt="2021-12-11T11:01:21.694" v="3"/>
-          <pc:sldLayoutMkLst>
-            <pc:docMk/>
-            <pc:sldMasterMk cId="1489181003" sldId="2147483701"/>
-            <pc:sldLayoutMk cId="3912564706" sldId="2147483703"/>
-          </pc:sldLayoutMkLst>
-        </pc:sldLayoutChg>
-        <pc:sldLayoutChg chg="add del mod replId">
-          <pc:chgData name="MORLACCO LORENZO" userId="S::lorenzo.morlacco@studenti.unicam.it::54291d95-2e02-4358-9635-1ef35feff65f" providerId="AD" clId="Web-{0F55923C-1D8C-4605-A2C0-1BDC84585E28}" dt="2021-12-11T11:01:21.694" v="3"/>
-          <pc:sldLayoutMkLst>
-            <pc:docMk/>
-            <pc:sldMasterMk cId="1489181003" sldId="2147483701"/>
-            <pc:sldLayoutMk cId="2993659294" sldId="2147483704"/>
-          </pc:sldLayoutMkLst>
-        </pc:sldLayoutChg>
-        <pc:sldLayoutChg chg="add del mod replId">
-          <pc:chgData name="MORLACCO LORENZO" userId="S::lorenzo.morlacco@studenti.unicam.it::54291d95-2e02-4358-9635-1ef35feff65f" providerId="AD" clId="Web-{0F55923C-1D8C-4605-A2C0-1BDC84585E28}" dt="2021-12-11T11:01:21.694" v="3"/>
-          <pc:sldLayoutMkLst>
-            <pc:docMk/>
-            <pc:sldMasterMk cId="1489181003" sldId="2147483701"/>
-            <pc:sldLayoutMk cId="964681814" sldId="2147483705"/>
-          </pc:sldLayoutMkLst>
-        </pc:sldLayoutChg>
-        <pc:sldLayoutChg chg="add del mod replId">
-          <pc:chgData name="MORLACCO LORENZO" userId="S::lorenzo.morlacco@studenti.unicam.it::54291d95-2e02-4358-9635-1ef35feff65f" providerId="AD" clId="Web-{0F55923C-1D8C-4605-A2C0-1BDC84585E28}" dt="2021-12-11T11:01:21.694" v="3"/>
-          <pc:sldLayoutMkLst>
-            <pc:docMk/>
-            <pc:sldMasterMk cId="1489181003" sldId="2147483701"/>
-            <pc:sldLayoutMk cId="3553663473" sldId="2147483706"/>
-          </pc:sldLayoutMkLst>
-        </pc:sldLayoutChg>
-        <pc:sldLayoutChg chg="add del mod replId">
-          <pc:chgData name="MORLACCO LORENZO" userId="S::lorenzo.morlacco@studenti.unicam.it::54291d95-2e02-4358-9635-1ef35feff65f" providerId="AD" clId="Web-{0F55923C-1D8C-4605-A2C0-1BDC84585E28}" dt="2021-12-11T11:01:21.694" v="3"/>
-          <pc:sldLayoutMkLst>
-            <pc:docMk/>
-            <pc:sldMasterMk cId="1489181003" sldId="2147483701"/>
-            <pc:sldLayoutMk cId="1240741988" sldId="2147483707"/>
-          </pc:sldLayoutMkLst>
-        </pc:sldLayoutChg>
-        <pc:sldLayoutChg chg="add del mod replId">
-          <pc:chgData name="MORLACCO LORENZO" userId="S::lorenzo.morlacco@studenti.unicam.it::54291d95-2e02-4358-9635-1ef35feff65f" providerId="AD" clId="Web-{0F55923C-1D8C-4605-A2C0-1BDC84585E28}" dt="2021-12-11T11:01:21.694" v="3"/>
-          <pc:sldLayoutMkLst>
-            <pc:docMk/>
-            <pc:sldMasterMk cId="1489181003" sldId="2147483701"/>
-            <pc:sldLayoutMk cId="2312931420" sldId="2147483708"/>
-          </pc:sldLayoutMkLst>
-        </pc:sldLayoutChg>
-        <pc:sldLayoutChg chg="add del mod replId">
-          <pc:chgData name="MORLACCO LORENZO" userId="S::lorenzo.morlacco@studenti.unicam.it::54291d95-2e02-4358-9635-1ef35feff65f" providerId="AD" clId="Web-{0F55923C-1D8C-4605-A2C0-1BDC84585E28}" dt="2021-12-11T11:01:21.694" v="3"/>
-          <pc:sldLayoutMkLst>
-            <pc:docMk/>
-            <pc:sldMasterMk cId="1489181003" sldId="2147483701"/>
-            <pc:sldLayoutMk cId="2782691336" sldId="2147483709"/>
-          </pc:sldLayoutMkLst>
-        </pc:sldLayoutChg>
-        <pc:sldLayoutChg chg="add del mod replId">
-          <pc:chgData name="MORLACCO LORENZO" userId="S::lorenzo.morlacco@studenti.unicam.it::54291d95-2e02-4358-9635-1ef35feff65f" providerId="AD" clId="Web-{0F55923C-1D8C-4605-A2C0-1BDC84585E28}" dt="2021-12-11T11:01:21.694" v="3"/>
-          <pc:sldLayoutMkLst>
-            <pc:docMk/>
-            <pc:sldMasterMk cId="1489181003" sldId="2147483701"/>
-            <pc:sldLayoutMk cId="2030508738" sldId="2147483710"/>
-          </pc:sldLayoutMkLst>
-        </pc:sldLayoutChg>
-        <pc:sldLayoutChg chg="add del mod replId">
-          <pc:chgData name="MORLACCO LORENZO" userId="S::lorenzo.morlacco@studenti.unicam.it::54291d95-2e02-4358-9635-1ef35feff65f" providerId="AD" clId="Web-{0F55923C-1D8C-4605-A2C0-1BDC84585E28}" dt="2021-12-11T11:01:21.694" v="3"/>
-          <pc:sldLayoutMkLst>
-            <pc:docMk/>
-            <pc:sldMasterMk cId="1489181003" sldId="2147483701"/>
-            <pc:sldLayoutMk cId="1281690654" sldId="2147483711"/>
-          </pc:sldLayoutMkLst>
-        </pc:sldLayoutChg>
-        <pc:sldLayoutChg chg="add del mod replId">
-          <pc:chgData name="MORLACCO LORENZO" userId="S::lorenzo.morlacco@studenti.unicam.it::54291d95-2e02-4358-9635-1ef35feff65f" providerId="AD" clId="Web-{0F55923C-1D8C-4605-A2C0-1BDC84585E28}" dt="2021-12-11T11:01:21.694" v="3"/>
-          <pc:sldLayoutMkLst>
-            <pc:docMk/>
-            <pc:sldMasterMk cId="1489181003" sldId="2147483701"/>
-            <pc:sldLayoutMk cId="2869106375" sldId="2147483712"/>
-          </pc:sldLayoutMkLst>
-        </pc:sldLayoutChg>
-        <pc:sldLayoutChg chg="add del mod replId">
-          <pc:chgData name="MORLACCO LORENZO" userId="S::lorenzo.morlacco@studenti.unicam.it::54291d95-2e02-4358-9635-1ef35feff65f" providerId="AD" clId="Web-{0F55923C-1D8C-4605-A2C0-1BDC84585E28}" dt="2021-12-11T11:01:21.694" v="3"/>
-          <pc:sldLayoutMkLst>
-            <pc:docMk/>
-            <pc:sldMasterMk cId="1489181003" sldId="2147483701"/>
-            <pc:sldLayoutMk cId="2576378135" sldId="2147483713"/>
-          </pc:sldLayoutMkLst>
-        </pc:sldLayoutChg>
-        <pc:sldLayoutChg chg="add del mod replId">
-          <pc:chgData name="MORLACCO LORENZO" userId="S::lorenzo.morlacco@studenti.unicam.it::54291d95-2e02-4358-9635-1ef35feff65f" providerId="AD" clId="Web-{0F55923C-1D8C-4605-A2C0-1BDC84585E28}" dt="2021-12-11T11:01:21.694" v="3"/>
-          <pc:sldLayoutMkLst>
-            <pc:docMk/>
-            <pc:sldMasterMk cId="1489181003" sldId="2147483701"/>
-            <pc:sldLayoutMk cId="3157368242" sldId="2147483714"/>
-          </pc:sldLayoutMkLst>
-        </pc:sldLayoutChg>
-        <pc:sldLayoutChg chg="add del mod replId">
-          <pc:chgData name="MORLACCO LORENZO" userId="S::lorenzo.morlacco@studenti.unicam.it::54291d95-2e02-4358-9635-1ef35feff65f" providerId="AD" clId="Web-{0F55923C-1D8C-4605-A2C0-1BDC84585E28}" dt="2021-12-11T11:01:21.694" v="3"/>
-          <pc:sldLayoutMkLst>
-            <pc:docMk/>
-            <pc:sldMasterMk cId="1489181003" sldId="2147483701"/>
-            <pc:sldLayoutMk cId="3512617626" sldId="2147483715"/>
-          </pc:sldLayoutMkLst>
-        </pc:sldLayoutChg>
-        <pc:sldLayoutChg chg="add del mod replId">
-          <pc:chgData name="MORLACCO LORENZO" userId="S::lorenzo.morlacco@studenti.unicam.it::54291d95-2e02-4358-9635-1ef35feff65f" providerId="AD" clId="Web-{0F55923C-1D8C-4605-A2C0-1BDC84585E28}" dt="2021-12-11T11:01:21.694" v="3"/>
-          <pc:sldLayoutMkLst>
-            <pc:docMk/>
-            <pc:sldMasterMk cId="1489181003" sldId="2147483701"/>
-            <pc:sldLayoutMk cId="327970805" sldId="2147483716"/>
-          </pc:sldLayoutMkLst>
-        </pc:sldLayoutChg>
-        <pc:sldLayoutChg chg="add del mod replId">
-          <pc:chgData name="MORLACCO LORENZO" userId="S::lorenzo.morlacco@studenti.unicam.it::54291d95-2e02-4358-9635-1ef35feff65f" providerId="AD" clId="Web-{0F55923C-1D8C-4605-A2C0-1BDC84585E28}" dt="2021-12-11T11:01:21.694" v="3"/>
-          <pc:sldLayoutMkLst>
-            <pc:docMk/>
-            <pc:sldMasterMk cId="1489181003" sldId="2147483701"/>
-            <pc:sldLayoutMk cId="276828290" sldId="2147483717"/>
-          </pc:sldLayoutMkLst>
-        </pc:sldLayoutChg>
-      </pc:sldMasterChg>
-      <pc:sldMasterChg chg="add del addSldLayout delSldLayout modSldLayout">
-        <pc:chgData name="MORLACCO LORENZO" userId="S::lorenzo.morlacco@studenti.unicam.it::54291d95-2e02-4358-9635-1ef35feff65f" providerId="AD" clId="Web-{0F55923C-1D8C-4605-A2C0-1BDC84585E28}" dt="2021-12-11T11:01:24.335" v="4"/>
-        <pc:sldMasterMkLst>
-          <pc:docMk/>
-          <pc:sldMasterMk cId="3347933646" sldId="2147483718"/>
-        </pc:sldMasterMkLst>
-        <pc:sldLayoutChg chg="add del mod replId">
-          <pc:chgData name="MORLACCO LORENZO" userId="S::lorenzo.morlacco@studenti.unicam.it::54291d95-2e02-4358-9635-1ef35feff65f" providerId="AD" clId="Web-{0F55923C-1D8C-4605-A2C0-1BDC84585E28}" dt="2021-12-11T11:01:24.335" v="4"/>
-          <pc:sldLayoutMkLst>
-            <pc:docMk/>
-            <pc:sldMasterMk cId="3347933646" sldId="2147483718"/>
-            <pc:sldLayoutMk cId="1214919330" sldId="2147483719"/>
-          </pc:sldLayoutMkLst>
-        </pc:sldLayoutChg>
-        <pc:sldLayoutChg chg="add del mod replId">
-          <pc:chgData name="MORLACCO LORENZO" userId="S::lorenzo.morlacco@studenti.unicam.it::54291d95-2e02-4358-9635-1ef35feff65f" providerId="AD" clId="Web-{0F55923C-1D8C-4605-A2C0-1BDC84585E28}" dt="2021-12-11T11:01:24.335" v="4"/>
-          <pc:sldLayoutMkLst>
-            <pc:docMk/>
-            <pc:sldMasterMk cId="3347933646" sldId="2147483718"/>
-            <pc:sldLayoutMk cId="124084365" sldId="2147483720"/>
-          </pc:sldLayoutMkLst>
-        </pc:sldLayoutChg>
-        <pc:sldLayoutChg chg="add del mod replId">
-          <pc:chgData name="MORLACCO LORENZO" userId="S::lorenzo.morlacco@studenti.unicam.it::54291d95-2e02-4358-9635-1ef35feff65f" providerId="AD" clId="Web-{0F55923C-1D8C-4605-A2C0-1BDC84585E28}" dt="2021-12-11T11:01:24.335" v="4"/>
-          <pc:sldLayoutMkLst>
-            <pc:docMk/>
-            <pc:sldMasterMk cId="3347933646" sldId="2147483718"/>
-            <pc:sldLayoutMk cId="145282640" sldId="2147483721"/>
-          </pc:sldLayoutMkLst>
-        </pc:sldLayoutChg>
-        <pc:sldLayoutChg chg="add del mod replId">
-          <pc:chgData name="MORLACCO LORENZO" userId="S::lorenzo.morlacco@studenti.unicam.it::54291d95-2e02-4358-9635-1ef35feff65f" providerId="AD" clId="Web-{0F55923C-1D8C-4605-A2C0-1BDC84585E28}" dt="2021-12-11T11:01:24.335" v="4"/>
-          <pc:sldLayoutMkLst>
-            <pc:docMk/>
-            <pc:sldMasterMk cId="3347933646" sldId="2147483718"/>
-            <pc:sldLayoutMk cId="599194524" sldId="2147483722"/>
-          </pc:sldLayoutMkLst>
-        </pc:sldLayoutChg>
-        <pc:sldLayoutChg chg="add del mod replId">
-          <pc:chgData name="MORLACCO LORENZO" userId="S::lorenzo.morlacco@studenti.unicam.it::54291d95-2e02-4358-9635-1ef35feff65f" providerId="AD" clId="Web-{0F55923C-1D8C-4605-A2C0-1BDC84585E28}" dt="2021-12-11T11:01:24.335" v="4"/>
-          <pc:sldLayoutMkLst>
-            <pc:docMk/>
-            <pc:sldMasterMk cId="3347933646" sldId="2147483718"/>
-            <pc:sldLayoutMk cId="2764443539" sldId="2147483723"/>
-          </pc:sldLayoutMkLst>
-        </pc:sldLayoutChg>
-        <pc:sldLayoutChg chg="add del mod replId">
-          <pc:chgData name="MORLACCO LORENZO" userId="S::lorenzo.morlacco@studenti.unicam.it::54291d95-2e02-4358-9635-1ef35feff65f" providerId="AD" clId="Web-{0F55923C-1D8C-4605-A2C0-1BDC84585E28}" dt="2021-12-11T11:01:24.335" v="4"/>
-          <pc:sldLayoutMkLst>
-            <pc:docMk/>
-            <pc:sldMasterMk cId="3347933646" sldId="2147483718"/>
-            <pc:sldLayoutMk cId="1207445379" sldId="2147483724"/>
-          </pc:sldLayoutMkLst>
-        </pc:sldLayoutChg>
-        <pc:sldLayoutChg chg="add del mod replId">
-          <pc:chgData name="MORLACCO LORENZO" userId="S::lorenzo.morlacco@studenti.unicam.it::54291d95-2e02-4358-9635-1ef35feff65f" providerId="AD" clId="Web-{0F55923C-1D8C-4605-A2C0-1BDC84585E28}" dt="2021-12-11T11:01:24.335" v="4"/>
-          <pc:sldLayoutMkLst>
-            <pc:docMk/>
-            <pc:sldMasterMk cId="3347933646" sldId="2147483718"/>
-            <pc:sldLayoutMk cId="2341076804" sldId="2147483725"/>
-          </pc:sldLayoutMkLst>
-        </pc:sldLayoutChg>
-        <pc:sldLayoutChg chg="add del mod replId">
-          <pc:chgData name="MORLACCO LORENZO" userId="S::lorenzo.morlacco@studenti.unicam.it::54291d95-2e02-4358-9635-1ef35feff65f" providerId="AD" clId="Web-{0F55923C-1D8C-4605-A2C0-1BDC84585E28}" dt="2021-12-11T11:01:24.335" v="4"/>
-          <pc:sldLayoutMkLst>
-            <pc:docMk/>
-            <pc:sldMasterMk cId="3347933646" sldId="2147483718"/>
-            <pc:sldLayoutMk cId="1531306493" sldId="2147483726"/>
-          </pc:sldLayoutMkLst>
-        </pc:sldLayoutChg>
-        <pc:sldLayoutChg chg="add del mod replId">
-          <pc:chgData name="MORLACCO LORENZO" userId="S::lorenzo.morlacco@studenti.unicam.it::54291d95-2e02-4358-9635-1ef35feff65f" providerId="AD" clId="Web-{0F55923C-1D8C-4605-A2C0-1BDC84585E28}" dt="2021-12-11T11:01:24.335" v="4"/>
-          <pc:sldLayoutMkLst>
-            <pc:docMk/>
-            <pc:sldMasterMk cId="3347933646" sldId="2147483718"/>
-            <pc:sldLayoutMk cId="717955617" sldId="2147483727"/>
-          </pc:sldLayoutMkLst>
-        </pc:sldLayoutChg>
-        <pc:sldLayoutChg chg="add del mod replId">
-          <pc:chgData name="MORLACCO LORENZO" userId="S::lorenzo.morlacco@studenti.unicam.it::54291d95-2e02-4358-9635-1ef35feff65f" providerId="AD" clId="Web-{0F55923C-1D8C-4605-A2C0-1BDC84585E28}" dt="2021-12-11T11:01:24.335" v="4"/>
-          <pc:sldLayoutMkLst>
-            <pc:docMk/>
-            <pc:sldMasterMk cId="3347933646" sldId="2147483718"/>
-            <pc:sldLayoutMk cId="1705231583" sldId="2147483728"/>
-          </pc:sldLayoutMkLst>
-        </pc:sldLayoutChg>
-        <pc:sldLayoutChg chg="add del mod replId">
-          <pc:chgData name="MORLACCO LORENZO" userId="S::lorenzo.morlacco@studenti.unicam.it::54291d95-2e02-4358-9635-1ef35feff65f" providerId="AD" clId="Web-{0F55923C-1D8C-4605-A2C0-1BDC84585E28}" dt="2021-12-11T11:01:24.335" v="4"/>
-          <pc:sldLayoutMkLst>
-            <pc:docMk/>
-            <pc:sldMasterMk cId="3347933646" sldId="2147483718"/>
-            <pc:sldLayoutMk cId="2512275740" sldId="2147483729"/>
-          </pc:sldLayoutMkLst>
-        </pc:sldLayoutChg>
-        <pc:sldLayoutChg chg="add del mod replId">
-          <pc:chgData name="MORLACCO LORENZO" userId="S::lorenzo.morlacco@studenti.unicam.it::54291d95-2e02-4358-9635-1ef35feff65f" providerId="AD" clId="Web-{0F55923C-1D8C-4605-A2C0-1BDC84585E28}" dt="2021-12-11T11:01:24.335" v="4"/>
-          <pc:sldLayoutMkLst>
-            <pc:docMk/>
-            <pc:sldMasterMk cId="3347933646" sldId="2147483718"/>
-            <pc:sldLayoutMk cId="906368339" sldId="2147483730"/>
-          </pc:sldLayoutMkLst>
-        </pc:sldLayoutChg>
-        <pc:sldLayoutChg chg="add del mod replId">
-          <pc:chgData name="MORLACCO LORENZO" userId="S::lorenzo.morlacco@studenti.unicam.it::54291d95-2e02-4358-9635-1ef35feff65f" providerId="AD" clId="Web-{0F55923C-1D8C-4605-A2C0-1BDC84585E28}" dt="2021-12-11T11:01:24.335" v="4"/>
-          <pc:sldLayoutMkLst>
-            <pc:docMk/>
-            <pc:sldMasterMk cId="3347933646" sldId="2147483718"/>
-            <pc:sldLayoutMk cId="3278176396" sldId="2147483731"/>
-          </pc:sldLayoutMkLst>
-        </pc:sldLayoutChg>
-        <pc:sldLayoutChg chg="add del mod replId">
-          <pc:chgData name="MORLACCO LORENZO" userId="S::lorenzo.morlacco@studenti.unicam.it::54291d95-2e02-4358-9635-1ef35feff65f" providerId="AD" clId="Web-{0F55923C-1D8C-4605-A2C0-1BDC84585E28}" dt="2021-12-11T11:01:24.335" v="4"/>
-          <pc:sldLayoutMkLst>
-            <pc:docMk/>
-            <pc:sldMasterMk cId="3347933646" sldId="2147483718"/>
-            <pc:sldLayoutMk cId="4150150196" sldId="2147483732"/>
-          </pc:sldLayoutMkLst>
-        </pc:sldLayoutChg>
-        <pc:sldLayoutChg chg="add del mod replId">
-          <pc:chgData name="MORLACCO LORENZO" userId="S::lorenzo.morlacco@studenti.unicam.it::54291d95-2e02-4358-9635-1ef35feff65f" providerId="AD" clId="Web-{0F55923C-1D8C-4605-A2C0-1BDC84585E28}" dt="2021-12-11T11:01:24.335" v="4"/>
-          <pc:sldLayoutMkLst>
-            <pc:docMk/>
-            <pc:sldMasterMk cId="3347933646" sldId="2147483718"/>
-            <pc:sldLayoutMk cId="3100652419" sldId="2147483733"/>
-          </pc:sldLayoutMkLst>
-        </pc:sldLayoutChg>
-        <pc:sldLayoutChg chg="add del mod replId">
-          <pc:chgData name="MORLACCO LORENZO" userId="S::lorenzo.morlacco@studenti.unicam.it::54291d95-2e02-4358-9635-1ef35feff65f" providerId="AD" clId="Web-{0F55923C-1D8C-4605-A2C0-1BDC84585E28}" dt="2021-12-11T11:01:24.335" v="4"/>
-          <pc:sldLayoutMkLst>
-            <pc:docMk/>
-            <pc:sldMasterMk cId="3347933646" sldId="2147483718"/>
-            <pc:sldLayoutMk cId="1626296558" sldId="2147483734"/>
-          </pc:sldLayoutMkLst>
-        </pc:sldLayoutChg>
-      </pc:sldMasterChg>
-      <pc:sldMasterChg chg="add del addSldLayout delSldLayout modSldLayout">
-        <pc:chgData name="MORLACCO LORENZO" userId="S::lorenzo.morlacco@studenti.unicam.it::54291d95-2e02-4358-9635-1ef35feff65f" providerId="AD" clId="Web-{0F55923C-1D8C-4605-A2C0-1BDC84585E28}" dt="2021-12-11T11:02:08.211" v="5"/>
-        <pc:sldMasterMkLst>
-          <pc:docMk/>
-          <pc:sldMasterMk cId="647471982" sldId="2147483735"/>
-        </pc:sldMasterMkLst>
-        <pc:sldLayoutChg chg="add del mod replId">
-          <pc:chgData name="MORLACCO LORENZO" userId="S::lorenzo.morlacco@studenti.unicam.it::54291d95-2e02-4358-9635-1ef35feff65f" providerId="AD" clId="Web-{0F55923C-1D8C-4605-A2C0-1BDC84585E28}" dt="2021-12-11T11:02:08.211" v="5"/>
-          <pc:sldLayoutMkLst>
-            <pc:docMk/>
-            <pc:sldMasterMk cId="647471982" sldId="2147483735"/>
-            <pc:sldLayoutMk cId="302853980" sldId="2147483736"/>
-          </pc:sldLayoutMkLst>
-        </pc:sldLayoutChg>
-        <pc:sldLayoutChg chg="add del mod replId">
-          <pc:chgData name="MORLACCO LORENZO" userId="S::lorenzo.morlacco@studenti.unicam.it::54291d95-2e02-4358-9635-1ef35feff65f" providerId="AD" clId="Web-{0F55923C-1D8C-4605-A2C0-1BDC84585E28}" dt="2021-12-11T11:02:08.211" v="5"/>
-          <pc:sldLayoutMkLst>
-            <pc:docMk/>
-            <pc:sldMasterMk cId="647471982" sldId="2147483735"/>
-            <pc:sldLayoutMk cId="1076578610" sldId="2147483737"/>
-          </pc:sldLayoutMkLst>
-        </pc:sldLayoutChg>
-        <pc:sldLayoutChg chg="add del mod replId">
-          <pc:chgData name="MORLACCO LORENZO" userId="S::lorenzo.morlacco@studenti.unicam.it::54291d95-2e02-4358-9635-1ef35feff65f" providerId="AD" clId="Web-{0F55923C-1D8C-4605-A2C0-1BDC84585E28}" dt="2021-12-11T11:02:08.211" v="5"/>
-          <pc:sldLayoutMkLst>
-            <pc:docMk/>
-            <pc:sldMasterMk cId="647471982" sldId="2147483735"/>
-            <pc:sldLayoutMk cId="360844798" sldId="2147483738"/>
-          </pc:sldLayoutMkLst>
-        </pc:sldLayoutChg>
-        <pc:sldLayoutChg chg="add del mod replId">
-          <pc:chgData name="MORLACCO LORENZO" userId="S::lorenzo.morlacco@studenti.unicam.it::54291d95-2e02-4358-9635-1ef35feff65f" providerId="AD" clId="Web-{0F55923C-1D8C-4605-A2C0-1BDC84585E28}" dt="2021-12-11T11:02:08.211" v="5"/>
-          <pc:sldLayoutMkLst>
-            <pc:docMk/>
-            <pc:sldMasterMk cId="647471982" sldId="2147483735"/>
-            <pc:sldLayoutMk cId="2123050030" sldId="2147483739"/>
-          </pc:sldLayoutMkLst>
-        </pc:sldLayoutChg>
-        <pc:sldLayoutChg chg="add del mod replId">
-          <pc:chgData name="MORLACCO LORENZO" userId="S::lorenzo.morlacco@studenti.unicam.it::54291d95-2e02-4358-9635-1ef35feff65f" providerId="AD" clId="Web-{0F55923C-1D8C-4605-A2C0-1BDC84585E28}" dt="2021-12-11T11:02:08.211" v="5"/>
-          <pc:sldLayoutMkLst>
-            <pc:docMk/>
-            <pc:sldMasterMk cId="647471982" sldId="2147483735"/>
-            <pc:sldLayoutMk cId="2151267765" sldId="2147483740"/>
-          </pc:sldLayoutMkLst>
-        </pc:sldLayoutChg>
-        <pc:sldLayoutChg chg="add del mod replId">
-          <pc:chgData name="MORLACCO LORENZO" userId="S::lorenzo.morlacco@studenti.unicam.it::54291d95-2e02-4358-9635-1ef35feff65f" providerId="AD" clId="Web-{0F55923C-1D8C-4605-A2C0-1BDC84585E28}" dt="2021-12-11T11:02:08.211" v="5"/>
-          <pc:sldLayoutMkLst>
-            <pc:docMk/>
-            <pc:sldMasterMk cId="647471982" sldId="2147483735"/>
-            <pc:sldLayoutMk cId="2605967477" sldId="2147483741"/>
-          </pc:sldLayoutMkLst>
-        </pc:sldLayoutChg>
-        <pc:sldLayoutChg chg="add del mod replId">
-          <pc:chgData name="MORLACCO LORENZO" userId="S::lorenzo.morlacco@studenti.unicam.it::54291d95-2e02-4358-9635-1ef35feff65f" providerId="AD" clId="Web-{0F55923C-1D8C-4605-A2C0-1BDC84585E28}" dt="2021-12-11T11:02:08.211" v="5"/>
-          <pc:sldLayoutMkLst>
-            <pc:docMk/>
-            <pc:sldMasterMk cId="647471982" sldId="2147483735"/>
-            <pc:sldLayoutMk cId="2963923326" sldId="2147483742"/>
-          </pc:sldLayoutMkLst>
-        </pc:sldLayoutChg>
-        <pc:sldLayoutChg chg="add del mod replId">
-          <pc:chgData name="MORLACCO LORENZO" userId="S::lorenzo.morlacco@studenti.unicam.it::54291d95-2e02-4358-9635-1ef35feff65f" providerId="AD" clId="Web-{0F55923C-1D8C-4605-A2C0-1BDC84585E28}" dt="2021-12-11T11:02:08.211" v="5"/>
-          <pc:sldLayoutMkLst>
-            <pc:docMk/>
-            <pc:sldMasterMk cId="647471982" sldId="2147483735"/>
-            <pc:sldLayoutMk cId="1629011818" sldId="2147483743"/>
-          </pc:sldLayoutMkLst>
-        </pc:sldLayoutChg>
-        <pc:sldLayoutChg chg="add del mod replId">
-          <pc:chgData name="MORLACCO LORENZO" userId="S::lorenzo.morlacco@studenti.unicam.it::54291d95-2e02-4358-9635-1ef35feff65f" providerId="AD" clId="Web-{0F55923C-1D8C-4605-A2C0-1BDC84585E28}" dt="2021-12-11T11:02:08.211" v="5"/>
-          <pc:sldLayoutMkLst>
-            <pc:docMk/>
-            <pc:sldMasterMk cId="647471982" sldId="2147483735"/>
-            <pc:sldLayoutMk cId="1487556419" sldId="2147483744"/>
-          </pc:sldLayoutMkLst>
-        </pc:sldLayoutChg>
-        <pc:sldLayoutChg chg="add del mod replId">
-          <pc:chgData name="MORLACCO LORENZO" userId="S::lorenzo.morlacco@studenti.unicam.it::54291d95-2e02-4358-9635-1ef35feff65f" providerId="AD" clId="Web-{0F55923C-1D8C-4605-A2C0-1BDC84585E28}" dt="2021-12-11T11:02:08.211" v="5"/>
-          <pc:sldLayoutMkLst>
-            <pc:docMk/>
-            <pc:sldMasterMk cId="647471982" sldId="2147483735"/>
-            <pc:sldLayoutMk cId="187786564" sldId="2147483745"/>
-          </pc:sldLayoutMkLst>
-        </pc:sldLayoutChg>
-        <pc:sldLayoutChg chg="add del mod replId">
-          <pc:chgData name="MORLACCO LORENZO" userId="S::lorenzo.morlacco@studenti.unicam.it::54291d95-2e02-4358-9635-1ef35feff65f" providerId="AD" clId="Web-{0F55923C-1D8C-4605-A2C0-1BDC84585E28}" dt="2021-12-11T11:02:08.211" v="5"/>
-          <pc:sldLayoutMkLst>
-            <pc:docMk/>
-            <pc:sldMasterMk cId="647471982" sldId="2147483735"/>
-            <pc:sldLayoutMk cId="109514527" sldId="2147483746"/>
-          </pc:sldLayoutMkLst>
-        </pc:sldLayoutChg>
-        <pc:sldLayoutChg chg="add del mod replId">
-          <pc:chgData name="MORLACCO LORENZO" userId="S::lorenzo.morlacco@studenti.unicam.it::54291d95-2e02-4358-9635-1ef35feff65f" providerId="AD" clId="Web-{0F55923C-1D8C-4605-A2C0-1BDC84585E28}" dt="2021-12-11T11:02:08.211" v="5"/>
-          <pc:sldLayoutMkLst>
-            <pc:docMk/>
-            <pc:sldMasterMk cId="647471982" sldId="2147483735"/>
-            <pc:sldLayoutMk cId="142262372" sldId="2147483747"/>
-          </pc:sldLayoutMkLst>
-        </pc:sldLayoutChg>
-        <pc:sldLayoutChg chg="add del mod replId">
-          <pc:chgData name="MORLACCO LORENZO" userId="S::lorenzo.morlacco@studenti.unicam.it::54291d95-2e02-4358-9635-1ef35feff65f" providerId="AD" clId="Web-{0F55923C-1D8C-4605-A2C0-1BDC84585E28}" dt="2021-12-11T11:02:08.211" v="5"/>
-          <pc:sldLayoutMkLst>
-            <pc:docMk/>
-            <pc:sldMasterMk cId="647471982" sldId="2147483735"/>
-            <pc:sldLayoutMk cId="3628537245" sldId="2147483748"/>
-          </pc:sldLayoutMkLst>
-        </pc:sldLayoutChg>
-        <pc:sldLayoutChg chg="add del mod replId">
-          <pc:chgData name="MORLACCO LORENZO" userId="S::lorenzo.morlacco@studenti.unicam.it::54291d95-2e02-4358-9635-1ef35feff65f" providerId="AD" clId="Web-{0F55923C-1D8C-4605-A2C0-1BDC84585E28}" dt="2021-12-11T11:02:08.211" v="5"/>
-          <pc:sldLayoutMkLst>
-            <pc:docMk/>
-            <pc:sldMasterMk cId="647471982" sldId="2147483735"/>
-            <pc:sldLayoutMk cId="1507280298" sldId="2147483749"/>
-          </pc:sldLayoutMkLst>
-        </pc:sldLayoutChg>
-        <pc:sldLayoutChg chg="add del mod replId">
-          <pc:chgData name="MORLACCO LORENZO" userId="S::lorenzo.morlacco@studenti.unicam.it::54291d95-2e02-4358-9635-1ef35feff65f" providerId="AD" clId="Web-{0F55923C-1D8C-4605-A2C0-1BDC84585E28}" dt="2021-12-11T11:02:08.211" v="5"/>
-          <pc:sldLayoutMkLst>
-            <pc:docMk/>
-            <pc:sldMasterMk cId="647471982" sldId="2147483735"/>
-            <pc:sldLayoutMk cId="3255522687" sldId="2147483750"/>
-          </pc:sldLayoutMkLst>
-        </pc:sldLayoutChg>
-        <pc:sldLayoutChg chg="add del mod replId">
-          <pc:chgData name="MORLACCO LORENZO" userId="S::lorenzo.morlacco@studenti.unicam.it::54291d95-2e02-4358-9635-1ef35feff65f" providerId="AD" clId="Web-{0F55923C-1D8C-4605-A2C0-1BDC84585E28}" dt="2021-12-11T11:02:08.211" v="5"/>
-          <pc:sldLayoutMkLst>
-            <pc:docMk/>
-            <pc:sldMasterMk cId="647471982" sldId="2147483735"/>
-            <pc:sldLayoutMk cId="3999533353" sldId="2147483751"/>
-          </pc:sldLayoutMkLst>
-        </pc:sldLayoutChg>
-      </pc:sldMasterChg>
-      <pc:sldMasterChg chg="add del addSldLayout delSldLayout modSldLayout">
-        <pc:chgData name="MORLACCO LORENZO" userId="S::lorenzo.morlacco@studenti.unicam.it::54291d95-2e02-4358-9635-1ef35feff65f" providerId="AD" clId="Web-{0F55923C-1D8C-4605-A2C0-1BDC84585E28}" dt="2021-12-11T11:02:20.290" v="6"/>
-        <pc:sldMasterMkLst>
-          <pc:docMk/>
-          <pc:sldMasterMk cId="1056524639" sldId="2147483752"/>
-        </pc:sldMasterMkLst>
-        <pc:sldLayoutChg chg="add del mod replId">
-          <pc:chgData name="MORLACCO LORENZO" userId="S::lorenzo.morlacco@studenti.unicam.it::54291d95-2e02-4358-9635-1ef35feff65f" providerId="AD" clId="Web-{0F55923C-1D8C-4605-A2C0-1BDC84585E28}" dt="2021-12-11T11:02:20.290" v="6"/>
-          <pc:sldLayoutMkLst>
-            <pc:docMk/>
-            <pc:sldMasterMk cId="1056524639" sldId="2147483752"/>
-            <pc:sldLayoutMk cId="462250575" sldId="2147483753"/>
-          </pc:sldLayoutMkLst>
-        </pc:sldLayoutChg>
-        <pc:sldLayoutChg chg="add del mod replId">
-          <pc:chgData name="MORLACCO LORENZO" userId="S::lorenzo.morlacco@studenti.unicam.it::54291d95-2e02-4358-9635-1ef35feff65f" providerId="AD" clId="Web-{0F55923C-1D8C-4605-A2C0-1BDC84585E28}" dt="2021-12-11T11:02:20.290" v="6"/>
-          <pc:sldLayoutMkLst>
-            <pc:docMk/>
-            <pc:sldMasterMk cId="1056524639" sldId="2147483752"/>
-            <pc:sldLayoutMk cId="4242202637" sldId="2147483754"/>
-          </pc:sldLayoutMkLst>
-        </pc:sldLayoutChg>
-        <pc:sldLayoutChg chg="add del mod replId">
-          <pc:chgData name="MORLACCO LORENZO" userId="S::lorenzo.morlacco@studenti.unicam.it::54291d95-2e02-4358-9635-1ef35feff65f" providerId="AD" clId="Web-{0F55923C-1D8C-4605-A2C0-1BDC84585E28}" dt="2021-12-11T11:02:20.290" v="6"/>
-          <pc:sldLayoutMkLst>
-            <pc:docMk/>
-            <pc:sldMasterMk cId="1056524639" sldId="2147483752"/>
-            <pc:sldLayoutMk cId="3313260387" sldId="2147483755"/>
-          </pc:sldLayoutMkLst>
-        </pc:sldLayoutChg>
-        <pc:sldLayoutChg chg="add del mod replId">
-          <pc:chgData name="MORLACCO LORENZO" userId="S::lorenzo.morlacco@studenti.unicam.it::54291d95-2e02-4358-9635-1ef35feff65f" providerId="AD" clId="Web-{0F55923C-1D8C-4605-A2C0-1BDC84585E28}" dt="2021-12-11T11:02:20.290" v="6"/>
-          <pc:sldLayoutMkLst>
-            <pc:docMk/>
-            <pc:sldMasterMk cId="1056524639" sldId="2147483752"/>
-            <pc:sldLayoutMk cId="1243658332" sldId="2147483756"/>
-          </pc:sldLayoutMkLst>
-        </pc:sldLayoutChg>
-        <pc:sldLayoutChg chg="add del mod replId">
-          <pc:chgData name="MORLACCO LORENZO" userId="S::lorenzo.morlacco@studenti.unicam.it::54291d95-2e02-4358-9635-1ef35feff65f" providerId="AD" clId="Web-{0F55923C-1D8C-4605-A2C0-1BDC84585E28}" dt="2021-12-11T11:02:20.290" v="6"/>
-          <pc:sldLayoutMkLst>
-            <pc:docMk/>
-            <pc:sldMasterMk cId="1056524639" sldId="2147483752"/>
-            <pc:sldLayoutMk cId="3947990903" sldId="2147483757"/>
-          </pc:sldLayoutMkLst>
-        </pc:sldLayoutChg>
-        <pc:sldLayoutChg chg="add del mod replId">
-          <pc:chgData name="MORLACCO LORENZO" userId="S::lorenzo.morlacco@studenti.unicam.it::54291d95-2e02-4358-9635-1ef35feff65f" providerId="AD" clId="Web-{0F55923C-1D8C-4605-A2C0-1BDC84585E28}" dt="2021-12-11T11:02:20.290" v="6"/>
-          <pc:sldLayoutMkLst>
-            <pc:docMk/>
-            <pc:sldMasterMk cId="1056524639" sldId="2147483752"/>
-            <pc:sldLayoutMk cId="3498953825" sldId="2147483758"/>
-          </pc:sldLayoutMkLst>
-        </pc:sldLayoutChg>
-        <pc:sldLayoutChg chg="add del mod replId">
-          <pc:chgData name="MORLACCO LORENZO" userId="S::lorenzo.morlacco@studenti.unicam.it::54291d95-2e02-4358-9635-1ef35feff65f" providerId="AD" clId="Web-{0F55923C-1D8C-4605-A2C0-1BDC84585E28}" dt="2021-12-11T11:02:20.290" v="6"/>
-          <pc:sldLayoutMkLst>
-            <pc:docMk/>
-            <pc:sldMasterMk cId="1056524639" sldId="2147483752"/>
-            <pc:sldLayoutMk cId="447628488" sldId="2147483759"/>
-          </pc:sldLayoutMkLst>
-        </pc:sldLayoutChg>
-        <pc:sldLayoutChg chg="add del mod replId">
-          <pc:chgData name="MORLACCO LORENZO" userId="S::lorenzo.morlacco@studenti.unicam.it::54291d95-2e02-4358-9635-1ef35feff65f" providerId="AD" clId="Web-{0F55923C-1D8C-4605-A2C0-1BDC84585E28}" dt="2021-12-11T11:02:20.290" v="6"/>
-          <pc:sldLayoutMkLst>
-            <pc:docMk/>
-            <pc:sldMasterMk cId="1056524639" sldId="2147483752"/>
-            <pc:sldLayoutMk cId="2451230539" sldId="2147483760"/>
-          </pc:sldLayoutMkLst>
-        </pc:sldLayoutChg>
-        <pc:sldLayoutChg chg="add del mod replId">
-          <pc:chgData name="MORLACCO LORENZO" userId="S::lorenzo.morlacco@studenti.unicam.it::54291d95-2e02-4358-9635-1ef35feff65f" providerId="AD" clId="Web-{0F55923C-1D8C-4605-A2C0-1BDC84585E28}" dt="2021-12-11T11:02:20.290" v="6"/>
-          <pc:sldLayoutMkLst>
-            <pc:docMk/>
-            <pc:sldMasterMk cId="1056524639" sldId="2147483752"/>
-            <pc:sldLayoutMk cId="1016087818" sldId="2147483761"/>
-          </pc:sldLayoutMkLst>
-        </pc:sldLayoutChg>
-        <pc:sldLayoutChg chg="add del mod replId">
-          <pc:chgData name="MORLACCO LORENZO" userId="S::lorenzo.morlacco@studenti.unicam.it::54291d95-2e02-4358-9635-1ef35feff65f" providerId="AD" clId="Web-{0F55923C-1D8C-4605-A2C0-1BDC84585E28}" dt="2021-12-11T11:02:20.290" v="6"/>
-          <pc:sldLayoutMkLst>
-            <pc:docMk/>
-            <pc:sldMasterMk cId="1056524639" sldId="2147483752"/>
-            <pc:sldLayoutMk cId="3180872154" sldId="2147483762"/>
-          </pc:sldLayoutMkLst>
-        </pc:sldLayoutChg>
-        <pc:sldLayoutChg chg="add del mod replId">
-          <pc:chgData name="MORLACCO LORENZO" userId="S::lorenzo.morlacco@studenti.unicam.it::54291d95-2e02-4358-9635-1ef35feff65f" providerId="AD" clId="Web-{0F55923C-1D8C-4605-A2C0-1BDC84585E28}" dt="2021-12-11T11:02:20.290" v="6"/>
-          <pc:sldLayoutMkLst>
-            <pc:docMk/>
-            <pc:sldMasterMk cId="1056524639" sldId="2147483752"/>
-            <pc:sldLayoutMk cId="1072312358" sldId="2147483763"/>
-          </pc:sldLayoutMkLst>
-        </pc:sldLayoutChg>
-        <pc:sldLayoutChg chg="add del mod replId">
-          <pc:chgData name="MORLACCO LORENZO" userId="S::lorenzo.morlacco@studenti.unicam.it::54291d95-2e02-4358-9635-1ef35feff65f" providerId="AD" clId="Web-{0F55923C-1D8C-4605-A2C0-1BDC84585E28}" dt="2021-12-11T11:02:20.290" v="6"/>
-          <pc:sldLayoutMkLst>
-            <pc:docMk/>
-            <pc:sldMasterMk cId="1056524639" sldId="2147483752"/>
-            <pc:sldLayoutMk cId="3133790158" sldId="2147483764"/>
-          </pc:sldLayoutMkLst>
-        </pc:sldLayoutChg>
-        <pc:sldLayoutChg chg="add del mod replId">
-          <pc:chgData name="MORLACCO LORENZO" userId="S::lorenzo.morlacco@studenti.unicam.it::54291d95-2e02-4358-9635-1ef35feff65f" providerId="AD" clId="Web-{0F55923C-1D8C-4605-A2C0-1BDC84585E28}" dt="2021-12-11T11:02:20.290" v="6"/>
-          <pc:sldLayoutMkLst>
-            <pc:docMk/>
-            <pc:sldMasterMk cId="1056524639" sldId="2147483752"/>
-            <pc:sldLayoutMk cId="3812086442" sldId="2147483765"/>
-          </pc:sldLayoutMkLst>
-        </pc:sldLayoutChg>
-        <pc:sldLayoutChg chg="add del mod replId">
-          <pc:chgData name="MORLACCO LORENZO" userId="S::lorenzo.morlacco@studenti.unicam.it::54291d95-2e02-4358-9635-1ef35feff65f" providerId="AD" clId="Web-{0F55923C-1D8C-4605-A2C0-1BDC84585E28}" dt="2021-12-11T11:02:20.290" v="6"/>
-          <pc:sldLayoutMkLst>
-            <pc:docMk/>
-            <pc:sldMasterMk cId="1056524639" sldId="2147483752"/>
-            <pc:sldLayoutMk cId="3328319146" sldId="2147483766"/>
-          </pc:sldLayoutMkLst>
-        </pc:sldLayoutChg>
-        <pc:sldLayoutChg chg="add del mod replId">
-          <pc:chgData name="MORLACCO LORENZO" userId="S::lorenzo.morlacco@studenti.unicam.it::54291d95-2e02-4358-9635-1ef35feff65f" providerId="AD" clId="Web-{0F55923C-1D8C-4605-A2C0-1BDC84585E28}" dt="2021-12-11T11:02:20.290" v="6"/>
-          <pc:sldLayoutMkLst>
-            <pc:docMk/>
-            <pc:sldMasterMk cId="1056524639" sldId="2147483752"/>
-            <pc:sldLayoutMk cId="4266204463" sldId="2147483767"/>
-          </pc:sldLayoutMkLst>
-        </pc:sldLayoutChg>
-        <pc:sldLayoutChg chg="add del mod replId">
-          <pc:chgData name="MORLACCO LORENZO" userId="S::lorenzo.morlacco@studenti.unicam.it::54291d95-2e02-4358-9635-1ef35feff65f" providerId="AD" clId="Web-{0F55923C-1D8C-4605-A2C0-1BDC84585E28}" dt="2021-12-11T11:02:20.290" v="6"/>
-          <pc:sldLayoutMkLst>
-            <pc:docMk/>
-            <pc:sldMasterMk cId="1056524639" sldId="2147483752"/>
-            <pc:sldLayoutMk cId="1685384158" sldId="2147483768"/>
-          </pc:sldLayoutMkLst>
-        </pc:sldLayoutChg>
-      </pc:sldMasterChg>
-      <pc:sldMasterChg chg="add del addSldLayout delSldLayout modSldLayout">
-        <pc:chgData name="MORLACCO LORENZO" userId="S::lorenzo.morlacco@studenti.unicam.it::54291d95-2e02-4358-9635-1ef35feff65f" providerId="AD" clId="Web-{0F55923C-1D8C-4605-A2C0-1BDC84585E28}" dt="2021-12-11T11:02:40.868" v="7"/>
-        <pc:sldMasterMkLst>
-          <pc:docMk/>
-          <pc:sldMasterMk cId="2896207884" sldId="2147483769"/>
-        </pc:sldMasterMkLst>
-        <pc:sldLayoutChg chg="add del mod replId">
-          <pc:chgData name="MORLACCO LORENZO" userId="S::lorenzo.morlacco@studenti.unicam.it::54291d95-2e02-4358-9635-1ef35feff65f" providerId="AD" clId="Web-{0F55923C-1D8C-4605-A2C0-1BDC84585E28}" dt="2021-12-11T11:02:40.868" v="7"/>
-          <pc:sldLayoutMkLst>
-            <pc:docMk/>
-            <pc:sldMasterMk cId="2896207884" sldId="2147483769"/>
-            <pc:sldLayoutMk cId="2050778062" sldId="2147483770"/>
-          </pc:sldLayoutMkLst>
-        </pc:sldLayoutChg>
-        <pc:sldLayoutChg chg="add del mod replId">
-          <pc:chgData name="MORLACCO LORENZO" userId="S::lorenzo.morlacco@studenti.unicam.it::54291d95-2e02-4358-9635-1ef35feff65f" providerId="AD" clId="Web-{0F55923C-1D8C-4605-A2C0-1BDC84585E28}" dt="2021-12-11T11:02:40.868" v="7"/>
-          <pc:sldLayoutMkLst>
-            <pc:docMk/>
-            <pc:sldMasterMk cId="2896207884" sldId="2147483769"/>
-            <pc:sldLayoutMk cId="2249843586" sldId="2147483771"/>
-          </pc:sldLayoutMkLst>
-        </pc:sldLayoutChg>
-        <pc:sldLayoutChg chg="add del mod replId">
-          <pc:chgData name="MORLACCO LORENZO" userId="S::lorenzo.morlacco@studenti.unicam.it::54291d95-2e02-4358-9635-1ef35feff65f" providerId="AD" clId="Web-{0F55923C-1D8C-4605-A2C0-1BDC84585E28}" dt="2021-12-11T11:02:40.868" v="7"/>
-          <pc:sldLayoutMkLst>
-            <pc:docMk/>
-            <pc:sldMasterMk cId="2896207884" sldId="2147483769"/>
-            <pc:sldLayoutMk cId="3761399624" sldId="2147483772"/>
-          </pc:sldLayoutMkLst>
-        </pc:sldLayoutChg>
-        <pc:sldLayoutChg chg="add del mod replId">
-          <pc:chgData name="MORLACCO LORENZO" userId="S::lorenzo.morlacco@studenti.unicam.it::54291d95-2e02-4358-9635-1ef35feff65f" providerId="AD" clId="Web-{0F55923C-1D8C-4605-A2C0-1BDC84585E28}" dt="2021-12-11T11:02:40.868" v="7"/>
-          <pc:sldLayoutMkLst>
-            <pc:docMk/>
-            <pc:sldMasterMk cId="2896207884" sldId="2147483769"/>
-            <pc:sldLayoutMk cId="665110292" sldId="2147483773"/>
-          </pc:sldLayoutMkLst>
-        </pc:sldLayoutChg>
-        <pc:sldLayoutChg chg="add del mod replId">
-          <pc:chgData name="MORLACCO LORENZO" userId="S::lorenzo.morlacco@studenti.unicam.it::54291d95-2e02-4358-9635-1ef35feff65f" providerId="AD" clId="Web-{0F55923C-1D8C-4605-A2C0-1BDC84585E28}" dt="2021-12-11T11:02:40.868" v="7"/>
-          <pc:sldLayoutMkLst>
-            <pc:docMk/>
-            <pc:sldMasterMk cId="2896207884" sldId="2147483769"/>
-            <pc:sldLayoutMk cId="1584056363" sldId="2147483774"/>
-          </pc:sldLayoutMkLst>
-        </pc:sldLayoutChg>
-        <pc:sldLayoutChg chg="add del mod replId">
-          <pc:chgData name="MORLACCO LORENZO" userId="S::lorenzo.morlacco@studenti.unicam.it::54291d95-2e02-4358-9635-1ef35feff65f" providerId="AD" clId="Web-{0F55923C-1D8C-4605-A2C0-1BDC84585E28}" dt="2021-12-11T11:02:40.868" v="7"/>
-          <pc:sldLayoutMkLst>
-            <pc:docMk/>
-            <pc:sldMasterMk cId="2896207884" sldId="2147483769"/>
-            <pc:sldLayoutMk cId="198922860" sldId="2147483775"/>
-          </pc:sldLayoutMkLst>
-        </pc:sldLayoutChg>
-        <pc:sldLayoutChg chg="add del mod replId">
-          <pc:chgData name="MORLACCO LORENZO" userId="S::lorenzo.morlacco@studenti.unicam.it::54291d95-2e02-4358-9635-1ef35feff65f" providerId="AD" clId="Web-{0F55923C-1D8C-4605-A2C0-1BDC84585E28}" dt="2021-12-11T11:02:40.868" v="7"/>
-          <pc:sldLayoutMkLst>
-            <pc:docMk/>
-            <pc:sldMasterMk cId="2896207884" sldId="2147483769"/>
-            <pc:sldLayoutMk cId="1777181132" sldId="2147483776"/>
-          </pc:sldLayoutMkLst>
-        </pc:sldLayoutChg>
-        <pc:sldLayoutChg chg="add del mod replId">
-          <pc:chgData name="MORLACCO LORENZO" userId="S::lorenzo.morlacco@studenti.unicam.it::54291d95-2e02-4358-9635-1ef35feff65f" providerId="AD" clId="Web-{0F55923C-1D8C-4605-A2C0-1BDC84585E28}" dt="2021-12-11T11:02:40.868" v="7"/>
-          <pc:sldLayoutMkLst>
-            <pc:docMk/>
-            <pc:sldMasterMk cId="2896207884" sldId="2147483769"/>
-            <pc:sldLayoutMk cId="1248830575" sldId="2147483777"/>
-          </pc:sldLayoutMkLst>
-        </pc:sldLayoutChg>
-        <pc:sldLayoutChg chg="add del mod replId">
-          <pc:chgData name="MORLACCO LORENZO" userId="S::lorenzo.morlacco@studenti.unicam.it::54291d95-2e02-4358-9635-1ef35feff65f" providerId="AD" clId="Web-{0F55923C-1D8C-4605-A2C0-1BDC84585E28}" dt="2021-12-11T11:02:40.868" v="7"/>
-          <pc:sldLayoutMkLst>
-            <pc:docMk/>
-            <pc:sldMasterMk cId="2896207884" sldId="2147483769"/>
-            <pc:sldLayoutMk cId="974018170" sldId="2147483778"/>
-          </pc:sldLayoutMkLst>
-        </pc:sldLayoutChg>
-        <pc:sldLayoutChg chg="add del mod replId">
-          <pc:chgData name="MORLACCO LORENZO" userId="S::lorenzo.morlacco@studenti.unicam.it::54291d95-2e02-4358-9635-1ef35feff65f" providerId="AD" clId="Web-{0F55923C-1D8C-4605-A2C0-1BDC84585E28}" dt="2021-12-11T11:02:40.868" v="7"/>
-          <pc:sldLayoutMkLst>
-            <pc:docMk/>
-            <pc:sldMasterMk cId="2896207884" sldId="2147483769"/>
-            <pc:sldLayoutMk cId="3634917741" sldId="2147483779"/>
-          </pc:sldLayoutMkLst>
-        </pc:sldLayoutChg>
-        <pc:sldLayoutChg chg="add del mod replId">
-          <pc:chgData name="MORLACCO LORENZO" userId="S::lorenzo.morlacco@studenti.unicam.it::54291d95-2e02-4358-9635-1ef35feff65f" providerId="AD" clId="Web-{0F55923C-1D8C-4605-A2C0-1BDC84585E28}" dt="2021-12-11T11:02:40.868" v="7"/>
-          <pc:sldLayoutMkLst>
-            <pc:docMk/>
-            <pc:sldMasterMk cId="2896207884" sldId="2147483769"/>
-            <pc:sldLayoutMk cId="3974395590" sldId="2147483780"/>
-          </pc:sldLayoutMkLst>
-        </pc:sldLayoutChg>
-        <pc:sldLayoutChg chg="add del mod replId">
-          <pc:chgData name="MORLACCO LORENZO" userId="S::lorenzo.morlacco@studenti.unicam.it::54291d95-2e02-4358-9635-1ef35feff65f" providerId="AD" clId="Web-{0F55923C-1D8C-4605-A2C0-1BDC84585E28}" dt="2021-12-11T11:02:40.868" v="7"/>
-          <pc:sldLayoutMkLst>
-            <pc:docMk/>
-            <pc:sldMasterMk cId="2896207884" sldId="2147483769"/>
-            <pc:sldLayoutMk cId="3768708991" sldId="2147483781"/>
-          </pc:sldLayoutMkLst>
-        </pc:sldLayoutChg>
-        <pc:sldLayoutChg chg="add del mod replId">
-          <pc:chgData name="MORLACCO LORENZO" userId="S::lorenzo.morlacco@studenti.unicam.it::54291d95-2e02-4358-9635-1ef35feff65f" providerId="AD" clId="Web-{0F55923C-1D8C-4605-A2C0-1BDC84585E28}" dt="2021-12-11T11:02:40.868" v="7"/>
-          <pc:sldLayoutMkLst>
-            <pc:docMk/>
-            <pc:sldMasterMk cId="2896207884" sldId="2147483769"/>
-            <pc:sldLayoutMk cId="3221265609" sldId="2147483782"/>
-          </pc:sldLayoutMkLst>
-        </pc:sldLayoutChg>
-        <pc:sldLayoutChg chg="add del mod replId">
-          <pc:chgData name="MORLACCO LORENZO" userId="S::lorenzo.morlacco@studenti.unicam.it::54291d95-2e02-4358-9635-1ef35feff65f" providerId="AD" clId="Web-{0F55923C-1D8C-4605-A2C0-1BDC84585E28}" dt="2021-12-11T11:02:40.868" v="7"/>
-          <pc:sldLayoutMkLst>
-            <pc:docMk/>
-            <pc:sldMasterMk cId="2896207884" sldId="2147483769"/>
-            <pc:sldLayoutMk cId="89340624" sldId="2147483783"/>
-          </pc:sldLayoutMkLst>
-        </pc:sldLayoutChg>
-        <pc:sldLayoutChg chg="add del mod replId">
-          <pc:chgData name="MORLACCO LORENZO" userId="S::lorenzo.morlacco@studenti.unicam.it::54291d95-2e02-4358-9635-1ef35feff65f" providerId="AD" clId="Web-{0F55923C-1D8C-4605-A2C0-1BDC84585E28}" dt="2021-12-11T11:02:40.868" v="7"/>
-          <pc:sldLayoutMkLst>
-            <pc:docMk/>
-            <pc:sldMasterMk cId="2896207884" sldId="2147483769"/>
-            <pc:sldLayoutMk cId="761387638" sldId="2147483784"/>
-          </pc:sldLayoutMkLst>
-        </pc:sldLayoutChg>
-        <pc:sldLayoutChg chg="add del mod replId">
-          <pc:chgData name="MORLACCO LORENZO" userId="S::lorenzo.morlacco@studenti.unicam.it::54291d95-2e02-4358-9635-1ef35feff65f" providerId="AD" clId="Web-{0F55923C-1D8C-4605-A2C0-1BDC84585E28}" dt="2021-12-11T11:02:40.868" v="7"/>
-          <pc:sldLayoutMkLst>
-            <pc:docMk/>
-            <pc:sldMasterMk cId="2896207884" sldId="2147483769"/>
-            <pc:sldLayoutMk cId="4176716693" sldId="2147483785"/>
-          </pc:sldLayoutMkLst>
-        </pc:sldLayoutChg>
-      </pc:sldMasterChg>
-      <pc:sldMasterChg chg="add del addSldLayout delSldLayout modSldLayout">
-        <pc:chgData name="MORLACCO LORENZO" userId="S::lorenzo.morlacco@studenti.unicam.it::54291d95-2e02-4358-9635-1ef35feff65f" providerId="AD" clId="Web-{0F55923C-1D8C-4605-A2C0-1BDC84585E28}" dt="2021-12-11T11:02:46.978" v="8"/>
-        <pc:sldMasterMkLst>
-          <pc:docMk/>
-          <pc:sldMasterMk cId="2642208305" sldId="2147483786"/>
-        </pc:sldMasterMkLst>
-        <pc:sldLayoutChg chg="add del mod replId">
-          <pc:chgData name="MORLACCO LORENZO" userId="S::lorenzo.morlacco@studenti.unicam.it::54291d95-2e02-4358-9635-1ef35feff65f" providerId="AD" clId="Web-{0F55923C-1D8C-4605-A2C0-1BDC84585E28}" dt="2021-12-11T11:02:46.978" v="8"/>
-          <pc:sldLayoutMkLst>
-            <pc:docMk/>
-            <pc:sldMasterMk cId="2642208305" sldId="2147483786"/>
-            <pc:sldLayoutMk cId="4013050921" sldId="2147483787"/>
-          </pc:sldLayoutMkLst>
-        </pc:sldLayoutChg>
-        <pc:sldLayoutChg chg="add del mod replId">
-          <pc:chgData name="MORLACCO LORENZO" userId="S::lorenzo.morlacco@studenti.unicam.it::54291d95-2e02-4358-9635-1ef35feff65f" providerId="AD" clId="Web-{0F55923C-1D8C-4605-A2C0-1BDC84585E28}" dt="2021-12-11T11:02:46.978" v="8"/>
-          <pc:sldLayoutMkLst>
-            <pc:docMk/>
-            <pc:sldMasterMk cId="2642208305" sldId="2147483786"/>
-            <pc:sldLayoutMk cId="4226947024" sldId="2147483788"/>
-          </pc:sldLayoutMkLst>
-        </pc:sldLayoutChg>
-        <pc:sldLayoutChg chg="add del mod replId">
-          <pc:chgData name="MORLACCO LORENZO" userId="S::lorenzo.morlacco@studenti.unicam.it::54291d95-2e02-4358-9635-1ef35feff65f" providerId="AD" clId="Web-{0F55923C-1D8C-4605-A2C0-1BDC84585E28}" dt="2021-12-11T11:02:46.978" v="8"/>
-          <pc:sldLayoutMkLst>
-            <pc:docMk/>
-            <pc:sldMasterMk cId="2642208305" sldId="2147483786"/>
-            <pc:sldLayoutMk cId="2307373112" sldId="2147483789"/>
-          </pc:sldLayoutMkLst>
-        </pc:sldLayoutChg>
-        <pc:sldLayoutChg chg="add del mod replId">
-          <pc:chgData name="MORLACCO LORENZO" userId="S::lorenzo.morlacco@studenti.unicam.it::54291d95-2e02-4358-9635-1ef35feff65f" providerId="AD" clId="Web-{0F55923C-1D8C-4605-A2C0-1BDC84585E28}" dt="2021-12-11T11:02:46.978" v="8"/>
-          <pc:sldLayoutMkLst>
-            <pc:docMk/>
-            <pc:sldMasterMk cId="2642208305" sldId="2147483786"/>
-            <pc:sldLayoutMk cId="4067987942" sldId="2147483790"/>
-          </pc:sldLayoutMkLst>
-        </pc:sldLayoutChg>
-        <pc:sldLayoutChg chg="add del mod replId">
-          <pc:chgData name="MORLACCO LORENZO" userId="S::lorenzo.morlacco@studenti.unicam.it::54291d95-2e02-4358-9635-1ef35feff65f" providerId="AD" clId="Web-{0F55923C-1D8C-4605-A2C0-1BDC84585E28}" dt="2021-12-11T11:02:46.978" v="8"/>
-          <pc:sldLayoutMkLst>
-            <pc:docMk/>
-            <pc:sldMasterMk cId="2642208305" sldId="2147483786"/>
-            <pc:sldLayoutMk cId="387834083" sldId="2147483791"/>
-          </pc:sldLayoutMkLst>
-        </pc:sldLayoutChg>
-        <pc:sldLayoutChg chg="add del mod replId">
-          <pc:chgData name="MORLACCO LORENZO" userId="S::lorenzo.morlacco@studenti.unicam.it::54291d95-2e02-4358-9635-1ef35feff65f" providerId="AD" clId="Web-{0F55923C-1D8C-4605-A2C0-1BDC84585E28}" dt="2021-12-11T11:02:46.978" v="8"/>
-          <pc:sldLayoutMkLst>
-            <pc:docMk/>
-            <pc:sldMasterMk cId="2642208305" sldId="2147483786"/>
-            <pc:sldLayoutMk cId="3365183037" sldId="2147483792"/>
-          </pc:sldLayoutMkLst>
-        </pc:sldLayoutChg>
-        <pc:sldLayoutChg chg="add del mod replId">
-          <pc:chgData name="MORLACCO LORENZO" userId="S::lorenzo.morlacco@studenti.unicam.it::54291d95-2e02-4358-9635-1ef35feff65f" providerId="AD" clId="Web-{0F55923C-1D8C-4605-A2C0-1BDC84585E28}" dt="2021-12-11T11:02:46.978" v="8"/>
-          <pc:sldLayoutMkLst>
-            <pc:docMk/>
-            <pc:sldMasterMk cId="2642208305" sldId="2147483786"/>
-            <pc:sldLayoutMk cId="871836112" sldId="2147483793"/>
-          </pc:sldLayoutMkLst>
-        </pc:sldLayoutChg>
-        <pc:sldLayoutChg chg="add del mod replId">
-          <pc:chgData name="MORLACCO LORENZO" userId="S::lorenzo.morlacco@studenti.unicam.it::54291d95-2e02-4358-9635-1ef35feff65f" providerId="AD" clId="Web-{0F55923C-1D8C-4605-A2C0-1BDC84585E28}" dt="2021-12-11T11:02:46.978" v="8"/>
-          <pc:sldLayoutMkLst>
-            <pc:docMk/>
-            <pc:sldMasterMk cId="2642208305" sldId="2147483786"/>
-            <pc:sldLayoutMk cId="1798427263" sldId="2147483794"/>
-          </pc:sldLayoutMkLst>
-        </pc:sldLayoutChg>
-        <pc:sldLayoutChg chg="add del mod replId">
-          <pc:chgData name="MORLACCO LORENZO" userId="S::lorenzo.morlacco@studenti.unicam.it::54291d95-2e02-4358-9635-1ef35feff65f" providerId="AD" clId="Web-{0F55923C-1D8C-4605-A2C0-1BDC84585E28}" dt="2021-12-11T11:02:46.978" v="8"/>
-          <pc:sldLayoutMkLst>
-            <pc:docMk/>
-            <pc:sldMasterMk cId="2642208305" sldId="2147483786"/>
-            <pc:sldLayoutMk cId="1761450283" sldId="2147483795"/>
-          </pc:sldLayoutMkLst>
-        </pc:sldLayoutChg>
-        <pc:sldLayoutChg chg="add del mod replId">
-          <pc:chgData name="MORLACCO LORENZO" userId="S::lorenzo.morlacco@studenti.unicam.it::54291d95-2e02-4358-9635-1ef35feff65f" providerId="AD" clId="Web-{0F55923C-1D8C-4605-A2C0-1BDC84585E28}" dt="2021-12-11T11:02:46.978" v="8"/>
-          <pc:sldLayoutMkLst>
-            <pc:docMk/>
-            <pc:sldMasterMk cId="2642208305" sldId="2147483786"/>
-            <pc:sldLayoutMk cId="1830947566" sldId="2147483796"/>
-          </pc:sldLayoutMkLst>
-        </pc:sldLayoutChg>
-        <pc:sldLayoutChg chg="add del mod replId">
-          <pc:chgData name="MORLACCO LORENZO" userId="S::lorenzo.morlacco@studenti.unicam.it::54291d95-2e02-4358-9635-1ef35feff65f" providerId="AD" clId="Web-{0F55923C-1D8C-4605-A2C0-1BDC84585E28}" dt="2021-12-11T11:02:46.978" v="8"/>
-          <pc:sldLayoutMkLst>
-            <pc:docMk/>
-            <pc:sldMasterMk cId="2642208305" sldId="2147483786"/>
-            <pc:sldLayoutMk cId="3350735102" sldId="2147483797"/>
-          </pc:sldLayoutMkLst>
-        </pc:sldLayoutChg>
-      </pc:sldMasterChg>
-      <pc:sldMasterChg chg="add del addSldLayout delSldLayout modSldLayout">
-        <pc:chgData name="MORLACCO LORENZO" userId="S::lorenzo.morlacco@studenti.unicam.it::54291d95-2e02-4358-9635-1ef35feff65f" providerId="AD" clId="Web-{0F55923C-1D8C-4605-A2C0-1BDC84585E28}" dt="2021-12-11T11:03:45.902" v="9"/>
-        <pc:sldMasterMkLst>
-          <pc:docMk/>
-          <pc:sldMasterMk cId="393418209" sldId="2147483798"/>
-        </pc:sldMasterMkLst>
-        <pc:sldLayoutChg chg="add del mod replId">
-          <pc:chgData name="MORLACCO LORENZO" userId="S::lorenzo.morlacco@studenti.unicam.it::54291d95-2e02-4358-9635-1ef35feff65f" providerId="AD" clId="Web-{0F55923C-1D8C-4605-A2C0-1BDC84585E28}" dt="2021-12-11T11:03:45.902" v="9"/>
-          <pc:sldLayoutMkLst>
-            <pc:docMk/>
-            <pc:sldMasterMk cId="393418209" sldId="2147483798"/>
-            <pc:sldLayoutMk cId="2981822356" sldId="2147483799"/>
-          </pc:sldLayoutMkLst>
-        </pc:sldLayoutChg>
-        <pc:sldLayoutChg chg="add del mod replId">
-          <pc:chgData name="MORLACCO LORENZO" userId="S::lorenzo.morlacco@studenti.unicam.it::54291d95-2e02-4358-9635-1ef35feff65f" providerId="AD" clId="Web-{0F55923C-1D8C-4605-A2C0-1BDC84585E28}" dt="2021-12-11T11:03:45.902" v="9"/>
-          <pc:sldLayoutMkLst>
-            <pc:docMk/>
-            <pc:sldMasterMk cId="393418209" sldId="2147483798"/>
-            <pc:sldLayoutMk cId="3228974909" sldId="2147483800"/>
-          </pc:sldLayoutMkLst>
-        </pc:sldLayoutChg>
-        <pc:sldLayoutChg chg="add del mod replId">
-          <pc:chgData name="MORLACCO LORENZO" userId="S::lorenzo.morlacco@studenti.unicam.it::54291d95-2e02-4358-9635-1ef35feff65f" providerId="AD" clId="Web-{0F55923C-1D8C-4605-A2C0-1BDC84585E28}" dt="2021-12-11T11:03:45.902" v="9"/>
-          <pc:sldLayoutMkLst>
-            <pc:docMk/>
-            <pc:sldMasterMk cId="393418209" sldId="2147483798"/>
-            <pc:sldLayoutMk cId="2793930843" sldId="2147483801"/>
-          </pc:sldLayoutMkLst>
-        </pc:sldLayoutChg>
-        <pc:sldLayoutChg chg="add del mod replId">
-          <pc:chgData name="MORLACCO LORENZO" userId="S::lorenzo.morlacco@studenti.unicam.it::54291d95-2e02-4358-9635-1ef35feff65f" providerId="AD" clId="Web-{0F55923C-1D8C-4605-A2C0-1BDC84585E28}" dt="2021-12-11T11:03:45.902" v="9"/>
-          <pc:sldLayoutMkLst>
-            <pc:docMk/>
-            <pc:sldMasterMk cId="393418209" sldId="2147483798"/>
-            <pc:sldLayoutMk cId="1953940323" sldId="2147483802"/>
-          </pc:sldLayoutMkLst>
-        </pc:sldLayoutChg>
-        <pc:sldLayoutChg chg="add del mod replId">
-          <pc:chgData name="MORLACCO LORENZO" userId="S::lorenzo.morlacco@studenti.unicam.it::54291d95-2e02-4358-9635-1ef35feff65f" providerId="AD" clId="Web-{0F55923C-1D8C-4605-A2C0-1BDC84585E28}" dt="2021-12-11T11:03:45.902" v="9"/>
-          <pc:sldLayoutMkLst>
-            <pc:docMk/>
-            <pc:sldMasterMk cId="393418209" sldId="2147483798"/>
-            <pc:sldLayoutMk cId="1774952808" sldId="2147483803"/>
-          </pc:sldLayoutMkLst>
-        </pc:sldLayoutChg>
-        <pc:sldLayoutChg chg="add del mod replId">
-          <pc:chgData name="MORLACCO LORENZO" userId="S::lorenzo.morlacco@studenti.unicam.it::54291d95-2e02-4358-9635-1ef35feff65f" providerId="AD" clId="Web-{0F55923C-1D8C-4605-A2C0-1BDC84585E28}" dt="2021-12-11T11:03:45.902" v="9"/>
-          <pc:sldLayoutMkLst>
-            <pc:docMk/>
-            <pc:sldMasterMk cId="393418209" sldId="2147483798"/>
-            <pc:sldLayoutMk cId="2495423995" sldId="2147483804"/>
-          </pc:sldLayoutMkLst>
-        </pc:sldLayoutChg>
-        <pc:sldLayoutChg chg="add del mod replId">
-          <pc:chgData name="MORLACCO LORENZO" userId="S::lorenzo.morlacco@studenti.unicam.it::54291d95-2e02-4358-9635-1ef35feff65f" providerId="AD" clId="Web-{0F55923C-1D8C-4605-A2C0-1BDC84585E28}" dt="2021-12-11T11:03:45.902" v="9"/>
-          <pc:sldLayoutMkLst>
-            <pc:docMk/>
-            <pc:sldMasterMk cId="393418209" sldId="2147483798"/>
-            <pc:sldLayoutMk cId="1855236003" sldId="2147483805"/>
-          </pc:sldLayoutMkLst>
-        </pc:sldLayoutChg>
-        <pc:sldLayoutChg chg="add del mod replId">
-          <pc:chgData name="MORLACCO LORENZO" userId="S::lorenzo.morlacco@studenti.unicam.it::54291d95-2e02-4358-9635-1ef35feff65f" providerId="AD" clId="Web-{0F55923C-1D8C-4605-A2C0-1BDC84585E28}" dt="2021-12-11T11:03:45.902" v="9"/>
-          <pc:sldLayoutMkLst>
-            <pc:docMk/>
-            <pc:sldMasterMk cId="393418209" sldId="2147483798"/>
-            <pc:sldLayoutMk cId="351713200" sldId="2147483806"/>
-          </pc:sldLayoutMkLst>
-        </pc:sldLayoutChg>
-        <pc:sldLayoutChg chg="add del mod replId">
-          <pc:chgData name="MORLACCO LORENZO" userId="S::lorenzo.morlacco@studenti.unicam.it::54291d95-2e02-4358-9635-1ef35feff65f" providerId="AD" clId="Web-{0F55923C-1D8C-4605-A2C0-1BDC84585E28}" dt="2021-12-11T11:03:45.902" v="9"/>
-          <pc:sldLayoutMkLst>
-            <pc:docMk/>
-            <pc:sldMasterMk cId="393418209" sldId="2147483798"/>
-            <pc:sldLayoutMk cId="3564103198" sldId="2147483807"/>
-          </pc:sldLayoutMkLst>
-        </pc:sldLayoutChg>
-        <pc:sldLayoutChg chg="add del mod replId">
-          <pc:chgData name="MORLACCO LORENZO" userId="S::lorenzo.morlacco@studenti.unicam.it::54291d95-2e02-4358-9635-1ef35feff65f" providerId="AD" clId="Web-{0F55923C-1D8C-4605-A2C0-1BDC84585E28}" dt="2021-12-11T11:03:45.902" v="9"/>
-          <pc:sldLayoutMkLst>
-            <pc:docMk/>
-            <pc:sldMasterMk cId="393418209" sldId="2147483798"/>
-            <pc:sldLayoutMk cId="2882734404" sldId="2147483808"/>
-          </pc:sldLayoutMkLst>
-        </pc:sldLayoutChg>
-        <pc:sldLayoutChg chg="add del mod replId">
-          <pc:chgData name="MORLACCO LORENZO" userId="S::lorenzo.morlacco@studenti.unicam.it::54291d95-2e02-4358-9635-1ef35feff65f" providerId="AD" clId="Web-{0F55923C-1D8C-4605-A2C0-1BDC84585E28}" dt="2021-12-11T11:03:45.902" v="9"/>
-          <pc:sldLayoutMkLst>
-            <pc:docMk/>
-            <pc:sldMasterMk cId="393418209" sldId="2147483798"/>
-            <pc:sldLayoutMk cId="1776411291" sldId="2147483809"/>
-          </pc:sldLayoutMkLst>
-        </pc:sldLayoutChg>
-        <pc:sldLayoutChg chg="add del mod replId">
-          <pc:chgData name="MORLACCO LORENZO" userId="S::lorenzo.morlacco@studenti.unicam.it::54291d95-2e02-4358-9635-1ef35feff65f" providerId="AD" clId="Web-{0F55923C-1D8C-4605-A2C0-1BDC84585E28}" dt="2021-12-11T11:03:45.902" v="9"/>
-          <pc:sldLayoutMkLst>
-            <pc:docMk/>
-            <pc:sldMasterMk cId="393418209" sldId="2147483798"/>
-            <pc:sldLayoutMk cId="3953374110" sldId="2147483810"/>
-          </pc:sldLayoutMkLst>
-        </pc:sldLayoutChg>
-        <pc:sldLayoutChg chg="add del mod replId">
-          <pc:chgData name="MORLACCO LORENZO" userId="S::lorenzo.morlacco@studenti.unicam.it::54291d95-2e02-4358-9635-1ef35feff65f" providerId="AD" clId="Web-{0F55923C-1D8C-4605-A2C0-1BDC84585E28}" dt="2021-12-11T11:03:45.902" v="9"/>
-          <pc:sldLayoutMkLst>
-            <pc:docMk/>
-            <pc:sldMasterMk cId="393418209" sldId="2147483798"/>
-            <pc:sldLayoutMk cId="1804365154" sldId="2147483811"/>
-          </pc:sldLayoutMkLst>
-        </pc:sldLayoutChg>
-        <pc:sldLayoutChg chg="add del mod replId">
-          <pc:chgData name="MORLACCO LORENZO" userId="S::lorenzo.morlacco@studenti.unicam.it::54291d95-2e02-4358-9635-1ef35feff65f" providerId="AD" clId="Web-{0F55923C-1D8C-4605-A2C0-1BDC84585E28}" dt="2021-12-11T11:03:45.902" v="9"/>
-          <pc:sldLayoutMkLst>
-            <pc:docMk/>
-            <pc:sldMasterMk cId="393418209" sldId="2147483798"/>
-            <pc:sldLayoutMk cId="4132881078" sldId="2147483812"/>
-          </pc:sldLayoutMkLst>
-        </pc:sldLayoutChg>
-        <pc:sldLayoutChg chg="add del mod replId">
-          <pc:chgData name="MORLACCO LORENZO" userId="S::lorenzo.morlacco@studenti.unicam.it::54291d95-2e02-4358-9635-1ef35feff65f" providerId="AD" clId="Web-{0F55923C-1D8C-4605-A2C0-1BDC84585E28}" dt="2021-12-11T11:03:45.902" v="9"/>
-          <pc:sldLayoutMkLst>
-            <pc:docMk/>
-            <pc:sldMasterMk cId="393418209" sldId="2147483798"/>
-            <pc:sldLayoutMk cId="4207011483" sldId="2147483813"/>
-          </pc:sldLayoutMkLst>
-        </pc:sldLayoutChg>
-        <pc:sldLayoutChg chg="add del mod replId">
-          <pc:chgData name="MORLACCO LORENZO" userId="S::lorenzo.morlacco@studenti.unicam.it::54291d95-2e02-4358-9635-1ef35feff65f" providerId="AD" clId="Web-{0F55923C-1D8C-4605-A2C0-1BDC84585E28}" dt="2021-12-11T11:03:45.902" v="9"/>
-          <pc:sldLayoutMkLst>
-            <pc:docMk/>
-            <pc:sldMasterMk cId="393418209" sldId="2147483798"/>
-            <pc:sldLayoutMk cId="4241966296" sldId="2147483814"/>
-          </pc:sldLayoutMkLst>
-        </pc:sldLayoutChg>
-      </pc:sldMasterChg>
-      <pc:sldMasterChg chg="add del addSldLayout delSldLayout modSldLayout">
-        <pc:chgData name="MORLACCO LORENZO" userId="S::lorenzo.morlacco@studenti.unicam.it::54291d95-2e02-4358-9635-1ef35feff65f" providerId="AD" clId="Web-{0F55923C-1D8C-4605-A2C0-1BDC84585E28}" dt="2021-12-11T11:03:47.761" v="10"/>
-        <pc:sldMasterMkLst>
-          <pc:docMk/>
-          <pc:sldMasterMk cId="3739509028" sldId="2147483815"/>
-        </pc:sldMasterMkLst>
-        <pc:sldLayoutChg chg="add del mod replId">
-          <pc:chgData name="MORLACCO LORENZO" userId="S::lorenzo.morlacco@studenti.unicam.it::54291d95-2e02-4358-9635-1ef35feff65f" providerId="AD" clId="Web-{0F55923C-1D8C-4605-A2C0-1BDC84585E28}" dt="2021-12-11T11:03:47.761" v="10"/>
-          <pc:sldLayoutMkLst>
-            <pc:docMk/>
-            <pc:sldMasterMk cId="3739509028" sldId="2147483815"/>
-            <pc:sldLayoutMk cId="669283956" sldId="2147483816"/>
-          </pc:sldLayoutMkLst>
-        </pc:sldLayoutChg>
-        <pc:sldLayoutChg chg="add del mod replId">
-          <pc:chgData name="MORLACCO LORENZO" userId="S::lorenzo.morlacco@studenti.unicam.it::54291d95-2e02-4358-9635-1ef35feff65f" providerId="AD" clId="Web-{0F55923C-1D8C-4605-A2C0-1BDC84585E28}" dt="2021-12-11T11:03:47.761" v="10"/>
-          <pc:sldLayoutMkLst>
-            <pc:docMk/>
-            <pc:sldMasterMk cId="3739509028" sldId="2147483815"/>
-            <pc:sldLayoutMk cId="3231007408" sldId="2147483817"/>
-          </pc:sldLayoutMkLst>
-        </pc:sldLayoutChg>
-        <pc:sldLayoutChg chg="add del mod replId">
-          <pc:chgData name="MORLACCO LORENZO" userId="S::lorenzo.morlacco@studenti.unicam.it::54291d95-2e02-4358-9635-1ef35feff65f" providerId="AD" clId="Web-{0F55923C-1D8C-4605-A2C0-1BDC84585E28}" dt="2021-12-11T11:03:47.761" v="10"/>
-          <pc:sldLayoutMkLst>
-            <pc:docMk/>
-            <pc:sldMasterMk cId="3739509028" sldId="2147483815"/>
-            <pc:sldLayoutMk cId="106397093" sldId="2147483818"/>
-          </pc:sldLayoutMkLst>
-        </pc:sldLayoutChg>
-        <pc:sldLayoutChg chg="add del mod replId">
-          <pc:chgData name="MORLACCO LORENZO" userId="S::lorenzo.morlacco@studenti.unicam.it::54291d95-2e02-4358-9635-1ef35feff65f" providerId="AD" clId="Web-{0F55923C-1D8C-4605-A2C0-1BDC84585E28}" dt="2021-12-11T11:03:47.761" v="10"/>
-          <pc:sldLayoutMkLst>
-            <pc:docMk/>
-            <pc:sldMasterMk cId="3739509028" sldId="2147483815"/>
-            <pc:sldLayoutMk cId="78527035" sldId="2147483819"/>
-          </pc:sldLayoutMkLst>
-        </pc:sldLayoutChg>
-        <pc:sldLayoutChg chg="add del mod replId">
-          <pc:chgData name="MORLACCO LORENZO" userId="S::lorenzo.morlacco@studenti.unicam.it::54291d95-2e02-4358-9635-1ef35feff65f" providerId="AD" clId="Web-{0F55923C-1D8C-4605-A2C0-1BDC84585E28}" dt="2021-12-11T11:03:47.761" v="10"/>
-          <pc:sldLayoutMkLst>
-            <pc:docMk/>
-            <pc:sldMasterMk cId="3739509028" sldId="2147483815"/>
-            <pc:sldLayoutMk cId="1218956890" sldId="2147483820"/>
-          </pc:sldLayoutMkLst>
-        </pc:sldLayoutChg>
-        <pc:sldLayoutChg chg="add del mod replId">
-          <pc:chgData name="MORLACCO LORENZO" userId="S::lorenzo.morlacco@studenti.unicam.it::54291d95-2e02-4358-9635-1ef35feff65f" providerId="AD" clId="Web-{0F55923C-1D8C-4605-A2C0-1BDC84585E28}" dt="2021-12-11T11:03:47.761" v="10"/>
-          <pc:sldLayoutMkLst>
-            <pc:docMk/>
-            <pc:sldMasterMk cId="3739509028" sldId="2147483815"/>
-            <pc:sldLayoutMk cId="4061949415" sldId="2147483821"/>
-          </pc:sldLayoutMkLst>
-        </pc:sldLayoutChg>
-        <pc:sldLayoutChg chg="add del mod replId">
-          <pc:chgData name="MORLACCO LORENZO" userId="S::lorenzo.morlacco@studenti.unicam.it::54291d95-2e02-4358-9635-1ef35feff65f" providerId="AD" clId="Web-{0F55923C-1D8C-4605-A2C0-1BDC84585E28}" dt="2021-12-11T11:03:47.761" v="10"/>
-          <pc:sldLayoutMkLst>
-            <pc:docMk/>
-            <pc:sldMasterMk cId="3739509028" sldId="2147483815"/>
-            <pc:sldLayoutMk cId="2969321409" sldId="2147483822"/>
-          </pc:sldLayoutMkLst>
-        </pc:sldLayoutChg>
-        <pc:sldLayoutChg chg="add del mod replId">
-          <pc:chgData name="MORLACCO LORENZO" userId="S::lorenzo.morlacco@studenti.unicam.it::54291d95-2e02-4358-9635-1ef35feff65f" providerId="AD" clId="Web-{0F55923C-1D8C-4605-A2C0-1BDC84585E28}" dt="2021-12-11T11:03:47.761" v="10"/>
-          <pc:sldLayoutMkLst>
-            <pc:docMk/>
-            <pc:sldMasterMk cId="3739509028" sldId="2147483815"/>
-            <pc:sldLayoutMk cId="2774729273" sldId="2147483823"/>
-          </pc:sldLayoutMkLst>
-        </pc:sldLayoutChg>
-        <pc:sldLayoutChg chg="add del mod replId">
-          <pc:chgData name="MORLACCO LORENZO" userId="S::lorenzo.morlacco@studenti.unicam.it::54291d95-2e02-4358-9635-1ef35feff65f" providerId="AD" clId="Web-{0F55923C-1D8C-4605-A2C0-1BDC84585E28}" dt="2021-12-11T11:03:47.761" v="10"/>
-          <pc:sldLayoutMkLst>
-            <pc:docMk/>
-            <pc:sldMasterMk cId="3739509028" sldId="2147483815"/>
-            <pc:sldLayoutMk cId="3180949380" sldId="2147483824"/>
-          </pc:sldLayoutMkLst>
-        </pc:sldLayoutChg>
-        <pc:sldLayoutChg chg="add del mod replId">
-          <pc:chgData name="MORLACCO LORENZO" userId="S::lorenzo.morlacco@studenti.unicam.it::54291d95-2e02-4358-9635-1ef35feff65f" providerId="AD" clId="Web-{0F55923C-1D8C-4605-A2C0-1BDC84585E28}" dt="2021-12-11T11:03:47.761" v="10"/>
-          <pc:sldLayoutMkLst>
-            <pc:docMk/>
-            <pc:sldMasterMk cId="3739509028" sldId="2147483815"/>
-            <pc:sldLayoutMk cId="2942714727" sldId="2147483825"/>
-          </pc:sldLayoutMkLst>
-        </pc:sldLayoutChg>
-        <pc:sldLayoutChg chg="add del mod replId">
-          <pc:chgData name="MORLACCO LORENZO" userId="S::lorenzo.morlacco@studenti.unicam.it::54291d95-2e02-4358-9635-1ef35feff65f" providerId="AD" clId="Web-{0F55923C-1D8C-4605-A2C0-1BDC84585E28}" dt="2021-12-11T11:03:47.761" v="10"/>
-          <pc:sldLayoutMkLst>
-            <pc:docMk/>
-            <pc:sldMasterMk cId="3739509028" sldId="2147483815"/>
-            <pc:sldLayoutMk cId="80901316" sldId="2147483826"/>
-          </pc:sldLayoutMkLst>
-        </pc:sldLayoutChg>
-        <pc:sldLayoutChg chg="add del mod replId">
-          <pc:chgData name="MORLACCO LORENZO" userId="S::lorenzo.morlacco@studenti.unicam.it::54291d95-2e02-4358-9635-1ef35feff65f" providerId="AD" clId="Web-{0F55923C-1D8C-4605-A2C0-1BDC84585E28}" dt="2021-12-11T11:03:47.761" v="10"/>
-          <pc:sldLayoutMkLst>
-            <pc:docMk/>
-            <pc:sldMasterMk cId="3739509028" sldId="2147483815"/>
-            <pc:sldLayoutMk cId="4169069605" sldId="2147483827"/>
-          </pc:sldLayoutMkLst>
-        </pc:sldLayoutChg>
-        <pc:sldLayoutChg chg="add del mod replId">
-          <pc:chgData name="MORLACCO LORENZO" userId="S::lorenzo.morlacco@studenti.unicam.it::54291d95-2e02-4358-9635-1ef35feff65f" providerId="AD" clId="Web-{0F55923C-1D8C-4605-A2C0-1BDC84585E28}" dt="2021-12-11T11:03:47.761" v="10"/>
-          <pc:sldLayoutMkLst>
-            <pc:docMk/>
-            <pc:sldMasterMk cId="3739509028" sldId="2147483815"/>
-            <pc:sldLayoutMk cId="2153211509" sldId="2147483828"/>
-          </pc:sldLayoutMkLst>
-        </pc:sldLayoutChg>
-        <pc:sldLayoutChg chg="add del mod replId">
-          <pc:chgData name="MORLACCO LORENZO" userId="S::lorenzo.morlacco@studenti.unicam.it::54291d95-2e02-4358-9635-1ef35feff65f" providerId="AD" clId="Web-{0F55923C-1D8C-4605-A2C0-1BDC84585E28}" dt="2021-12-11T11:03:47.761" v="10"/>
-          <pc:sldLayoutMkLst>
-            <pc:docMk/>
-            <pc:sldMasterMk cId="3739509028" sldId="2147483815"/>
-            <pc:sldLayoutMk cId="3289337145" sldId="2147483829"/>
-          </pc:sldLayoutMkLst>
-        </pc:sldLayoutChg>
-        <pc:sldLayoutChg chg="add del mod replId">
-          <pc:chgData name="MORLACCO LORENZO" userId="S::lorenzo.morlacco@studenti.unicam.it::54291d95-2e02-4358-9635-1ef35feff65f" providerId="AD" clId="Web-{0F55923C-1D8C-4605-A2C0-1BDC84585E28}" dt="2021-12-11T11:03:47.761" v="10"/>
-          <pc:sldLayoutMkLst>
-            <pc:docMk/>
-            <pc:sldMasterMk cId="3739509028" sldId="2147483815"/>
-            <pc:sldLayoutMk cId="2386543923" sldId="2147483830"/>
-          </pc:sldLayoutMkLst>
-        </pc:sldLayoutChg>
-        <pc:sldLayoutChg chg="add del mod replId">
-          <pc:chgData name="MORLACCO LORENZO" userId="S::lorenzo.morlacco@studenti.unicam.it::54291d95-2e02-4358-9635-1ef35feff65f" providerId="AD" clId="Web-{0F55923C-1D8C-4605-A2C0-1BDC84585E28}" dt="2021-12-11T11:03:47.761" v="10"/>
-          <pc:sldLayoutMkLst>
-            <pc:docMk/>
-            <pc:sldMasterMk cId="3739509028" sldId="2147483815"/>
-            <pc:sldLayoutMk cId="1869881927" sldId="2147483831"/>
-          </pc:sldLayoutMkLst>
-        </pc:sldLayoutChg>
-      </pc:sldMasterChg>
-      <pc:sldMasterChg chg="add del addSldLayout delSldLayout modSldLayout">
-        <pc:chgData name="MORLACCO LORENZO" userId="S::lorenzo.morlacco@studenti.unicam.it::54291d95-2e02-4358-9635-1ef35feff65f" providerId="AD" clId="Web-{0F55923C-1D8C-4605-A2C0-1BDC84585E28}" dt="2021-12-11T11:03:56.340" v="11"/>
-        <pc:sldMasterMkLst>
-          <pc:docMk/>
-          <pc:sldMasterMk cId="194074287" sldId="2147483832"/>
-        </pc:sldMasterMkLst>
-        <pc:sldLayoutChg chg="add del mod replId">
-          <pc:chgData name="MORLACCO LORENZO" userId="S::lorenzo.morlacco@studenti.unicam.it::54291d95-2e02-4358-9635-1ef35feff65f" providerId="AD" clId="Web-{0F55923C-1D8C-4605-A2C0-1BDC84585E28}" dt="2021-12-11T11:03:56.340" v="11"/>
-          <pc:sldLayoutMkLst>
-            <pc:docMk/>
-            <pc:sldMasterMk cId="194074287" sldId="2147483832"/>
-            <pc:sldLayoutMk cId="541927066" sldId="2147483833"/>
-          </pc:sldLayoutMkLst>
-        </pc:sldLayoutChg>
-        <pc:sldLayoutChg chg="add del mod replId">
-          <pc:chgData name="MORLACCO LORENZO" userId="S::lorenzo.morlacco@studenti.unicam.it::54291d95-2e02-4358-9635-1ef35feff65f" providerId="AD" clId="Web-{0F55923C-1D8C-4605-A2C0-1BDC84585E28}" dt="2021-12-11T11:03:56.340" v="11"/>
-          <pc:sldLayoutMkLst>
-            <pc:docMk/>
-            <pc:sldMasterMk cId="194074287" sldId="2147483832"/>
-            <pc:sldLayoutMk cId="448264360" sldId="2147483834"/>
-          </pc:sldLayoutMkLst>
-        </pc:sldLayoutChg>
-        <pc:sldLayoutChg chg="add del mod replId">
-          <pc:chgData name="MORLACCO LORENZO" userId="S::lorenzo.morlacco@studenti.unicam.it::54291d95-2e02-4358-9635-1ef35feff65f" providerId="AD" clId="Web-{0F55923C-1D8C-4605-A2C0-1BDC84585E28}" dt="2021-12-11T11:03:56.340" v="11"/>
-          <pc:sldLayoutMkLst>
-            <pc:docMk/>
-            <pc:sldMasterMk cId="194074287" sldId="2147483832"/>
-            <pc:sldLayoutMk cId="1798683604" sldId="2147483835"/>
-          </pc:sldLayoutMkLst>
-        </pc:sldLayoutChg>
-        <pc:sldLayoutChg chg="add del mod replId">
-          <pc:chgData name="MORLACCO LORENZO" userId="S::lorenzo.morlacco@studenti.unicam.it::54291d95-2e02-4358-9635-1ef35feff65f" providerId="AD" clId="Web-{0F55923C-1D8C-4605-A2C0-1BDC84585E28}" dt="2021-12-11T11:03:56.340" v="11"/>
-          <pc:sldLayoutMkLst>
-            <pc:docMk/>
-            <pc:sldMasterMk cId="194074287" sldId="2147483832"/>
-            <pc:sldLayoutMk cId="806501387" sldId="2147483836"/>
-          </pc:sldLayoutMkLst>
-        </pc:sldLayoutChg>
-        <pc:sldLayoutChg chg="add del mod replId">
-          <pc:chgData name="MORLACCO LORENZO" userId="S::lorenzo.morlacco@studenti.unicam.it::54291d95-2e02-4358-9635-1ef35feff65f" providerId="AD" clId="Web-{0F55923C-1D8C-4605-A2C0-1BDC84585E28}" dt="2021-12-11T11:03:56.340" v="11"/>
-          <pc:sldLayoutMkLst>
-            <pc:docMk/>
-            <pc:sldMasterMk cId="194074287" sldId="2147483832"/>
-            <pc:sldLayoutMk cId="2901189554" sldId="2147483837"/>
-          </pc:sldLayoutMkLst>
-        </pc:sldLayoutChg>
-        <pc:sldLayoutChg chg="add del mod replId">
-          <pc:chgData name="MORLACCO LORENZO" userId="S::lorenzo.morlacco@studenti.unicam.it::54291d95-2e02-4358-9635-1ef35feff65f" providerId="AD" clId="Web-{0F55923C-1D8C-4605-A2C0-1BDC84585E28}" dt="2021-12-11T11:03:56.340" v="11"/>
-          <pc:sldLayoutMkLst>
-            <pc:docMk/>
-            <pc:sldMasterMk cId="194074287" sldId="2147483832"/>
-            <pc:sldLayoutMk cId="3876094510" sldId="2147483838"/>
-          </pc:sldLayoutMkLst>
-        </pc:sldLayoutChg>
-        <pc:sldLayoutChg chg="add del mod replId">
-          <pc:chgData name="MORLACCO LORENZO" userId="S::lorenzo.morlacco@studenti.unicam.it::54291d95-2e02-4358-9635-1ef35feff65f" providerId="AD" clId="Web-{0F55923C-1D8C-4605-A2C0-1BDC84585E28}" dt="2021-12-11T11:03:56.340" v="11"/>
-          <pc:sldLayoutMkLst>
-            <pc:docMk/>
-            <pc:sldMasterMk cId="194074287" sldId="2147483832"/>
-            <pc:sldLayoutMk cId="3350397021" sldId="2147483839"/>
-          </pc:sldLayoutMkLst>
-        </pc:sldLayoutChg>
-        <pc:sldLayoutChg chg="add del mod replId">
-          <pc:chgData name="MORLACCO LORENZO" userId="S::lorenzo.morlacco@studenti.unicam.it::54291d95-2e02-4358-9635-1ef35feff65f" providerId="AD" clId="Web-{0F55923C-1D8C-4605-A2C0-1BDC84585E28}" dt="2021-12-11T11:03:56.340" v="11"/>
-          <pc:sldLayoutMkLst>
-            <pc:docMk/>
-            <pc:sldMasterMk cId="194074287" sldId="2147483832"/>
-            <pc:sldLayoutMk cId="57503344" sldId="2147483840"/>
-          </pc:sldLayoutMkLst>
-        </pc:sldLayoutChg>
-        <pc:sldLayoutChg chg="add del mod replId">
-          <pc:chgData name="MORLACCO LORENZO" userId="S::lorenzo.morlacco@studenti.unicam.it::54291d95-2e02-4358-9635-1ef35feff65f" providerId="AD" clId="Web-{0F55923C-1D8C-4605-A2C0-1BDC84585E28}" dt="2021-12-11T11:03:56.340" v="11"/>
-          <pc:sldLayoutMkLst>
-            <pc:docMk/>
-            <pc:sldMasterMk cId="194074287" sldId="2147483832"/>
-            <pc:sldLayoutMk cId="1325535014" sldId="2147483841"/>
-          </pc:sldLayoutMkLst>
-        </pc:sldLayoutChg>
-        <pc:sldLayoutChg chg="add del mod replId">
-          <pc:chgData name="MORLACCO LORENZO" userId="S::lorenzo.morlacco@studenti.unicam.it::54291d95-2e02-4358-9635-1ef35feff65f" providerId="AD" clId="Web-{0F55923C-1D8C-4605-A2C0-1BDC84585E28}" dt="2021-12-11T11:03:56.340" v="11"/>
-          <pc:sldLayoutMkLst>
-            <pc:docMk/>
-            <pc:sldMasterMk cId="194074287" sldId="2147483832"/>
-            <pc:sldLayoutMk cId="2099744890" sldId="2147483842"/>
-          </pc:sldLayoutMkLst>
-        </pc:sldLayoutChg>
-        <pc:sldLayoutChg chg="add del mod replId">
-          <pc:chgData name="MORLACCO LORENZO" userId="S::lorenzo.morlacco@studenti.unicam.it::54291d95-2e02-4358-9635-1ef35feff65f" providerId="AD" clId="Web-{0F55923C-1D8C-4605-A2C0-1BDC84585E28}" dt="2021-12-11T11:03:56.340" v="11"/>
-          <pc:sldLayoutMkLst>
-            <pc:docMk/>
-            <pc:sldMasterMk cId="194074287" sldId="2147483832"/>
-            <pc:sldLayoutMk cId="698775052" sldId="2147483843"/>
-          </pc:sldLayoutMkLst>
-        </pc:sldLayoutChg>
-        <pc:sldLayoutChg chg="add del mod replId">
-          <pc:chgData name="MORLACCO LORENZO" userId="S::lorenzo.morlacco@studenti.unicam.it::54291d95-2e02-4358-9635-1ef35feff65f" providerId="AD" clId="Web-{0F55923C-1D8C-4605-A2C0-1BDC84585E28}" dt="2021-12-11T11:03:56.340" v="11"/>
-          <pc:sldLayoutMkLst>
-            <pc:docMk/>
-            <pc:sldMasterMk cId="194074287" sldId="2147483832"/>
-            <pc:sldLayoutMk cId="518922485" sldId="2147483844"/>
-          </pc:sldLayoutMkLst>
-        </pc:sldLayoutChg>
-        <pc:sldLayoutChg chg="add del mod replId">
-          <pc:chgData name="MORLACCO LORENZO" userId="S::lorenzo.morlacco@studenti.unicam.it::54291d95-2e02-4358-9635-1ef35feff65f" providerId="AD" clId="Web-{0F55923C-1D8C-4605-A2C0-1BDC84585E28}" dt="2021-12-11T11:03:56.340" v="11"/>
-          <pc:sldLayoutMkLst>
-            <pc:docMk/>
-            <pc:sldMasterMk cId="194074287" sldId="2147483832"/>
-            <pc:sldLayoutMk cId="1686969287" sldId="2147483845"/>
-          </pc:sldLayoutMkLst>
-        </pc:sldLayoutChg>
-        <pc:sldLayoutChg chg="add del mod replId">
-          <pc:chgData name="MORLACCO LORENZO" userId="S::lorenzo.morlacco@studenti.unicam.it::54291d95-2e02-4358-9635-1ef35feff65f" providerId="AD" clId="Web-{0F55923C-1D8C-4605-A2C0-1BDC84585E28}" dt="2021-12-11T11:03:56.340" v="11"/>
-          <pc:sldLayoutMkLst>
-            <pc:docMk/>
-            <pc:sldMasterMk cId="194074287" sldId="2147483832"/>
-            <pc:sldLayoutMk cId="3627834765" sldId="2147483846"/>
-          </pc:sldLayoutMkLst>
-        </pc:sldLayoutChg>
-        <pc:sldLayoutChg chg="add del mod replId">
-          <pc:chgData name="MORLACCO LORENZO" userId="S::lorenzo.morlacco@studenti.unicam.it::54291d95-2e02-4358-9635-1ef35feff65f" providerId="AD" clId="Web-{0F55923C-1D8C-4605-A2C0-1BDC84585E28}" dt="2021-12-11T11:03:56.340" v="11"/>
-          <pc:sldLayoutMkLst>
-            <pc:docMk/>
-            <pc:sldMasterMk cId="194074287" sldId="2147483832"/>
-            <pc:sldLayoutMk cId="352031804" sldId="2147483847"/>
-          </pc:sldLayoutMkLst>
-        </pc:sldLayoutChg>
-        <pc:sldLayoutChg chg="add del mod replId">
-          <pc:chgData name="MORLACCO LORENZO" userId="S::lorenzo.morlacco@studenti.unicam.it::54291d95-2e02-4358-9635-1ef35feff65f" providerId="AD" clId="Web-{0F55923C-1D8C-4605-A2C0-1BDC84585E28}" dt="2021-12-11T11:03:56.340" v="11"/>
-          <pc:sldLayoutMkLst>
-            <pc:docMk/>
-            <pc:sldMasterMk cId="194074287" sldId="2147483832"/>
-            <pc:sldLayoutMk cId="4078974782" sldId="2147483848"/>
-          </pc:sldLayoutMkLst>
-        </pc:sldLayoutChg>
-      </pc:sldMasterChg>
-      <pc:sldMasterChg chg="add del addSldLayout delSldLayout modSldLayout">
-        <pc:chgData name="MORLACCO LORENZO" userId="S::lorenzo.morlacco@studenti.unicam.it::54291d95-2e02-4358-9635-1ef35feff65f" providerId="AD" clId="Web-{0F55923C-1D8C-4605-A2C0-1BDC84585E28}" dt="2021-12-11T11:03:59.652" v="12"/>
-        <pc:sldMasterMkLst>
-          <pc:docMk/>
-          <pc:sldMasterMk cId="651159565" sldId="2147483849"/>
-        </pc:sldMasterMkLst>
-        <pc:sldLayoutChg chg="add del mod replId">
-          <pc:chgData name="MORLACCO LORENZO" userId="S::lorenzo.morlacco@studenti.unicam.it::54291d95-2e02-4358-9635-1ef35feff65f" providerId="AD" clId="Web-{0F55923C-1D8C-4605-A2C0-1BDC84585E28}" dt="2021-12-11T11:03:59.652" v="12"/>
-          <pc:sldLayoutMkLst>
-            <pc:docMk/>
-            <pc:sldMasterMk cId="651159565" sldId="2147483849"/>
-            <pc:sldLayoutMk cId="2564131150" sldId="2147483850"/>
-          </pc:sldLayoutMkLst>
-        </pc:sldLayoutChg>
-        <pc:sldLayoutChg chg="add del mod replId">
-          <pc:chgData name="MORLACCO LORENZO" userId="S::lorenzo.morlacco@studenti.unicam.it::54291d95-2e02-4358-9635-1ef35feff65f" providerId="AD" clId="Web-{0F55923C-1D8C-4605-A2C0-1BDC84585E28}" dt="2021-12-11T11:03:59.652" v="12"/>
-          <pc:sldLayoutMkLst>
-            <pc:docMk/>
-            <pc:sldMasterMk cId="651159565" sldId="2147483849"/>
-            <pc:sldLayoutMk cId="925799951" sldId="2147483851"/>
-          </pc:sldLayoutMkLst>
-        </pc:sldLayoutChg>
-        <pc:sldLayoutChg chg="add del mod replId">
-          <pc:chgData name="MORLACCO LORENZO" userId="S::lorenzo.morlacco@studenti.unicam.it::54291d95-2e02-4358-9635-1ef35feff65f" providerId="AD" clId="Web-{0F55923C-1D8C-4605-A2C0-1BDC84585E28}" dt="2021-12-11T11:03:59.652" v="12"/>
-          <pc:sldLayoutMkLst>
-            <pc:docMk/>
-            <pc:sldMasterMk cId="651159565" sldId="2147483849"/>
-            <pc:sldLayoutMk cId="556532202" sldId="2147483852"/>
-          </pc:sldLayoutMkLst>
-        </pc:sldLayoutChg>
-        <pc:sldLayoutChg chg="add del mod replId">
-          <pc:chgData name="MORLACCO LORENZO" userId="S::lorenzo.morlacco@studenti.unicam.it::54291d95-2e02-4358-9635-1ef35feff65f" providerId="AD" clId="Web-{0F55923C-1D8C-4605-A2C0-1BDC84585E28}" dt="2021-12-11T11:03:59.652" v="12"/>
-          <pc:sldLayoutMkLst>
-            <pc:docMk/>
-            <pc:sldMasterMk cId="651159565" sldId="2147483849"/>
-            <pc:sldLayoutMk cId="3452367516" sldId="2147483853"/>
-          </pc:sldLayoutMkLst>
-        </pc:sldLayoutChg>
-        <pc:sldLayoutChg chg="add del mod replId">
-          <pc:chgData name="MORLACCO LORENZO" userId="S::lorenzo.morlacco@studenti.unicam.it::54291d95-2e02-4358-9635-1ef35feff65f" providerId="AD" clId="Web-{0F55923C-1D8C-4605-A2C0-1BDC84585E28}" dt="2021-12-11T11:03:59.652" v="12"/>
-          <pc:sldLayoutMkLst>
-            <pc:docMk/>
-            <pc:sldMasterMk cId="651159565" sldId="2147483849"/>
-            <pc:sldLayoutMk cId="930523882" sldId="2147483854"/>
-          </pc:sldLayoutMkLst>
-        </pc:sldLayoutChg>
-        <pc:sldLayoutChg chg="add del mod replId">
-          <pc:chgData name="MORLACCO LORENZO" userId="S::lorenzo.morlacco@studenti.unicam.it::54291d95-2e02-4358-9635-1ef35feff65f" providerId="AD" clId="Web-{0F55923C-1D8C-4605-A2C0-1BDC84585E28}" dt="2021-12-11T11:03:59.652" v="12"/>
-          <pc:sldLayoutMkLst>
-            <pc:docMk/>
-            <pc:sldMasterMk cId="651159565" sldId="2147483849"/>
-            <pc:sldLayoutMk cId="1070887738" sldId="2147483855"/>
-          </pc:sldLayoutMkLst>
-        </pc:sldLayoutChg>
-        <pc:sldLayoutChg chg="add del mod replId">
-          <pc:chgData name="MORLACCO LORENZO" userId="S::lorenzo.morlacco@studenti.unicam.it::54291d95-2e02-4358-9635-1ef35feff65f" providerId="AD" clId="Web-{0F55923C-1D8C-4605-A2C0-1BDC84585E28}" dt="2021-12-11T11:03:59.652" v="12"/>
-          <pc:sldLayoutMkLst>
-            <pc:docMk/>
-            <pc:sldMasterMk cId="651159565" sldId="2147483849"/>
-            <pc:sldLayoutMk cId="1640312957" sldId="2147483856"/>
-          </pc:sldLayoutMkLst>
-        </pc:sldLayoutChg>
-        <pc:sldLayoutChg chg="add del mod replId">
-          <pc:chgData name="MORLACCO LORENZO" userId="S::lorenzo.morlacco@studenti.unicam.it::54291d95-2e02-4358-9635-1ef35feff65f" providerId="AD" clId="Web-{0F55923C-1D8C-4605-A2C0-1BDC84585E28}" dt="2021-12-11T11:03:59.652" v="12"/>
-          <pc:sldLayoutMkLst>
-            <pc:docMk/>
-            <pc:sldMasterMk cId="651159565" sldId="2147483849"/>
-            <pc:sldLayoutMk cId="3266394505" sldId="2147483857"/>
-          </pc:sldLayoutMkLst>
-        </pc:sldLayoutChg>
-        <pc:sldLayoutChg chg="add del mod replId">
-          <pc:chgData name="MORLACCO LORENZO" userId="S::lorenzo.morlacco@studenti.unicam.it::54291d95-2e02-4358-9635-1ef35feff65f" providerId="AD" clId="Web-{0F55923C-1D8C-4605-A2C0-1BDC84585E28}" dt="2021-12-11T11:03:59.652" v="12"/>
-          <pc:sldLayoutMkLst>
-            <pc:docMk/>
-            <pc:sldMasterMk cId="651159565" sldId="2147483849"/>
-            <pc:sldLayoutMk cId="2316606715" sldId="2147483858"/>
-          </pc:sldLayoutMkLst>
-        </pc:sldLayoutChg>
-        <pc:sldLayoutChg chg="add del mod replId">
-          <pc:chgData name="MORLACCO LORENZO" userId="S::lorenzo.morlacco@studenti.unicam.it::54291d95-2e02-4358-9635-1ef35feff65f" providerId="AD" clId="Web-{0F55923C-1D8C-4605-A2C0-1BDC84585E28}" dt="2021-12-11T11:03:59.652" v="12"/>
-          <pc:sldLayoutMkLst>
-            <pc:docMk/>
-            <pc:sldMasterMk cId="651159565" sldId="2147483849"/>
-            <pc:sldLayoutMk cId="2692173468" sldId="2147483859"/>
-          </pc:sldLayoutMkLst>
-        </pc:sldLayoutChg>
-        <pc:sldLayoutChg chg="add del mod replId">
-          <pc:chgData name="MORLACCO LORENZO" userId="S::lorenzo.morlacco@studenti.unicam.it::54291d95-2e02-4358-9635-1ef35feff65f" providerId="AD" clId="Web-{0F55923C-1D8C-4605-A2C0-1BDC84585E28}" dt="2021-12-11T11:03:59.652" v="12"/>
-          <pc:sldLayoutMkLst>
-            <pc:docMk/>
-            <pc:sldMasterMk cId="651159565" sldId="2147483849"/>
-            <pc:sldLayoutMk cId="4140156774" sldId="2147483860"/>
-          </pc:sldLayoutMkLst>
-        </pc:sldLayoutChg>
-        <pc:sldLayoutChg chg="add del mod replId">
-          <pc:chgData name="MORLACCO LORENZO" userId="S::lorenzo.morlacco@studenti.unicam.it::54291d95-2e02-4358-9635-1ef35feff65f" providerId="AD" clId="Web-{0F55923C-1D8C-4605-A2C0-1BDC84585E28}" dt="2021-12-11T11:03:59.652" v="12"/>
-          <pc:sldLayoutMkLst>
-            <pc:docMk/>
-            <pc:sldMasterMk cId="651159565" sldId="2147483849"/>
-            <pc:sldLayoutMk cId="1331046656" sldId="2147483861"/>
-          </pc:sldLayoutMkLst>
-        </pc:sldLayoutChg>
-        <pc:sldLayoutChg chg="add del mod replId">
-          <pc:chgData name="MORLACCO LORENZO" userId="S::lorenzo.morlacco@studenti.unicam.it::54291d95-2e02-4358-9635-1ef35feff65f" providerId="AD" clId="Web-{0F55923C-1D8C-4605-A2C0-1BDC84585E28}" dt="2021-12-11T11:03:59.652" v="12"/>
-          <pc:sldLayoutMkLst>
-            <pc:docMk/>
-            <pc:sldMasterMk cId="651159565" sldId="2147483849"/>
-            <pc:sldLayoutMk cId="1817860037" sldId="2147483862"/>
-          </pc:sldLayoutMkLst>
-        </pc:sldLayoutChg>
-        <pc:sldLayoutChg chg="add del mod replId">
-          <pc:chgData name="MORLACCO LORENZO" userId="S::lorenzo.morlacco@studenti.unicam.it::54291d95-2e02-4358-9635-1ef35feff65f" providerId="AD" clId="Web-{0F55923C-1D8C-4605-A2C0-1BDC84585E28}" dt="2021-12-11T11:03:59.652" v="12"/>
-          <pc:sldLayoutMkLst>
-            <pc:docMk/>
-            <pc:sldMasterMk cId="651159565" sldId="2147483849"/>
-            <pc:sldLayoutMk cId="3100505963" sldId="2147483863"/>
-          </pc:sldLayoutMkLst>
-        </pc:sldLayoutChg>
-        <pc:sldLayoutChg chg="add del mod replId">
-          <pc:chgData name="MORLACCO LORENZO" userId="S::lorenzo.morlacco@studenti.unicam.it::54291d95-2e02-4358-9635-1ef35feff65f" providerId="AD" clId="Web-{0F55923C-1D8C-4605-A2C0-1BDC84585E28}" dt="2021-12-11T11:03:59.652" v="12"/>
-          <pc:sldLayoutMkLst>
-            <pc:docMk/>
-            <pc:sldMasterMk cId="651159565" sldId="2147483849"/>
-            <pc:sldLayoutMk cId="1855439214" sldId="2147483864"/>
-          </pc:sldLayoutMkLst>
-        </pc:sldLayoutChg>
-        <pc:sldLayoutChg chg="add del mod replId">
-          <pc:chgData name="MORLACCO LORENZO" userId="S::lorenzo.morlacco@studenti.unicam.it::54291d95-2e02-4358-9635-1ef35feff65f" providerId="AD" clId="Web-{0F55923C-1D8C-4605-A2C0-1BDC84585E28}" dt="2021-12-11T11:03:59.652" v="12"/>
-          <pc:sldLayoutMkLst>
-            <pc:docMk/>
-            <pc:sldMasterMk cId="651159565" sldId="2147483849"/>
-            <pc:sldLayoutMk cId="719098357" sldId="2147483865"/>
-          </pc:sldLayoutMkLst>
-        </pc:sldLayoutChg>
-      </pc:sldMasterChg>
-      <pc:sldMasterChg chg="add addSldLayout modSldLayout">
-        <pc:chgData name="MORLACCO LORENZO" userId="S::lorenzo.morlacco@studenti.unicam.it::54291d95-2e02-4358-9635-1ef35feff65f" providerId="AD" clId="Web-{0F55923C-1D8C-4605-A2C0-1BDC84585E28}" dt="2021-12-11T11:03:59.652" v="12"/>
-        <pc:sldMasterMkLst>
-          <pc:docMk/>
-          <pc:sldMasterMk cId="339448046" sldId="2147483866"/>
-        </pc:sldMasterMkLst>
-        <pc:sldLayoutChg chg="add mod replId">
-          <pc:chgData name="MORLACCO LORENZO" userId="S::lorenzo.morlacco@studenti.unicam.it::54291d95-2e02-4358-9635-1ef35feff65f" providerId="AD" clId="Web-{0F55923C-1D8C-4605-A2C0-1BDC84585E28}" dt="2021-12-11T11:03:59.652" v="12"/>
-          <pc:sldLayoutMkLst>
-            <pc:docMk/>
-            <pc:sldMasterMk cId="339448046" sldId="2147483866"/>
-            <pc:sldLayoutMk cId="3072276243" sldId="2147483867"/>
-          </pc:sldLayoutMkLst>
-        </pc:sldLayoutChg>
-        <pc:sldLayoutChg chg="add mod replId">
-          <pc:chgData name="MORLACCO LORENZO" userId="S::lorenzo.morlacco@studenti.unicam.it::54291d95-2e02-4358-9635-1ef35feff65f" providerId="AD" clId="Web-{0F55923C-1D8C-4605-A2C0-1BDC84585E28}" dt="2021-12-11T11:03:59.652" v="12"/>
-          <pc:sldLayoutMkLst>
-            <pc:docMk/>
-            <pc:sldMasterMk cId="339448046" sldId="2147483866"/>
-            <pc:sldLayoutMk cId="3558297732" sldId="2147483868"/>
-          </pc:sldLayoutMkLst>
-        </pc:sldLayoutChg>
-        <pc:sldLayoutChg chg="add mod replId">
-          <pc:chgData name="MORLACCO LORENZO" userId="S::lorenzo.morlacco@studenti.unicam.it::54291d95-2e02-4358-9635-1ef35feff65f" providerId="AD" clId="Web-{0F55923C-1D8C-4605-A2C0-1BDC84585E28}" dt="2021-12-11T11:03:59.652" v="12"/>
-          <pc:sldLayoutMkLst>
-            <pc:docMk/>
-            <pc:sldMasterMk cId="339448046" sldId="2147483866"/>
-            <pc:sldLayoutMk cId="3849915593" sldId="2147483869"/>
-          </pc:sldLayoutMkLst>
-        </pc:sldLayoutChg>
-        <pc:sldLayoutChg chg="add mod replId">
-          <pc:chgData name="MORLACCO LORENZO" userId="S::lorenzo.morlacco@studenti.unicam.it::54291d95-2e02-4358-9635-1ef35feff65f" providerId="AD" clId="Web-{0F55923C-1D8C-4605-A2C0-1BDC84585E28}" dt="2021-12-11T11:03:59.652" v="12"/>
-          <pc:sldLayoutMkLst>
-            <pc:docMk/>
-            <pc:sldMasterMk cId="339448046" sldId="2147483866"/>
-            <pc:sldLayoutMk cId="1965023423" sldId="2147483870"/>
-          </pc:sldLayoutMkLst>
-        </pc:sldLayoutChg>
-        <pc:sldLayoutChg chg="add mod replId">
-          <pc:chgData name="MORLACCO LORENZO" userId="S::lorenzo.morlacco@studenti.unicam.it::54291d95-2e02-4358-9635-1ef35feff65f" providerId="AD" clId="Web-{0F55923C-1D8C-4605-A2C0-1BDC84585E28}" dt="2021-12-11T11:03:59.652" v="12"/>
-          <pc:sldLayoutMkLst>
-            <pc:docMk/>
-            <pc:sldMasterMk cId="339448046" sldId="2147483866"/>
-            <pc:sldLayoutMk cId="1109892912" sldId="2147483871"/>
-          </pc:sldLayoutMkLst>
-        </pc:sldLayoutChg>
-        <pc:sldLayoutChg chg="add mod replId">
-          <pc:chgData name="MORLACCO LORENZO" userId="S::lorenzo.morlacco@studenti.unicam.it::54291d95-2e02-4358-9635-1ef35feff65f" providerId="AD" clId="Web-{0F55923C-1D8C-4605-A2C0-1BDC84585E28}" dt="2021-12-11T11:03:59.652" v="12"/>
-          <pc:sldLayoutMkLst>
-            <pc:docMk/>
-            <pc:sldMasterMk cId="339448046" sldId="2147483866"/>
-            <pc:sldLayoutMk cId="2080596761" sldId="2147483872"/>
-          </pc:sldLayoutMkLst>
-        </pc:sldLayoutChg>
-        <pc:sldLayoutChg chg="add mod replId">
-          <pc:chgData name="MORLACCO LORENZO" userId="S::lorenzo.morlacco@studenti.unicam.it::54291d95-2e02-4358-9635-1ef35feff65f" providerId="AD" clId="Web-{0F55923C-1D8C-4605-A2C0-1BDC84585E28}" dt="2021-12-11T11:03:59.652" v="12"/>
-          <pc:sldLayoutMkLst>
-            <pc:docMk/>
-            <pc:sldMasterMk cId="339448046" sldId="2147483866"/>
-            <pc:sldLayoutMk cId="2696634409" sldId="2147483873"/>
-          </pc:sldLayoutMkLst>
-        </pc:sldLayoutChg>
-        <pc:sldLayoutChg chg="add mod replId">
-          <pc:chgData name="MORLACCO LORENZO" userId="S::lorenzo.morlacco@studenti.unicam.it::54291d95-2e02-4358-9635-1ef35feff65f" providerId="AD" clId="Web-{0F55923C-1D8C-4605-A2C0-1BDC84585E28}" dt="2021-12-11T11:03:59.652" v="12"/>
-          <pc:sldLayoutMkLst>
-            <pc:docMk/>
-            <pc:sldMasterMk cId="339448046" sldId="2147483866"/>
-            <pc:sldLayoutMk cId="1247221847" sldId="2147483874"/>
-          </pc:sldLayoutMkLst>
-        </pc:sldLayoutChg>
-        <pc:sldLayoutChg chg="add mod replId">
-          <pc:chgData name="MORLACCO LORENZO" userId="S::lorenzo.morlacco@studenti.unicam.it::54291d95-2e02-4358-9635-1ef35feff65f" providerId="AD" clId="Web-{0F55923C-1D8C-4605-A2C0-1BDC84585E28}" dt="2021-12-11T11:03:59.652" v="12"/>
-          <pc:sldLayoutMkLst>
-            <pc:docMk/>
-            <pc:sldMasterMk cId="339448046" sldId="2147483866"/>
-            <pc:sldLayoutMk cId="1838264227" sldId="2147483875"/>
-          </pc:sldLayoutMkLst>
-        </pc:sldLayoutChg>
-        <pc:sldLayoutChg chg="add mod replId">
-          <pc:chgData name="MORLACCO LORENZO" userId="S::lorenzo.morlacco@studenti.unicam.it::54291d95-2e02-4358-9635-1ef35feff65f" providerId="AD" clId="Web-{0F55923C-1D8C-4605-A2C0-1BDC84585E28}" dt="2021-12-11T11:03:59.652" v="12"/>
-          <pc:sldLayoutMkLst>
-            <pc:docMk/>
-            <pc:sldMasterMk cId="339448046" sldId="2147483866"/>
-            <pc:sldLayoutMk cId="3617945094" sldId="2147483876"/>
-          </pc:sldLayoutMkLst>
-        </pc:sldLayoutChg>
-        <pc:sldLayoutChg chg="add mod replId">
-          <pc:chgData name="MORLACCO LORENZO" userId="S::lorenzo.morlacco@studenti.unicam.it::54291d95-2e02-4358-9635-1ef35feff65f" providerId="AD" clId="Web-{0F55923C-1D8C-4605-A2C0-1BDC84585E28}" dt="2021-12-11T11:03:59.652" v="12"/>
-          <pc:sldLayoutMkLst>
-            <pc:docMk/>
-            <pc:sldMasterMk cId="339448046" sldId="2147483866"/>
-            <pc:sldLayoutMk cId="3032027644" sldId="2147483877"/>
-          </pc:sldLayoutMkLst>
-        </pc:sldLayoutChg>
-        <pc:sldLayoutChg chg="add mod replId">
-          <pc:chgData name="MORLACCO LORENZO" userId="S::lorenzo.morlacco@studenti.unicam.it::54291d95-2e02-4358-9635-1ef35feff65f" providerId="AD" clId="Web-{0F55923C-1D8C-4605-A2C0-1BDC84585E28}" dt="2021-12-11T11:03:59.652" v="12"/>
-          <pc:sldLayoutMkLst>
-            <pc:docMk/>
-            <pc:sldMasterMk cId="339448046" sldId="2147483866"/>
-            <pc:sldLayoutMk cId="617565727" sldId="2147483878"/>
-          </pc:sldLayoutMkLst>
-        </pc:sldLayoutChg>
-        <pc:sldLayoutChg chg="add mod replId">
-          <pc:chgData name="MORLACCO LORENZO" userId="S::lorenzo.morlacco@studenti.unicam.it::54291d95-2e02-4358-9635-1ef35feff65f" providerId="AD" clId="Web-{0F55923C-1D8C-4605-A2C0-1BDC84585E28}" dt="2021-12-11T11:03:59.652" v="12"/>
-          <pc:sldLayoutMkLst>
-            <pc:docMk/>
-            <pc:sldMasterMk cId="339448046" sldId="2147483866"/>
-            <pc:sldLayoutMk cId="1647900280" sldId="2147483879"/>
-          </pc:sldLayoutMkLst>
-        </pc:sldLayoutChg>
-        <pc:sldLayoutChg chg="add mod replId">
-          <pc:chgData name="MORLACCO LORENZO" userId="S::lorenzo.morlacco@studenti.unicam.it::54291d95-2e02-4358-9635-1ef35feff65f" providerId="AD" clId="Web-{0F55923C-1D8C-4605-A2C0-1BDC84585E28}" dt="2021-12-11T11:03:59.652" v="12"/>
-          <pc:sldLayoutMkLst>
-            <pc:docMk/>
-            <pc:sldMasterMk cId="339448046" sldId="2147483866"/>
-            <pc:sldLayoutMk cId="1579426828" sldId="2147483880"/>
-          </pc:sldLayoutMkLst>
-        </pc:sldLayoutChg>
-        <pc:sldLayoutChg chg="add mod replId">
-          <pc:chgData name="MORLACCO LORENZO" userId="S::lorenzo.morlacco@studenti.unicam.it::54291d95-2e02-4358-9635-1ef35feff65f" providerId="AD" clId="Web-{0F55923C-1D8C-4605-A2C0-1BDC84585E28}" dt="2021-12-11T11:03:59.652" v="12"/>
-          <pc:sldLayoutMkLst>
-            <pc:docMk/>
-            <pc:sldMasterMk cId="339448046" sldId="2147483866"/>
-            <pc:sldLayoutMk cId="2672485022" sldId="2147483881"/>
-          </pc:sldLayoutMkLst>
-        </pc:sldLayoutChg>
-        <pc:sldLayoutChg chg="add mod replId">
-          <pc:chgData name="MORLACCO LORENZO" userId="S::lorenzo.morlacco@studenti.unicam.it::54291d95-2e02-4358-9635-1ef35feff65f" providerId="AD" clId="Web-{0F55923C-1D8C-4605-A2C0-1BDC84585E28}" dt="2021-12-11T11:03:59.652" v="12"/>
-          <pc:sldLayoutMkLst>
-            <pc:docMk/>
-            <pc:sldMasterMk cId="339448046" sldId="2147483866"/>
-            <pc:sldLayoutMk cId="1274121181" sldId="2147483882"/>
-          </pc:sldLayoutMkLst>
-        </pc:sldLayoutChg>
-      </pc:sldMasterChg>
-    </pc:docChg>
-  </pc:docChgLst>
-  <pc:docChgLst>
-    <pc:chgData name="MORLACCO LORENZO" userId="S::lorenzo.morlacco@studenti.unicam.it::54291d95-2e02-4358-9635-1ef35feff65f" providerId="AD" clId="Web-{79B85474-8F77-2EBF-EF22-368E03448CD8}"/>
-    <pc:docChg chg="modSld">
-      <pc:chgData name="MORLACCO LORENZO" userId="S::lorenzo.morlacco@studenti.unicam.it::54291d95-2e02-4358-9635-1ef35feff65f" providerId="AD" clId="Web-{79B85474-8F77-2EBF-EF22-368E03448CD8}" dt="2022-03-15T15:45:37.172" v="1" actId="1076"/>
-      <pc:docMkLst>
-        <pc:docMk/>
-      </pc:docMkLst>
-      <pc:sldChg chg="modSp">
-        <pc:chgData name="MORLACCO LORENZO" userId="S::lorenzo.morlacco@studenti.unicam.it::54291d95-2e02-4358-9635-1ef35feff65f" providerId="AD" clId="Web-{79B85474-8F77-2EBF-EF22-368E03448CD8}" dt="2022-03-15T15:45:37.172" v="1" actId="1076"/>
-        <pc:sldMkLst>
-          <pc:docMk/>
-          <pc:sldMk cId="2355785671" sldId="278"/>
-        </pc:sldMkLst>
-        <pc:picChg chg="mod">
-          <ac:chgData name="MORLACCO LORENZO" userId="S::lorenzo.morlacco@studenti.unicam.it::54291d95-2e02-4358-9635-1ef35feff65f" providerId="AD" clId="Web-{79B85474-8F77-2EBF-EF22-368E03448CD8}" dt="2022-03-15T15:45:37.172" v="1" actId="1076"/>
-          <ac:picMkLst>
-            <pc:docMk/>
-            <pc:sldMk cId="2355785671" sldId="278"/>
-            <ac:picMk id="5" creationId="{ABC9D2A9-C028-4AFD-AEAA-9DCE7CB5C819}"/>
-          </ac:picMkLst>
-        </pc:picChg>
-      </pc:sldChg>
-    </pc:docChg>
-  </pc:docChgLst>
-  <pc:docChgLst>
-    <pc:chgData name="MORLACCO LORENZO" userId="S::lorenzo.morlacco@studenti.unicam.it::54291d95-2e02-4358-9635-1ef35feff65f" providerId="AD" clId="Web-{0836BCB5-6D2D-00BD-1E8A-A9F0827C1EF5}"/>
-    <pc:docChg chg="addSld delSld modSld">
-      <pc:chgData name="MORLACCO LORENZO" userId="S::lorenzo.morlacco@studenti.unicam.it::54291d95-2e02-4358-9635-1ef35feff65f" providerId="AD" clId="Web-{0836BCB5-6D2D-00BD-1E8A-A9F0827C1EF5}" dt="2022-01-09T14:21:52.939" v="970"/>
-      <pc:docMkLst>
-        <pc:docMk/>
-      </pc:docMkLst>
-      <pc:sldChg chg="modSp">
-        <pc:chgData name="MORLACCO LORENZO" userId="S::lorenzo.morlacco@studenti.unicam.it::54291d95-2e02-4358-9635-1ef35feff65f" providerId="AD" clId="Web-{0836BCB5-6D2D-00BD-1E8A-A9F0827C1EF5}" dt="2022-01-09T12:12:15.395" v="19" actId="20577"/>
-        <pc:sldMkLst>
-          <pc:docMk/>
-          <pc:sldMk cId="109857222" sldId="256"/>
-        </pc:sldMkLst>
-        <pc:spChg chg="mod">
-          <ac:chgData name="MORLACCO LORENZO" userId="S::lorenzo.morlacco@studenti.unicam.it::54291d95-2e02-4358-9635-1ef35feff65f" providerId="AD" clId="Web-{0836BCB5-6D2D-00BD-1E8A-A9F0827C1EF5}" dt="2022-01-09T12:12:03.848" v="5" actId="1076"/>
-          <ac:spMkLst>
-            <pc:docMk/>
-            <pc:sldMk cId="109857222" sldId="256"/>
-            <ac:spMk id="2" creationId="{00000000-0000-0000-0000-000000000000}"/>
-          </ac:spMkLst>
-        </pc:spChg>
-        <pc:spChg chg="mod">
-          <ac:chgData name="MORLACCO LORENZO" userId="S::lorenzo.morlacco@studenti.unicam.it::54291d95-2e02-4358-9635-1ef35feff65f" providerId="AD" clId="Web-{0836BCB5-6D2D-00BD-1E8A-A9F0827C1EF5}" dt="2022-01-09T12:12:15.395" v="19" actId="20577"/>
-          <ac:spMkLst>
-            <pc:docMk/>
-            <pc:sldMk cId="109857222" sldId="256"/>
-            <ac:spMk id="3" creationId="{00000000-0000-0000-0000-000000000000}"/>
-          </ac:spMkLst>
-        </pc:spChg>
-      </pc:sldChg>
-      <pc:sldChg chg="modSp">
-        <pc:chgData name="MORLACCO LORENZO" userId="S::lorenzo.morlacco@studenti.unicam.it::54291d95-2e02-4358-9635-1ef35feff65f" providerId="AD" clId="Web-{0836BCB5-6D2D-00BD-1E8A-A9F0827C1EF5}" dt="2022-01-09T12:14:13.257" v="52" actId="1076"/>
-        <pc:sldMkLst>
-          <pc:docMk/>
-          <pc:sldMk cId="4229398084" sldId="257"/>
-        </pc:sldMkLst>
-        <pc:spChg chg="mod">
-          <ac:chgData name="MORLACCO LORENZO" userId="S::lorenzo.morlacco@studenti.unicam.it::54291d95-2e02-4358-9635-1ef35feff65f" providerId="AD" clId="Web-{0836BCB5-6D2D-00BD-1E8A-A9F0827C1EF5}" dt="2022-01-09T12:12:31.677" v="24" actId="1076"/>
-          <ac:spMkLst>
-            <pc:docMk/>
-            <pc:sldMk cId="4229398084" sldId="257"/>
-            <ac:spMk id="2" creationId="{EE402CF0-08BA-4A76-BB35-3F8A866D0C66}"/>
-          </ac:spMkLst>
-        </pc:spChg>
-        <pc:spChg chg="mod">
-          <ac:chgData name="MORLACCO LORENZO" userId="S::lorenzo.morlacco@studenti.unicam.it::54291d95-2e02-4358-9635-1ef35feff65f" providerId="AD" clId="Web-{0836BCB5-6D2D-00BD-1E8A-A9F0827C1EF5}" dt="2022-01-09T12:14:13.257" v="52" actId="1076"/>
-          <ac:spMkLst>
-            <pc:docMk/>
-            <pc:sldMk cId="4229398084" sldId="257"/>
-            <ac:spMk id="4" creationId="{1F2BBCFB-FD3E-4297-8B11-18FE8D1A2F2D}"/>
-          </ac:spMkLst>
-        </pc:spChg>
-      </pc:sldChg>
-      <pc:sldChg chg="modSp">
-        <pc:chgData name="MORLACCO LORENZO" userId="S::lorenzo.morlacco@studenti.unicam.it::54291d95-2e02-4358-9635-1ef35feff65f" providerId="AD" clId="Web-{0836BCB5-6D2D-00BD-1E8A-A9F0827C1EF5}" dt="2022-01-09T12:14:07.429" v="50" actId="1076"/>
-        <pc:sldMkLst>
-          <pc:docMk/>
-          <pc:sldMk cId="1631322759" sldId="259"/>
-        </pc:sldMkLst>
-        <pc:spChg chg="mod">
-          <ac:chgData name="MORLACCO LORENZO" userId="S::lorenzo.morlacco@studenti.unicam.it::54291d95-2e02-4358-9635-1ef35feff65f" providerId="AD" clId="Web-{0836BCB5-6D2D-00BD-1E8A-A9F0827C1EF5}" dt="2022-01-09T12:14:07.429" v="50" actId="1076"/>
-          <ac:spMkLst>
-            <pc:docMk/>
-            <pc:sldMk cId="1631322759" sldId="259"/>
-            <ac:spMk id="4" creationId="{72E298A3-0797-4FCE-952A-201E5020658B}"/>
-          </ac:spMkLst>
-        </pc:spChg>
-      </pc:sldChg>
-      <pc:sldChg chg="mod modShow">
-        <pc:chgData name="MORLACCO LORENZO" userId="S::lorenzo.morlacco@studenti.unicam.it::54291d95-2e02-4358-9635-1ef35feff65f" providerId="AD" clId="Web-{0836BCB5-6D2D-00BD-1E8A-A9F0827C1EF5}" dt="2022-01-09T12:14:37.492" v="53"/>
-        <pc:sldMkLst>
-          <pc:docMk/>
-          <pc:sldMk cId="2527810687" sldId="260"/>
-        </pc:sldMkLst>
-      </pc:sldChg>
-      <pc:sldChg chg="mod modShow">
-        <pc:chgData name="MORLACCO LORENZO" userId="S::lorenzo.morlacco@studenti.unicam.it::54291d95-2e02-4358-9635-1ef35feff65f" providerId="AD" clId="Web-{0836BCB5-6D2D-00BD-1E8A-A9F0827C1EF5}" dt="2022-01-09T12:14:44.414" v="54"/>
-        <pc:sldMkLst>
-          <pc:docMk/>
-          <pc:sldMk cId="1826112408" sldId="261"/>
-        </pc:sldMkLst>
-      </pc:sldChg>
-      <pc:sldChg chg="del">
-        <pc:chgData name="MORLACCO LORENZO" userId="S::lorenzo.morlacco@studenti.unicam.it::54291d95-2e02-4358-9635-1ef35feff65f" providerId="AD" clId="Web-{0836BCB5-6D2D-00BD-1E8A-A9F0827C1EF5}" dt="2022-01-09T12:17:30.043" v="71"/>
-        <pc:sldMkLst>
-          <pc:docMk/>
-          <pc:sldMk cId="2136501127" sldId="262"/>
-        </pc:sldMkLst>
-      </pc:sldChg>
-      <pc:sldChg chg="del">
-        <pc:chgData name="MORLACCO LORENZO" userId="S::lorenzo.morlacco@studenti.unicam.it::54291d95-2e02-4358-9635-1ef35feff65f" providerId="AD" clId="Web-{0836BCB5-6D2D-00BD-1E8A-A9F0827C1EF5}" dt="2022-01-09T12:17:21.902" v="70"/>
-        <pc:sldMkLst>
-          <pc:docMk/>
-          <pc:sldMk cId="752975945" sldId="263"/>
-        </pc:sldMkLst>
-      </pc:sldChg>
-      <pc:sldChg chg="modSp">
-        <pc:chgData name="MORLACCO LORENZO" userId="S::lorenzo.morlacco@studenti.unicam.it::54291d95-2e02-4358-9635-1ef35feff65f" providerId="AD" clId="Web-{0836BCB5-6D2D-00BD-1E8A-A9F0827C1EF5}" dt="2022-01-09T12:15:34.868" v="65" actId="14100"/>
-        <pc:sldMkLst>
-          <pc:docMk/>
-          <pc:sldMk cId="3400147835" sldId="264"/>
-        </pc:sldMkLst>
-        <pc:spChg chg="mod">
-          <ac:chgData name="MORLACCO LORENZO" userId="S::lorenzo.morlacco@studenti.unicam.it::54291d95-2e02-4358-9635-1ef35feff65f" providerId="AD" clId="Web-{0836BCB5-6D2D-00BD-1E8A-A9F0827C1EF5}" dt="2022-01-09T12:15:34.868" v="65" actId="14100"/>
-          <ac:spMkLst>
-            <pc:docMk/>
-            <pc:sldMk cId="3400147835" sldId="264"/>
-            <ac:spMk id="5" creationId="{D5CCC6AE-359E-4F0C-9FA2-5E6B4EC02A19}"/>
-          </ac:spMkLst>
-        </pc:spChg>
-      </pc:sldChg>
-      <pc:sldChg chg="modSp del">
-        <pc:chgData name="MORLACCO LORENZO" userId="S::lorenzo.morlacco@studenti.unicam.it::54291d95-2e02-4358-9635-1ef35feff65f" providerId="AD" clId="Web-{0836BCB5-6D2D-00BD-1E8A-A9F0827C1EF5}" dt="2022-01-09T12:16:57.667" v="68"/>
-        <pc:sldMkLst>
-          <pc:docMk/>
-          <pc:sldMk cId="3482265382" sldId="265"/>
-        </pc:sldMkLst>
-        <pc:picChg chg="mod">
-          <ac:chgData name="MORLACCO LORENZO" userId="S::lorenzo.morlacco@studenti.unicam.it::54291d95-2e02-4358-9635-1ef35feff65f" providerId="AD" clId="Web-{0836BCB5-6D2D-00BD-1E8A-A9F0827C1EF5}" dt="2022-01-09T12:16:38.604" v="67" actId="1076"/>
-          <ac:picMkLst>
-            <pc:docMk/>
-            <pc:sldMk cId="3482265382" sldId="265"/>
-            <ac:picMk id="85" creationId="{44E0A77A-EFFE-492D-9558-8307748CCF4F}"/>
-          </ac:picMkLst>
-        </pc:picChg>
-      </pc:sldChg>
-      <pc:sldChg chg="modSp">
-        <pc:chgData name="MORLACCO LORENZO" userId="S::lorenzo.morlacco@studenti.unicam.it::54291d95-2e02-4358-9635-1ef35feff65f" providerId="AD" clId="Web-{0836BCB5-6D2D-00BD-1E8A-A9F0827C1EF5}" dt="2022-01-09T12:28:13.073" v="114" actId="20577"/>
-        <pc:sldMkLst>
-          <pc:docMk/>
-          <pc:sldMk cId="11786322" sldId="266"/>
-        </pc:sldMkLst>
-        <pc:spChg chg="mod">
-          <ac:chgData name="MORLACCO LORENZO" userId="S::lorenzo.morlacco@studenti.unicam.it::54291d95-2e02-4358-9635-1ef35feff65f" providerId="AD" clId="Web-{0836BCB5-6D2D-00BD-1E8A-A9F0827C1EF5}" dt="2022-01-09T12:28:13.073" v="114" actId="20577"/>
-          <ac:spMkLst>
-            <pc:docMk/>
-            <pc:sldMk cId="11786322" sldId="266"/>
-            <ac:spMk id="3" creationId="{D5C6D999-65D6-4EE9-9528-22AEAA589580}"/>
-          </ac:spMkLst>
-        </pc:spChg>
-        <pc:spChg chg="mod">
-          <ac:chgData name="MORLACCO LORENZO" userId="S::lorenzo.morlacco@studenti.unicam.it::54291d95-2e02-4358-9635-1ef35feff65f" providerId="AD" clId="Web-{0836BCB5-6D2D-00BD-1E8A-A9F0827C1EF5}" dt="2022-01-09T12:27:11.853" v="80" actId="1076"/>
-          <ac:spMkLst>
-            <pc:docMk/>
-            <pc:sldMk cId="11786322" sldId="266"/>
-            <ac:spMk id="4" creationId="{4A1C261F-5B2A-43D4-9AAB-AA42AA5C237E}"/>
-          </ac:spMkLst>
-        </pc:spChg>
-      </pc:sldChg>
-      <pc:sldChg chg="del">
-        <pc:chgData name="MORLACCO LORENZO" userId="S::lorenzo.morlacco@studenti.unicam.it::54291d95-2e02-4358-9635-1ef35feff65f" providerId="AD" clId="Web-{0836BCB5-6D2D-00BD-1E8A-A9F0827C1EF5}" dt="2022-01-09T12:17:07.355" v="69"/>
-        <pc:sldMkLst>
-          <pc:docMk/>
-          <pc:sldMk cId="1371090573" sldId="267"/>
-        </pc:sldMkLst>
-      </pc:sldChg>
-      <pc:sldChg chg="modSp">
-        <pc:chgData name="MORLACCO LORENZO" userId="S::lorenzo.morlacco@studenti.unicam.it::54291d95-2e02-4358-9635-1ef35feff65f" providerId="AD" clId="Web-{0836BCB5-6D2D-00BD-1E8A-A9F0827C1EF5}" dt="2022-01-09T12:12:50.271" v="33" actId="14100"/>
-        <pc:sldMkLst>
-          <pc:docMk/>
-          <pc:sldMk cId="3938796509" sldId="268"/>
-        </pc:sldMkLst>
-        <pc:spChg chg="mod">
-          <ac:chgData name="MORLACCO LORENZO" userId="S::lorenzo.morlacco@studenti.unicam.it::54291d95-2e02-4358-9635-1ef35feff65f" providerId="AD" clId="Web-{0836BCB5-6D2D-00BD-1E8A-A9F0827C1EF5}" dt="2022-01-09T12:12:50.271" v="33" actId="14100"/>
-          <ac:spMkLst>
-            <pc:docMk/>
-            <pc:sldMk cId="3938796509" sldId="268"/>
-            <ac:spMk id="4" creationId="{1F2BBCFB-FD3E-4297-8B11-18FE8D1A2F2D}"/>
-          </ac:spMkLst>
-        </pc:spChg>
-      </pc:sldChg>
-      <pc:sldChg chg="modSp add replId">
-        <pc:chgData name="MORLACCO LORENZO" userId="S::lorenzo.morlacco@studenti.unicam.it::54291d95-2e02-4358-9635-1ef35feff65f" providerId="AD" clId="Web-{0836BCB5-6D2D-00BD-1E8A-A9F0827C1EF5}" dt="2022-01-09T13:17:10.139" v="248" actId="20577"/>
-        <pc:sldMkLst>
-          <pc:docMk/>
-          <pc:sldMk cId="3057882476" sldId="269"/>
-        </pc:sldMkLst>
-        <pc:spChg chg="mod">
-          <ac:chgData name="MORLACCO LORENZO" userId="S::lorenzo.morlacco@studenti.unicam.it::54291d95-2e02-4358-9635-1ef35feff65f" providerId="AD" clId="Web-{0836BCB5-6D2D-00BD-1E8A-A9F0827C1EF5}" dt="2022-01-09T12:28:36.761" v="122" actId="20577"/>
-          <ac:spMkLst>
-            <pc:docMk/>
-            <pc:sldMk cId="3057882476" sldId="269"/>
-            <ac:spMk id="2" creationId="{EE402CF0-08BA-4A76-BB35-3F8A866D0C66}"/>
-          </ac:spMkLst>
-        </pc:spChg>
-        <pc:spChg chg="mod">
-          <ac:chgData name="MORLACCO LORENZO" userId="S::lorenzo.morlacco@studenti.unicam.it::54291d95-2e02-4358-9635-1ef35feff65f" providerId="AD" clId="Web-{0836BCB5-6D2D-00BD-1E8A-A9F0827C1EF5}" dt="2022-01-09T13:17:10.139" v="248" actId="20577"/>
-          <ac:spMkLst>
-            <pc:docMk/>
-            <pc:sldMk cId="3057882476" sldId="269"/>
-            <ac:spMk id="3" creationId="{D5C6D999-65D6-4EE9-9528-22AEAA589580}"/>
-          </ac:spMkLst>
-        </pc:spChg>
-        <pc:spChg chg="mod">
-          <ac:chgData name="MORLACCO LORENZO" userId="S::lorenzo.morlacco@studenti.unicam.it::54291d95-2e02-4358-9635-1ef35feff65f" providerId="AD" clId="Web-{0836BCB5-6D2D-00BD-1E8A-A9F0827C1EF5}" dt="2022-01-09T12:28:31.168" v="121" actId="20577"/>
-          <ac:spMkLst>
-            <pc:docMk/>
-            <pc:sldMk cId="3057882476" sldId="269"/>
-            <ac:spMk id="4" creationId="{4A1C261F-5B2A-43D4-9AAB-AA42AA5C237E}"/>
-          </ac:spMkLst>
-        </pc:spChg>
-      </pc:sldChg>
-      <pc:sldChg chg="addSp delSp modSp add replId">
-        <pc:chgData name="MORLACCO LORENZO" userId="S::lorenzo.morlacco@studenti.unicam.it::54291d95-2e02-4358-9635-1ef35feff65f" providerId="AD" clId="Web-{0836BCB5-6D2D-00BD-1E8A-A9F0827C1EF5}" dt="2022-01-09T14:07:16.577" v="532"/>
-        <pc:sldMkLst>
-          <pc:docMk/>
-          <pc:sldMk cId="1483864545" sldId="270"/>
-        </pc:sldMkLst>
-        <pc:spChg chg="mod">
-          <ac:chgData name="MORLACCO LORENZO" userId="S::lorenzo.morlacco@studenti.unicam.it::54291d95-2e02-4358-9635-1ef35feff65f" providerId="AD" clId="Web-{0836BCB5-6D2D-00BD-1E8A-A9F0827C1EF5}" dt="2022-01-09T13:20:02.223" v="297" actId="20577"/>
-          <ac:spMkLst>
-            <pc:docMk/>
-            <pc:sldMk cId="1483864545" sldId="270"/>
-            <ac:spMk id="2" creationId="{EE402CF0-08BA-4A76-BB35-3F8A866D0C66}"/>
-          </ac:spMkLst>
-        </pc:spChg>
-        <pc:spChg chg="del mod">
-          <ac:chgData name="MORLACCO LORENZO" userId="S::lorenzo.morlacco@studenti.unicam.it::54291d95-2e02-4358-9635-1ef35feff65f" providerId="AD" clId="Web-{0836BCB5-6D2D-00BD-1E8A-A9F0827C1EF5}" dt="2022-01-09T13:18:56.799" v="260"/>
-          <ac:spMkLst>
-            <pc:docMk/>
-            <pc:sldMk cId="1483864545" sldId="270"/>
-            <ac:spMk id="3" creationId="{D5C6D999-65D6-4EE9-9528-22AEAA589580}"/>
-          </ac:spMkLst>
-        </pc:spChg>
-        <pc:spChg chg="mod">
-          <ac:chgData name="MORLACCO LORENZO" userId="S::lorenzo.morlacco@studenti.unicam.it::54291d95-2e02-4358-9635-1ef35feff65f" providerId="AD" clId="Web-{0836BCB5-6D2D-00BD-1E8A-A9F0827C1EF5}" dt="2022-01-09T13:18:24.970" v="259" actId="20577"/>
-          <ac:spMkLst>
-            <pc:docMk/>
-            <pc:sldMk cId="1483864545" sldId="270"/>
-            <ac:spMk id="4" creationId="{4A1C261F-5B2A-43D4-9AAB-AA42AA5C237E}"/>
-          </ac:spMkLst>
-        </pc:spChg>
-        <pc:graphicFrameChg chg="add mod ord modGraphic">
-          <ac:chgData name="MORLACCO LORENZO" userId="S::lorenzo.morlacco@studenti.unicam.it::54291d95-2e02-4358-9635-1ef35feff65f" providerId="AD" clId="Web-{0836BCB5-6D2D-00BD-1E8A-A9F0827C1EF5}" dt="2022-01-09T14:07:16.577" v="532"/>
-          <ac:graphicFrameMkLst>
-            <pc:docMk/>
-            <pc:sldMk cId="1483864545" sldId="270"/>
-            <ac:graphicFrameMk id="5" creationId="{944FB7A1-1AE7-43EE-8DB0-64326B4D55DE}"/>
-          </ac:graphicFrameMkLst>
-        </pc:graphicFrameChg>
-      </pc:sldChg>
-      <pc:sldChg chg="modSp add replId">
-        <pc:chgData name="MORLACCO LORENZO" userId="S::lorenzo.morlacco@studenti.unicam.it::54291d95-2e02-4358-9635-1ef35feff65f" providerId="AD" clId="Web-{0836BCB5-6D2D-00BD-1E8A-A9F0827C1EF5}" dt="2022-01-09T14:21:52.939" v="970"/>
-        <pc:sldMkLst>
-          <pc:docMk/>
-          <pc:sldMk cId="4000774353" sldId="271"/>
-        </pc:sldMkLst>
-        <pc:spChg chg="mod">
-          <ac:chgData name="MORLACCO LORENZO" userId="S::lorenzo.morlacco@studenti.unicam.it::54291d95-2e02-4358-9635-1ef35feff65f" providerId="AD" clId="Web-{0836BCB5-6D2D-00BD-1E8A-A9F0827C1EF5}" dt="2022-01-09T14:09:35.397" v="537" actId="20577"/>
-          <ac:spMkLst>
-            <pc:docMk/>
-            <pc:sldMk cId="4000774353" sldId="271"/>
-            <ac:spMk id="2" creationId="{EE402CF0-08BA-4A76-BB35-3F8A866D0C66}"/>
-          </ac:spMkLst>
-        </pc:spChg>
-        <pc:graphicFrameChg chg="mod modGraphic">
-          <ac:chgData name="MORLACCO LORENZO" userId="S::lorenzo.morlacco@studenti.unicam.it::54291d95-2e02-4358-9635-1ef35feff65f" providerId="AD" clId="Web-{0836BCB5-6D2D-00BD-1E8A-A9F0827C1EF5}" dt="2022-01-09T14:21:52.939" v="970"/>
-          <ac:graphicFrameMkLst>
-            <pc:docMk/>
-            <pc:sldMk cId="4000774353" sldId="271"/>
-            <ac:graphicFrameMk id="5" creationId="{944FB7A1-1AE7-43EE-8DB0-64326B4D55DE}"/>
-          </ac:graphicFrameMkLst>
-        </pc:graphicFrameChg>
-      </pc:sldChg>
-    </pc:docChg>
-  </pc:docChgLst>
-  <pc:docChgLst>
-    <pc:chgData name="MORLACCO LORENZO" userId="S::lorenzo.morlacco@studenti.unicam.it::54291d95-2e02-4358-9635-1ef35feff65f" providerId="AD" clId="Web-{BDC4ED85-8BB1-D8C6-1B88-13C7923DA699}"/>
-    <pc:docChg chg="modSld">
-      <pc:chgData name="MORLACCO LORENZO" userId="S::lorenzo.morlacco@studenti.unicam.it::54291d95-2e02-4358-9635-1ef35feff65f" providerId="AD" clId="Web-{BDC4ED85-8BB1-D8C6-1B88-13C7923DA699}" dt="2022-02-26T11:46:17.177" v="242" actId="1076"/>
-      <pc:docMkLst>
-        <pc:docMk/>
-      </pc:docMkLst>
-      <pc:sldChg chg="addSp delSp modSp">
-        <pc:chgData name="MORLACCO LORENZO" userId="S::lorenzo.morlacco@studenti.unicam.it::54291d95-2e02-4358-9635-1ef35feff65f" providerId="AD" clId="Web-{BDC4ED85-8BB1-D8C6-1B88-13C7923DA699}" dt="2022-02-26T10:17:15.393" v="52" actId="1076"/>
-        <pc:sldMkLst>
-          <pc:docMk/>
-          <pc:sldMk cId="109857222" sldId="256"/>
-        </pc:sldMkLst>
-        <pc:spChg chg="mod">
-          <ac:chgData name="MORLACCO LORENZO" userId="S::lorenzo.morlacco@studenti.unicam.it::54291d95-2e02-4358-9635-1ef35feff65f" providerId="AD" clId="Web-{BDC4ED85-8BB1-D8C6-1B88-13C7923DA699}" dt="2022-02-26T10:08:08.812" v="6" actId="1076"/>
-          <ac:spMkLst>
-            <pc:docMk/>
-            <pc:sldMk cId="109857222" sldId="256"/>
-            <ac:spMk id="2" creationId="{00000000-0000-0000-0000-000000000000}"/>
-          </ac:spMkLst>
-        </pc:spChg>
-        <pc:spChg chg="add mod">
-          <ac:chgData name="MORLACCO LORENZO" userId="S::lorenzo.morlacco@studenti.unicam.it::54291d95-2e02-4358-9635-1ef35feff65f" providerId="AD" clId="Web-{BDC4ED85-8BB1-D8C6-1B88-13C7923DA699}" dt="2022-02-26T10:17:15.393" v="52" actId="1076"/>
-          <ac:spMkLst>
-            <pc:docMk/>
-            <pc:sldMk cId="109857222" sldId="256"/>
-            <ac:spMk id="4" creationId="{A37C87B6-906C-42F5-BD43-BE67B9963BDA}"/>
-          </ac:spMkLst>
-        </pc:spChg>
-        <pc:spChg chg="mod">
-          <ac:chgData name="MORLACCO LORENZO" userId="S::lorenzo.morlacco@studenti.unicam.it::54291d95-2e02-4358-9635-1ef35feff65f" providerId="AD" clId="Web-{BDC4ED85-8BB1-D8C6-1B88-13C7923DA699}" dt="2022-02-26T10:17:10.158" v="51" actId="1076"/>
-          <ac:spMkLst>
-            <pc:docMk/>
-            <pc:sldMk cId="109857222" sldId="256"/>
-            <ac:spMk id="6" creationId="{2706F856-C7BB-4BE3-9F65-9296AE82C228}"/>
-          </ac:spMkLst>
-        </pc:spChg>
-        <pc:spChg chg="add del mod">
-          <ac:chgData name="MORLACCO LORENZO" userId="S::lorenzo.morlacco@studenti.unicam.it::54291d95-2e02-4358-9635-1ef35feff65f" providerId="AD" clId="Web-{BDC4ED85-8BB1-D8C6-1B88-13C7923DA699}" dt="2022-02-26T10:10:51.363" v="49"/>
-          <ac:spMkLst>
-            <pc:docMk/>
-            <pc:sldMk cId="109857222" sldId="256"/>
-            <ac:spMk id="7" creationId="{D50841C1-74D2-4290-B41D-B8A5DA543517}"/>
-          </ac:spMkLst>
-        </pc:spChg>
-      </pc:sldChg>
-      <pc:sldChg chg="addSp modSp">
-        <pc:chgData name="MORLACCO LORENZO" userId="S::lorenzo.morlacco@studenti.unicam.it::54291d95-2e02-4358-9635-1ef35feff65f" providerId="AD" clId="Web-{BDC4ED85-8BB1-D8C6-1B88-13C7923DA699}" dt="2022-02-26T11:38:23.879" v="211" actId="1076"/>
-        <pc:sldMkLst>
-          <pc:docMk/>
-          <pc:sldMk cId="4229398084" sldId="257"/>
-        </pc:sldMkLst>
-        <pc:spChg chg="mod">
-          <ac:chgData name="MORLACCO LORENZO" userId="S::lorenzo.morlacco@studenti.unicam.it::54291d95-2e02-4358-9635-1ef35feff65f" providerId="AD" clId="Web-{BDC4ED85-8BB1-D8C6-1B88-13C7923DA699}" dt="2022-02-26T10:17:42.175" v="65" actId="20577"/>
-          <ac:spMkLst>
-            <pc:docMk/>
-            <pc:sldMk cId="4229398084" sldId="257"/>
-            <ac:spMk id="2" creationId="{EE402CF0-08BA-4A76-BB35-3F8A866D0C66}"/>
-          </ac:spMkLst>
-        </pc:spChg>
-        <pc:spChg chg="mod">
-          <ac:chgData name="MORLACCO LORENZO" userId="S::lorenzo.morlacco@studenti.unicam.it::54291d95-2e02-4358-9635-1ef35feff65f" providerId="AD" clId="Web-{BDC4ED85-8BB1-D8C6-1B88-13C7923DA699}" dt="2022-02-26T10:58:30.006" v="76" actId="20577"/>
-          <ac:spMkLst>
-            <pc:docMk/>
-            <pc:sldMk cId="4229398084" sldId="257"/>
-            <ac:spMk id="3" creationId="{D5C6D999-65D6-4EE9-9528-22AEAA589580}"/>
-          </ac:spMkLst>
-        </pc:spChg>
-        <pc:spChg chg="mod">
-          <ac:chgData name="MORLACCO LORENZO" userId="S::lorenzo.morlacco@studenti.unicam.it::54291d95-2e02-4358-9635-1ef35feff65f" providerId="AD" clId="Web-{BDC4ED85-8BB1-D8C6-1B88-13C7923DA699}" dt="2022-02-26T10:17:52.581" v="71" actId="20577"/>
-          <ac:spMkLst>
-            <pc:docMk/>
-            <pc:sldMk cId="4229398084" sldId="257"/>
-            <ac:spMk id="4" creationId="{1F2BBCFB-FD3E-4297-8B11-18FE8D1A2F2D}"/>
-          </ac:spMkLst>
-        </pc:spChg>
-        <pc:picChg chg="add mod">
-          <ac:chgData name="MORLACCO LORENZO" userId="S::lorenzo.morlacco@studenti.unicam.it::54291d95-2e02-4358-9635-1ef35feff65f" providerId="AD" clId="Web-{BDC4ED85-8BB1-D8C6-1B88-13C7923DA699}" dt="2022-02-26T11:38:23.879" v="211" actId="1076"/>
-          <ac:picMkLst>
-            <pc:docMk/>
-            <pc:sldMk cId="4229398084" sldId="257"/>
-            <ac:picMk id="5" creationId="{AEE7C78F-64E6-4574-96D4-897087E4C5F9}"/>
-          </ac:picMkLst>
-        </pc:picChg>
-      </pc:sldChg>
-      <pc:sldChg chg="addSp modSp">
-        <pc:chgData name="MORLACCO LORENZO" userId="S::lorenzo.morlacco@studenti.unicam.it::54291d95-2e02-4358-9635-1ef35feff65f" providerId="AD" clId="Web-{BDC4ED85-8BB1-D8C6-1B88-13C7923DA699}" dt="2022-02-26T11:46:17.177" v="242" actId="1076"/>
-        <pc:sldMkLst>
-          <pc:docMk/>
-          <pc:sldMk cId="1631322759" sldId="259"/>
-        </pc:sldMkLst>
-        <pc:spChg chg="mod">
-          <ac:chgData name="MORLACCO LORENZO" userId="S::lorenzo.morlacco@studenti.unicam.it::54291d95-2e02-4358-9635-1ef35feff65f" providerId="AD" clId="Web-{BDC4ED85-8BB1-D8C6-1B88-13C7923DA699}" dt="2022-02-26T11:44:37.420" v="228" actId="1076"/>
-          <ac:spMkLst>
-            <pc:docMk/>
-            <pc:sldMk cId="1631322759" sldId="259"/>
-            <ac:spMk id="2" creationId="{EE402CF0-08BA-4A76-BB35-3F8A866D0C66}"/>
-          </ac:spMkLst>
-        </pc:spChg>
-        <pc:spChg chg="mod">
-          <ac:chgData name="MORLACCO LORENZO" userId="S::lorenzo.morlacco@studenti.unicam.it::54291d95-2e02-4358-9635-1ef35feff65f" providerId="AD" clId="Web-{BDC4ED85-8BB1-D8C6-1B88-13C7923DA699}" dt="2022-02-26T11:46:02.457" v="239" actId="1076"/>
-          <ac:spMkLst>
-            <pc:docMk/>
-            <pc:sldMk cId="1631322759" sldId="259"/>
-            <ac:spMk id="3" creationId="{D5C6D999-65D6-4EE9-9528-22AEAA589580}"/>
-          </ac:spMkLst>
-        </pc:spChg>
-        <pc:spChg chg="mod">
-          <ac:chgData name="MORLACCO LORENZO" userId="S::lorenzo.morlacco@studenti.unicam.it::54291d95-2e02-4358-9635-1ef35feff65f" providerId="AD" clId="Web-{BDC4ED85-8BB1-D8C6-1B88-13C7923DA699}" dt="2022-02-26T11:44:49.109" v="233" actId="20577"/>
-          <ac:spMkLst>
-            <pc:docMk/>
-            <pc:sldMk cId="1631322759" sldId="259"/>
-            <ac:spMk id="4" creationId="{72E298A3-0797-4FCE-952A-201E5020658B}"/>
-          </ac:spMkLst>
-        </pc:spChg>
-        <pc:picChg chg="add mod">
-          <ac:chgData name="MORLACCO LORENZO" userId="S::lorenzo.morlacco@studenti.unicam.it::54291d95-2e02-4358-9635-1ef35feff65f" providerId="AD" clId="Web-{BDC4ED85-8BB1-D8C6-1B88-13C7923DA699}" dt="2022-02-26T11:46:17.177" v="242" actId="1076"/>
-          <ac:picMkLst>
-            <pc:docMk/>
-            <pc:sldMk cId="1631322759" sldId="259"/>
-            <ac:picMk id="5" creationId="{9F35E441-AB66-4044-B538-3CD6E00E85D7}"/>
-          </ac:picMkLst>
-        </pc:picChg>
-      </pc:sldChg>
-      <pc:sldChg chg="addSp modSp">
-        <pc:chgData name="MORLACCO LORENZO" userId="S::lorenzo.morlacco@studenti.unicam.it::54291d95-2e02-4358-9635-1ef35feff65f" providerId="AD" clId="Web-{BDC4ED85-8BB1-D8C6-1B88-13C7923DA699}" dt="2022-02-26T11:44:01.762" v="221" actId="20577"/>
-        <pc:sldMkLst>
-          <pc:docMk/>
-          <pc:sldMk cId="3938796509" sldId="268"/>
-        </pc:sldMkLst>
-        <pc:spChg chg="mod">
-          <ac:chgData name="MORLACCO LORENZO" userId="S::lorenzo.morlacco@studenti.unicam.it::54291d95-2e02-4358-9635-1ef35feff65f" providerId="AD" clId="Web-{BDC4ED85-8BB1-D8C6-1B88-13C7923DA699}" dt="2022-02-26T11:01:40.831" v="81" actId="1076"/>
-          <ac:spMkLst>
-            <pc:docMk/>
-            <pc:sldMk cId="3938796509" sldId="268"/>
-            <ac:spMk id="2" creationId="{EE402CF0-08BA-4A76-BB35-3F8A866D0C66}"/>
-          </ac:spMkLst>
-        </pc:spChg>
-        <pc:spChg chg="mod">
-          <ac:chgData name="MORLACCO LORENZO" userId="S::lorenzo.morlacco@studenti.unicam.it::54291d95-2e02-4358-9635-1ef35feff65f" providerId="AD" clId="Web-{BDC4ED85-8BB1-D8C6-1B88-13C7923DA699}" dt="2022-02-26T11:44:01.762" v="221" actId="20577"/>
-          <ac:spMkLst>
-            <pc:docMk/>
-            <pc:sldMk cId="3938796509" sldId="268"/>
-            <ac:spMk id="3" creationId="{D5C6D999-65D6-4EE9-9528-22AEAA589580}"/>
-          </ac:spMkLst>
-        </pc:spChg>
-        <pc:picChg chg="add mod">
-          <ac:chgData name="MORLACCO LORENZO" userId="S::lorenzo.morlacco@studenti.unicam.it::54291d95-2e02-4358-9635-1ef35feff65f" providerId="AD" clId="Web-{BDC4ED85-8BB1-D8C6-1B88-13C7923DA699}" dt="2022-02-26T11:40:08.528" v="219" actId="1076"/>
-          <ac:picMkLst>
-            <pc:docMk/>
-            <pc:sldMk cId="3938796509" sldId="268"/>
-            <ac:picMk id="5" creationId="{B95578C9-78CB-4623-9470-07B256711208}"/>
-          </ac:picMkLst>
-        </pc:picChg>
-      </pc:sldChg>
-    </pc:docChg>
-  </pc:docChgLst>
-  <pc:docChgLst>
-    <pc:chgData name="MORLACCO LORENZO" userId="S::lorenzo.morlacco@studenti.unicam.it::54291d95-2e02-4358-9635-1ef35feff65f" providerId="AD" clId="Web-{752EC12A-25E6-FF84-6D4E-22C733614541}"/>
-    <pc:docChg chg="addSld modSld sldOrd">
-      <pc:chgData name="MORLACCO LORENZO" userId="S::lorenzo.morlacco@studenti.unicam.it::54291d95-2e02-4358-9635-1ef35feff65f" providerId="AD" clId="Web-{752EC12A-25E6-FF84-6D4E-22C733614541}" dt="2022-03-09T22:09:42.292" v="907"/>
-      <pc:docMkLst>
-        <pc:docMk/>
-      </pc:docMkLst>
-      <pc:sldChg chg="modSp">
-        <pc:chgData name="MORLACCO LORENZO" userId="S::lorenzo.morlacco@studenti.unicam.it::54291d95-2e02-4358-9635-1ef35feff65f" providerId="AD" clId="Web-{752EC12A-25E6-FF84-6D4E-22C733614541}" dt="2022-03-09T22:06:02.443" v="829" actId="20577"/>
-        <pc:sldMkLst>
-          <pc:docMk/>
-          <pc:sldMk cId="4000774353" sldId="271"/>
-        </pc:sldMkLst>
-        <pc:spChg chg="mod">
-          <ac:chgData name="MORLACCO LORENZO" userId="S::lorenzo.morlacco@studenti.unicam.it::54291d95-2e02-4358-9635-1ef35feff65f" providerId="AD" clId="Web-{752EC12A-25E6-FF84-6D4E-22C733614541}" dt="2022-03-09T22:06:02.443" v="829" actId="20577"/>
-          <ac:spMkLst>
-            <pc:docMk/>
-            <pc:sldMk cId="4000774353" sldId="271"/>
-            <ac:spMk id="2" creationId="{EE402CF0-08BA-4A76-BB35-3F8A866D0C66}"/>
-          </ac:spMkLst>
-        </pc:spChg>
-      </pc:sldChg>
-      <pc:sldChg chg="addSp delSp modSp">
-        <pc:chgData name="MORLACCO LORENZO" userId="S::lorenzo.morlacco@studenti.unicam.it::54291d95-2e02-4358-9635-1ef35feff65f" providerId="AD" clId="Web-{752EC12A-25E6-FF84-6D4E-22C733614541}" dt="2022-03-09T21:01:42.312" v="375" actId="1076"/>
-        <pc:sldMkLst>
-          <pc:docMk/>
-          <pc:sldMk cId="3589518533" sldId="279"/>
-        </pc:sldMkLst>
-        <pc:spChg chg="del mod">
-          <ac:chgData name="MORLACCO LORENZO" userId="S::lorenzo.morlacco@studenti.unicam.it::54291d95-2e02-4358-9635-1ef35feff65f" providerId="AD" clId="Web-{752EC12A-25E6-FF84-6D4E-22C733614541}" dt="2022-03-09T20:53:38.936" v="174"/>
-          <ac:spMkLst>
-            <pc:docMk/>
-            <pc:sldMk cId="3589518533" sldId="279"/>
-            <ac:spMk id="2" creationId="{EE402CF0-08BA-4A76-BB35-3F8A866D0C66}"/>
-          </ac:spMkLst>
-        </pc:spChg>
-        <pc:spChg chg="add del mod">
-          <ac:chgData name="MORLACCO LORENZO" userId="S::lorenzo.morlacco@studenti.unicam.it::54291d95-2e02-4358-9635-1ef35feff65f" providerId="AD" clId="Web-{752EC12A-25E6-FF84-6D4E-22C733614541}" dt="2022-03-09T21:01:42.312" v="375" actId="1076"/>
-          <ac:spMkLst>
-            <pc:docMk/>
-            <pc:sldMk cId="3589518533" sldId="279"/>
-            <ac:spMk id="5" creationId="{582C0EC0-91C9-41F7-AF33-D9E16D0D227A}"/>
-          </ac:spMkLst>
-        </pc:spChg>
-        <pc:graphicFrameChg chg="add del mod modGraphic">
-          <ac:chgData name="MORLACCO LORENZO" userId="S::lorenzo.morlacco@studenti.unicam.it::54291d95-2e02-4358-9635-1ef35feff65f" providerId="AD" clId="Web-{752EC12A-25E6-FF84-6D4E-22C733614541}" dt="2022-03-09T20:56:03.693" v="228"/>
-          <ac:graphicFrameMkLst>
-            <pc:docMk/>
-            <pc:sldMk cId="3589518533" sldId="279"/>
-            <ac:graphicFrameMk id="6" creationId="{F6B3A09D-7BA7-4CD4-8D94-1CC8B7C01555}"/>
-          </ac:graphicFrameMkLst>
-        </pc:graphicFrameChg>
-        <pc:graphicFrameChg chg="add mod modGraphic">
-          <ac:chgData name="MORLACCO LORENZO" userId="S::lorenzo.morlacco@studenti.unicam.it::54291d95-2e02-4358-9635-1ef35feff65f" providerId="AD" clId="Web-{752EC12A-25E6-FF84-6D4E-22C733614541}" dt="2022-03-09T21:01:30.749" v="369" actId="1076"/>
-          <ac:graphicFrameMkLst>
-            <pc:docMk/>
-            <pc:sldMk cId="3589518533" sldId="279"/>
-            <ac:graphicFrameMk id="7" creationId="{57EE934A-4F45-448E-9129-77E19308A08F}"/>
-          </ac:graphicFrameMkLst>
-        </pc:graphicFrameChg>
-      </pc:sldChg>
-      <pc:sldChg chg="addSp delSp modSp">
-        <pc:chgData name="MORLACCO LORENZO" userId="S::lorenzo.morlacco@studenti.unicam.it::54291d95-2e02-4358-9635-1ef35feff65f" providerId="AD" clId="Web-{752EC12A-25E6-FF84-6D4E-22C733614541}" dt="2022-03-09T22:07:23.242" v="871" actId="20577"/>
-        <pc:sldMkLst>
-          <pc:docMk/>
-          <pc:sldMk cId="3081553341" sldId="282"/>
-        </pc:sldMkLst>
-        <pc:spChg chg="mod">
-          <ac:chgData name="MORLACCO LORENZO" userId="S::lorenzo.morlacco@studenti.unicam.it::54291d95-2e02-4358-9635-1ef35feff65f" providerId="AD" clId="Web-{752EC12A-25E6-FF84-6D4E-22C733614541}" dt="2022-03-09T22:07:23.242" v="871" actId="20577"/>
-          <ac:spMkLst>
-            <pc:docMk/>
-            <pc:sldMk cId="3081553341" sldId="282"/>
-            <ac:spMk id="2" creationId="{EE402CF0-08BA-4A76-BB35-3F8A866D0C66}"/>
-          </ac:spMkLst>
-        </pc:spChg>
-        <pc:spChg chg="del mod">
-          <ac:chgData name="MORLACCO LORENZO" userId="S::lorenzo.morlacco@studenti.unicam.it::54291d95-2e02-4358-9635-1ef35feff65f" providerId="AD" clId="Web-{752EC12A-25E6-FF84-6D4E-22C733614541}" dt="2022-03-09T21:20:41.422" v="544"/>
-          <ac:spMkLst>
-            <pc:docMk/>
-            <pc:sldMk cId="3081553341" sldId="282"/>
-            <ac:spMk id="3" creationId="{D5C6D999-65D6-4EE9-9528-22AEAA589580}"/>
-          </ac:spMkLst>
-        </pc:spChg>
-        <pc:spChg chg="add del">
-          <ac:chgData name="MORLACCO LORENZO" userId="S::lorenzo.morlacco@studenti.unicam.it::54291d95-2e02-4358-9635-1ef35feff65f" providerId="AD" clId="Web-{752EC12A-25E6-FF84-6D4E-22C733614541}" dt="2022-03-09T21:20:26.171" v="543"/>
-          <ac:spMkLst>
-            <pc:docMk/>
-            <pc:sldMk cId="3081553341" sldId="282"/>
-            <ac:spMk id="5" creationId="{E1A8AA96-FE24-45B5-AF43-4CFA4D233B2E}"/>
-          </ac:spMkLst>
-        </pc:spChg>
-        <pc:spChg chg="add mod">
-          <ac:chgData name="MORLACCO LORENZO" userId="S::lorenzo.morlacco@studenti.unicam.it::54291d95-2e02-4358-9635-1ef35feff65f" providerId="AD" clId="Web-{752EC12A-25E6-FF84-6D4E-22C733614541}" dt="2022-03-09T21:38:04.566" v="630" actId="20577"/>
-          <ac:spMkLst>
-            <pc:docMk/>
-            <pc:sldMk cId="3081553341" sldId="282"/>
-            <ac:spMk id="7" creationId="{C2E0AE67-9228-419B-A532-AD20136A4394}"/>
-          </ac:spMkLst>
-        </pc:spChg>
-        <pc:spChg chg="add del">
-          <ac:chgData name="MORLACCO LORENZO" userId="S::lorenzo.morlacco@studenti.unicam.it::54291d95-2e02-4358-9635-1ef35feff65f" providerId="AD" clId="Web-{752EC12A-25E6-FF84-6D4E-22C733614541}" dt="2022-03-09T21:21:35.833" v="554"/>
-          <ac:spMkLst>
-            <pc:docMk/>
-            <pc:sldMk cId="3081553341" sldId="282"/>
-            <ac:spMk id="8" creationId="{2B72AE44-EFFF-4417-B9F6-AC5F880ADFA2}"/>
-          </ac:spMkLst>
-        </pc:spChg>
-      </pc:sldChg>
-      <pc:sldChg chg="modSp add ord replId">
-        <pc:chgData name="MORLACCO LORENZO" userId="S::lorenzo.morlacco@studenti.unicam.it::54291d95-2e02-4358-9635-1ef35feff65f" providerId="AD" clId="Web-{752EC12A-25E6-FF84-6D4E-22C733614541}" dt="2022-03-09T22:07:43.242" v="873" actId="20577"/>
-        <pc:sldMkLst>
-          <pc:docMk/>
-          <pc:sldMk cId="2804122369" sldId="283"/>
-        </pc:sldMkLst>
-        <pc:spChg chg="mod">
-          <ac:chgData name="MORLACCO LORENZO" userId="S::lorenzo.morlacco@studenti.unicam.it::54291d95-2e02-4358-9635-1ef35feff65f" providerId="AD" clId="Web-{752EC12A-25E6-FF84-6D4E-22C733614541}" dt="2022-03-09T22:07:43.242" v="873" actId="20577"/>
-          <ac:spMkLst>
-            <pc:docMk/>
-            <pc:sldMk cId="2804122369" sldId="283"/>
-            <ac:spMk id="2" creationId="{EE402CF0-08BA-4A76-BB35-3F8A866D0C66}"/>
-          </ac:spMkLst>
-        </pc:spChg>
-        <pc:spChg chg="mod">
-          <ac:chgData name="MORLACCO LORENZO" userId="S::lorenzo.morlacco@studenti.unicam.it::54291d95-2e02-4358-9635-1ef35feff65f" providerId="AD" clId="Web-{752EC12A-25E6-FF84-6D4E-22C733614541}" dt="2022-03-09T21:14:53.693" v="474" actId="20577"/>
-          <ac:spMkLst>
-            <pc:docMk/>
-            <pc:sldMk cId="2804122369" sldId="283"/>
-            <ac:spMk id="3" creationId="{D5C6D999-65D6-4EE9-9528-22AEAA589580}"/>
-          </ac:spMkLst>
-        </pc:spChg>
-        <pc:spChg chg="mod">
-          <ac:chgData name="MORLACCO LORENZO" userId="S::lorenzo.morlacco@studenti.unicam.it::54291d95-2e02-4358-9635-1ef35feff65f" providerId="AD" clId="Web-{752EC12A-25E6-FF84-6D4E-22C733614541}" dt="2022-03-09T21:15:23.491" v="489" actId="20577"/>
-          <ac:spMkLst>
-            <pc:docMk/>
-            <pc:sldMk cId="2804122369" sldId="283"/>
-            <ac:spMk id="5" creationId="{582C0EC0-91C9-41F7-AF33-D9E16D0D227A}"/>
-          </ac:spMkLst>
-        </pc:spChg>
-      </pc:sldChg>
-      <pc:sldChg chg="delSp modSp add ord replId">
-        <pc:chgData name="MORLACCO LORENZO" userId="S::lorenzo.morlacco@studenti.unicam.it::54291d95-2e02-4358-9635-1ef35feff65f" providerId="AD" clId="Web-{752EC12A-25E6-FF84-6D4E-22C733614541}" dt="2022-03-09T21:04:00.284" v="417" actId="20577"/>
-        <pc:sldMkLst>
-          <pc:docMk/>
-          <pc:sldMk cId="1230455064" sldId="284"/>
-        </pc:sldMkLst>
-        <pc:spChg chg="del mod">
-          <ac:chgData name="MORLACCO LORENZO" userId="S::lorenzo.morlacco@studenti.unicam.it::54291d95-2e02-4358-9635-1ef35feff65f" providerId="AD" clId="Web-{752EC12A-25E6-FF84-6D4E-22C733614541}" dt="2022-03-09T21:02:17.266" v="379"/>
-          <ac:spMkLst>
-            <pc:docMk/>
-            <pc:sldMk cId="1230455064" sldId="284"/>
-            <ac:spMk id="2" creationId="{EE402CF0-08BA-4A76-BB35-3F8A866D0C66}"/>
-          </ac:spMkLst>
-        </pc:spChg>
-        <pc:spChg chg="mod">
-          <ac:chgData name="MORLACCO LORENZO" userId="S::lorenzo.morlacco@studenti.unicam.it::54291d95-2e02-4358-9635-1ef35feff65f" providerId="AD" clId="Web-{752EC12A-25E6-FF84-6D4E-22C733614541}" dt="2022-03-09T21:04:00.284" v="417" actId="20577"/>
-          <ac:spMkLst>
-            <pc:docMk/>
-            <pc:sldMk cId="1230455064" sldId="284"/>
-            <ac:spMk id="5" creationId="{582C0EC0-91C9-41F7-AF33-D9E16D0D227A}"/>
-          </ac:spMkLst>
-        </pc:spChg>
-      </pc:sldChg>
-      <pc:sldChg chg="modSp add replId">
-        <pc:chgData name="MORLACCO LORENZO" userId="S::lorenzo.morlacco@studenti.unicam.it::54291d95-2e02-4358-9635-1ef35feff65f" providerId="AD" clId="Web-{752EC12A-25E6-FF84-6D4E-22C733614541}" dt="2022-03-09T21:14:36.240" v="466" actId="20577"/>
-        <pc:sldMkLst>
-          <pc:docMk/>
-          <pc:sldMk cId="3893808787" sldId="285"/>
-        </pc:sldMkLst>
-        <pc:spChg chg="mod">
-          <ac:chgData name="MORLACCO LORENZO" userId="S::lorenzo.morlacco@studenti.unicam.it::54291d95-2e02-4358-9635-1ef35feff65f" providerId="AD" clId="Web-{752EC12A-25E6-FF84-6D4E-22C733614541}" dt="2022-03-09T21:14:36.240" v="466" actId="20577"/>
-          <ac:spMkLst>
-            <pc:docMk/>
-            <pc:sldMk cId="3893808787" sldId="285"/>
-            <ac:spMk id="5" creationId="{582C0EC0-91C9-41F7-AF33-D9E16D0D227A}"/>
-          </ac:spMkLst>
-        </pc:spChg>
-      </pc:sldChg>
-      <pc:sldChg chg="addSp delSp modSp add ord replId">
-        <pc:chgData name="MORLACCO LORENZO" userId="S::lorenzo.morlacco@studenti.unicam.it::54291d95-2e02-4358-9635-1ef35feff65f" providerId="AD" clId="Web-{752EC12A-25E6-FF84-6D4E-22C733614541}" dt="2022-03-09T21:17:23.135" v="535" actId="20577"/>
-        <pc:sldMkLst>
-          <pc:docMk/>
-          <pc:sldMk cId="359471410" sldId="286"/>
-        </pc:sldMkLst>
-        <pc:spChg chg="del">
-          <ac:chgData name="MORLACCO LORENZO" userId="S::lorenzo.morlacco@studenti.unicam.it::54291d95-2e02-4358-9635-1ef35feff65f" providerId="AD" clId="Web-{752EC12A-25E6-FF84-6D4E-22C733614541}" dt="2022-03-09T21:15:57.554" v="492"/>
-          <ac:spMkLst>
-            <pc:docMk/>
-            <pc:sldMk cId="359471410" sldId="286"/>
-            <ac:spMk id="2" creationId="{EE402CF0-08BA-4A76-BB35-3F8A866D0C66}"/>
-          </ac:spMkLst>
-        </pc:spChg>
-        <pc:spChg chg="mod">
-          <ac:chgData name="MORLACCO LORENZO" userId="S::lorenzo.morlacco@studenti.unicam.it::54291d95-2e02-4358-9635-1ef35feff65f" providerId="AD" clId="Web-{752EC12A-25E6-FF84-6D4E-22C733614541}" dt="2022-03-09T21:17:23.135" v="535" actId="20577"/>
-          <ac:spMkLst>
-            <pc:docMk/>
-            <pc:sldMk cId="359471410" sldId="286"/>
-            <ac:spMk id="5" creationId="{582C0EC0-91C9-41F7-AF33-D9E16D0D227A}"/>
-          </ac:spMkLst>
-        </pc:spChg>
-        <pc:spChg chg="add del mod">
-          <ac:chgData name="MORLACCO LORENZO" userId="S::lorenzo.morlacco@studenti.unicam.it::54291d95-2e02-4358-9635-1ef35feff65f" providerId="AD" clId="Web-{752EC12A-25E6-FF84-6D4E-22C733614541}" dt="2022-03-09T21:16:00.461" v="493"/>
-          <ac:spMkLst>
-            <pc:docMk/>
-            <pc:sldMk cId="359471410" sldId="286"/>
-            <ac:spMk id="7" creationId="{14A21B07-5B89-4689-9A82-92CD4230B591}"/>
-          </ac:spMkLst>
-        </pc:spChg>
-      </pc:sldChg>
-      <pc:sldChg chg="delSp modSp add ord replId">
-        <pc:chgData name="MORLACCO LORENZO" userId="S::lorenzo.morlacco@studenti.unicam.it::54291d95-2e02-4358-9635-1ef35feff65f" providerId="AD" clId="Web-{752EC12A-25E6-FF84-6D4E-22C733614541}" dt="2022-03-09T22:08:44.025" v="897" actId="20577"/>
-        <pc:sldMkLst>
-          <pc:docMk/>
-          <pc:sldMk cId="519801183" sldId="287"/>
-        </pc:sldMkLst>
-        <pc:spChg chg="del mod">
-          <ac:chgData name="MORLACCO LORENZO" userId="S::lorenzo.morlacco@studenti.unicam.it::54291d95-2e02-4358-9635-1ef35feff65f" providerId="AD" clId="Web-{752EC12A-25E6-FF84-6D4E-22C733614541}" dt="2022-03-09T22:08:33.712" v="894"/>
-          <ac:spMkLst>
-            <pc:docMk/>
-            <pc:sldMk cId="519801183" sldId="287"/>
-            <ac:spMk id="2" creationId="{EE402CF0-08BA-4A76-BB35-3F8A866D0C66}"/>
-          </ac:spMkLst>
-        </pc:spChg>
-        <pc:spChg chg="mod">
-          <ac:chgData name="MORLACCO LORENZO" userId="S::lorenzo.morlacco@studenti.unicam.it::54291d95-2e02-4358-9635-1ef35feff65f" providerId="AD" clId="Web-{752EC12A-25E6-FF84-6D4E-22C733614541}" dt="2022-03-09T22:08:44.025" v="897" actId="20577"/>
-          <ac:spMkLst>
-            <pc:docMk/>
-            <pc:sldMk cId="519801183" sldId="287"/>
-            <ac:spMk id="5" creationId="{582C0EC0-91C9-41F7-AF33-D9E16D0D227A}"/>
-          </ac:spMkLst>
-        </pc:spChg>
-        <pc:picChg chg="mod">
-          <ac:chgData name="MORLACCO LORENZO" userId="S::lorenzo.morlacco@studenti.unicam.it::54291d95-2e02-4358-9635-1ef35feff65f" providerId="AD" clId="Web-{752EC12A-25E6-FF84-6D4E-22C733614541}" dt="2022-03-09T21:59:59.073" v="791" actId="1076"/>
-          <ac:picMkLst>
-            <pc:docMk/>
-            <pc:sldMk cId="519801183" sldId="287"/>
-            <ac:picMk id="85" creationId="{44E0A77A-EFFE-492D-9558-8307748CCF4F}"/>
-          </ac:picMkLst>
-        </pc:picChg>
-      </pc:sldChg>
-      <pc:sldChg chg="modSp add ord replId">
-        <pc:chgData name="MORLACCO LORENZO" userId="S::lorenzo.morlacco@studenti.unicam.it::54291d95-2e02-4358-9635-1ef35feff65f" providerId="AD" clId="Web-{752EC12A-25E6-FF84-6D4E-22C733614541}" dt="2022-03-09T21:43:54.467" v="648" actId="20577"/>
-        <pc:sldMkLst>
-          <pc:docMk/>
-          <pc:sldMk cId="1203876950" sldId="288"/>
-        </pc:sldMkLst>
-        <pc:spChg chg="mod">
-          <ac:chgData name="MORLACCO LORENZO" userId="S::lorenzo.morlacco@studenti.unicam.it::54291d95-2e02-4358-9635-1ef35feff65f" providerId="AD" clId="Web-{752EC12A-25E6-FF84-6D4E-22C733614541}" dt="2022-03-09T21:40:46.477" v="635" actId="20577"/>
-          <ac:spMkLst>
-            <pc:docMk/>
-            <pc:sldMk cId="1203876950" sldId="288"/>
-            <ac:spMk id="4" creationId="{72E298A3-0797-4FCE-952A-201E5020658B}"/>
-          </ac:spMkLst>
-        </pc:spChg>
-        <pc:spChg chg="mod">
-          <ac:chgData name="MORLACCO LORENZO" userId="S::lorenzo.morlacco@studenti.unicam.it::54291d95-2e02-4358-9635-1ef35feff65f" providerId="AD" clId="Web-{752EC12A-25E6-FF84-6D4E-22C733614541}" dt="2022-03-09T21:43:54.467" v="648" actId="20577"/>
-          <ac:spMkLst>
-            <pc:docMk/>
-            <pc:sldMk cId="1203876950" sldId="288"/>
-            <ac:spMk id="5" creationId="{582C0EC0-91C9-41F7-AF33-D9E16D0D227A}"/>
-          </ac:spMkLst>
-        </pc:spChg>
-      </pc:sldChg>
-      <pc:sldChg chg="modSp add replId">
-        <pc:chgData name="MORLACCO LORENZO" userId="S::lorenzo.morlacco@studenti.unicam.it::54291d95-2e02-4358-9635-1ef35feff65f" providerId="AD" clId="Web-{752EC12A-25E6-FF84-6D4E-22C733614541}" dt="2022-03-09T21:50:41.775" v="719" actId="20577"/>
-        <pc:sldMkLst>
-          <pc:docMk/>
-          <pc:sldMk cId="1630008750" sldId="289"/>
-        </pc:sldMkLst>
-        <pc:spChg chg="mod">
-          <ac:chgData name="MORLACCO LORENZO" userId="S::lorenzo.morlacco@studenti.unicam.it::54291d95-2e02-4358-9635-1ef35feff65f" providerId="AD" clId="Web-{752EC12A-25E6-FF84-6D4E-22C733614541}" dt="2022-03-09T21:50:41.775" v="719" actId="20577"/>
-          <ac:spMkLst>
-            <pc:docMk/>
-            <pc:sldMk cId="1630008750" sldId="289"/>
-            <ac:spMk id="5" creationId="{582C0EC0-91C9-41F7-AF33-D9E16D0D227A}"/>
-          </ac:spMkLst>
-        </pc:spChg>
-      </pc:sldChg>
-      <pc:sldChg chg="modSp add ord replId">
-        <pc:chgData name="MORLACCO LORENZO" userId="S::lorenzo.morlacco@studenti.unicam.it::54291d95-2e02-4358-9635-1ef35feff65f" providerId="AD" clId="Web-{752EC12A-25E6-FF84-6D4E-22C733614541}" dt="2022-03-09T21:54:19.548" v="784" actId="20577"/>
-        <pc:sldMkLst>
-          <pc:docMk/>
-          <pc:sldMk cId="3681940788" sldId="290"/>
-        </pc:sldMkLst>
-        <pc:spChg chg="mod">
-          <ac:chgData name="MORLACCO LORENZO" userId="S::lorenzo.morlacco@studenti.unicam.it::54291d95-2e02-4358-9635-1ef35feff65f" providerId="AD" clId="Web-{752EC12A-25E6-FF84-6D4E-22C733614541}" dt="2022-03-09T21:54:19.548" v="784" actId="20577"/>
-          <ac:spMkLst>
-            <pc:docMk/>
-            <pc:sldMk cId="3681940788" sldId="290"/>
-            <ac:spMk id="4" creationId="{72E298A3-0797-4FCE-952A-201E5020658B}"/>
-          </ac:spMkLst>
-        </pc:spChg>
-        <pc:spChg chg="mod">
-          <ac:chgData name="MORLACCO LORENZO" userId="S::lorenzo.morlacco@studenti.unicam.it::54291d95-2e02-4358-9635-1ef35feff65f" providerId="AD" clId="Web-{752EC12A-25E6-FF84-6D4E-22C733614541}" dt="2022-03-09T21:53:43.578" v="777" actId="20577"/>
-          <ac:spMkLst>
-            <pc:docMk/>
-            <pc:sldMk cId="3681940788" sldId="290"/>
-            <ac:spMk id="5" creationId="{582C0EC0-91C9-41F7-AF33-D9E16D0D227A}"/>
-          </ac:spMkLst>
-        </pc:spChg>
-      </pc:sldChg>
-      <pc:sldChg chg="modSp add replId">
-        <pc:chgData name="MORLACCO LORENZO" userId="S::lorenzo.morlacco@studenti.unicam.it::54291d95-2e02-4358-9635-1ef35feff65f" providerId="AD" clId="Web-{752EC12A-25E6-FF84-6D4E-22C733614541}" dt="2022-03-09T21:51:35.012" v="733" actId="20577"/>
-        <pc:sldMkLst>
-          <pc:docMk/>
-          <pc:sldMk cId="4096092241" sldId="291"/>
-        </pc:sldMkLst>
-        <pc:spChg chg="mod">
-          <ac:chgData name="MORLACCO LORENZO" userId="S::lorenzo.morlacco@studenti.unicam.it::54291d95-2e02-4358-9635-1ef35feff65f" providerId="AD" clId="Web-{752EC12A-25E6-FF84-6D4E-22C733614541}" dt="2022-03-09T21:51:35.012" v="733" actId="20577"/>
-          <ac:spMkLst>
-            <pc:docMk/>
-            <pc:sldMk cId="4096092241" sldId="291"/>
-            <ac:spMk id="5" creationId="{582C0EC0-91C9-41F7-AF33-D9E16D0D227A}"/>
-          </ac:spMkLst>
-        </pc:spChg>
-      </pc:sldChg>
-      <pc:sldChg chg="addSp delSp modSp add ord replId">
-        <pc:chgData name="MORLACCO LORENZO" userId="S::lorenzo.morlacco@studenti.unicam.it::54291d95-2e02-4358-9635-1ef35feff65f" providerId="AD" clId="Web-{752EC12A-25E6-FF84-6D4E-22C733614541}" dt="2022-03-09T22:09:42.292" v="907"/>
-        <pc:sldMkLst>
-          <pc:docMk/>
-          <pc:sldMk cId="3809191670" sldId="292"/>
-        </pc:sldMkLst>
-        <pc:spChg chg="del">
-          <ac:chgData name="MORLACCO LORENZO" userId="S::lorenzo.morlacco@studenti.unicam.it::54291d95-2e02-4358-9635-1ef35feff65f" providerId="AD" clId="Web-{752EC12A-25E6-FF84-6D4E-22C733614541}" dt="2022-03-09T22:09:42.292" v="907"/>
-          <ac:spMkLst>
-            <pc:docMk/>
-            <pc:sldMk cId="3809191670" sldId="292"/>
-            <ac:spMk id="2" creationId="{EE402CF0-08BA-4A76-BB35-3F8A866D0C66}"/>
-          </ac:spMkLst>
-        </pc:spChg>
-        <pc:spChg chg="mod">
-          <ac:chgData name="MORLACCO LORENZO" userId="S::lorenzo.morlacco@studenti.unicam.it::54291d95-2e02-4358-9635-1ef35feff65f" providerId="AD" clId="Web-{752EC12A-25E6-FF84-6D4E-22C733614541}" dt="2022-03-09T21:54:34.236" v="787" actId="20577"/>
-          <ac:spMkLst>
-            <pc:docMk/>
-            <pc:sldMk cId="3809191670" sldId="292"/>
-            <ac:spMk id="4" creationId="{72E298A3-0797-4FCE-952A-201E5020658B}"/>
-          </ac:spMkLst>
-        </pc:spChg>
-        <pc:spChg chg="mod">
-          <ac:chgData name="MORLACCO LORENZO" userId="S::lorenzo.morlacco@studenti.unicam.it::54291d95-2e02-4358-9635-1ef35feff65f" providerId="AD" clId="Web-{752EC12A-25E6-FF84-6D4E-22C733614541}" dt="2022-03-09T22:09:04.916" v="906" actId="20577"/>
-          <ac:spMkLst>
-            <pc:docMk/>
-            <pc:sldMk cId="3809191670" sldId="292"/>
-            <ac:spMk id="5" creationId="{582C0EC0-91C9-41F7-AF33-D9E16D0D227A}"/>
-          </ac:spMkLst>
-        </pc:spChg>
-        <pc:spChg chg="add mod">
-          <ac:chgData name="MORLACCO LORENZO" userId="S::lorenzo.morlacco@studenti.unicam.it::54291d95-2e02-4358-9635-1ef35feff65f" providerId="AD" clId="Web-{752EC12A-25E6-FF84-6D4E-22C733614541}" dt="2022-03-09T22:09:42.292" v="907"/>
-          <ac:spMkLst>
-            <pc:docMk/>
-            <pc:sldMk cId="3809191670" sldId="292"/>
-            <ac:spMk id="7" creationId="{DA489B31-7FF9-4B05-8847-C82CFDAD9DEA}"/>
-          </ac:spMkLst>
-        </pc:spChg>
-      </pc:sldChg>
-      <pc:sldChg chg="modSp add replId">
-        <pc:chgData name="MORLACCO LORENZO" userId="S::lorenzo.morlacco@studenti.unicam.it::54291d95-2e02-4358-9635-1ef35feff65f" providerId="AD" clId="Web-{752EC12A-25E6-FF84-6D4E-22C733614541}" dt="2022-03-09T22:06:14.646" v="842" actId="20577"/>
-        <pc:sldMkLst>
-          <pc:docMk/>
-          <pc:sldMk cId="697450504" sldId="293"/>
-        </pc:sldMkLst>
-        <pc:spChg chg="mod">
-          <ac:chgData name="MORLACCO LORENZO" userId="S::lorenzo.morlacco@studenti.unicam.it::54291d95-2e02-4358-9635-1ef35feff65f" providerId="AD" clId="Web-{752EC12A-25E6-FF84-6D4E-22C733614541}" dt="2022-03-09T22:06:14.646" v="842" actId="20577"/>
-          <ac:spMkLst>
-            <pc:docMk/>
-            <pc:sldMk cId="697450504" sldId="293"/>
-            <ac:spMk id="2" creationId="{EE402CF0-08BA-4A76-BB35-3F8A866D0C66}"/>
-          </ac:spMkLst>
-        </pc:spChg>
-      </pc:sldChg>
-      <pc:sldChg chg="modSp add replId">
-        <pc:chgData name="MORLACCO LORENZO" userId="S::lorenzo.morlacco@studenti.unicam.it::54291d95-2e02-4358-9635-1ef35feff65f" providerId="AD" clId="Web-{752EC12A-25E6-FF84-6D4E-22C733614541}" dt="2022-03-09T22:06:46.272" v="860" actId="20577"/>
-        <pc:sldMkLst>
-          <pc:docMk/>
-          <pc:sldMk cId="3401810496" sldId="294"/>
-        </pc:sldMkLst>
-        <pc:spChg chg="mod">
-          <ac:chgData name="MORLACCO LORENZO" userId="S::lorenzo.morlacco@studenti.unicam.it::54291d95-2e02-4358-9635-1ef35feff65f" providerId="AD" clId="Web-{752EC12A-25E6-FF84-6D4E-22C733614541}" dt="2022-03-09T22:06:46.272" v="860" actId="20577"/>
-          <ac:spMkLst>
-            <pc:docMk/>
-            <pc:sldMk cId="3401810496" sldId="294"/>
-            <ac:spMk id="2" creationId="{EE402CF0-08BA-4A76-BB35-3F8A866D0C66}"/>
-          </ac:spMkLst>
-        </pc:spChg>
-      </pc:sldChg>
-    </pc:docChg>
-  </pc:docChgLst>
-</pc:chgInfo>
 </file>
 
 <file path=ppt/slideLayouts/slideLayout1.xml><?xml version="1.0" encoding="utf-8"?>
@@ -5257,7 +349,7 @@
             <a:fld id="{B61BEF0D-F0BB-DE4B-95CE-6DB70DBA9567}" type="datetimeFigureOut">
               <a:rPr lang="en-US" dirty="0"/>
               <a:pPr/>
-              <a:t>3/15/2022</a:t>
+              <a:t>3/20/2022</a:t>
             </a:fld>
             <a:endParaRPr lang="en-US" dirty="0"/>
           </a:p>
@@ -5596,7 +688,7 @@
             <a:fld id="{B61BEF0D-F0BB-DE4B-95CE-6DB70DBA9567}" type="datetimeFigureOut">
               <a:rPr lang="en-US" dirty="0"/>
               <a:pPr/>
-              <a:t>3/15/2022</a:t>
+              <a:t>3/20/2022</a:t>
             </a:fld>
             <a:endParaRPr lang="en-US" dirty="0"/>
           </a:p>
@@ -5998,7 +1090,7 @@
             <a:fld id="{B61BEF0D-F0BB-DE4B-95CE-6DB70DBA9567}" type="datetimeFigureOut">
               <a:rPr lang="en-US" dirty="0"/>
               <a:pPr/>
-              <a:t>3/15/2022</a:t>
+              <a:t>3/20/2022</a:t>
             </a:fld>
             <a:endParaRPr lang="en-US" dirty="0"/>
           </a:p>
@@ -6335,7 +1427,7 @@
             <a:fld id="{B61BEF0D-F0BB-DE4B-95CE-6DB70DBA9567}" type="datetimeFigureOut">
               <a:rPr lang="en-US" dirty="0"/>
               <a:pPr/>
-              <a:t>3/15/2022</a:t>
+              <a:t>3/20/2022</a:t>
             </a:fld>
             <a:endParaRPr lang="en-US" dirty="0"/>
           </a:p>
@@ -6656,7 +1748,7 @@
             <a:fld id="{B61BEF0D-F0BB-DE4B-95CE-6DB70DBA9567}" type="datetimeFigureOut">
               <a:rPr lang="en-US" dirty="0"/>
               <a:pPr/>
-              <a:t>3/15/2022</a:t>
+              <a:t>3/20/2022</a:t>
             </a:fld>
             <a:endParaRPr lang="en-US" dirty="0"/>
           </a:p>
@@ -7053,7 +2145,7 @@
             <a:fld id="{B61BEF0D-F0BB-DE4B-95CE-6DB70DBA9567}" type="datetimeFigureOut">
               <a:rPr lang="en-US" dirty="0"/>
               <a:pPr/>
-              <a:t>3/15/2022</a:t>
+              <a:t>3/20/2022</a:t>
             </a:fld>
             <a:endParaRPr lang="en-US" dirty="0"/>
           </a:p>
@@ -7310,7 +2402,7 @@
             <a:fld id="{B61BEF0D-F0BB-DE4B-95CE-6DB70DBA9567}" type="datetimeFigureOut">
               <a:rPr lang="en-US" dirty="0"/>
               <a:pPr/>
-              <a:t>3/15/2022</a:t>
+              <a:t>3/20/2022</a:t>
             </a:fld>
             <a:endParaRPr lang="en-US" dirty="0"/>
           </a:p>
@@ -7572,7 +2664,7 @@
             <a:fld id="{B61BEF0D-F0BB-DE4B-95CE-6DB70DBA9567}" type="datetimeFigureOut">
               <a:rPr lang="en-US" dirty="0"/>
               <a:pPr/>
-              <a:t>3/15/2022</a:t>
+              <a:t>3/20/2022</a:t>
             </a:fld>
             <a:endParaRPr lang="en-US" dirty="0"/>
           </a:p>
@@ -7834,7 +2926,7 @@
             <a:fld id="{B61BEF0D-F0BB-DE4B-95CE-6DB70DBA9567}" type="datetimeFigureOut">
               <a:rPr lang="en-US" dirty="0"/>
               <a:pPr/>
-              <a:t>3/15/2022</a:t>
+              <a:t>3/20/2022</a:t>
             </a:fld>
             <a:endParaRPr lang="en-US" dirty="0"/>
           </a:p>
@@ -8164,7 +3256,7 @@
             <a:fld id="{B61BEF0D-F0BB-DE4B-95CE-6DB70DBA9567}" type="datetimeFigureOut">
               <a:rPr lang="en-US" dirty="0"/>
               <a:pPr/>
-              <a:t>3/15/2022</a:t>
+              <a:t>3/20/2022</a:t>
             </a:fld>
             <a:endParaRPr lang="en-US" dirty="0"/>
           </a:p>
@@ -8486,7 +3578,7 @@
             <a:fld id="{B61BEF0D-F0BB-DE4B-95CE-6DB70DBA9567}" type="datetimeFigureOut">
               <a:rPr lang="en-US" dirty="0"/>
               <a:pPr/>
-              <a:t>3/15/2022</a:t>
+              <a:t>3/20/2022</a:t>
             </a:fld>
             <a:endParaRPr lang="en-US" dirty="0"/>
           </a:p>
@@ -8942,7 +4034,7 @@
             <a:fld id="{B61BEF0D-F0BB-DE4B-95CE-6DB70DBA9567}" type="datetimeFigureOut">
               <a:rPr lang="en-US" dirty="0"/>
               <a:pPr/>
-              <a:t>3/15/2022</a:t>
+              <a:t>3/20/2022</a:t>
             </a:fld>
             <a:endParaRPr lang="en-US" dirty="0"/>
           </a:p>
@@ -9148,7 +4240,7 @@
             <a:fld id="{B61BEF0D-F0BB-DE4B-95CE-6DB70DBA9567}" type="datetimeFigureOut">
               <a:rPr lang="en-US" dirty="0"/>
               <a:pPr/>
-              <a:t>3/15/2022</a:t>
+              <a:t>3/20/2022</a:t>
             </a:fld>
             <a:endParaRPr lang="en-US" dirty="0"/>
           </a:p>
@@ -9327,7 +4419,7 @@
             <a:fld id="{B61BEF0D-F0BB-DE4B-95CE-6DB70DBA9567}" type="datetimeFigureOut">
               <a:rPr lang="en-US" dirty="0"/>
               <a:pPr/>
-              <a:t>3/15/2022</a:t>
+              <a:t>3/20/2022</a:t>
             </a:fld>
             <a:endParaRPr lang="en-US" dirty="0"/>
           </a:p>
@@ -9660,7 +4752,7 @@
             <a:fld id="{B61BEF0D-F0BB-DE4B-95CE-6DB70DBA9567}" type="datetimeFigureOut">
               <a:rPr lang="en-US" dirty="0"/>
               <a:pPr/>
-              <a:t>3/15/2022</a:t>
+              <a:t>3/20/2022</a:t>
             </a:fld>
             <a:endParaRPr lang="en-US" dirty="0"/>
           </a:p>
@@ -10002,7 +5094,7 @@
             <a:fld id="{B61BEF0D-F0BB-DE4B-95CE-6DB70DBA9567}" type="datetimeFigureOut">
               <a:rPr lang="en-US" dirty="0"/>
               <a:pPr/>
-              <a:t>3/15/2022</a:t>
+              <a:t>3/20/2022</a:t>
             </a:fld>
             <a:endParaRPr lang="en-US" dirty="0"/>
           </a:p>
@@ -12119,7 +7211,7 @@
             <a:fld id="{B61BEF0D-F0BB-DE4B-95CE-6DB70DBA9567}" type="datetimeFigureOut">
               <a:rPr lang="en-US" dirty="0"/>
               <a:pPr/>
-              <a:t>3/15/2022</a:t>
+              <a:t>3/20/2022</a:t>
             </a:fld>
             <a:endParaRPr lang="en-US" dirty="0"/>
           </a:p>
@@ -13188,10 +8280,26 @@
                   <a:srgbClr val="373955"/>
                 </a:solidFill>
                 <a:latin typeface="Biome"/>
-                <a:cs typeface="Biome"/>
-              </a:rPr>
-              <a:t>QA-Implementation</a:t>
-            </a:r>
+                <a:ea typeface="+mj-lt"/>
+                <a:cs typeface="+mj-lt"/>
+              </a:rPr>
+              <a:t>Technical implementation</a:t>
+            </a:r>
+            <a:endParaRPr lang="en-US" sz="4800" dirty="0">
+              <a:latin typeface="Biome"/>
+              <a:ea typeface="+mj-lt"/>
+              <a:cs typeface="+mj-lt"/>
+            </a:endParaRPr>
+          </a:p>
+          <a:p>
+            <a:pPr algn="ctr"/>
+            <a:endParaRPr lang="en-US" sz="4800" dirty="0">
+              <a:solidFill>
+                <a:srgbClr val="373955"/>
+              </a:solidFill>
+              <a:latin typeface="Biome"/>
+              <a:cs typeface="Biome"/>
+            </a:endParaRPr>
           </a:p>
         </p:txBody>
       </p:sp>
@@ -13381,6 +8489,15 @@
             <a:pPr>
               <a:buNone/>
             </a:pPr>
+            <a:endParaRPr lang="en-US" sz="2400" dirty="0">
+              <a:ea typeface="+mn-lt"/>
+              <a:cs typeface="+mn-lt"/>
+            </a:endParaRPr>
+          </a:p>
+          <a:p>
+            <a:pPr>
+              <a:buNone/>
+            </a:pPr>
             <a:r>
               <a:rPr lang="en-US" sz="2400" dirty="0">
                 <a:ea typeface="+mn-lt"/>
@@ -13388,16 +8505,19 @@
               </a:rPr>
               <a:t>   </a:t>
             </a:r>
-            <a:r>
-              <a:rPr lang="en-US" sz="2400" dirty="0">
-                <a:latin typeface="Biome"/>
-                <a:ea typeface="+mn-lt"/>
-                <a:cs typeface="+mn-lt"/>
-              </a:rPr>
-              <a:t> </a:t>
-            </a:r>
-            <a:endParaRPr lang="en" sz="2400" dirty="0">
+            <a:endParaRPr lang="en" sz="2400">
               <a:latin typeface="Biome"/>
+              <a:ea typeface="+mn-lt"/>
+              <a:cs typeface="Biome"/>
+            </a:endParaRPr>
+          </a:p>
+          <a:p>
+            <a:pPr>
+              <a:buNone/>
+            </a:pPr>
+            <a:endParaRPr lang="en-US" sz="2400" dirty="0">
+              <a:latin typeface="Biome"/>
+              <a:cs typeface="Biome"/>
             </a:endParaRPr>
           </a:p>
           <a:p>
@@ -13410,6 +8530,26 @@
               <a:cs typeface="Biome"/>
             </a:endParaRPr>
           </a:p>
+          <a:p>
+            <a:pPr>
+              <a:buNone/>
+            </a:pPr>
+            <a:endParaRPr lang="en" sz="2400">
+              <a:latin typeface="Biome"/>
+              <a:ea typeface="+mn-lt"/>
+              <a:cs typeface="Biome"/>
+            </a:endParaRPr>
+          </a:p>
+          <a:p>
+            <a:pPr>
+              <a:buNone/>
+            </a:pPr>
+            <a:endParaRPr lang="en-US" sz="2400" dirty="0">
+              <a:latin typeface="Biome"/>
+              <a:ea typeface="+mn-lt"/>
+              <a:cs typeface="Biome"/>
+            </a:endParaRPr>
+          </a:p>
         </p:txBody>
       </p:sp>
       <p:sp>
@@ -13426,8 +8566,8 @@
         </p:nvSpPr>
         <p:spPr>
           <a:xfrm>
-            <a:off x="9275234" y="6057901"/>
-            <a:ext cx="2637366" cy="646331"/>
+            <a:off x="8269818" y="6057901"/>
+            <a:ext cx="3642782" cy="646331"/>
           </a:xfrm>
           <a:prstGeom prst="rect">
             <a:avLst/>
@@ -13449,7 +8589,7 @@
                 <a:ea typeface="+mn-lt"/>
                 <a:cs typeface="+mn-lt"/>
               </a:rPr>
-              <a:t>Question Answering</a:t>
+              <a:t>Question Answering-Server</a:t>
             </a:r>
             <a:endParaRPr lang="en-US" dirty="0">
               <a:latin typeface="Biome"/>
@@ -13466,40 +8606,223 @@
           </a:p>
         </p:txBody>
       </p:sp>
-      <p:pic>
-        <p:nvPicPr>
-          <p:cNvPr id="5" name="Picture 5" descr="Diagram&#10;&#10;Description automatically generated">
+      <p:sp>
+        <p:nvSpPr>
+          <p:cNvPr id="5" name="TextBox 4">
             <a:extLst>
               <a:ext uri="{FF2B5EF4-FFF2-40B4-BE49-F238E27FC236}">
-                <a16:creationId xmlns:a16="http://schemas.microsoft.com/office/drawing/2014/main" id="{ABC9D2A9-C028-4AFD-AEAA-9DCE7CB5C819}"/>
+                <a16:creationId xmlns:a16="http://schemas.microsoft.com/office/drawing/2014/main" id="{582C0EC0-91C9-41F7-AF33-D9E16D0D227A}"/>
               </a:ext>
             </a:extLst>
           </p:cNvPr>
-          <p:cNvPicPr>
-            <a:picLocks noChangeAspect="1"/>
-          </p:cNvPicPr>
+          <p:cNvSpPr txBox="1"/>
           <p:nvPr/>
-        </p:nvPicPr>
-        <p:blipFill>
-          <a:blip r:embed="rId3"/>
-          <a:stretch>
-            <a:fillRect/>
-          </a:stretch>
-        </p:blipFill>
+        </p:nvSpPr>
         <p:spPr>
           <a:xfrm>
-            <a:off x="1708150" y="1772231"/>
-            <a:ext cx="9463616" cy="3705122"/>
+            <a:off x="2374900" y="1761067"/>
+            <a:ext cx="8828616" cy="4370427"/>
           </a:xfrm>
           <a:prstGeom prst="rect">
             <a:avLst/>
           </a:prstGeom>
+          <a:noFill/>
         </p:spPr>
-      </p:pic>
+        <p:txBody>
+          <a:bodyPr rot="0" spcFirstLastPara="0" vertOverflow="overflow" horzOverflow="overflow" vert="horz" wrap="square" lIns="91440" tIns="45720" rIns="91440" bIns="45720" numCol="1" spcCol="0" rtlCol="0" fromWordArt="0" anchor="t" anchorCtr="0" forceAA="0" compatLnSpc="1">
+            <a:prstTxWarp prst="textNoShape">
+              <a:avLst/>
+            </a:prstTxWarp>
+            <a:spAutoFit/>
+          </a:bodyPr>
+          <a:lstStyle/>
+          <a:p>
+            <a:r>
+              <a:rPr lang="en-US" sz="2800" dirty="0">
+                <a:latin typeface="Biome"/>
+                <a:cs typeface="Biome"/>
+              </a:rPr>
+              <a:t>SERVER</a:t>
+            </a:r>
+          </a:p>
+          <a:p>
+            <a:endParaRPr lang="en-US" sz="2800" dirty="0">
+              <a:latin typeface="Biome"/>
+              <a:cs typeface="Biome"/>
+            </a:endParaRPr>
+          </a:p>
+          <a:p>
+            <a:pPr marL="342900" indent="-342900">
+              <a:buFont typeface="Arial"/>
+              <a:buChar char="•"/>
+            </a:pPr>
+            <a:endParaRPr lang="en-US" sz="2000" dirty="0">
+              <a:latin typeface="Biome"/>
+              <a:cs typeface="Biome"/>
+            </a:endParaRPr>
+          </a:p>
+          <a:p>
+            <a:pPr marL="342900" indent="-342900">
+              <a:buFont typeface="Arial"/>
+              <a:buChar char="•"/>
+            </a:pPr>
+            <a:r>
+              <a:rPr lang="en-US" sz="2000" dirty="0">
+                <a:latin typeface="Biome"/>
+                <a:cs typeface="Biome"/>
+              </a:rPr>
+              <a:t>Clone the repository from </a:t>
+            </a:r>
+            <a:r>
+              <a:rPr lang="en-US" sz="2000" dirty="0" err="1">
+                <a:latin typeface="Biome"/>
+                <a:cs typeface="Biome"/>
+              </a:rPr>
+              <a:t>github</a:t>
+            </a:r>
+          </a:p>
+          <a:p>
+            <a:r>
+              <a:rPr lang="en-US" sz="1400" dirty="0">
+                <a:latin typeface="Amasis MT Pro"/>
+                <a:ea typeface="+mn-lt"/>
+                <a:cs typeface="+mn-lt"/>
+              </a:rPr>
+              <a:t>https://github.com/loremorla/EDA-BOT2.git</a:t>
+            </a:r>
+            <a:endParaRPr lang="en-US" sz="1400" dirty="0">
+              <a:latin typeface="Amasis MT Pro"/>
+            </a:endParaRPr>
+          </a:p>
+          <a:p>
+            <a:endParaRPr lang="en-US" sz="1400" dirty="0">
+              <a:latin typeface="Amasis MT Pro"/>
+              <a:cs typeface="Biome"/>
+            </a:endParaRPr>
+          </a:p>
+          <a:p>
+            <a:pPr marL="285750" indent="-285750">
+              <a:buFont typeface="Arial"/>
+              <a:buChar char="•"/>
+            </a:pPr>
+            <a:r>
+              <a:rPr lang="en-US" sz="2000" dirty="0">
+                <a:latin typeface="Biome"/>
+                <a:cs typeface="Biome"/>
+              </a:rPr>
+              <a:t>Install Docker</a:t>
+            </a:r>
+          </a:p>
+          <a:p>
+            <a:pPr marL="285750" indent="-285750">
+              <a:buFont typeface="Arial"/>
+              <a:buChar char="•"/>
+            </a:pPr>
+            <a:endParaRPr lang="en-US" sz="2000" dirty="0">
+              <a:latin typeface="Biome"/>
+              <a:cs typeface="Biome"/>
+            </a:endParaRPr>
+          </a:p>
+          <a:p>
+            <a:pPr marL="285750" indent="-285750">
+              <a:buFont typeface="Arial"/>
+              <a:buChar char="•"/>
+            </a:pPr>
+            <a:r>
+              <a:rPr lang="en-US" sz="2000" dirty="0">
+                <a:latin typeface="Biome"/>
+                <a:cs typeface="Biome"/>
+              </a:rPr>
+              <a:t>Install </a:t>
+            </a:r>
+            <a:r>
+              <a:rPr lang="en-US" sz="2000" dirty="0">
+                <a:latin typeface="Biome"/>
+                <a:cs typeface="Biome"/>
+                <a:hlinkClick r:id="rId3"/>
+              </a:rPr>
+              <a:t>Milvus 2.0</a:t>
+            </a:r>
+            <a:r>
+              <a:rPr lang="en-US" sz="2000" dirty="0">
+                <a:latin typeface="Biome"/>
+                <a:cs typeface="Biome"/>
+              </a:rPr>
+              <a:t> </a:t>
+            </a:r>
+            <a:r>
+              <a:rPr lang="en-US" sz="2000" dirty="0">
+                <a:latin typeface="Biome"/>
+                <a:ea typeface="+mn-lt"/>
+                <a:cs typeface="+mn-lt"/>
+              </a:rPr>
+              <a:t>standalone and Start</a:t>
+            </a:r>
+            <a:endParaRPr lang="en-US" sz="2000" dirty="0">
+              <a:latin typeface="Biome"/>
+              <a:ea typeface="+mn-lt"/>
+              <a:cs typeface="Biome"/>
+            </a:endParaRPr>
+          </a:p>
+          <a:p>
+            <a:endParaRPr lang="en-US" sz="2000" dirty="0">
+              <a:latin typeface="Biome"/>
+              <a:ea typeface="+mn-lt"/>
+              <a:cs typeface="Biome"/>
+            </a:endParaRPr>
+          </a:p>
+          <a:p>
+            <a:pPr marL="285750" indent="-285750">
+              <a:buFont typeface="Arial"/>
+              <a:buChar char="•"/>
+            </a:pPr>
+            <a:r>
+              <a:rPr lang="en-US" sz="2000" dirty="0">
+                <a:latin typeface="Biome"/>
+                <a:cs typeface="Biome"/>
+              </a:rPr>
+              <a:t>Start MySQL </a:t>
+            </a:r>
+            <a:endParaRPr lang="en-US" sz="1400" dirty="0">
+              <a:latin typeface="Amasis MT Pro"/>
+              <a:ea typeface="+mn-lt"/>
+              <a:cs typeface="Biome"/>
+            </a:endParaRPr>
+          </a:p>
+          <a:p>
+            <a:r>
+              <a:rPr lang="en-US" sz="1400" dirty="0">
+                <a:latin typeface="Amasis MT Pro"/>
+                <a:ea typeface="+mn-lt"/>
+                <a:cs typeface="+mn-lt"/>
+              </a:rPr>
+              <a:t>$ docker run -p 3306:3306 -e MYSQL_ROOT_PASSWORD=123456 -d mysql:5.7</a:t>
+            </a:r>
+            <a:endParaRPr lang="en-US" sz="1400" dirty="0">
+              <a:latin typeface="Amasis MT Pro"/>
+              <a:cs typeface="Biome"/>
+            </a:endParaRPr>
+          </a:p>
+          <a:p>
+            <a:pPr marL="285750" indent="-285750">
+              <a:buFont typeface="Arial"/>
+              <a:buChar char="•"/>
+            </a:pPr>
+            <a:endParaRPr lang="en-US" sz="2000" dirty="0"/>
+          </a:p>
+          <a:p>
+            <a:pPr marL="285750" indent="-285750">
+              <a:buFont typeface="Arial"/>
+              <a:buChar char="•"/>
+            </a:pPr>
+            <a:endParaRPr lang="en-US" sz="2000" dirty="0"/>
+          </a:p>
+        </p:txBody>
+      </p:sp>
     </p:spTree>
     <p:extLst>
       <p:ext uri="{BB962C8B-B14F-4D97-AF65-F5344CB8AC3E}">
-        <p14:creationId xmlns:p14="http://schemas.microsoft.com/office/powerpoint/2010/main" val="2355785671"/>
+        <p14:creationId xmlns:p14="http://schemas.microsoft.com/office/powerpoint/2010/main" val="2804122369"/>
       </p:ext>
     </p:extLst>
   </p:cSld>
@@ -13779,64 +9102,6 @@
           </a:prstGeom>
         </p:spPr>
       </p:pic>
-      <p:sp>
-        <p:nvSpPr>
-          <p:cNvPr id="2" name="Title 1">
-            <a:extLst>
-              <a:ext uri="{FF2B5EF4-FFF2-40B4-BE49-F238E27FC236}">
-                <a16:creationId xmlns:a16="http://schemas.microsoft.com/office/drawing/2014/main" id="{EE402CF0-08BA-4A76-BB35-3F8A866D0C66}"/>
-              </a:ext>
-            </a:extLst>
-          </p:cNvPr>
-          <p:cNvSpPr>
-            <a:spLocks noGrp="1"/>
-          </p:cNvSpPr>
-          <p:nvPr>
-            <p:ph type="title"/>
-          </p:nvPr>
-        </p:nvSpPr>
-        <p:spPr>
-          <a:xfrm>
-            <a:off x="1985706" y="588391"/>
-            <a:ext cx="8911687" cy="1280890"/>
-          </a:xfrm>
-        </p:spPr>
-        <p:txBody>
-          <a:bodyPr vert="horz" lIns="91440" tIns="45720" rIns="91440" bIns="45720" rtlCol="0">
-            <a:normAutofit/>
-          </a:bodyPr>
-          <a:lstStyle/>
-          <a:p>
-            <a:pPr algn="ctr"/>
-            <a:r>
-              <a:rPr lang="en-US" sz="4800" dirty="0">
-                <a:solidFill>
-                  <a:srgbClr val="373955"/>
-                </a:solidFill>
-                <a:latin typeface="Biome"/>
-                <a:ea typeface="+mj-lt"/>
-                <a:cs typeface="+mj-lt"/>
-              </a:rPr>
-              <a:t>Technical implementation</a:t>
-            </a:r>
-            <a:endParaRPr lang="en-US" sz="4800" dirty="0">
-              <a:latin typeface="Biome"/>
-              <a:ea typeface="+mj-lt"/>
-              <a:cs typeface="+mj-lt"/>
-            </a:endParaRPr>
-          </a:p>
-          <a:p>
-            <a:pPr algn="ctr"/>
-            <a:endParaRPr lang="en-US" sz="4800" dirty="0">
-              <a:solidFill>
-                <a:srgbClr val="373955"/>
-              </a:solidFill>
-              <a:latin typeface="Biome"/>
-              <a:cs typeface="Biome"/>
-            </a:endParaRPr>
-          </a:p>
-        </p:txBody>
-      </p:sp>
       <p:sp>
         <p:nvSpPr>
           <p:cNvPr id="91" name="Rectangle 90">
@@ -14023,15 +9288,6 @@
             <a:pPr>
               <a:buNone/>
             </a:pPr>
-            <a:endParaRPr lang="en-US" sz="2400" dirty="0">
-              <a:ea typeface="+mn-lt"/>
-              <a:cs typeface="+mn-lt"/>
-            </a:endParaRPr>
-          </a:p>
-          <a:p>
-            <a:pPr>
-              <a:buNone/>
-            </a:pPr>
             <a:r>
               <a:rPr lang="en-US" sz="2400" dirty="0">
                 <a:ea typeface="+mn-lt"/>
@@ -14039,19 +9295,16 @@
               </a:rPr>
               <a:t>   </a:t>
             </a:r>
-            <a:endParaRPr lang="en" sz="2400">
+            <a:r>
+              <a:rPr lang="en-US" sz="2400" dirty="0">
+                <a:latin typeface="Biome"/>
+                <a:ea typeface="+mn-lt"/>
+                <a:cs typeface="+mn-lt"/>
+              </a:rPr>
+              <a:t> </a:t>
+            </a:r>
+            <a:endParaRPr lang="en" sz="2400" dirty="0">
               <a:latin typeface="Biome"/>
-              <a:ea typeface="+mn-lt"/>
-              <a:cs typeface="Biome"/>
-            </a:endParaRPr>
-          </a:p>
-          <a:p>
-            <a:pPr>
-              <a:buNone/>
-            </a:pPr>
-            <a:endParaRPr lang="en-US" sz="2400" dirty="0">
-              <a:latin typeface="Biome"/>
-              <a:cs typeface="Biome"/>
             </a:endParaRPr>
           </a:p>
           <a:p>
@@ -14064,26 +9317,6 @@
               <a:cs typeface="Biome"/>
             </a:endParaRPr>
           </a:p>
-          <a:p>
-            <a:pPr>
-              <a:buNone/>
-            </a:pPr>
-            <a:endParaRPr lang="en" sz="2400">
-              <a:latin typeface="Biome"/>
-              <a:ea typeface="+mn-lt"/>
-              <a:cs typeface="Biome"/>
-            </a:endParaRPr>
-          </a:p>
-          <a:p>
-            <a:pPr>
-              <a:buNone/>
-            </a:pPr>
-            <a:endParaRPr lang="en-US" sz="2400" dirty="0">
-              <a:latin typeface="Biome"/>
-              <a:ea typeface="+mn-lt"/>
-              <a:cs typeface="Biome"/>
-            </a:endParaRPr>
-          </a:p>
         </p:txBody>
       </p:sp>
       <p:sp>
@@ -14100,8 +9333,8 @@
         </p:nvSpPr>
         <p:spPr>
           <a:xfrm>
-            <a:off x="8269818" y="6057901"/>
-            <a:ext cx="3642782" cy="646331"/>
+            <a:off x="8428568" y="6057901"/>
+            <a:ext cx="3484032" cy="646331"/>
           </a:xfrm>
           <a:prstGeom prst="rect">
             <a:avLst/>
@@ -14123,7 +9356,7 @@
                 <a:ea typeface="+mn-lt"/>
                 <a:cs typeface="+mn-lt"/>
               </a:rPr>
-              <a:t>Question Answering-Server</a:t>
+              <a:t>Question Answering- Server</a:t>
             </a:r>
             <a:endParaRPr lang="en-US" dirty="0">
               <a:latin typeface="Biome"/>
@@ -14154,8 +9387,8 @@
         </p:nvSpPr>
         <p:spPr>
           <a:xfrm>
-            <a:off x="2374900" y="1761067"/>
-            <a:ext cx="8828616" cy="4370427"/>
+            <a:off x="2130160" y="1410494"/>
+            <a:ext cx="9315449" cy="5047536"/>
           </a:xfrm>
           <a:prstGeom prst="rect">
             <a:avLst/>
@@ -14171,70 +9404,6 @@
           </a:bodyPr>
           <a:lstStyle/>
           <a:p>
-            <a:r>
-              <a:rPr lang="en-US" sz="2800" dirty="0">
-                <a:latin typeface="Biome"/>
-                <a:cs typeface="Biome"/>
-              </a:rPr>
-              <a:t>SERVER</a:t>
-            </a:r>
-          </a:p>
-          <a:p>
-            <a:endParaRPr lang="en-US" sz="2800" dirty="0">
-              <a:latin typeface="Biome"/>
-              <a:cs typeface="Biome"/>
-            </a:endParaRPr>
-          </a:p>
-          <a:p>
-            <a:pPr marL="342900" indent="-342900">
-              <a:buFont typeface="Arial"/>
-              <a:buChar char="•"/>
-            </a:pPr>
-            <a:endParaRPr lang="en-US" sz="2000" dirty="0">
-              <a:latin typeface="Biome"/>
-              <a:cs typeface="Biome"/>
-            </a:endParaRPr>
-          </a:p>
-          <a:p>
-            <a:pPr marL="342900" indent="-342900">
-              <a:buFont typeface="Arial"/>
-              <a:buChar char="•"/>
-            </a:pPr>
-            <a:r>
-              <a:rPr lang="en-US" sz="2000" dirty="0">
-                <a:latin typeface="Biome"/>
-                <a:cs typeface="Biome"/>
-              </a:rPr>
-              <a:t>Clone the repository from </a:t>
-            </a:r>
-            <a:r>
-              <a:rPr lang="en-US" sz="2000" dirty="0" err="1">
-                <a:latin typeface="Biome"/>
-                <a:cs typeface="Biome"/>
-              </a:rPr>
-              <a:t>github</a:t>
-            </a:r>
-          </a:p>
-          <a:p>
-            <a:r>
-              <a:rPr lang="en-US" sz="1400" dirty="0">
-                <a:latin typeface="Amasis MT Pro"/>
-                <a:ea typeface="+mn-lt"/>
-                <a:cs typeface="+mn-lt"/>
-              </a:rPr>
-              <a:t>https://github.com/loremorla/EDA-BOT2.git</a:t>
-            </a:r>
-            <a:endParaRPr lang="en-US" sz="1400" dirty="0">
-              <a:latin typeface="Amasis MT Pro"/>
-            </a:endParaRPr>
-          </a:p>
-          <a:p>
-            <a:endParaRPr lang="en-US" sz="1400" dirty="0">
-              <a:latin typeface="Amasis MT Pro"/>
-              <a:cs typeface="Biome"/>
-            </a:endParaRPr>
-          </a:p>
-          <a:p>
             <a:pPr marL="285750" indent="-285750">
               <a:buFont typeface="Arial"/>
               <a:buChar char="•"/>
@@ -14244,8 +9413,51 @@
                 <a:latin typeface="Biome"/>
                 <a:cs typeface="Biome"/>
               </a:rPr>
-              <a:t>Install Docker</a:t>
-            </a:r>
+              <a:t>Export IP &amp; Port</a:t>
+            </a:r>
+            <a:endParaRPr lang="en-US" dirty="0"/>
+          </a:p>
+          <a:p>
+            <a:r>
+              <a:rPr lang="en-US" sz="1400" dirty="0">
+                <a:latin typeface="Amasis MT Pro"/>
+                <a:cs typeface="Biome"/>
+              </a:rPr>
+              <a:t>$ export Milvus_HOST='127.0.0.1'
+$ export </a:t>
+            </a:r>
+            <a:r>
+              <a:rPr lang="en-US" sz="1400" dirty="0" err="1">
+                <a:latin typeface="Amasis MT Pro"/>
+                <a:cs typeface="Biome"/>
+              </a:rPr>
+              <a:t>Milvus_PORT</a:t>
+            </a:r>
+            <a:r>
+              <a:rPr lang="en-US" sz="1400" dirty="0">
+                <a:latin typeface="Amasis MT Pro"/>
+                <a:cs typeface="Biome"/>
+              </a:rPr>
+              <a:t>='19530'
+$ export </a:t>
+            </a:r>
+            <a:r>
+              <a:rPr lang="en-US" sz="1400" dirty="0" err="1">
+                <a:latin typeface="Amasis MT Pro"/>
+                <a:cs typeface="Biome"/>
+              </a:rPr>
+              <a:t>Mysql_HOST</a:t>
+            </a:r>
+            <a:r>
+              <a:rPr lang="en-US" sz="1400" dirty="0">
+                <a:latin typeface="Amasis MT Pro"/>
+                <a:cs typeface="Biome"/>
+              </a:rPr>
+              <a:t>='127.0.0.1'</a:t>
+            </a:r>
+            <a:endParaRPr lang="en-US" sz="1400" dirty="0">
+              <a:latin typeface="Amasis MT Pro"/>
+            </a:endParaRPr>
           </a:p>
           <a:p>
             <a:pPr marL="285750" indent="-285750">
@@ -14262,46 +9474,8 @@
               <a:buFont typeface="Arial"/>
               <a:buChar char="•"/>
             </a:pPr>
-            <a:r>
-              <a:rPr lang="en-US" sz="2000" dirty="0">
-                <a:latin typeface="Biome"/>
-                <a:cs typeface="Biome"/>
-              </a:rPr>
-              <a:t>Install </a:t>
-            </a:r>
-            <a:r>
-              <a:rPr lang="en-US" sz="2000" dirty="0">
-                <a:latin typeface="Biome"/>
-                <a:cs typeface="Biome"/>
-                <a:hlinkClick r:id="rId3"/>
-              </a:rPr>
-              <a:t>Milvus 2.0</a:t>
-            </a:r>
-            <a:r>
-              <a:rPr lang="en-US" sz="2000" dirty="0">
-                <a:latin typeface="Biome"/>
-                <a:cs typeface="Biome"/>
-              </a:rPr>
-              <a:t> </a:t>
-            </a:r>
-            <a:r>
-              <a:rPr lang="en-US" sz="2000" dirty="0">
-                <a:latin typeface="Biome"/>
-                <a:ea typeface="+mn-lt"/>
-                <a:cs typeface="+mn-lt"/>
-              </a:rPr>
-              <a:t>standalone and Start</a:t>
-            </a:r>
             <a:endParaRPr lang="en-US" sz="2000" dirty="0">
               <a:latin typeface="Biome"/>
-              <a:ea typeface="+mn-lt"/>
-              <a:cs typeface="Biome"/>
-            </a:endParaRPr>
-          </a:p>
-          <a:p>
-            <a:endParaRPr lang="en-US" sz="2000" dirty="0">
-              <a:latin typeface="Biome"/>
-              <a:ea typeface="+mn-lt"/>
               <a:cs typeface="Biome"/>
             </a:endParaRPr>
           </a:p>
@@ -14310,13 +9484,129 @@
               <a:buFont typeface="Arial"/>
               <a:buChar char="•"/>
             </a:pPr>
+            <a:endParaRPr lang="en-US" sz="2000" dirty="0">
+              <a:latin typeface="Biome"/>
+              <a:cs typeface="Biome"/>
+            </a:endParaRPr>
+          </a:p>
+          <a:p>
+            <a:pPr marL="285750" indent="-285750">
+              <a:buFont typeface="Arial"/>
+              <a:buChar char="•"/>
+            </a:pPr>
             <a:r>
               <a:rPr lang="en-US" sz="2000" dirty="0">
                 <a:latin typeface="Biome"/>
                 <a:cs typeface="Biome"/>
               </a:rPr>
-              <a:t>Start MySQL </a:t>
-            </a:r>
+              <a:t>Run docker</a:t>
+            </a:r>
+            <a:endParaRPr lang="en-US" sz="1400" dirty="0">
+              <a:latin typeface="Amasis MT Pro"/>
+              <a:cs typeface="Biome"/>
+            </a:endParaRPr>
+          </a:p>
+          <a:p>
+            <a:r>
+              <a:rPr lang="en-US" sz="1400" dirty="0">
+                <a:latin typeface="Amasis MT Pro"/>
+                <a:cs typeface="Biome"/>
+              </a:rPr>
+              <a:t>$ docker run -d \
+-p 8000:8000 \
+-e "MILVUS_HOST=${</a:t>
+            </a:r>
+            <a:r>
+              <a:rPr lang="en-US" sz="1400" dirty="0" err="1">
+                <a:latin typeface="Amasis MT Pro"/>
+                <a:cs typeface="Biome"/>
+              </a:rPr>
+              <a:t>Milvus_HOST</a:t>
+            </a:r>
+            <a:r>
+              <a:rPr lang="en-US" sz="1400" dirty="0">
+                <a:latin typeface="Amasis MT Pro"/>
+                <a:cs typeface="Biome"/>
+              </a:rPr>
+              <a:t>}" \
+-e "MILVUS_PORT=${</a:t>
+            </a:r>
+            <a:r>
+              <a:rPr lang="en-US" sz="1400" dirty="0" err="1">
+                <a:latin typeface="Amasis MT Pro"/>
+                <a:cs typeface="Biome"/>
+              </a:rPr>
+              <a:t>Milvus_PORT</a:t>
+            </a:r>
+            <a:r>
+              <a:rPr lang="en-US" sz="1400" dirty="0">
+                <a:latin typeface="Amasis MT Pro"/>
+                <a:cs typeface="Biome"/>
+              </a:rPr>
+              <a:t>}" \
+-e "MYSQL_HOST=${</a:t>
+            </a:r>
+            <a:r>
+              <a:rPr lang="en-US" sz="1400" dirty="0" err="1">
+                <a:latin typeface="Amasis MT Pro"/>
+                <a:cs typeface="Biome"/>
+              </a:rPr>
+              <a:t>Mysql_HOST</a:t>
+            </a:r>
+            <a:r>
+              <a:rPr lang="en-US" sz="1400" dirty="0">
+                <a:latin typeface="Amasis MT Pro"/>
+                <a:cs typeface="Biome"/>
+              </a:rPr>
+              <a:t>}" \
+</a:t>
+            </a:r>
+            <a:r>
+              <a:rPr lang="en-US" sz="1400" dirty="0" err="1">
+                <a:latin typeface="Amasis MT Pro"/>
+                <a:cs typeface="Biome"/>
+              </a:rPr>
+              <a:t>milvusbootcamp</a:t>
+            </a:r>
+            <a:r>
+              <a:rPr lang="en-US" sz="1400" dirty="0">
+                <a:latin typeface="Amasis MT Pro"/>
+                <a:cs typeface="Biome"/>
+              </a:rPr>
+              <a:t>/qa-chatbot-server:v2</a:t>
+            </a:r>
+            <a:endParaRPr lang="en-US" dirty="0">
+              <a:latin typeface="Amasis MT Pro"/>
+            </a:endParaRPr>
+          </a:p>
+          <a:p>
+            <a:endParaRPr lang="en-US" sz="1400" dirty="0">
+              <a:latin typeface="Century Gothic" panose="020B0502020202020204"/>
+              <a:cs typeface="Biome"/>
+            </a:endParaRPr>
+          </a:p>
+          <a:p>
+            <a:pPr marL="285750" indent="-285750">
+              <a:buFont typeface="Arial,Sans-Serif"/>
+              <a:buChar char="•"/>
+            </a:pPr>
+            <a:endParaRPr lang="en-US" sz="1400" dirty="0">
+              <a:latin typeface="Century Gothic" panose="020B0502020202020204"/>
+              <a:ea typeface="+mn-lt"/>
+              <a:cs typeface="+mn-lt"/>
+            </a:endParaRPr>
+          </a:p>
+          <a:p>
+            <a:pPr marL="285750" indent="-285750">
+              <a:buFont typeface="Arial,Sans-Serif"/>
+              <a:buChar char="•"/>
+            </a:pPr>
+            <a:endParaRPr lang="en-US" sz="1400" dirty="0">
+              <a:ea typeface="+mn-lt"/>
+              <a:cs typeface="+mn-lt"/>
+            </a:endParaRPr>
+          </a:p>
+          <a:p>
             <a:endParaRPr lang="en-US" sz="1400" dirty="0">
               <a:latin typeface="Amasis MT Pro"/>
               <a:ea typeface="+mn-lt"/>
@@ -14324,39 +9614,32 @@
             </a:endParaRPr>
           </a:p>
           <a:p>
-            <a:r>
-              <a:rPr lang="en-US" sz="1400" dirty="0">
-                <a:latin typeface="Amasis MT Pro"/>
-                <a:ea typeface="+mn-lt"/>
-                <a:cs typeface="+mn-lt"/>
-              </a:rPr>
-              <a:t>$ docker run -p 3306:3306 -e MYSQL_ROOT_PASSWORD=123456 -d mysql:5.7</a:t>
-            </a:r>
-            <a:endParaRPr lang="en-US" sz="1400" dirty="0">
-              <a:latin typeface="Amasis MT Pro"/>
-              <a:cs typeface="Biome"/>
-            </a:endParaRPr>
-          </a:p>
-          <a:p>
             <a:pPr marL="285750" indent="-285750">
               <a:buFont typeface="Arial"/>
               <a:buChar char="•"/>
             </a:pPr>
-            <a:endParaRPr lang="en-US" sz="2000" dirty="0"/>
+            <a:endParaRPr lang="en-US" sz="2000" dirty="0">
+              <a:latin typeface="Century Gothic" panose="020B0502020202020204"/>
+              <a:ea typeface="+mn-lt"/>
+              <a:cs typeface="Biome"/>
+            </a:endParaRPr>
           </a:p>
           <a:p>
             <a:pPr marL="285750" indent="-285750">
               <a:buFont typeface="Arial"/>
               <a:buChar char="•"/>
             </a:pPr>
-            <a:endParaRPr lang="en-US" sz="2000" dirty="0"/>
+            <a:endParaRPr lang="en-US" sz="2000" dirty="0">
+              <a:latin typeface="Century Gothic" panose="020B0502020202020204"/>
+              <a:cs typeface="Biome"/>
+            </a:endParaRPr>
           </a:p>
         </p:txBody>
       </p:sp>
     </p:spTree>
     <p:extLst>
       <p:ext uri="{BB962C8B-B14F-4D97-AF65-F5344CB8AC3E}">
-        <p14:creationId xmlns:p14="http://schemas.microsoft.com/office/powerpoint/2010/main" val="2804122369"/>
+        <p14:creationId xmlns:p14="http://schemas.microsoft.com/office/powerpoint/2010/main" val="3589518533"/>
       </p:ext>
     </p:extLst>
   </p:cSld>
@@ -14867,823 +10150,6 @@
         </p:nvSpPr>
         <p:spPr>
           <a:xfrm>
-            <a:off x="8428568" y="6057901"/>
-            <a:ext cx="3484032" cy="646331"/>
-          </a:xfrm>
-          <a:prstGeom prst="rect">
-            <a:avLst/>
-          </a:prstGeom>
-          <a:noFill/>
-        </p:spPr>
-        <p:txBody>
-          <a:bodyPr rot="0" spcFirstLastPara="0" vertOverflow="overflow" horzOverflow="overflow" vert="horz" wrap="square" lIns="91440" tIns="45720" rIns="91440" bIns="45720" numCol="1" spcCol="0" rtlCol="0" fromWordArt="0" anchor="t" anchorCtr="0" forceAA="0" compatLnSpc="1">
-            <a:prstTxWarp prst="textNoShape">
-              <a:avLst/>
-            </a:prstTxWarp>
-            <a:spAutoFit/>
-          </a:bodyPr>
-          <a:lstStyle/>
-          <a:p>
-            <a:r>
-              <a:rPr lang="en-US" i="1" dirty="0">
-                <a:latin typeface="Biome"/>
-                <a:ea typeface="+mn-lt"/>
-                <a:cs typeface="+mn-lt"/>
-              </a:rPr>
-              <a:t>Question Answering- Server</a:t>
-            </a:r>
-            <a:endParaRPr lang="en-US" dirty="0">
-              <a:latin typeface="Biome"/>
-              <a:ea typeface="+mn-lt"/>
-              <a:cs typeface="+mn-lt"/>
-            </a:endParaRPr>
-          </a:p>
-          <a:p>
-            <a:pPr algn="r"/>
-            <a:endParaRPr lang="en-US" i="1" dirty="0">
-              <a:latin typeface="Biome"/>
-              <a:cs typeface="Biome"/>
-            </a:endParaRPr>
-          </a:p>
-        </p:txBody>
-      </p:sp>
-      <p:sp>
-        <p:nvSpPr>
-          <p:cNvPr id="5" name="TextBox 4">
-            <a:extLst>
-              <a:ext uri="{FF2B5EF4-FFF2-40B4-BE49-F238E27FC236}">
-                <a16:creationId xmlns:a16="http://schemas.microsoft.com/office/drawing/2014/main" id="{582C0EC0-91C9-41F7-AF33-D9E16D0D227A}"/>
-              </a:ext>
-            </a:extLst>
-          </p:cNvPr>
-          <p:cNvSpPr txBox="1"/>
-          <p:nvPr/>
-        </p:nvSpPr>
-        <p:spPr>
-          <a:xfrm>
-            <a:off x="2130160" y="1410494"/>
-            <a:ext cx="9315449" cy="5047536"/>
-          </a:xfrm>
-          <a:prstGeom prst="rect">
-            <a:avLst/>
-          </a:prstGeom>
-          <a:noFill/>
-        </p:spPr>
-        <p:txBody>
-          <a:bodyPr rot="0" spcFirstLastPara="0" vertOverflow="overflow" horzOverflow="overflow" vert="horz" wrap="square" lIns="91440" tIns="45720" rIns="91440" bIns="45720" numCol="1" spcCol="0" rtlCol="0" fromWordArt="0" anchor="t" anchorCtr="0" forceAA="0" compatLnSpc="1">
-            <a:prstTxWarp prst="textNoShape">
-              <a:avLst/>
-            </a:prstTxWarp>
-            <a:spAutoFit/>
-          </a:bodyPr>
-          <a:lstStyle/>
-          <a:p>
-            <a:pPr marL="285750" indent="-285750">
-              <a:buFont typeface="Arial"/>
-              <a:buChar char="•"/>
-            </a:pPr>
-            <a:r>
-              <a:rPr lang="en-US" sz="2000" dirty="0">
-                <a:latin typeface="Biome"/>
-                <a:cs typeface="Biome"/>
-              </a:rPr>
-              <a:t>Export IP &amp; Port</a:t>
-            </a:r>
-            <a:endParaRPr lang="en-US" dirty="0"/>
-          </a:p>
-          <a:p>
-            <a:r>
-              <a:rPr lang="en-US" sz="1400" dirty="0">
-                <a:latin typeface="Amasis MT Pro"/>
-                <a:cs typeface="Biome"/>
-              </a:rPr>
-              <a:t>$ export Milvus_HOST='127.0.0.1'
-$ export </a:t>
-            </a:r>
-            <a:r>
-              <a:rPr lang="en-US" sz="1400" dirty="0" err="1">
-                <a:latin typeface="Amasis MT Pro"/>
-                <a:cs typeface="Biome"/>
-              </a:rPr>
-              <a:t>Milvus_PORT</a:t>
-            </a:r>
-            <a:r>
-              <a:rPr lang="en-US" sz="1400" dirty="0">
-                <a:latin typeface="Amasis MT Pro"/>
-                <a:cs typeface="Biome"/>
-              </a:rPr>
-              <a:t>='19530'
-$ export </a:t>
-            </a:r>
-            <a:r>
-              <a:rPr lang="en-US" sz="1400" dirty="0" err="1">
-                <a:latin typeface="Amasis MT Pro"/>
-                <a:cs typeface="Biome"/>
-              </a:rPr>
-              <a:t>Mysql_HOST</a:t>
-            </a:r>
-            <a:r>
-              <a:rPr lang="en-US" sz="1400" dirty="0">
-                <a:latin typeface="Amasis MT Pro"/>
-                <a:cs typeface="Biome"/>
-              </a:rPr>
-              <a:t>='127.0.0.1'</a:t>
-            </a:r>
-            <a:endParaRPr lang="en-US" sz="1400" dirty="0">
-              <a:latin typeface="Amasis MT Pro"/>
-            </a:endParaRPr>
-          </a:p>
-          <a:p>
-            <a:pPr marL="285750" indent="-285750">
-              <a:buFont typeface="Arial"/>
-              <a:buChar char="•"/>
-            </a:pPr>
-            <a:endParaRPr lang="en-US" sz="2000" dirty="0">
-              <a:latin typeface="Biome"/>
-              <a:cs typeface="Biome"/>
-            </a:endParaRPr>
-          </a:p>
-          <a:p>
-            <a:pPr marL="285750" indent="-285750">
-              <a:buFont typeface="Arial"/>
-              <a:buChar char="•"/>
-            </a:pPr>
-            <a:endParaRPr lang="en-US" sz="2000" dirty="0">
-              <a:latin typeface="Biome"/>
-              <a:cs typeface="Biome"/>
-            </a:endParaRPr>
-          </a:p>
-          <a:p>
-            <a:pPr marL="285750" indent="-285750">
-              <a:buFont typeface="Arial"/>
-              <a:buChar char="•"/>
-            </a:pPr>
-            <a:endParaRPr lang="en-US" sz="2000" dirty="0">
-              <a:latin typeface="Biome"/>
-              <a:cs typeface="Biome"/>
-            </a:endParaRPr>
-          </a:p>
-          <a:p>
-            <a:pPr marL="285750" indent="-285750">
-              <a:buFont typeface="Arial"/>
-              <a:buChar char="•"/>
-            </a:pPr>
-            <a:r>
-              <a:rPr lang="en-US" sz="2000" dirty="0">
-                <a:latin typeface="Biome"/>
-                <a:cs typeface="Biome"/>
-              </a:rPr>
-              <a:t>Run docker</a:t>
-            </a:r>
-            <a:endParaRPr lang="en-US" sz="1400" dirty="0">
-              <a:latin typeface="Amasis MT Pro"/>
-              <a:cs typeface="Biome"/>
-            </a:endParaRPr>
-          </a:p>
-          <a:p>
-            <a:r>
-              <a:rPr lang="en-US" sz="1400" dirty="0">
-                <a:latin typeface="Amasis MT Pro"/>
-                <a:cs typeface="Biome"/>
-              </a:rPr>
-              <a:t>$ docker run -d \
--p 8000:8000 \
--e "MILVUS_HOST=${</a:t>
-            </a:r>
-            <a:r>
-              <a:rPr lang="en-US" sz="1400" dirty="0" err="1">
-                <a:latin typeface="Amasis MT Pro"/>
-                <a:cs typeface="Biome"/>
-              </a:rPr>
-              <a:t>Milvus_HOST</a:t>
-            </a:r>
-            <a:r>
-              <a:rPr lang="en-US" sz="1400" dirty="0">
-                <a:latin typeface="Amasis MT Pro"/>
-                <a:cs typeface="Biome"/>
-              </a:rPr>
-              <a:t>}" \
--e "MILVUS_PORT=${</a:t>
-            </a:r>
-            <a:r>
-              <a:rPr lang="en-US" sz="1400" dirty="0" err="1">
-                <a:latin typeface="Amasis MT Pro"/>
-                <a:cs typeface="Biome"/>
-              </a:rPr>
-              <a:t>Milvus_PORT</a:t>
-            </a:r>
-            <a:r>
-              <a:rPr lang="en-US" sz="1400" dirty="0">
-                <a:latin typeface="Amasis MT Pro"/>
-                <a:cs typeface="Biome"/>
-              </a:rPr>
-              <a:t>}" \
--e "MYSQL_HOST=${</a:t>
-            </a:r>
-            <a:r>
-              <a:rPr lang="en-US" sz="1400" dirty="0" err="1">
-                <a:latin typeface="Amasis MT Pro"/>
-                <a:cs typeface="Biome"/>
-              </a:rPr>
-              <a:t>Mysql_HOST</a:t>
-            </a:r>
-            <a:r>
-              <a:rPr lang="en-US" sz="1400" dirty="0">
-                <a:latin typeface="Amasis MT Pro"/>
-                <a:cs typeface="Biome"/>
-              </a:rPr>
-              <a:t>}" \
-</a:t>
-            </a:r>
-            <a:r>
-              <a:rPr lang="en-US" sz="1400" dirty="0" err="1">
-                <a:latin typeface="Amasis MT Pro"/>
-                <a:cs typeface="Biome"/>
-              </a:rPr>
-              <a:t>milvusbootcamp</a:t>
-            </a:r>
-            <a:r>
-              <a:rPr lang="en-US" sz="1400" dirty="0">
-                <a:latin typeface="Amasis MT Pro"/>
-                <a:cs typeface="Biome"/>
-              </a:rPr>
-              <a:t>/qa-chatbot-server:v2</a:t>
-            </a:r>
-            <a:endParaRPr lang="en-US" dirty="0">
-              <a:latin typeface="Amasis MT Pro"/>
-            </a:endParaRPr>
-          </a:p>
-          <a:p>
-            <a:endParaRPr lang="en-US" sz="1400" dirty="0">
-              <a:latin typeface="Century Gothic" panose="020B0502020202020204"/>
-              <a:cs typeface="Biome"/>
-            </a:endParaRPr>
-          </a:p>
-          <a:p>
-            <a:pPr marL="285750" indent="-285750">
-              <a:buFont typeface="Arial,Sans-Serif"/>
-              <a:buChar char="•"/>
-            </a:pPr>
-            <a:endParaRPr lang="en-US" sz="1400" dirty="0">
-              <a:latin typeface="Century Gothic" panose="020B0502020202020204"/>
-              <a:ea typeface="+mn-lt"/>
-              <a:cs typeface="+mn-lt"/>
-            </a:endParaRPr>
-          </a:p>
-          <a:p>
-            <a:pPr marL="285750" indent="-285750">
-              <a:buFont typeface="Arial,Sans-Serif"/>
-              <a:buChar char="•"/>
-            </a:pPr>
-            <a:endParaRPr lang="en-US" sz="1400" dirty="0">
-              <a:ea typeface="+mn-lt"/>
-              <a:cs typeface="+mn-lt"/>
-            </a:endParaRPr>
-          </a:p>
-          <a:p>
-            <a:endParaRPr lang="en-US" sz="1400" dirty="0">
-              <a:latin typeface="Amasis MT Pro"/>
-              <a:ea typeface="+mn-lt"/>
-              <a:cs typeface="Biome"/>
-            </a:endParaRPr>
-          </a:p>
-          <a:p>
-            <a:pPr marL="285750" indent="-285750">
-              <a:buFont typeface="Arial"/>
-              <a:buChar char="•"/>
-            </a:pPr>
-            <a:endParaRPr lang="en-US" sz="2000" dirty="0">
-              <a:latin typeface="Century Gothic" panose="020B0502020202020204"/>
-              <a:ea typeface="+mn-lt"/>
-              <a:cs typeface="Biome"/>
-            </a:endParaRPr>
-          </a:p>
-          <a:p>
-            <a:pPr marL="285750" indent="-285750">
-              <a:buFont typeface="Arial"/>
-              <a:buChar char="•"/>
-            </a:pPr>
-            <a:endParaRPr lang="en-US" sz="2000" dirty="0">
-              <a:latin typeface="Century Gothic" panose="020B0502020202020204"/>
-              <a:cs typeface="Biome"/>
-            </a:endParaRPr>
-          </a:p>
-        </p:txBody>
-      </p:sp>
-    </p:spTree>
-    <p:extLst>
-      <p:ext uri="{BB962C8B-B14F-4D97-AF65-F5344CB8AC3E}">
-        <p14:creationId xmlns:p14="http://schemas.microsoft.com/office/powerpoint/2010/main" val="3589518533"/>
-      </p:ext>
-    </p:extLst>
-  </p:cSld>
-  <p:clrMapOvr>
-    <a:masterClrMapping/>
-  </p:clrMapOvr>
-  <p:timing>
-    <p:tnLst>
-      <p:par>
-        <p:cTn id="1" dur="indefinite" restart="never" nodeType="tmRoot">
-          <p:childTnLst>
-            <p:seq concurrent="1" nextAc="seek">
-              <p:cTn id="2" dur="indefinite" nodeType="mainSeq"/>
-              <p:prevCondLst>
-                <p:cond evt="onPrev" delay="0">
-                  <p:tgtEl>
-                    <p:sldTgt/>
-                  </p:tgtEl>
-                </p:cond>
-              </p:prevCondLst>
-              <p:nextCondLst>
-                <p:cond evt="onNext" delay="0">
-                  <p:tgtEl>
-                    <p:sldTgt/>
-                  </p:tgtEl>
-                </p:cond>
-              </p:nextCondLst>
-            </p:seq>
-          </p:childTnLst>
-        </p:cTn>
-      </p:par>
-    </p:tnLst>
-  </p:timing>
-</p:sld>
-</file>
-
-<file path=ppt/slides/slide13.xml><?xml version="1.0" encoding="utf-8"?>
-<p:sld xmlns:a="http://schemas.openxmlformats.org/drawingml/2006/main" xmlns:r="http://schemas.openxmlformats.org/officeDocument/2006/relationships" xmlns:p="http://schemas.openxmlformats.org/presentationml/2006/main">
-  <p:cSld>
-    <p:bg>
-      <p:bgPr>
-        <a:gradFill rotWithShape="1">
-          <a:gsLst>
-            <a:gs pos="0">
-              <a:schemeClr val="bg1">
-                <a:tint val="90000"/>
-                <a:satMod val="92000"/>
-                <a:lumMod val="120000"/>
-              </a:schemeClr>
-            </a:gs>
-            <a:gs pos="100000">
-              <a:schemeClr val="bg1">
-                <a:shade val="98000"/>
-                <a:satMod val="120000"/>
-                <a:lumMod val="98000"/>
-              </a:schemeClr>
-            </a:gs>
-          </a:gsLst>
-          <a:path path="circle">
-            <a:fillToRect l="50000" t="50000" r="100000" b="100000"/>
-          </a:path>
-        </a:gradFill>
-        <a:effectLst/>
-      </p:bgPr>
-    </p:bg>
-    <p:spTree>
-      <p:nvGrpSpPr>
-        <p:cNvPr id="1" name=""/>
-        <p:cNvGrpSpPr/>
-        <p:nvPr/>
-      </p:nvGrpSpPr>
-      <p:grpSpPr>
-        <a:xfrm>
-          <a:off x="0" y="0"/>
-          <a:ext cx="0" cy="0"/>
-          <a:chOff x="0" y="0"/>
-          <a:chExt cx="0" cy="0"/>
-        </a:xfrm>
-      </p:grpSpPr>
-      <p:sp useBgFill="1">
-        <p:nvSpPr>
-          <p:cNvPr id="89" name="Rectangle 88">
-            <a:extLst>
-              <a:ext uri="{FF2B5EF4-FFF2-40B4-BE49-F238E27FC236}">
-                <a16:creationId xmlns:a16="http://schemas.microsoft.com/office/drawing/2014/main" id="{7A5FC171-5EF1-470A-B19B-DB937973D2A7}"/>
-              </a:ext>
-              <a:ext uri="{C183D7F6-B498-43B3-948B-1728B52AA6E4}">
-                <adec:decorative xmlns:adec="http://schemas.microsoft.com/office/drawing/2017/decorative" val="1"/>
-              </a:ext>
-            </a:extLst>
-          </p:cNvPr>
-          <p:cNvSpPr>
-            <a:spLocks noGrp="1" noRot="1" noChangeAspect="1" noMove="1" noResize="1" noEditPoints="1" noAdjustHandles="1" noChangeArrowheads="1" noChangeShapeType="1" noTextEdit="1"/>
-          </p:cNvSpPr>
-          <p:nvPr>
-            <p:extLst>
-              <p:ext uri="{386F3935-93C4-4BCD-93E2-E3B085C9AB24}">
-                <p16:designElem xmlns:p16="http://schemas.microsoft.com/office/powerpoint/2015/main" val="1"/>
-              </p:ext>
-            </p:extLst>
-          </p:nvPr>
-        </p:nvSpPr>
-        <p:spPr>
-          <a:xfrm>
-            <a:off x="-7620" y="0"/>
-            <a:ext cx="12207240" cy="6858001"/>
-          </a:xfrm>
-          <a:prstGeom prst="rect">
-            <a:avLst/>
-          </a:prstGeom>
-          <a:ln>
-            <a:noFill/>
-          </a:ln>
-        </p:spPr>
-        <p:style>
-          <a:lnRef idx="2">
-            <a:schemeClr val="accent1">
-              <a:shade val="50000"/>
-            </a:schemeClr>
-          </a:lnRef>
-          <a:fillRef idx="1">
-            <a:schemeClr val="accent1"/>
-          </a:fillRef>
-          <a:effectRef idx="0">
-            <a:schemeClr val="accent1"/>
-          </a:effectRef>
-          <a:fontRef idx="minor">
-            <a:schemeClr val="lt1"/>
-          </a:fontRef>
-        </p:style>
-        <p:txBody>
-          <a:bodyPr rot="0" spcFirstLastPara="0" vert="horz" wrap="square" lIns="91440" tIns="45720" rIns="91440" bIns="45720" numCol="1" spcCol="0" rtlCol="0" fromWordArt="0" anchor="ctr" anchorCtr="0" forceAA="0" compatLnSpc="1">
-            <a:prstTxWarp prst="textNoShape">
-              <a:avLst/>
-            </a:prstTxWarp>
-            <a:noAutofit/>
-          </a:bodyPr>
-          <a:lstStyle>
-            <a:defPPr>
-              <a:defRPr lang="en-US"/>
-            </a:defPPr>
-            <a:lvl1pPr marL="0" algn="l" defTabSz="914400" rtl="0" eaLnBrk="1" latinLnBrk="0" hangingPunct="1">
-              <a:defRPr sz="1800" kern="1200">
-                <a:solidFill>
-                  <a:schemeClr val="lt1"/>
-                </a:solidFill>
-                <a:latin typeface="+mn-lt"/>
-                <a:ea typeface="+mn-ea"/>
-                <a:cs typeface="+mn-cs"/>
-              </a:defRPr>
-            </a:lvl1pPr>
-            <a:lvl2pPr marL="457200" algn="l" defTabSz="914400" rtl="0" eaLnBrk="1" latinLnBrk="0" hangingPunct="1">
-              <a:defRPr sz="1800" kern="1200">
-                <a:solidFill>
-                  <a:schemeClr val="lt1"/>
-                </a:solidFill>
-                <a:latin typeface="+mn-lt"/>
-                <a:ea typeface="+mn-ea"/>
-                <a:cs typeface="+mn-cs"/>
-              </a:defRPr>
-            </a:lvl2pPr>
-            <a:lvl3pPr marL="914400" algn="l" defTabSz="914400" rtl="0" eaLnBrk="1" latinLnBrk="0" hangingPunct="1">
-              <a:defRPr sz="1800" kern="1200">
-                <a:solidFill>
-                  <a:schemeClr val="lt1"/>
-                </a:solidFill>
-                <a:latin typeface="+mn-lt"/>
-                <a:ea typeface="+mn-ea"/>
-                <a:cs typeface="+mn-cs"/>
-              </a:defRPr>
-            </a:lvl3pPr>
-            <a:lvl4pPr marL="1371600" algn="l" defTabSz="914400" rtl="0" eaLnBrk="1" latinLnBrk="0" hangingPunct="1">
-              <a:defRPr sz="1800" kern="1200">
-                <a:solidFill>
-                  <a:schemeClr val="lt1"/>
-                </a:solidFill>
-                <a:latin typeface="+mn-lt"/>
-                <a:ea typeface="+mn-ea"/>
-                <a:cs typeface="+mn-cs"/>
-              </a:defRPr>
-            </a:lvl4pPr>
-            <a:lvl5pPr marL="1828800" algn="l" defTabSz="914400" rtl="0" eaLnBrk="1" latinLnBrk="0" hangingPunct="1">
-              <a:defRPr sz="1800" kern="1200">
-                <a:solidFill>
-                  <a:schemeClr val="lt1"/>
-                </a:solidFill>
-                <a:latin typeface="+mn-lt"/>
-                <a:ea typeface="+mn-ea"/>
-                <a:cs typeface="+mn-cs"/>
-              </a:defRPr>
-            </a:lvl5pPr>
-            <a:lvl6pPr marL="2286000" algn="l" defTabSz="914400" rtl="0" eaLnBrk="1" latinLnBrk="0" hangingPunct="1">
-              <a:defRPr sz="1800" kern="1200">
-                <a:solidFill>
-                  <a:schemeClr val="lt1"/>
-                </a:solidFill>
-                <a:latin typeface="+mn-lt"/>
-                <a:ea typeface="+mn-ea"/>
-                <a:cs typeface="+mn-cs"/>
-              </a:defRPr>
-            </a:lvl6pPr>
-            <a:lvl7pPr marL="2743200" algn="l" defTabSz="914400" rtl="0" eaLnBrk="1" latinLnBrk="0" hangingPunct="1">
-              <a:defRPr sz="1800" kern="1200">
-                <a:solidFill>
-                  <a:schemeClr val="lt1"/>
-                </a:solidFill>
-                <a:latin typeface="+mn-lt"/>
-                <a:ea typeface="+mn-ea"/>
-                <a:cs typeface="+mn-cs"/>
-              </a:defRPr>
-            </a:lvl7pPr>
-            <a:lvl8pPr marL="3200400" algn="l" defTabSz="914400" rtl="0" eaLnBrk="1" latinLnBrk="0" hangingPunct="1">
-              <a:defRPr sz="1800" kern="1200">
-                <a:solidFill>
-                  <a:schemeClr val="lt1"/>
-                </a:solidFill>
-                <a:latin typeface="+mn-lt"/>
-                <a:ea typeface="+mn-ea"/>
-                <a:cs typeface="+mn-cs"/>
-              </a:defRPr>
-            </a:lvl8pPr>
-            <a:lvl9pPr marL="3657600" algn="l" defTabSz="914400" rtl="0" eaLnBrk="1" latinLnBrk="0" hangingPunct="1">
-              <a:defRPr sz="1800" kern="1200">
-                <a:solidFill>
-                  <a:schemeClr val="lt1"/>
-                </a:solidFill>
-                <a:latin typeface="+mn-lt"/>
-                <a:ea typeface="+mn-ea"/>
-                <a:cs typeface="+mn-cs"/>
-              </a:defRPr>
-            </a:lvl9pPr>
-          </a:lstStyle>
-          <a:p>
-            <a:pPr algn="ctr"/>
-            <a:r>
-              <a:rPr lang="en-US" dirty="0"/>
-              <a:t>BERT</a:t>
-            </a:r>
-          </a:p>
-        </p:txBody>
-      </p:sp>
-      <p:pic>
-        <p:nvPicPr>
-          <p:cNvPr id="85" name="Picture 84">
-            <a:extLst>
-              <a:ext uri="{FF2B5EF4-FFF2-40B4-BE49-F238E27FC236}">
-                <a16:creationId xmlns:a16="http://schemas.microsoft.com/office/drawing/2014/main" id="{44E0A77A-EFFE-492D-9558-8307748CCF4F}"/>
-              </a:ext>
-            </a:extLst>
-          </p:cNvPr>
-          <p:cNvPicPr>
-            <a:picLocks noChangeAspect="1"/>
-          </p:cNvPicPr>
-          <p:nvPr/>
-        </p:nvPicPr>
-        <p:blipFill rotWithShape="1">
-          <a:blip r:embed="rId2">
-            <a:duotone>
-              <a:schemeClr val="bg2">
-                <a:shade val="45000"/>
-                <a:satMod val="135000"/>
-              </a:schemeClr>
-              <a:prstClr val="white"/>
-            </a:duotone>
-            <a:alphaModFix amt="40000"/>
-          </a:blip>
-          <a:srcRect/>
-          <a:stretch/>
-        </p:blipFill>
-        <p:spPr>
-          <a:xfrm>
-            <a:off x="20" y="10"/>
-            <a:ext cx="12191980" cy="6857990"/>
-          </a:xfrm>
-          <a:prstGeom prst="rect">
-            <a:avLst/>
-          </a:prstGeom>
-        </p:spPr>
-      </p:pic>
-      <p:sp>
-        <p:nvSpPr>
-          <p:cNvPr id="91" name="Rectangle 90">
-            <a:extLst>
-              <a:ext uri="{FF2B5EF4-FFF2-40B4-BE49-F238E27FC236}">
-                <a16:creationId xmlns:a16="http://schemas.microsoft.com/office/drawing/2014/main" id="{685D77DF-610F-4D0F-A3D2-4FBBC96640E4}"/>
-              </a:ext>
-              <a:ext uri="{C183D7F6-B498-43B3-948B-1728B52AA6E4}">
-                <adec:decorative xmlns:adec="http://schemas.microsoft.com/office/drawing/2017/decorative" val="1"/>
-              </a:ext>
-            </a:extLst>
-          </p:cNvPr>
-          <p:cNvSpPr>
-            <a:spLocks noGrp="1" noRot="1" noChangeAspect="1" noMove="1" noResize="1" noEditPoints="1" noAdjustHandles="1" noChangeArrowheads="1" noChangeShapeType="1" noTextEdit="1"/>
-          </p:cNvSpPr>
-          <p:nvPr>
-            <p:extLst>
-              <p:ext uri="{386F3935-93C4-4BCD-93E2-E3B085C9AB24}">
-                <p16:designElem xmlns:p16="http://schemas.microsoft.com/office/powerpoint/2015/main" val="1"/>
-              </p:ext>
-            </p:extLst>
-          </p:nvPr>
-        </p:nvSpPr>
-        <p:spPr>
-          <a:xfrm>
-            <a:off x="0" y="0"/>
-            <a:ext cx="182880" cy="6858000"/>
-          </a:xfrm>
-          <a:prstGeom prst="rect">
-            <a:avLst/>
-          </a:prstGeom>
-          <a:solidFill>
-            <a:srgbClr val="373955"/>
-          </a:solidFill>
-          <a:ln>
-            <a:solidFill>
-              <a:srgbClr val="373955"/>
-            </a:solidFill>
-          </a:ln>
-          <a:effectLst/>
-        </p:spPr>
-        <p:style>
-          <a:lnRef idx="1">
-            <a:schemeClr val="accent1"/>
-          </a:lnRef>
-          <a:fillRef idx="3">
-            <a:schemeClr val="accent1"/>
-          </a:fillRef>
-          <a:effectRef idx="2">
-            <a:schemeClr val="accent1"/>
-          </a:effectRef>
-          <a:fontRef idx="minor">
-            <a:schemeClr val="lt1"/>
-          </a:fontRef>
-        </p:style>
-      </p:sp>
-      <p:sp>
-        <p:nvSpPr>
-          <p:cNvPr id="93" name="Freeform 11">
-            <a:extLst>
-              <a:ext uri="{FF2B5EF4-FFF2-40B4-BE49-F238E27FC236}">
-                <a16:creationId xmlns:a16="http://schemas.microsoft.com/office/drawing/2014/main" id="{2513384B-399F-47B1-9ABD-172607AA4E6E}"/>
-              </a:ext>
-              <a:ext uri="{C183D7F6-B498-43B3-948B-1728B52AA6E4}">
-                <adec:decorative xmlns:adec="http://schemas.microsoft.com/office/drawing/2017/decorative" val="1"/>
-              </a:ext>
-            </a:extLst>
-          </p:cNvPr>
-          <p:cNvSpPr>
-            <a:spLocks noGrp="1" noRot="1" noChangeAspect="1" noMove="1" noResize="1" noEditPoints="1" noAdjustHandles="1" noChangeArrowheads="1" noChangeShapeType="1" noTextEdit="1"/>
-          </p:cNvSpPr>
-          <p:nvPr>
-            <p:extLst>
-              <p:ext uri="{386F3935-93C4-4BCD-93E2-E3B085C9AB24}">
-                <p16:designElem xmlns:p16="http://schemas.microsoft.com/office/powerpoint/2015/main" val="1"/>
-              </p:ext>
-            </p:extLst>
-          </p:nvPr>
-        </p:nvSpPr>
-        <p:spPr bwMode="auto">
-          <a:xfrm flipV="1">
-            <a:off x="-4189" y="714375"/>
-            <a:ext cx="1588527" cy="507297"/>
-          </a:xfrm>
-          <a:custGeom>
-            <a:avLst/>
-            <a:gdLst/>
-            <a:ahLst/>
-            <a:cxnLst/>
-            <a:rect l="l" t="t" r="r" b="b"/>
-            <a:pathLst>
-              <a:path w="9248" h="10000">
-                <a:moveTo>
-                  <a:pt x="9248" y="4701"/>
-                </a:moveTo>
-                <a:lnTo>
-                  <a:pt x="7915" y="188"/>
-                </a:lnTo>
-                <a:cubicBezTo>
-                  <a:pt x="7906" y="156"/>
-                  <a:pt x="7895" y="126"/>
-                  <a:pt x="7886" y="94"/>
-                </a:cubicBezTo>
-                <a:cubicBezTo>
-                  <a:pt x="7859" y="0"/>
-                  <a:pt x="7831" y="0"/>
-                  <a:pt x="7803" y="0"/>
-                </a:cubicBezTo>
-                <a:lnTo>
-                  <a:pt x="7275" y="0"/>
-                </a:lnTo>
-                <a:lnTo>
-                  <a:pt x="0" y="70"/>
-                </a:lnTo>
-                <a:cubicBezTo>
-                  <a:pt x="8" y="3380"/>
-                  <a:pt x="17" y="6690"/>
-                  <a:pt x="25" y="10000"/>
-                </a:cubicBezTo>
-                <a:lnTo>
-                  <a:pt x="7275" y="9966"/>
-                </a:lnTo>
-                <a:lnTo>
-                  <a:pt x="7803" y="9966"/>
-                </a:lnTo>
-                <a:cubicBezTo>
-                  <a:pt x="7831" y="9966"/>
-                  <a:pt x="7859" y="9872"/>
-                  <a:pt x="7886" y="9872"/>
-                </a:cubicBezTo>
-                <a:cubicBezTo>
-                  <a:pt x="7886" y="9778"/>
-                  <a:pt x="7915" y="9778"/>
-                  <a:pt x="7915" y="9778"/>
-                </a:cubicBezTo>
-                <a:lnTo>
-                  <a:pt x="9248" y="5265"/>
-                </a:lnTo>
-                <a:cubicBezTo>
-                  <a:pt x="9303" y="5077"/>
-                  <a:pt x="9303" y="4889"/>
-                  <a:pt x="9248" y="4701"/>
-                </a:cubicBezTo>
-                <a:close/>
-              </a:path>
-            </a:pathLst>
-          </a:custGeom>
-          <a:solidFill>
-            <a:schemeClr val="accent1"/>
-          </a:solidFill>
-          <a:ln>
-            <a:noFill/>
-          </a:ln>
-        </p:spPr>
-      </p:sp>
-      <p:sp>
-        <p:nvSpPr>
-          <p:cNvPr id="3" name="Content Placeholder 2">
-            <a:extLst>
-              <a:ext uri="{FF2B5EF4-FFF2-40B4-BE49-F238E27FC236}">
-                <a16:creationId xmlns:a16="http://schemas.microsoft.com/office/drawing/2014/main" id="{D5C6D999-65D6-4EE9-9528-22AEAA589580}"/>
-              </a:ext>
-            </a:extLst>
-          </p:cNvPr>
-          <p:cNvSpPr>
-            <a:spLocks noGrp="1"/>
-          </p:cNvSpPr>
-          <p:nvPr>
-            <p:ph idx="1"/>
-          </p:nvPr>
-        </p:nvSpPr>
-        <p:spPr>
-          <a:xfrm>
-            <a:off x="2355055" y="1710267"/>
-            <a:ext cx="8862484" cy="3777622"/>
-          </a:xfrm>
-        </p:spPr>
-        <p:txBody>
-          <a:bodyPr vert="horz" lIns="91440" tIns="45720" rIns="91440" bIns="45720" rtlCol="0" anchor="t">
-            <a:normAutofit/>
-          </a:bodyPr>
-          <a:lstStyle/>
-          <a:p>
-            <a:pPr>
-              <a:buNone/>
-            </a:pPr>
-            <a:r>
-              <a:rPr lang="en-US" sz="2400" dirty="0">
-                <a:ea typeface="+mn-lt"/>
-                <a:cs typeface="+mn-lt"/>
-              </a:rPr>
-              <a:t>   </a:t>
-            </a:r>
-            <a:r>
-              <a:rPr lang="en-US" sz="2400" dirty="0">
-                <a:latin typeface="Biome"/>
-                <a:ea typeface="+mn-lt"/>
-                <a:cs typeface="+mn-lt"/>
-              </a:rPr>
-              <a:t> </a:t>
-            </a:r>
-            <a:endParaRPr lang="en" sz="2400" dirty="0">
-              <a:latin typeface="Biome"/>
-            </a:endParaRPr>
-          </a:p>
-          <a:p>
-            <a:pPr>
-              <a:buNone/>
-            </a:pPr>
-            <a:endParaRPr lang="en-US" sz="2400" dirty="0">
-              <a:latin typeface="Biome"/>
-              <a:ea typeface="+mn-lt"/>
-              <a:cs typeface="Biome"/>
-            </a:endParaRPr>
-          </a:p>
-        </p:txBody>
-      </p:sp>
-      <p:sp>
-        <p:nvSpPr>
-          <p:cNvPr id="4" name="TextBox 3">
-            <a:extLst>
-              <a:ext uri="{FF2B5EF4-FFF2-40B4-BE49-F238E27FC236}">
-                <a16:creationId xmlns:a16="http://schemas.microsoft.com/office/drawing/2014/main" id="{72E298A3-0797-4FCE-952A-201E5020658B}"/>
-              </a:ext>
-            </a:extLst>
-          </p:cNvPr>
-          <p:cNvSpPr txBox="1"/>
-          <p:nvPr/>
-        </p:nvSpPr>
-        <p:spPr>
-          <a:xfrm>
             <a:off x="8343901" y="6057901"/>
             <a:ext cx="3568699" cy="646331"/>
           </a:xfrm>
@@ -16085,7 +10551,7 @@
 </p:sld>
 </file>
 
-<file path=ppt/slides/slide14.xml><?xml version="1.0" encoding="utf-8"?>
+<file path=ppt/slides/slide13.xml><?xml version="1.0" encoding="utf-8"?>
 <p:sld xmlns:a="http://schemas.openxmlformats.org/drawingml/2006/main" xmlns:r="http://schemas.openxmlformats.org/officeDocument/2006/relationships" xmlns:p="http://schemas.openxmlformats.org/presentationml/2006/main">
   <p:cSld>
     <p:bg>
@@ -17387,7 +11853,7 @@
 </p:sld>
 </file>
 
-<file path=ppt/slides/slide15.xml><?xml version="1.0" encoding="utf-8"?>
+<file path=ppt/slides/slide14.xml><?xml version="1.0" encoding="utf-8"?>
 <p:sld xmlns:a="http://schemas.openxmlformats.org/drawingml/2006/main" xmlns:r="http://schemas.openxmlformats.org/officeDocument/2006/relationships" xmlns:p="http://schemas.openxmlformats.org/presentationml/2006/main">
   <p:cSld>
     <p:bg>
@@ -18135,7 +12601,7 @@
 </p:sld>
 </file>
 
-<file path=ppt/slides/slide16.xml><?xml version="1.0" encoding="utf-8"?>
+<file path=ppt/slides/slide15.xml><?xml version="1.0" encoding="utf-8"?>
 <p:sld xmlns:a="http://schemas.openxmlformats.org/drawingml/2006/main" xmlns:r="http://schemas.openxmlformats.org/officeDocument/2006/relationships" xmlns:p="http://schemas.openxmlformats.org/presentationml/2006/main">
   <p:cSld>
     <p:bg>
@@ -18820,7 +13286,7 @@
 </p:sld>
 </file>
 
-<file path=ppt/slides/slide17.xml><?xml version="1.0" encoding="utf-8"?>
+<file path=ppt/slides/slide16.xml><?xml version="1.0" encoding="utf-8"?>
 <p:sld xmlns:a="http://schemas.openxmlformats.org/drawingml/2006/main" xmlns:r="http://schemas.openxmlformats.org/officeDocument/2006/relationships" xmlns:p="http://schemas.openxmlformats.org/presentationml/2006/main">
   <p:cSld>
     <p:bg>
@@ -19100,9 +13566,8 @@
                 <a:latin typeface="Biome"/>
                 <a:cs typeface="Biome"/>
               </a:rPr>
-              <a:t>Text Search Engine</a:t>
-            </a:r>
-            <a:endParaRPr lang="en-US" dirty="0"/>
+              <a:t>QA-Implementation</a:t>
+            </a:r>
           </a:p>
         </p:txBody>
       </p:sp>
@@ -19279,7 +13744,7 @@
         </p:nvSpPr>
         <p:spPr>
           <a:xfrm>
-            <a:off x="2259805" y="1710267"/>
+            <a:off x="2355055" y="1710267"/>
             <a:ext cx="8862484" cy="3777622"/>
           </a:xfrm>
         </p:spPr>
@@ -19305,53 +13770,11 @@
                 <a:ea typeface="+mn-lt"/>
                 <a:cs typeface="+mn-lt"/>
               </a:rPr>
-              <a:t>  It is a tool that compare the keywords or semantics users input against a database of texts, and then return the results that meet certain criteria.</a:t>
-            </a:r>
-          </a:p>
-          <a:p>
-            <a:pPr>
-              <a:buNone/>
-            </a:pPr>
-            <a:endParaRPr lang="en-US" sz="2400" dirty="0">
-              <a:latin typeface="Century Gothic"/>
-              <a:ea typeface="+mn-lt"/>
-              <a:cs typeface="+mn-lt"/>
+              <a:t> </a:t>
+            </a:r>
+            <a:endParaRPr lang="en" sz="2400" dirty="0">
+              <a:latin typeface="Biome"/>
             </a:endParaRPr>
-          </a:p>
-          <a:p>
-            <a:pPr>
-              <a:buNone/>
-            </a:pPr>
-            <a:r>
-              <a:rPr lang="en-US" sz="2400" dirty="0">
-                <a:latin typeface="Biome"/>
-                <a:ea typeface="+mn-lt"/>
-                <a:cs typeface="+mn-lt"/>
-              </a:rPr>
-              <a:t>      The ML model and third-party software used include:</a:t>
-            </a:r>
-          </a:p>
-          <a:p>
-            <a:pPr lvl="1"/>
-            <a:r>
-              <a:rPr lang="en-US" sz="2200" dirty="0">
-                <a:latin typeface="Biome"/>
-                <a:ea typeface="+mn-lt"/>
-                <a:cs typeface="+mn-lt"/>
-              </a:rPr>
-              <a:t>BERT;</a:t>
-            </a:r>
-          </a:p>
-          <a:p>
-            <a:pPr lvl="1"/>
-            <a:r>
-              <a:rPr lang="en-US" sz="2200" dirty="0">
-                <a:latin typeface="Biome"/>
-                <a:ea typeface="+mn-lt"/>
-                <a:cs typeface="+mn-lt"/>
-              </a:rPr>
-              <a:t>MySQL</a:t>
-            </a:r>
           </a:p>
           <a:p>
             <a:pPr>
@@ -19380,7 +13803,7 @@
         <p:spPr>
           <a:xfrm>
             <a:off x="9275234" y="6057901"/>
-            <a:ext cx="2637366" cy="369332"/>
+            <a:ext cx="2637366" cy="646331"/>
           </a:xfrm>
           <a:prstGeom prst="rect">
             <a:avLst/>
@@ -19399,17 +13822,60 @@
             <a:r>
               <a:rPr lang="en-US" i="1" dirty="0">
                 <a:latin typeface="Biome"/>
-                <a:cs typeface="Biome"/>
-              </a:rPr>
-              <a:t>Text Search Engine</a:t>
-            </a:r>
+                <a:ea typeface="+mn-lt"/>
+                <a:cs typeface="+mn-lt"/>
+              </a:rPr>
+              <a:t>Question Answering</a:t>
+            </a:r>
+            <a:endParaRPr lang="en-US" dirty="0">
+              <a:latin typeface="Biome"/>
+              <a:ea typeface="+mn-lt"/>
+              <a:cs typeface="+mn-lt"/>
+            </a:endParaRPr>
+          </a:p>
+          <a:p>
+            <a:pPr algn="r"/>
+            <a:endParaRPr lang="en-US" i="1" dirty="0">
+              <a:latin typeface="Biome"/>
+              <a:cs typeface="Biome"/>
+            </a:endParaRPr>
           </a:p>
         </p:txBody>
       </p:sp>
+      <p:pic>
+        <p:nvPicPr>
+          <p:cNvPr id="5" name="Picture 5" descr="Diagram&#10;&#10;Description automatically generated">
+            <a:extLst>
+              <a:ext uri="{FF2B5EF4-FFF2-40B4-BE49-F238E27FC236}">
+                <a16:creationId xmlns:a16="http://schemas.microsoft.com/office/drawing/2014/main" id="{ABC9D2A9-C028-4AFD-AEAA-9DCE7CB5C819}"/>
+              </a:ext>
+            </a:extLst>
+          </p:cNvPr>
+          <p:cNvPicPr>
+            <a:picLocks noChangeAspect="1"/>
+          </p:cNvPicPr>
+          <p:nvPr/>
+        </p:nvPicPr>
+        <p:blipFill>
+          <a:blip r:embed="rId3"/>
+          <a:stretch>
+            <a:fillRect/>
+          </a:stretch>
+        </p:blipFill>
+        <p:spPr>
+          <a:xfrm>
+            <a:off x="1708150" y="1772231"/>
+            <a:ext cx="9463616" cy="3705122"/>
+          </a:xfrm>
+          <a:prstGeom prst="rect">
+            <a:avLst/>
+          </a:prstGeom>
+        </p:spPr>
+      </p:pic>
     </p:spTree>
     <p:extLst>
       <p:ext uri="{BB962C8B-B14F-4D97-AF65-F5344CB8AC3E}">
-        <p14:creationId xmlns:p14="http://schemas.microsoft.com/office/powerpoint/2010/main" val="2076402078"/>
+        <p14:creationId xmlns:p14="http://schemas.microsoft.com/office/powerpoint/2010/main" val="2355785671"/>
       </p:ext>
     </p:extLst>
   </p:cSld>
@@ -19446,7 +13912,7 @@
 </p:sld>
 </file>
 
-<file path=ppt/slides/slide18.xml><?xml version="1.0" encoding="utf-8"?>
+<file path=ppt/slides/slide17.xml><?xml version="1.0" encoding="utf-8"?>
 <p:sld xmlns:a="http://schemas.openxmlformats.org/drawingml/2006/main" xmlns:r="http://schemas.openxmlformats.org/officeDocument/2006/relationships" xmlns:p="http://schemas.openxmlformats.org/presentationml/2006/main">
   <p:cSld>
     <p:bg>
@@ -19726,7 +14192,7 @@
                 <a:latin typeface="Biome"/>
                 <a:cs typeface="Biome"/>
               </a:rPr>
-              <a:t>TSE-Implementation</a:t>
+              <a:t>Text Search Engine</a:t>
             </a:r>
             <a:endParaRPr lang="en-US" dirty="0"/>
           </a:p>
@@ -19918,11 +14384,66 @@
             <a:pPr>
               <a:buNone/>
             </a:pPr>
-            <a:endParaRPr lang="en-US" sz="2400">
-              <a:latin typeface="Biome"/>
+            <a:r>
+              <a:rPr lang="en-US" sz="2400" dirty="0">
+                <a:ea typeface="+mn-lt"/>
+                <a:cs typeface="+mn-lt"/>
+              </a:rPr>
+              <a:t>   </a:t>
+            </a:r>
+            <a:r>
+              <a:rPr lang="en-US" sz="2400" dirty="0">
+                <a:latin typeface="Biome"/>
+                <a:ea typeface="+mn-lt"/>
+                <a:cs typeface="+mn-lt"/>
+              </a:rPr>
+              <a:t>  It is a tool that compare the keywords or semantics users input against a database of texts, and then return the results that meet certain criteria.</a:t>
+            </a:r>
+          </a:p>
+          <a:p>
+            <a:pPr>
+              <a:buNone/>
+            </a:pPr>
+            <a:endParaRPr lang="en-US" sz="2400" dirty="0">
+              <a:latin typeface="Century Gothic"/>
               <a:ea typeface="+mn-lt"/>
               <a:cs typeface="+mn-lt"/>
             </a:endParaRPr>
+          </a:p>
+          <a:p>
+            <a:pPr>
+              <a:buNone/>
+            </a:pPr>
+            <a:r>
+              <a:rPr lang="en-US" sz="2400" dirty="0">
+                <a:latin typeface="Biome"/>
+                <a:ea typeface="+mn-lt"/>
+                <a:cs typeface="+mn-lt"/>
+              </a:rPr>
+              <a:t>      The ML model and third-party software used include:</a:t>
+            </a:r>
+          </a:p>
+          <a:p>
+            <a:pPr lvl="1"/>
+            <a:r>
+              <a:rPr lang="en-US" sz="2200" dirty="0">
+                <a:latin typeface="Biome"/>
+                <a:ea typeface="+mn-lt"/>
+                <a:cs typeface="+mn-lt"/>
+              </a:rPr>
+              <a:t>BERT;</a:t>
+            </a:r>
+          </a:p>
+          <a:p>
+            <a:pPr lvl="1"/>
+            <a:r>
+              <a:rPr lang="en-US" sz="2200" dirty="0">
+                <a:latin typeface="Biome"/>
+                <a:ea typeface="+mn-lt"/>
+                <a:cs typeface="+mn-lt"/>
+              </a:rPr>
+              <a:t>MySQL</a:t>
+            </a:r>
           </a:p>
           <a:p>
             <a:pPr>
@@ -19977,40 +14498,10 @@
           </a:p>
         </p:txBody>
       </p:sp>
-      <p:pic>
-        <p:nvPicPr>
-          <p:cNvPr id="5" name="Picture 5" descr="Diagram&#10;&#10;Description automatically generated">
-            <a:extLst>
-              <a:ext uri="{FF2B5EF4-FFF2-40B4-BE49-F238E27FC236}">
-                <a16:creationId xmlns:a16="http://schemas.microsoft.com/office/drawing/2014/main" id="{D42D9EE4-923C-41CF-801B-CD24C62EEAA6}"/>
-              </a:ext>
-            </a:extLst>
-          </p:cNvPr>
-          <p:cNvPicPr>
-            <a:picLocks noChangeAspect="1"/>
-          </p:cNvPicPr>
-          <p:nvPr/>
-        </p:nvPicPr>
-        <p:blipFill>
-          <a:blip r:embed="rId3"/>
-          <a:stretch>
-            <a:fillRect/>
-          </a:stretch>
-        </p:blipFill>
-        <p:spPr>
-          <a:xfrm>
-            <a:off x="2618317" y="1594943"/>
-            <a:ext cx="8034866" cy="4271364"/>
-          </a:xfrm>
-          <a:prstGeom prst="rect">
-            <a:avLst/>
-          </a:prstGeom>
-        </p:spPr>
-      </p:pic>
     </p:spTree>
     <p:extLst>
       <p:ext uri="{BB962C8B-B14F-4D97-AF65-F5344CB8AC3E}">
-        <p14:creationId xmlns:p14="http://schemas.microsoft.com/office/powerpoint/2010/main" val="1320378831"/>
+        <p14:creationId xmlns:p14="http://schemas.microsoft.com/office/powerpoint/2010/main" val="2076402078"/>
       </p:ext>
     </p:extLst>
   </p:cSld>
@@ -20047,7 +14538,7 @@
 </p:sld>
 </file>
 
-<file path=ppt/slides/slide19.xml><?xml version="1.0" encoding="utf-8"?>
+<file path=ppt/slides/slide18.xml><?xml version="1.0" encoding="utf-8"?>
 <p:sld xmlns:a="http://schemas.openxmlformats.org/drawingml/2006/main" xmlns:r="http://schemas.openxmlformats.org/officeDocument/2006/relationships" xmlns:p="http://schemas.openxmlformats.org/presentationml/2006/main">
   <p:cSld>
     <p:bg>
@@ -20800,7 +15291,7 @@
 </p:sld>
 </file>
 
-<file path=ppt/slides/slide2.xml><?xml version="1.0" encoding="utf-8"?>
+<file path=ppt/slides/slide19.xml><?xml version="1.0" encoding="utf-8"?>
 <p:sld xmlns:a="http://schemas.openxmlformats.org/drawingml/2006/main" xmlns:r="http://schemas.openxmlformats.org/officeDocument/2006/relationships" xmlns:p="http://schemas.openxmlformats.org/presentationml/2006/main">
   <p:cSld>
     <p:bg>
@@ -20998,7 +15489,10 @@
           </a:lstStyle>
           <a:p>
             <a:pPr algn="ctr"/>
-            <a:endParaRPr lang="en-US"/>
+            <a:r>
+              <a:rPr lang="en-US" dirty="0"/>
+              <a:t>BERT</a:t>
+            </a:r>
           </a:p>
         </p:txBody>
       </p:sp>
@@ -21040,48 +15534,6 @@
           </a:prstGeom>
         </p:spPr>
       </p:pic>
-      <p:sp>
-        <p:nvSpPr>
-          <p:cNvPr id="2" name="Title 1">
-            <a:extLst>
-              <a:ext uri="{FF2B5EF4-FFF2-40B4-BE49-F238E27FC236}">
-                <a16:creationId xmlns:a16="http://schemas.microsoft.com/office/drawing/2014/main" id="{EE402CF0-08BA-4A76-BB35-3F8A866D0C66}"/>
-              </a:ext>
-            </a:extLst>
-          </p:cNvPr>
-          <p:cNvSpPr>
-            <a:spLocks noGrp="1"/>
-          </p:cNvSpPr>
-          <p:nvPr>
-            <p:ph type="title"/>
-          </p:nvPr>
-        </p:nvSpPr>
-        <p:spPr>
-          <a:xfrm>
-            <a:off x="1905008" y="677027"/>
-            <a:ext cx="8911687" cy="1280890"/>
-          </a:xfrm>
-        </p:spPr>
-        <p:txBody>
-          <a:bodyPr vert="horz" lIns="91440" tIns="45720" rIns="91440" bIns="45720" rtlCol="0">
-            <a:normAutofit/>
-          </a:bodyPr>
-          <a:lstStyle/>
-          <a:p>
-            <a:pPr algn="ctr"/>
-            <a:r>
-              <a:rPr lang="en-US" sz="4800" dirty="0">
-                <a:solidFill>
-                  <a:srgbClr val="373955"/>
-                </a:solidFill>
-                <a:latin typeface="Biome"/>
-                <a:cs typeface="Biome"/>
-              </a:rPr>
-              <a:t>Objective</a:t>
-            </a:r>
-          </a:p>
-        </p:txBody>
-      </p:sp>
       <p:sp>
         <p:nvSpPr>
           <p:cNvPr id="91" name="Rectangle 90">
@@ -21255,8 +15707,8 @@
         </p:nvSpPr>
         <p:spPr>
           <a:xfrm>
-            <a:off x="2589212" y="2133600"/>
-            <a:ext cx="8915400" cy="3777622"/>
+            <a:off x="2355055" y="1710267"/>
+            <a:ext cx="8862484" cy="3777622"/>
           </a:xfrm>
         </p:spPr>
         <p:txBody>
@@ -21265,34 +15717,37 @@
           </a:bodyPr>
           <a:lstStyle/>
           <a:p>
-            <a:pPr marL="0" indent="0">
-              <a:buClr>
-                <a:srgbClr val="D38326"/>
-              </a:buClr>
+            <a:pPr>
               <a:buNone/>
             </a:pPr>
             <a:r>
               <a:rPr lang="en-US" sz="2400" dirty="0">
-                <a:latin typeface="Biome"/>
-                <a:cs typeface="Biome"/>
-              </a:rPr>
-              <a:t>The aim of the project is to create a question answering system capable of answering questions regarding the information contained on the </a:t>
+                <a:ea typeface="+mn-lt"/>
+                <a:cs typeface="+mn-lt"/>
+              </a:rPr>
+              <a:t>   </a:t>
             </a:r>
             <a:r>
               <a:rPr lang="en-US" sz="2400" dirty="0">
                 <a:latin typeface="Biome"/>
-                <a:cs typeface="Biome"/>
-                <a:hlinkClick r:id="rId3"/>
-              </a:rPr>
-              <a:t>Filippetti Group</a:t>
-            </a:r>
-            <a:r>
-              <a:rPr lang="en-US" sz="2400" dirty="0">
-                <a:latin typeface="Biome"/>
-                <a:cs typeface="Biome"/>
-              </a:rPr>
-              <a:t> website.</a:t>
-            </a:r>
+                <a:ea typeface="+mn-lt"/>
+                <a:cs typeface="+mn-lt"/>
+              </a:rPr>
+              <a:t> </a:t>
+            </a:r>
+            <a:endParaRPr lang="en" sz="2400" dirty="0">
+              <a:latin typeface="Biome"/>
+            </a:endParaRPr>
+          </a:p>
+          <a:p>
+            <a:pPr>
+              <a:buNone/>
+            </a:pPr>
+            <a:endParaRPr lang="en-US" sz="2400" dirty="0">
+              <a:latin typeface="Biome"/>
+              <a:ea typeface="+mn-lt"/>
+              <a:cs typeface="Biome"/>
+            </a:endParaRPr>
           </a:p>
         </p:txBody>
       </p:sp>
@@ -21301,7 +15756,7 @@
           <p:cNvPr id="4" name="TextBox 3">
             <a:extLst>
               <a:ext uri="{FF2B5EF4-FFF2-40B4-BE49-F238E27FC236}">
-                <a16:creationId xmlns:a16="http://schemas.microsoft.com/office/drawing/2014/main" id="{1F2BBCFB-FD3E-4297-8B11-18FE8D1A2F2D}"/>
+                <a16:creationId xmlns:a16="http://schemas.microsoft.com/office/drawing/2014/main" id="{72E298A3-0797-4FCE-952A-201E5020658B}"/>
               </a:ext>
             </a:extLst>
           </p:cNvPr>
@@ -21310,8 +15765,8 @@
         </p:nvSpPr>
         <p:spPr>
           <a:xfrm>
-            <a:off x="9994901" y="5994401"/>
-            <a:ext cx="1631950" cy="369332"/>
+            <a:off x="8587318" y="6057901"/>
+            <a:ext cx="3325282" cy="369332"/>
           </a:xfrm>
           <a:prstGeom prst="rect">
             <a:avLst/>
@@ -21333,46 +15788,391 @@
                 <a:ea typeface="+mn-lt"/>
                 <a:cs typeface="+mn-lt"/>
               </a:rPr>
-              <a:t>Objective</a:t>
-            </a:r>
-            <a:endParaRPr lang="en-US" dirty="0"/>
+              <a:t>Text Search Engine-Server</a:t>
+            </a:r>
+            <a:endParaRPr lang="en-US" dirty="0">
+              <a:latin typeface="Biome"/>
+            </a:endParaRPr>
           </a:p>
         </p:txBody>
       </p:sp>
-      <p:pic>
-        <p:nvPicPr>
-          <p:cNvPr id="6" name="Picture 6" descr="Icon&#10;&#10;Description automatically generated">
+      <p:sp>
+        <p:nvSpPr>
+          <p:cNvPr id="5" name="TextBox 4">
             <a:extLst>
               <a:ext uri="{FF2B5EF4-FFF2-40B4-BE49-F238E27FC236}">
-                <a16:creationId xmlns:a16="http://schemas.microsoft.com/office/drawing/2014/main" id="{703636AE-622D-4B6F-BD69-4BF6AE882464}"/>
+                <a16:creationId xmlns:a16="http://schemas.microsoft.com/office/drawing/2014/main" id="{582C0EC0-91C9-41F7-AF33-D9E16D0D227A}"/>
               </a:ext>
             </a:extLst>
           </p:cNvPr>
-          <p:cNvPicPr>
-            <a:picLocks noChangeAspect="1"/>
-          </p:cNvPicPr>
+          <p:cNvSpPr txBox="1"/>
           <p:nvPr/>
-        </p:nvPicPr>
-        <p:blipFill>
-          <a:blip r:embed="rId4"/>
-          <a:stretch>
-            <a:fillRect/>
-          </a:stretch>
-        </p:blipFill>
+        </p:nvSpPr>
         <p:spPr>
           <a:xfrm>
-            <a:off x="3652837" y="3665886"/>
-            <a:ext cx="6791325" cy="1824132"/>
+            <a:off x="2353733" y="1168400"/>
+            <a:ext cx="8828616" cy="5632311"/>
           </a:xfrm>
           <a:prstGeom prst="rect">
             <a:avLst/>
           </a:prstGeom>
+          <a:noFill/>
         </p:spPr>
-      </p:pic>
+        <p:txBody>
+          <a:bodyPr rot="0" spcFirstLastPara="0" vertOverflow="overflow" horzOverflow="overflow" vert="horz" wrap="square" lIns="91440" tIns="45720" rIns="91440" bIns="45720" numCol="1" spcCol="0" rtlCol="0" fromWordArt="0" anchor="t" anchorCtr="0" forceAA="0" compatLnSpc="1">
+            <a:prstTxWarp prst="textNoShape">
+              <a:avLst/>
+            </a:prstTxWarp>
+            <a:spAutoFit/>
+          </a:bodyPr>
+          <a:lstStyle/>
+          <a:p>
+            <a:pPr marL="342900" indent="-342900">
+              <a:buFont typeface="Arial"/>
+              <a:buChar char="•"/>
+            </a:pPr>
+            <a:r>
+              <a:rPr lang="en-US" sz="2000" dirty="0">
+                <a:latin typeface="Biome"/>
+                <a:cs typeface="Biome"/>
+              </a:rPr>
+              <a:t>Install requirements</a:t>
+            </a:r>
+          </a:p>
+          <a:p>
+            <a:r>
+              <a:rPr lang="en-US" sz="1400" dirty="0">
+                <a:latin typeface="Amasis MT Pro"/>
+                <a:ea typeface="+mn-lt"/>
+                <a:cs typeface="+mn-lt"/>
+              </a:rPr>
+              <a:t>$ apt-get update &amp;&amp; apt-get install python3-pip python3 -y &amp;&amp; apt-get install </a:t>
+            </a:r>
+            <a:r>
+              <a:rPr lang="en-US" sz="1400" dirty="0" err="1">
+                <a:latin typeface="Amasis MT Pro"/>
+                <a:ea typeface="+mn-lt"/>
+                <a:cs typeface="+mn-lt"/>
+              </a:rPr>
+              <a:t>wget</a:t>
+            </a:r>
+            <a:r>
+              <a:rPr lang="en-US" sz="1400" dirty="0">
+                <a:latin typeface="Amasis MT Pro"/>
+                <a:ea typeface="+mn-lt"/>
+                <a:cs typeface="+mn-lt"/>
+              </a:rPr>
+              <a:t> -y &amp;&amp; apt-get install zip –y</a:t>
+            </a:r>
+          </a:p>
+          <a:p>
+            <a:r>
+              <a:rPr lang="en-US" sz="1400" dirty="0">
+                <a:latin typeface="Amasis MT Pro"/>
+                <a:ea typeface="+mn-lt"/>
+                <a:cs typeface="+mn-lt"/>
+              </a:rPr>
+              <a:t>$ cd server</a:t>
+            </a:r>
+          </a:p>
+          <a:p>
+            <a:r>
+              <a:rPr lang="en-US" sz="1400" dirty="0">
+                <a:latin typeface="Amasis MT Pro"/>
+                <a:ea typeface="+mn-lt"/>
+                <a:cs typeface="+mn-lt"/>
+              </a:rPr>
+              <a:t>$ cd </a:t>
+            </a:r>
+            <a:r>
+              <a:rPr lang="en-US" sz="1400" dirty="0" err="1">
+                <a:latin typeface="Amasis MT Pro"/>
+                <a:ea typeface="+mn-lt"/>
+                <a:cs typeface="+mn-lt"/>
+              </a:rPr>
+              <a:t>src</a:t>
+            </a:r>
+            <a:endParaRPr lang="en-US" sz="1400">
+              <a:latin typeface="Amasis MT Pro"/>
+              <a:ea typeface="+mn-lt"/>
+              <a:cs typeface="+mn-lt"/>
+            </a:endParaRPr>
+          </a:p>
+          <a:p>
+            <a:r>
+              <a:rPr lang="en-US" sz="1400" dirty="0">
+                <a:latin typeface="Amasis MT Pro"/>
+                <a:ea typeface="+mn-lt"/>
+                <a:cs typeface="+mn-lt"/>
+              </a:rPr>
+              <a:t>$ pip3 --default-timeout=1000 install -r /requirements.txt</a:t>
+            </a:r>
+          </a:p>
+          <a:p>
+            <a:pPr marL="285750" indent="-285750">
+              <a:buFont typeface="Arial"/>
+              <a:buChar char="•"/>
+            </a:pPr>
+            <a:endParaRPr lang="en-US" sz="2000" dirty="0">
+              <a:latin typeface="Biome"/>
+              <a:ea typeface="+mn-lt"/>
+              <a:cs typeface="Biome"/>
+            </a:endParaRPr>
+          </a:p>
+          <a:p>
+            <a:pPr marL="285750" indent="-285750">
+              <a:buFont typeface="Arial"/>
+              <a:buChar char="•"/>
+            </a:pPr>
+            <a:r>
+              <a:rPr lang="en-US" sz="2000" dirty="0">
+                <a:latin typeface="Biome"/>
+                <a:ea typeface="+mn-lt"/>
+                <a:cs typeface="+mn-lt"/>
+              </a:rPr>
+              <a:t>Get the models</a:t>
+            </a:r>
+          </a:p>
+          <a:p>
+            <a:r>
+              <a:rPr lang="en-US" sz="1400" dirty="0">
+                <a:latin typeface="Amasis MT Pro"/>
+                <a:ea typeface="+mn-lt"/>
+                <a:cs typeface="+mn-lt"/>
+              </a:rPr>
+              <a:t>$ cd </a:t>
+            </a:r>
+            <a:r>
+              <a:rPr lang="en-US" sz="1400" dirty="0" err="1">
+                <a:latin typeface="Amasis MT Pro"/>
+                <a:ea typeface="+mn-lt"/>
+                <a:cs typeface="+mn-lt"/>
+              </a:rPr>
+              <a:t>src</a:t>
+            </a:r>
+            <a:endParaRPr lang="en-US" sz="1400" dirty="0">
+              <a:latin typeface="Amasis MT Pro"/>
+              <a:ea typeface="+mn-lt"/>
+              <a:cs typeface="+mn-lt"/>
+            </a:endParaRPr>
+          </a:p>
+          <a:p>
+            <a:r>
+              <a:rPr lang="en-US" sz="1400" dirty="0">
+                <a:latin typeface="Amasis MT Pro"/>
+                <a:ea typeface="+mn-lt"/>
+                <a:cs typeface="+mn-lt"/>
+              </a:rPr>
+              <a:t>$ </a:t>
+            </a:r>
+            <a:r>
+              <a:rPr lang="en-US" sz="1400" dirty="0" err="1">
+                <a:latin typeface="Amasis MT Pro"/>
+                <a:ea typeface="+mn-lt"/>
+                <a:cs typeface="+mn-lt"/>
+              </a:rPr>
+              <a:t>mkdir</a:t>
+            </a:r>
+            <a:r>
+              <a:rPr lang="en-US" sz="1400" dirty="0">
+                <a:latin typeface="Amasis MT Pro"/>
+                <a:ea typeface="+mn-lt"/>
+                <a:cs typeface="+mn-lt"/>
+              </a:rPr>
+              <a:t> models</a:t>
+            </a:r>
+          </a:p>
+          <a:p>
+            <a:r>
+              <a:rPr lang="en-US" sz="1400" dirty="0">
+                <a:latin typeface="Amasis MT Pro"/>
+                <a:ea typeface="+mn-lt"/>
+                <a:cs typeface="+mn-lt"/>
+              </a:rPr>
+              <a:t>$ cd models</a:t>
+            </a:r>
+          </a:p>
+          <a:p>
+            <a:r>
+              <a:rPr lang="en-US" sz="1400" dirty="0">
+                <a:latin typeface="Amasis MT Pro"/>
+                <a:ea typeface="+mn-lt"/>
+                <a:cs typeface="+mn-lt"/>
+              </a:rPr>
+              <a:t>$ </a:t>
+            </a:r>
+            <a:r>
+              <a:rPr lang="en-US" sz="1400" dirty="0" err="1">
+                <a:latin typeface="Amasis MT Pro"/>
+                <a:ea typeface="+mn-lt"/>
+                <a:cs typeface="+mn-lt"/>
+              </a:rPr>
+              <a:t>wget</a:t>
+            </a:r>
+            <a:r>
+              <a:rPr lang="en-US" sz="1400" dirty="0">
+                <a:latin typeface="Amasis MT Pro"/>
+                <a:ea typeface="+mn-lt"/>
+                <a:cs typeface="+mn-lt"/>
+              </a:rPr>
+              <a:t> https://public.ukp.informatik.tu-darmstadt.de/reimers/sentence-transformers/v0.2/paraphrase-mpnet-base-v2.zip</a:t>
+            </a:r>
+          </a:p>
+          <a:p>
+            <a:r>
+              <a:rPr lang="en-US" sz="1400" dirty="0">
+                <a:latin typeface="Amasis MT Pro"/>
+                <a:ea typeface="+mn-lt"/>
+                <a:cs typeface="+mn-lt"/>
+              </a:rPr>
+              <a:t>$ unzip paraphrase-mpnet-base-v2.zip -d paraphrase-mpnet-base-v2/</a:t>
+            </a:r>
+          </a:p>
+          <a:p>
+            <a:endParaRPr lang="en-US" sz="1400" dirty="0">
+              <a:latin typeface="Amasis MT Pro"/>
+              <a:cs typeface="Biome"/>
+            </a:endParaRPr>
+          </a:p>
+          <a:p>
+            <a:pPr marL="285750" indent="-285750">
+              <a:buFont typeface="Arial,Sans-Serif"/>
+              <a:buChar char="•"/>
+            </a:pPr>
+            <a:r>
+              <a:rPr lang="en-US" sz="2000" dirty="0">
+                <a:latin typeface="Biome"/>
+                <a:ea typeface="+mn-lt"/>
+                <a:cs typeface="+mn-lt"/>
+              </a:rPr>
+              <a:t>Export IP &amp; Port</a:t>
+            </a:r>
+          </a:p>
+          <a:p>
+            <a:r>
+              <a:rPr lang="en-US" sz="1400" dirty="0">
+                <a:latin typeface="Amasis MT Pro"/>
+                <a:ea typeface="+mn-lt"/>
+                <a:cs typeface="+mn-lt"/>
+              </a:rPr>
+              <a:t>$ export </a:t>
+            </a:r>
+            <a:r>
+              <a:rPr lang="en-US" sz="1400" dirty="0" err="1">
+                <a:latin typeface="Amasis MT Pro"/>
+                <a:ea typeface="+mn-lt"/>
+                <a:cs typeface="+mn-lt"/>
+              </a:rPr>
+              <a:t>Milvus_HOST</a:t>
+            </a:r>
+            <a:r>
+              <a:rPr lang="en-US" sz="1400" dirty="0">
+                <a:latin typeface="Amasis MT Pro"/>
+                <a:ea typeface="+mn-lt"/>
+                <a:cs typeface="+mn-lt"/>
+              </a:rPr>
+              <a:t>='127.0.0.1'</a:t>
+            </a:r>
+            <a:br>
+              <a:rPr lang="en-US" sz="1400" dirty="0">
+                <a:latin typeface="Amasis MT Pro"/>
+                <a:ea typeface="+mn-lt"/>
+                <a:cs typeface="+mn-lt"/>
+              </a:rPr>
+            </a:br>
+            <a:r>
+              <a:rPr lang="en-US" sz="1400" dirty="0">
+                <a:latin typeface="Amasis MT Pro"/>
+                <a:ea typeface="+mn-lt"/>
+                <a:cs typeface="+mn-lt"/>
+              </a:rPr>
+              <a:t>$ export </a:t>
+            </a:r>
+            <a:r>
+              <a:rPr lang="en-US" sz="1400" dirty="0" err="1">
+                <a:latin typeface="Amasis MT Pro"/>
+                <a:ea typeface="+mn-lt"/>
+                <a:cs typeface="+mn-lt"/>
+              </a:rPr>
+              <a:t>Milvus_PORT</a:t>
+            </a:r>
+            <a:r>
+              <a:rPr lang="en-US" sz="1400" dirty="0">
+                <a:latin typeface="Amasis MT Pro"/>
+                <a:ea typeface="+mn-lt"/>
+                <a:cs typeface="+mn-lt"/>
+              </a:rPr>
+              <a:t>='19530'</a:t>
+            </a:r>
+            <a:br>
+              <a:rPr lang="en-US" sz="1400" dirty="0">
+                <a:latin typeface="Amasis MT Pro"/>
+                <a:ea typeface="+mn-lt"/>
+                <a:cs typeface="+mn-lt"/>
+              </a:rPr>
+            </a:br>
+            <a:r>
+              <a:rPr lang="en-US" sz="1400" dirty="0">
+                <a:latin typeface="Amasis MT Pro"/>
+                <a:ea typeface="+mn-lt"/>
+                <a:cs typeface="+mn-lt"/>
+              </a:rPr>
+              <a:t>$ export </a:t>
+            </a:r>
+            <a:r>
+              <a:rPr lang="en-US" sz="1400" dirty="0" err="1">
+                <a:latin typeface="Amasis MT Pro"/>
+                <a:ea typeface="+mn-lt"/>
+                <a:cs typeface="+mn-lt"/>
+              </a:rPr>
+              <a:t>Mysql_HOST</a:t>
+            </a:r>
+            <a:r>
+              <a:rPr lang="en-US" sz="1400" dirty="0">
+                <a:latin typeface="Amasis MT Pro"/>
+                <a:ea typeface="+mn-lt"/>
+                <a:cs typeface="+mn-lt"/>
+              </a:rPr>
+              <a:t>='127.0.0.1'</a:t>
+            </a:r>
+            <a:endParaRPr lang="en-US" dirty="0">
+              <a:latin typeface="Amasis MT Pro"/>
+            </a:endParaRPr>
+          </a:p>
+          <a:p>
+            <a:endParaRPr lang="en-US" sz="2000" dirty="0">
+              <a:latin typeface="Biome"/>
+              <a:cs typeface="Biome"/>
+            </a:endParaRPr>
+          </a:p>
+          <a:p>
+            <a:endParaRPr lang="en-US" sz="2000" dirty="0">
+              <a:latin typeface="Biome"/>
+              <a:cs typeface="Biome"/>
+            </a:endParaRPr>
+          </a:p>
+          <a:p>
+            <a:pPr marL="285750" indent="-285750">
+              <a:buFont typeface="Arial"/>
+              <a:buChar char="•"/>
+            </a:pPr>
+            <a:endParaRPr lang="en-US" sz="2000" dirty="0">
+              <a:cs typeface="Biome"/>
+            </a:endParaRPr>
+          </a:p>
+          <a:p>
+            <a:pPr marL="285750" indent="-285750">
+              <a:buFont typeface="Arial"/>
+              <a:buChar char="•"/>
+            </a:pPr>
+            <a:endParaRPr lang="en-US" sz="2000" dirty="0"/>
+          </a:p>
+        </p:txBody>
+      </p:sp>
     </p:spTree>
     <p:extLst>
       <p:ext uri="{BB962C8B-B14F-4D97-AF65-F5344CB8AC3E}">
-        <p14:creationId xmlns:p14="http://schemas.microsoft.com/office/powerpoint/2010/main" val="4229398084"/>
+        <p14:creationId xmlns:p14="http://schemas.microsoft.com/office/powerpoint/2010/main" val="1203876950"/>
       </p:ext>
     </p:extLst>
   </p:cSld>
@@ -21409,7 +16209,7 @@
 </p:sld>
 </file>
 
-<file path=ppt/slides/slide20.xml><?xml version="1.0" encoding="utf-8"?>
+<file path=ppt/slides/slide2.xml><?xml version="1.0" encoding="utf-8"?>
 <p:sld xmlns:a="http://schemas.openxmlformats.org/drawingml/2006/main" xmlns:r="http://schemas.openxmlformats.org/officeDocument/2006/relationships" xmlns:p="http://schemas.openxmlformats.org/presentationml/2006/main">
   <p:cSld>
     <p:bg>
@@ -21607,10 +16407,7 @@
           </a:lstStyle>
           <a:p>
             <a:pPr algn="ctr"/>
-            <a:r>
-              <a:rPr lang="en-US" dirty="0"/>
-              <a:t>BERT</a:t>
-            </a:r>
+            <a:endParaRPr lang="en-US"/>
           </a:p>
         </p:txBody>
       </p:sp>
@@ -21652,6 +16449,48 @@
           </a:prstGeom>
         </p:spPr>
       </p:pic>
+      <p:sp>
+        <p:nvSpPr>
+          <p:cNvPr id="2" name="Title 1">
+            <a:extLst>
+              <a:ext uri="{FF2B5EF4-FFF2-40B4-BE49-F238E27FC236}">
+                <a16:creationId xmlns:a16="http://schemas.microsoft.com/office/drawing/2014/main" id="{EE402CF0-08BA-4A76-BB35-3F8A866D0C66}"/>
+              </a:ext>
+            </a:extLst>
+          </p:cNvPr>
+          <p:cNvSpPr>
+            <a:spLocks noGrp="1"/>
+          </p:cNvSpPr>
+          <p:nvPr>
+            <p:ph type="title"/>
+          </p:nvPr>
+        </p:nvSpPr>
+        <p:spPr>
+          <a:xfrm>
+            <a:off x="1905008" y="677027"/>
+            <a:ext cx="8911687" cy="1280890"/>
+          </a:xfrm>
+        </p:spPr>
+        <p:txBody>
+          <a:bodyPr vert="horz" lIns="91440" tIns="45720" rIns="91440" bIns="45720" rtlCol="0">
+            <a:normAutofit/>
+          </a:bodyPr>
+          <a:lstStyle/>
+          <a:p>
+            <a:pPr algn="ctr"/>
+            <a:r>
+              <a:rPr lang="en-US" sz="4800" dirty="0">
+                <a:solidFill>
+                  <a:srgbClr val="373955"/>
+                </a:solidFill>
+                <a:latin typeface="Biome"/>
+                <a:cs typeface="Biome"/>
+              </a:rPr>
+              <a:t>Objective</a:t>
+            </a:r>
+          </a:p>
+        </p:txBody>
+      </p:sp>
       <p:sp>
         <p:nvSpPr>
           <p:cNvPr id="91" name="Rectangle 90">
@@ -21825,8 +16664,8 @@
         </p:nvSpPr>
         <p:spPr>
           <a:xfrm>
-            <a:off x="2355055" y="1710267"/>
-            <a:ext cx="8862484" cy="3777622"/>
+            <a:off x="2589212" y="2133600"/>
+            <a:ext cx="8915400" cy="3777622"/>
           </a:xfrm>
         </p:spPr>
         <p:txBody>
@@ -21835,37 +16674,34 @@
           </a:bodyPr>
           <a:lstStyle/>
           <a:p>
-            <a:pPr>
+            <a:pPr marL="0" indent="0">
+              <a:buClr>
+                <a:srgbClr val="D38326"/>
+              </a:buClr>
               <a:buNone/>
             </a:pPr>
             <a:r>
               <a:rPr lang="en-US" sz="2400" dirty="0">
-                <a:ea typeface="+mn-lt"/>
-                <a:cs typeface="+mn-lt"/>
-              </a:rPr>
-              <a:t>   </a:t>
+                <a:latin typeface="Biome"/>
+                <a:cs typeface="Biome"/>
+              </a:rPr>
+              <a:t>The aim of the project is to create a question answering system capable of answering questions regarding the information contained on the </a:t>
             </a:r>
             <a:r>
               <a:rPr lang="en-US" sz="2400" dirty="0">
                 <a:latin typeface="Biome"/>
-                <a:ea typeface="+mn-lt"/>
-                <a:cs typeface="+mn-lt"/>
-              </a:rPr>
-              <a:t> </a:t>
-            </a:r>
-            <a:endParaRPr lang="en" sz="2400" dirty="0">
-              <a:latin typeface="Biome"/>
-            </a:endParaRPr>
-          </a:p>
-          <a:p>
-            <a:pPr>
-              <a:buNone/>
-            </a:pPr>
-            <a:endParaRPr lang="en-US" sz="2400" dirty="0">
-              <a:latin typeface="Biome"/>
-              <a:ea typeface="+mn-lt"/>
-              <a:cs typeface="Biome"/>
-            </a:endParaRPr>
+                <a:cs typeface="Biome"/>
+                <a:hlinkClick r:id="rId3"/>
+              </a:rPr>
+              <a:t>Filippetti Group</a:t>
+            </a:r>
+            <a:r>
+              <a:rPr lang="en-US" sz="2400" dirty="0">
+                <a:latin typeface="Biome"/>
+                <a:cs typeface="Biome"/>
+              </a:rPr>
+              <a:t> website.</a:t>
+            </a:r>
           </a:p>
         </p:txBody>
       </p:sp>
@@ -21874,7 +16710,7 @@
           <p:cNvPr id="4" name="TextBox 3">
             <a:extLst>
               <a:ext uri="{FF2B5EF4-FFF2-40B4-BE49-F238E27FC236}">
-                <a16:creationId xmlns:a16="http://schemas.microsoft.com/office/drawing/2014/main" id="{72E298A3-0797-4FCE-952A-201E5020658B}"/>
+                <a16:creationId xmlns:a16="http://schemas.microsoft.com/office/drawing/2014/main" id="{1F2BBCFB-FD3E-4297-8B11-18FE8D1A2F2D}"/>
               </a:ext>
             </a:extLst>
           </p:cNvPr>
@@ -21883,8 +16719,8 @@
         </p:nvSpPr>
         <p:spPr>
           <a:xfrm>
-            <a:off x="8587318" y="6057901"/>
-            <a:ext cx="3325282" cy="369332"/>
+            <a:off x="9994901" y="5994401"/>
+            <a:ext cx="1631950" cy="369332"/>
           </a:xfrm>
           <a:prstGeom prst="rect">
             <a:avLst/>
@@ -21906,391 +16742,46 @@
                 <a:ea typeface="+mn-lt"/>
                 <a:cs typeface="+mn-lt"/>
               </a:rPr>
-              <a:t>Text Search Engine-Server</a:t>
-            </a:r>
-            <a:endParaRPr lang="en-US" dirty="0">
-              <a:latin typeface="Biome"/>
-            </a:endParaRPr>
+              <a:t>Objective</a:t>
+            </a:r>
+            <a:endParaRPr lang="en-US" dirty="0"/>
           </a:p>
         </p:txBody>
       </p:sp>
-      <p:sp>
-        <p:nvSpPr>
-          <p:cNvPr id="5" name="TextBox 4">
+      <p:pic>
+        <p:nvPicPr>
+          <p:cNvPr id="6" name="Picture 6" descr="Icon&#10;&#10;Description automatically generated">
             <a:extLst>
               <a:ext uri="{FF2B5EF4-FFF2-40B4-BE49-F238E27FC236}">
-                <a16:creationId xmlns:a16="http://schemas.microsoft.com/office/drawing/2014/main" id="{582C0EC0-91C9-41F7-AF33-D9E16D0D227A}"/>
+                <a16:creationId xmlns:a16="http://schemas.microsoft.com/office/drawing/2014/main" id="{703636AE-622D-4B6F-BD69-4BF6AE882464}"/>
               </a:ext>
             </a:extLst>
           </p:cNvPr>
-          <p:cNvSpPr txBox="1"/>
+          <p:cNvPicPr>
+            <a:picLocks noChangeAspect="1"/>
+          </p:cNvPicPr>
           <p:nvPr/>
-        </p:nvSpPr>
+        </p:nvPicPr>
+        <p:blipFill>
+          <a:blip r:embed="rId4"/>
+          <a:stretch>
+            <a:fillRect/>
+          </a:stretch>
+        </p:blipFill>
         <p:spPr>
           <a:xfrm>
-            <a:off x="2353733" y="1168400"/>
-            <a:ext cx="8828616" cy="5632311"/>
+            <a:off x="3652837" y="3665886"/>
+            <a:ext cx="6791325" cy="1824132"/>
           </a:xfrm>
           <a:prstGeom prst="rect">
             <a:avLst/>
           </a:prstGeom>
-          <a:noFill/>
         </p:spPr>
-        <p:txBody>
-          <a:bodyPr rot="0" spcFirstLastPara="0" vertOverflow="overflow" horzOverflow="overflow" vert="horz" wrap="square" lIns="91440" tIns="45720" rIns="91440" bIns="45720" numCol="1" spcCol="0" rtlCol="0" fromWordArt="0" anchor="t" anchorCtr="0" forceAA="0" compatLnSpc="1">
-            <a:prstTxWarp prst="textNoShape">
-              <a:avLst/>
-            </a:prstTxWarp>
-            <a:spAutoFit/>
-          </a:bodyPr>
-          <a:lstStyle/>
-          <a:p>
-            <a:pPr marL="342900" indent="-342900">
-              <a:buFont typeface="Arial"/>
-              <a:buChar char="•"/>
-            </a:pPr>
-            <a:r>
-              <a:rPr lang="en-US" sz="2000" dirty="0">
-                <a:latin typeface="Biome"/>
-                <a:cs typeface="Biome"/>
-              </a:rPr>
-              <a:t>Install requirements</a:t>
-            </a:r>
-          </a:p>
-          <a:p>
-            <a:r>
-              <a:rPr lang="en-US" sz="1400" dirty="0">
-                <a:latin typeface="Amasis MT Pro"/>
-                <a:ea typeface="+mn-lt"/>
-                <a:cs typeface="+mn-lt"/>
-              </a:rPr>
-              <a:t>$ apt-get update &amp;&amp; apt-get install python3-pip python3 -y &amp;&amp; apt-get install </a:t>
-            </a:r>
-            <a:r>
-              <a:rPr lang="en-US" sz="1400" dirty="0" err="1">
-                <a:latin typeface="Amasis MT Pro"/>
-                <a:ea typeface="+mn-lt"/>
-                <a:cs typeface="+mn-lt"/>
-              </a:rPr>
-              <a:t>wget</a:t>
-            </a:r>
-            <a:r>
-              <a:rPr lang="en-US" sz="1400" dirty="0">
-                <a:latin typeface="Amasis MT Pro"/>
-                <a:ea typeface="+mn-lt"/>
-                <a:cs typeface="+mn-lt"/>
-              </a:rPr>
-              <a:t> -y &amp;&amp; apt-get install zip –y</a:t>
-            </a:r>
-          </a:p>
-          <a:p>
-            <a:r>
-              <a:rPr lang="en-US" sz="1400" dirty="0">
-                <a:latin typeface="Amasis MT Pro"/>
-                <a:ea typeface="+mn-lt"/>
-                <a:cs typeface="+mn-lt"/>
-              </a:rPr>
-              <a:t>$ cd server</a:t>
-            </a:r>
-          </a:p>
-          <a:p>
-            <a:r>
-              <a:rPr lang="en-US" sz="1400" dirty="0">
-                <a:latin typeface="Amasis MT Pro"/>
-                <a:ea typeface="+mn-lt"/>
-                <a:cs typeface="+mn-lt"/>
-              </a:rPr>
-              <a:t>$ cd </a:t>
-            </a:r>
-            <a:r>
-              <a:rPr lang="en-US" sz="1400" dirty="0" err="1">
-                <a:latin typeface="Amasis MT Pro"/>
-                <a:ea typeface="+mn-lt"/>
-                <a:cs typeface="+mn-lt"/>
-              </a:rPr>
-              <a:t>src</a:t>
-            </a:r>
-            <a:endParaRPr lang="en-US" sz="1400">
-              <a:latin typeface="Amasis MT Pro"/>
-              <a:ea typeface="+mn-lt"/>
-              <a:cs typeface="+mn-lt"/>
-            </a:endParaRPr>
-          </a:p>
-          <a:p>
-            <a:r>
-              <a:rPr lang="en-US" sz="1400" dirty="0">
-                <a:latin typeface="Amasis MT Pro"/>
-                <a:ea typeface="+mn-lt"/>
-                <a:cs typeface="+mn-lt"/>
-              </a:rPr>
-              <a:t>$ pip3 --default-timeout=1000 install -r /requirements.txt</a:t>
-            </a:r>
-          </a:p>
-          <a:p>
-            <a:pPr marL="285750" indent="-285750">
-              <a:buFont typeface="Arial"/>
-              <a:buChar char="•"/>
-            </a:pPr>
-            <a:endParaRPr lang="en-US" sz="2000" dirty="0">
-              <a:latin typeface="Biome"/>
-              <a:ea typeface="+mn-lt"/>
-              <a:cs typeface="Biome"/>
-            </a:endParaRPr>
-          </a:p>
-          <a:p>
-            <a:pPr marL="285750" indent="-285750">
-              <a:buFont typeface="Arial"/>
-              <a:buChar char="•"/>
-            </a:pPr>
-            <a:r>
-              <a:rPr lang="en-US" sz="2000" dirty="0">
-                <a:latin typeface="Biome"/>
-                <a:ea typeface="+mn-lt"/>
-                <a:cs typeface="+mn-lt"/>
-              </a:rPr>
-              <a:t>Get the models</a:t>
-            </a:r>
-          </a:p>
-          <a:p>
-            <a:r>
-              <a:rPr lang="en-US" sz="1400" dirty="0">
-                <a:latin typeface="Amasis MT Pro"/>
-                <a:ea typeface="+mn-lt"/>
-                <a:cs typeface="+mn-lt"/>
-              </a:rPr>
-              <a:t>$ cd </a:t>
-            </a:r>
-            <a:r>
-              <a:rPr lang="en-US" sz="1400" dirty="0" err="1">
-                <a:latin typeface="Amasis MT Pro"/>
-                <a:ea typeface="+mn-lt"/>
-                <a:cs typeface="+mn-lt"/>
-              </a:rPr>
-              <a:t>src</a:t>
-            </a:r>
-            <a:endParaRPr lang="en-US" sz="1400" dirty="0">
-              <a:latin typeface="Amasis MT Pro"/>
-              <a:ea typeface="+mn-lt"/>
-              <a:cs typeface="+mn-lt"/>
-            </a:endParaRPr>
-          </a:p>
-          <a:p>
-            <a:r>
-              <a:rPr lang="en-US" sz="1400" dirty="0">
-                <a:latin typeface="Amasis MT Pro"/>
-                <a:ea typeface="+mn-lt"/>
-                <a:cs typeface="+mn-lt"/>
-              </a:rPr>
-              <a:t>$ </a:t>
-            </a:r>
-            <a:r>
-              <a:rPr lang="en-US" sz="1400" dirty="0" err="1">
-                <a:latin typeface="Amasis MT Pro"/>
-                <a:ea typeface="+mn-lt"/>
-                <a:cs typeface="+mn-lt"/>
-              </a:rPr>
-              <a:t>mkdir</a:t>
-            </a:r>
-            <a:r>
-              <a:rPr lang="en-US" sz="1400" dirty="0">
-                <a:latin typeface="Amasis MT Pro"/>
-                <a:ea typeface="+mn-lt"/>
-                <a:cs typeface="+mn-lt"/>
-              </a:rPr>
-              <a:t> models</a:t>
-            </a:r>
-          </a:p>
-          <a:p>
-            <a:r>
-              <a:rPr lang="en-US" sz="1400" dirty="0">
-                <a:latin typeface="Amasis MT Pro"/>
-                <a:ea typeface="+mn-lt"/>
-                <a:cs typeface="+mn-lt"/>
-              </a:rPr>
-              <a:t>$ cd models</a:t>
-            </a:r>
-          </a:p>
-          <a:p>
-            <a:r>
-              <a:rPr lang="en-US" sz="1400" dirty="0">
-                <a:latin typeface="Amasis MT Pro"/>
-                <a:ea typeface="+mn-lt"/>
-                <a:cs typeface="+mn-lt"/>
-              </a:rPr>
-              <a:t>$ </a:t>
-            </a:r>
-            <a:r>
-              <a:rPr lang="en-US" sz="1400" dirty="0" err="1">
-                <a:latin typeface="Amasis MT Pro"/>
-                <a:ea typeface="+mn-lt"/>
-                <a:cs typeface="+mn-lt"/>
-              </a:rPr>
-              <a:t>wget</a:t>
-            </a:r>
-            <a:r>
-              <a:rPr lang="en-US" sz="1400" dirty="0">
-                <a:latin typeface="Amasis MT Pro"/>
-                <a:ea typeface="+mn-lt"/>
-                <a:cs typeface="+mn-lt"/>
-              </a:rPr>
-              <a:t> https://public.ukp.informatik.tu-darmstadt.de/reimers/sentence-transformers/v0.2/paraphrase-mpnet-base-v2.zip</a:t>
-            </a:r>
-          </a:p>
-          <a:p>
-            <a:r>
-              <a:rPr lang="en-US" sz="1400" dirty="0">
-                <a:latin typeface="Amasis MT Pro"/>
-                <a:ea typeface="+mn-lt"/>
-                <a:cs typeface="+mn-lt"/>
-              </a:rPr>
-              <a:t>$ unzip paraphrase-mpnet-base-v2.zip -d paraphrase-mpnet-base-v2/</a:t>
-            </a:r>
-          </a:p>
-          <a:p>
-            <a:endParaRPr lang="en-US" sz="1400" dirty="0">
-              <a:latin typeface="Amasis MT Pro"/>
-              <a:cs typeface="Biome"/>
-            </a:endParaRPr>
-          </a:p>
-          <a:p>
-            <a:pPr marL="285750" indent="-285750">
-              <a:buFont typeface="Arial,Sans-Serif"/>
-              <a:buChar char="•"/>
-            </a:pPr>
-            <a:r>
-              <a:rPr lang="en-US" sz="2000" dirty="0">
-                <a:latin typeface="Biome"/>
-                <a:ea typeface="+mn-lt"/>
-                <a:cs typeface="+mn-lt"/>
-              </a:rPr>
-              <a:t>Export IP &amp; Port</a:t>
-            </a:r>
-          </a:p>
-          <a:p>
-            <a:r>
-              <a:rPr lang="en-US" sz="1400" dirty="0">
-                <a:latin typeface="Amasis MT Pro"/>
-                <a:ea typeface="+mn-lt"/>
-                <a:cs typeface="+mn-lt"/>
-              </a:rPr>
-              <a:t>$ export </a:t>
-            </a:r>
-            <a:r>
-              <a:rPr lang="en-US" sz="1400" dirty="0" err="1">
-                <a:latin typeface="Amasis MT Pro"/>
-                <a:ea typeface="+mn-lt"/>
-                <a:cs typeface="+mn-lt"/>
-              </a:rPr>
-              <a:t>Milvus_HOST</a:t>
-            </a:r>
-            <a:r>
-              <a:rPr lang="en-US" sz="1400" dirty="0">
-                <a:latin typeface="Amasis MT Pro"/>
-                <a:ea typeface="+mn-lt"/>
-                <a:cs typeface="+mn-lt"/>
-              </a:rPr>
-              <a:t>='127.0.0.1'</a:t>
-            </a:r>
-            <a:br>
-              <a:rPr lang="en-US" sz="1400" dirty="0">
-                <a:latin typeface="Amasis MT Pro"/>
-                <a:ea typeface="+mn-lt"/>
-                <a:cs typeface="+mn-lt"/>
-              </a:rPr>
-            </a:br>
-            <a:r>
-              <a:rPr lang="en-US" sz="1400" dirty="0">
-                <a:latin typeface="Amasis MT Pro"/>
-                <a:ea typeface="+mn-lt"/>
-                <a:cs typeface="+mn-lt"/>
-              </a:rPr>
-              <a:t>$ export </a:t>
-            </a:r>
-            <a:r>
-              <a:rPr lang="en-US" sz="1400" dirty="0" err="1">
-                <a:latin typeface="Amasis MT Pro"/>
-                <a:ea typeface="+mn-lt"/>
-                <a:cs typeface="+mn-lt"/>
-              </a:rPr>
-              <a:t>Milvus_PORT</a:t>
-            </a:r>
-            <a:r>
-              <a:rPr lang="en-US" sz="1400" dirty="0">
-                <a:latin typeface="Amasis MT Pro"/>
-                <a:ea typeface="+mn-lt"/>
-                <a:cs typeface="+mn-lt"/>
-              </a:rPr>
-              <a:t>='19530'</a:t>
-            </a:r>
-            <a:br>
-              <a:rPr lang="en-US" sz="1400" dirty="0">
-                <a:latin typeface="Amasis MT Pro"/>
-                <a:ea typeface="+mn-lt"/>
-                <a:cs typeface="+mn-lt"/>
-              </a:rPr>
-            </a:br>
-            <a:r>
-              <a:rPr lang="en-US" sz="1400" dirty="0">
-                <a:latin typeface="Amasis MT Pro"/>
-                <a:ea typeface="+mn-lt"/>
-                <a:cs typeface="+mn-lt"/>
-              </a:rPr>
-              <a:t>$ export </a:t>
-            </a:r>
-            <a:r>
-              <a:rPr lang="en-US" sz="1400" dirty="0" err="1">
-                <a:latin typeface="Amasis MT Pro"/>
-                <a:ea typeface="+mn-lt"/>
-                <a:cs typeface="+mn-lt"/>
-              </a:rPr>
-              <a:t>Mysql_HOST</a:t>
-            </a:r>
-            <a:r>
-              <a:rPr lang="en-US" sz="1400" dirty="0">
-                <a:latin typeface="Amasis MT Pro"/>
-                <a:ea typeface="+mn-lt"/>
-                <a:cs typeface="+mn-lt"/>
-              </a:rPr>
-              <a:t>='127.0.0.1'</a:t>
-            </a:r>
-            <a:endParaRPr lang="en-US" dirty="0">
-              <a:latin typeface="Amasis MT Pro"/>
-            </a:endParaRPr>
-          </a:p>
-          <a:p>
-            <a:endParaRPr lang="en-US" sz="2000" dirty="0">
-              <a:latin typeface="Biome"/>
-              <a:cs typeface="Biome"/>
-            </a:endParaRPr>
-          </a:p>
-          <a:p>
-            <a:endParaRPr lang="en-US" sz="2000" dirty="0">
-              <a:latin typeface="Biome"/>
-              <a:cs typeface="Biome"/>
-            </a:endParaRPr>
-          </a:p>
-          <a:p>
-            <a:pPr marL="285750" indent="-285750">
-              <a:buFont typeface="Arial"/>
-              <a:buChar char="•"/>
-            </a:pPr>
-            <a:endParaRPr lang="en-US" sz="2000" dirty="0">
-              <a:cs typeface="Biome"/>
-            </a:endParaRPr>
-          </a:p>
-          <a:p>
-            <a:pPr marL="285750" indent="-285750">
-              <a:buFont typeface="Arial"/>
-              <a:buChar char="•"/>
-            </a:pPr>
-            <a:endParaRPr lang="en-US" sz="2000" dirty="0"/>
-          </a:p>
-        </p:txBody>
-      </p:sp>
+      </p:pic>
     </p:spTree>
     <p:extLst>
       <p:ext uri="{BB962C8B-B14F-4D97-AF65-F5344CB8AC3E}">
-        <p14:creationId xmlns:p14="http://schemas.microsoft.com/office/powerpoint/2010/main" val="1203876950"/>
+        <p14:creationId xmlns:p14="http://schemas.microsoft.com/office/powerpoint/2010/main" val="4229398084"/>
       </p:ext>
     </p:extLst>
   </p:cSld>
@@ -22327,7 +16818,7 @@
 </p:sld>
 </file>
 
-<file path=ppt/slides/slide21.xml><?xml version="1.0" encoding="utf-8"?>
+<file path=ppt/slides/slide20.xml><?xml version="1.0" encoding="utf-8"?>
 <p:sld xmlns:a="http://schemas.openxmlformats.org/drawingml/2006/main" xmlns:r="http://schemas.openxmlformats.org/officeDocument/2006/relationships" xmlns:p="http://schemas.openxmlformats.org/presentationml/2006/main">
   <p:cSld>
     <p:bg>
@@ -23524,7 +18015,7 @@
 </p:sld>
 </file>
 
-<file path=ppt/slides/slide22.xml><?xml version="1.0" encoding="utf-8"?>
+<file path=ppt/slides/slide21.xml><?xml version="1.0" encoding="utf-8"?>
 <p:sld xmlns:a="http://schemas.openxmlformats.org/drawingml/2006/main" xmlns:r="http://schemas.openxmlformats.org/officeDocument/2006/relationships" xmlns:p="http://schemas.openxmlformats.org/presentationml/2006/main">
   <p:cSld>
     <p:bg>
@@ -24192,7 +18683,7 @@
 </p:sld>
 </file>
 
-<file path=ppt/slides/slide23.xml><?xml version="1.0" encoding="utf-8"?>
+<file path=ppt/slides/slide22.xml><?xml version="1.0" encoding="utf-8"?>
 <p:sld xmlns:a="http://schemas.openxmlformats.org/drawingml/2006/main" xmlns:r="http://schemas.openxmlformats.org/officeDocument/2006/relationships" xmlns:p="http://schemas.openxmlformats.org/presentationml/2006/main">
   <p:cSld>
     <p:bg>
@@ -25196,7 +19687,7 @@
 </p:sld>
 </file>
 
-<file path=ppt/slides/slide24.xml><?xml version="1.0" encoding="utf-8"?>
+<file path=ppt/slides/slide23.xml><?xml version="1.0" encoding="utf-8"?>
 <p:sld xmlns:a="http://schemas.openxmlformats.org/drawingml/2006/main" xmlns:r="http://schemas.openxmlformats.org/officeDocument/2006/relationships" xmlns:p="http://schemas.openxmlformats.org/presentationml/2006/main">
   <p:cSld>
     <p:bg>
@@ -25836,6 +20327,607 @@
     <p:extLst>
       <p:ext uri="{BB962C8B-B14F-4D97-AF65-F5344CB8AC3E}">
         <p14:creationId xmlns:p14="http://schemas.microsoft.com/office/powerpoint/2010/main" val="3809191670"/>
+      </p:ext>
+    </p:extLst>
+  </p:cSld>
+  <p:clrMapOvr>
+    <a:masterClrMapping/>
+  </p:clrMapOvr>
+  <p:timing>
+    <p:tnLst>
+      <p:par>
+        <p:cTn id="1" dur="indefinite" restart="never" nodeType="tmRoot">
+          <p:childTnLst>
+            <p:seq concurrent="1" nextAc="seek">
+              <p:cTn id="2" dur="indefinite" nodeType="mainSeq"/>
+              <p:prevCondLst>
+                <p:cond evt="onPrev" delay="0">
+                  <p:tgtEl>
+                    <p:sldTgt/>
+                  </p:tgtEl>
+                </p:cond>
+              </p:prevCondLst>
+              <p:nextCondLst>
+                <p:cond evt="onNext" delay="0">
+                  <p:tgtEl>
+                    <p:sldTgt/>
+                  </p:tgtEl>
+                </p:cond>
+              </p:nextCondLst>
+            </p:seq>
+          </p:childTnLst>
+        </p:cTn>
+      </p:par>
+    </p:tnLst>
+  </p:timing>
+</p:sld>
+</file>
+
+<file path=ppt/slides/slide24.xml><?xml version="1.0" encoding="utf-8"?>
+<p:sld xmlns:a="http://schemas.openxmlformats.org/drawingml/2006/main" xmlns:r="http://schemas.openxmlformats.org/officeDocument/2006/relationships" xmlns:p="http://schemas.openxmlformats.org/presentationml/2006/main">
+  <p:cSld>
+    <p:bg>
+      <p:bgPr>
+        <a:gradFill rotWithShape="1">
+          <a:gsLst>
+            <a:gs pos="0">
+              <a:schemeClr val="bg1">
+                <a:tint val="90000"/>
+                <a:satMod val="92000"/>
+                <a:lumMod val="120000"/>
+              </a:schemeClr>
+            </a:gs>
+            <a:gs pos="100000">
+              <a:schemeClr val="bg1">
+                <a:shade val="98000"/>
+                <a:satMod val="120000"/>
+                <a:lumMod val="98000"/>
+              </a:schemeClr>
+            </a:gs>
+          </a:gsLst>
+          <a:path path="circle">
+            <a:fillToRect l="50000" t="50000" r="100000" b="100000"/>
+          </a:path>
+        </a:gradFill>
+        <a:effectLst/>
+      </p:bgPr>
+    </p:bg>
+    <p:spTree>
+      <p:nvGrpSpPr>
+        <p:cNvPr id="1" name=""/>
+        <p:cNvGrpSpPr/>
+        <p:nvPr/>
+      </p:nvGrpSpPr>
+      <p:grpSpPr>
+        <a:xfrm>
+          <a:off x="0" y="0"/>
+          <a:ext cx="0" cy="0"/>
+          <a:chOff x="0" y="0"/>
+          <a:chExt cx="0" cy="0"/>
+        </a:xfrm>
+      </p:grpSpPr>
+      <p:sp useBgFill="1">
+        <p:nvSpPr>
+          <p:cNvPr id="89" name="Rectangle 88">
+            <a:extLst>
+              <a:ext uri="{FF2B5EF4-FFF2-40B4-BE49-F238E27FC236}">
+                <a16:creationId xmlns:a16="http://schemas.microsoft.com/office/drawing/2014/main" id="{7A5FC171-5EF1-470A-B19B-DB937973D2A7}"/>
+              </a:ext>
+              <a:ext uri="{C183D7F6-B498-43B3-948B-1728B52AA6E4}">
+                <adec:decorative xmlns:adec="http://schemas.microsoft.com/office/drawing/2017/decorative" val="1"/>
+              </a:ext>
+            </a:extLst>
+          </p:cNvPr>
+          <p:cNvSpPr>
+            <a:spLocks noGrp="1" noRot="1" noChangeAspect="1" noMove="1" noResize="1" noEditPoints="1" noAdjustHandles="1" noChangeArrowheads="1" noChangeShapeType="1" noTextEdit="1"/>
+          </p:cNvSpPr>
+          <p:nvPr>
+            <p:extLst>
+              <p:ext uri="{386F3935-93C4-4BCD-93E2-E3B085C9AB24}">
+                <p16:designElem xmlns:p16="http://schemas.microsoft.com/office/powerpoint/2015/main" val="1"/>
+              </p:ext>
+            </p:extLst>
+          </p:nvPr>
+        </p:nvSpPr>
+        <p:spPr>
+          <a:xfrm>
+            <a:off x="-7620" y="0"/>
+            <a:ext cx="12207240" cy="6858001"/>
+          </a:xfrm>
+          <a:prstGeom prst="rect">
+            <a:avLst/>
+          </a:prstGeom>
+          <a:ln>
+            <a:noFill/>
+          </a:ln>
+        </p:spPr>
+        <p:style>
+          <a:lnRef idx="2">
+            <a:schemeClr val="accent1">
+              <a:shade val="50000"/>
+            </a:schemeClr>
+          </a:lnRef>
+          <a:fillRef idx="1">
+            <a:schemeClr val="accent1"/>
+          </a:fillRef>
+          <a:effectRef idx="0">
+            <a:schemeClr val="accent1"/>
+          </a:effectRef>
+          <a:fontRef idx="minor">
+            <a:schemeClr val="lt1"/>
+          </a:fontRef>
+        </p:style>
+        <p:txBody>
+          <a:bodyPr rot="0" spcFirstLastPara="0" vert="horz" wrap="square" lIns="91440" tIns="45720" rIns="91440" bIns="45720" numCol="1" spcCol="0" rtlCol="0" fromWordArt="0" anchor="ctr" anchorCtr="0" forceAA="0" compatLnSpc="1">
+            <a:prstTxWarp prst="textNoShape">
+              <a:avLst/>
+            </a:prstTxWarp>
+            <a:noAutofit/>
+          </a:bodyPr>
+          <a:lstStyle>
+            <a:defPPr>
+              <a:defRPr lang="en-US"/>
+            </a:defPPr>
+            <a:lvl1pPr marL="0" algn="l" defTabSz="914400" rtl="0" eaLnBrk="1" latinLnBrk="0" hangingPunct="1">
+              <a:defRPr sz="1800" kern="1200">
+                <a:solidFill>
+                  <a:schemeClr val="lt1"/>
+                </a:solidFill>
+                <a:latin typeface="+mn-lt"/>
+                <a:ea typeface="+mn-ea"/>
+                <a:cs typeface="+mn-cs"/>
+              </a:defRPr>
+            </a:lvl1pPr>
+            <a:lvl2pPr marL="457200" algn="l" defTabSz="914400" rtl="0" eaLnBrk="1" latinLnBrk="0" hangingPunct="1">
+              <a:defRPr sz="1800" kern="1200">
+                <a:solidFill>
+                  <a:schemeClr val="lt1"/>
+                </a:solidFill>
+                <a:latin typeface="+mn-lt"/>
+                <a:ea typeface="+mn-ea"/>
+                <a:cs typeface="+mn-cs"/>
+              </a:defRPr>
+            </a:lvl2pPr>
+            <a:lvl3pPr marL="914400" algn="l" defTabSz="914400" rtl="0" eaLnBrk="1" latinLnBrk="0" hangingPunct="1">
+              <a:defRPr sz="1800" kern="1200">
+                <a:solidFill>
+                  <a:schemeClr val="lt1"/>
+                </a:solidFill>
+                <a:latin typeface="+mn-lt"/>
+                <a:ea typeface="+mn-ea"/>
+                <a:cs typeface="+mn-cs"/>
+              </a:defRPr>
+            </a:lvl3pPr>
+            <a:lvl4pPr marL="1371600" algn="l" defTabSz="914400" rtl="0" eaLnBrk="1" latinLnBrk="0" hangingPunct="1">
+              <a:defRPr sz="1800" kern="1200">
+                <a:solidFill>
+                  <a:schemeClr val="lt1"/>
+                </a:solidFill>
+                <a:latin typeface="+mn-lt"/>
+                <a:ea typeface="+mn-ea"/>
+                <a:cs typeface="+mn-cs"/>
+              </a:defRPr>
+            </a:lvl4pPr>
+            <a:lvl5pPr marL="1828800" algn="l" defTabSz="914400" rtl="0" eaLnBrk="1" latinLnBrk="0" hangingPunct="1">
+              <a:defRPr sz="1800" kern="1200">
+                <a:solidFill>
+                  <a:schemeClr val="lt1"/>
+                </a:solidFill>
+                <a:latin typeface="+mn-lt"/>
+                <a:ea typeface="+mn-ea"/>
+                <a:cs typeface="+mn-cs"/>
+              </a:defRPr>
+            </a:lvl5pPr>
+            <a:lvl6pPr marL="2286000" algn="l" defTabSz="914400" rtl="0" eaLnBrk="1" latinLnBrk="0" hangingPunct="1">
+              <a:defRPr sz="1800" kern="1200">
+                <a:solidFill>
+                  <a:schemeClr val="lt1"/>
+                </a:solidFill>
+                <a:latin typeface="+mn-lt"/>
+                <a:ea typeface="+mn-ea"/>
+                <a:cs typeface="+mn-cs"/>
+              </a:defRPr>
+            </a:lvl6pPr>
+            <a:lvl7pPr marL="2743200" algn="l" defTabSz="914400" rtl="0" eaLnBrk="1" latinLnBrk="0" hangingPunct="1">
+              <a:defRPr sz="1800" kern="1200">
+                <a:solidFill>
+                  <a:schemeClr val="lt1"/>
+                </a:solidFill>
+                <a:latin typeface="+mn-lt"/>
+                <a:ea typeface="+mn-ea"/>
+                <a:cs typeface="+mn-cs"/>
+              </a:defRPr>
+            </a:lvl7pPr>
+            <a:lvl8pPr marL="3200400" algn="l" defTabSz="914400" rtl="0" eaLnBrk="1" latinLnBrk="0" hangingPunct="1">
+              <a:defRPr sz="1800" kern="1200">
+                <a:solidFill>
+                  <a:schemeClr val="lt1"/>
+                </a:solidFill>
+                <a:latin typeface="+mn-lt"/>
+                <a:ea typeface="+mn-ea"/>
+                <a:cs typeface="+mn-cs"/>
+              </a:defRPr>
+            </a:lvl8pPr>
+            <a:lvl9pPr marL="3657600" algn="l" defTabSz="914400" rtl="0" eaLnBrk="1" latinLnBrk="0" hangingPunct="1">
+              <a:defRPr sz="1800" kern="1200">
+                <a:solidFill>
+                  <a:schemeClr val="lt1"/>
+                </a:solidFill>
+                <a:latin typeface="+mn-lt"/>
+                <a:ea typeface="+mn-ea"/>
+                <a:cs typeface="+mn-cs"/>
+              </a:defRPr>
+            </a:lvl9pPr>
+          </a:lstStyle>
+          <a:p>
+            <a:pPr algn="ctr"/>
+            <a:r>
+              <a:rPr lang="en-US" dirty="0"/>
+              <a:t>BERT</a:t>
+            </a:r>
+          </a:p>
+        </p:txBody>
+      </p:sp>
+      <p:pic>
+        <p:nvPicPr>
+          <p:cNvPr id="85" name="Picture 84">
+            <a:extLst>
+              <a:ext uri="{FF2B5EF4-FFF2-40B4-BE49-F238E27FC236}">
+                <a16:creationId xmlns:a16="http://schemas.microsoft.com/office/drawing/2014/main" id="{44E0A77A-EFFE-492D-9558-8307748CCF4F}"/>
+              </a:ext>
+            </a:extLst>
+          </p:cNvPr>
+          <p:cNvPicPr>
+            <a:picLocks noChangeAspect="1"/>
+          </p:cNvPicPr>
+          <p:nvPr/>
+        </p:nvPicPr>
+        <p:blipFill rotWithShape="1">
+          <a:blip r:embed="rId2">
+            <a:duotone>
+              <a:schemeClr val="bg2">
+                <a:shade val="45000"/>
+                <a:satMod val="135000"/>
+              </a:schemeClr>
+              <a:prstClr val="white"/>
+            </a:duotone>
+            <a:alphaModFix amt="40000"/>
+          </a:blip>
+          <a:srcRect/>
+          <a:stretch/>
+        </p:blipFill>
+        <p:spPr>
+          <a:xfrm>
+            <a:off x="20" y="10"/>
+            <a:ext cx="12191980" cy="6857990"/>
+          </a:xfrm>
+          <a:prstGeom prst="rect">
+            <a:avLst/>
+          </a:prstGeom>
+        </p:spPr>
+      </p:pic>
+      <p:sp>
+        <p:nvSpPr>
+          <p:cNvPr id="2" name="Title 1">
+            <a:extLst>
+              <a:ext uri="{FF2B5EF4-FFF2-40B4-BE49-F238E27FC236}">
+                <a16:creationId xmlns:a16="http://schemas.microsoft.com/office/drawing/2014/main" id="{EE402CF0-08BA-4A76-BB35-3F8A866D0C66}"/>
+              </a:ext>
+            </a:extLst>
+          </p:cNvPr>
+          <p:cNvSpPr>
+            <a:spLocks noGrp="1"/>
+          </p:cNvSpPr>
+          <p:nvPr>
+            <p:ph type="title"/>
+          </p:nvPr>
+        </p:nvSpPr>
+        <p:spPr>
+          <a:xfrm>
+            <a:off x="1985706" y="588391"/>
+            <a:ext cx="8911687" cy="1280890"/>
+          </a:xfrm>
+        </p:spPr>
+        <p:txBody>
+          <a:bodyPr vert="horz" lIns="91440" tIns="45720" rIns="91440" bIns="45720" rtlCol="0">
+            <a:normAutofit/>
+          </a:bodyPr>
+          <a:lstStyle/>
+          <a:p>
+            <a:pPr algn="ctr"/>
+            <a:r>
+              <a:rPr lang="en-US" sz="4800" dirty="0">
+                <a:solidFill>
+                  <a:srgbClr val="373955"/>
+                </a:solidFill>
+                <a:latin typeface="Biome"/>
+                <a:cs typeface="Biome"/>
+              </a:rPr>
+              <a:t>TSE-Implementation</a:t>
+            </a:r>
+            <a:endParaRPr lang="en-US" dirty="0"/>
+          </a:p>
+        </p:txBody>
+      </p:sp>
+      <p:sp>
+        <p:nvSpPr>
+          <p:cNvPr id="91" name="Rectangle 90">
+            <a:extLst>
+              <a:ext uri="{FF2B5EF4-FFF2-40B4-BE49-F238E27FC236}">
+                <a16:creationId xmlns:a16="http://schemas.microsoft.com/office/drawing/2014/main" id="{685D77DF-610F-4D0F-A3D2-4FBBC96640E4}"/>
+              </a:ext>
+              <a:ext uri="{C183D7F6-B498-43B3-948B-1728B52AA6E4}">
+                <adec:decorative xmlns:adec="http://schemas.microsoft.com/office/drawing/2017/decorative" val="1"/>
+              </a:ext>
+            </a:extLst>
+          </p:cNvPr>
+          <p:cNvSpPr>
+            <a:spLocks noGrp="1" noRot="1" noChangeAspect="1" noMove="1" noResize="1" noEditPoints="1" noAdjustHandles="1" noChangeArrowheads="1" noChangeShapeType="1" noTextEdit="1"/>
+          </p:cNvSpPr>
+          <p:nvPr>
+            <p:extLst>
+              <p:ext uri="{386F3935-93C4-4BCD-93E2-E3B085C9AB24}">
+                <p16:designElem xmlns:p16="http://schemas.microsoft.com/office/powerpoint/2015/main" val="1"/>
+              </p:ext>
+            </p:extLst>
+          </p:nvPr>
+        </p:nvSpPr>
+        <p:spPr>
+          <a:xfrm>
+            <a:off x="0" y="0"/>
+            <a:ext cx="182880" cy="6858000"/>
+          </a:xfrm>
+          <a:prstGeom prst="rect">
+            <a:avLst/>
+          </a:prstGeom>
+          <a:solidFill>
+            <a:srgbClr val="373955"/>
+          </a:solidFill>
+          <a:ln>
+            <a:solidFill>
+              <a:srgbClr val="373955"/>
+            </a:solidFill>
+          </a:ln>
+          <a:effectLst/>
+        </p:spPr>
+        <p:style>
+          <a:lnRef idx="1">
+            <a:schemeClr val="accent1"/>
+          </a:lnRef>
+          <a:fillRef idx="3">
+            <a:schemeClr val="accent1"/>
+          </a:fillRef>
+          <a:effectRef idx="2">
+            <a:schemeClr val="accent1"/>
+          </a:effectRef>
+          <a:fontRef idx="minor">
+            <a:schemeClr val="lt1"/>
+          </a:fontRef>
+        </p:style>
+      </p:sp>
+      <p:sp>
+        <p:nvSpPr>
+          <p:cNvPr id="93" name="Freeform 11">
+            <a:extLst>
+              <a:ext uri="{FF2B5EF4-FFF2-40B4-BE49-F238E27FC236}">
+                <a16:creationId xmlns:a16="http://schemas.microsoft.com/office/drawing/2014/main" id="{2513384B-399F-47B1-9ABD-172607AA4E6E}"/>
+              </a:ext>
+              <a:ext uri="{C183D7F6-B498-43B3-948B-1728B52AA6E4}">
+                <adec:decorative xmlns:adec="http://schemas.microsoft.com/office/drawing/2017/decorative" val="1"/>
+              </a:ext>
+            </a:extLst>
+          </p:cNvPr>
+          <p:cNvSpPr>
+            <a:spLocks noGrp="1" noRot="1" noChangeAspect="1" noMove="1" noResize="1" noEditPoints="1" noAdjustHandles="1" noChangeArrowheads="1" noChangeShapeType="1" noTextEdit="1"/>
+          </p:cNvSpPr>
+          <p:nvPr>
+            <p:extLst>
+              <p:ext uri="{386F3935-93C4-4BCD-93E2-E3B085C9AB24}">
+                <p16:designElem xmlns:p16="http://schemas.microsoft.com/office/powerpoint/2015/main" val="1"/>
+              </p:ext>
+            </p:extLst>
+          </p:nvPr>
+        </p:nvSpPr>
+        <p:spPr bwMode="auto">
+          <a:xfrm flipV="1">
+            <a:off x="-4189" y="714375"/>
+            <a:ext cx="1588527" cy="507297"/>
+          </a:xfrm>
+          <a:custGeom>
+            <a:avLst/>
+            <a:gdLst/>
+            <a:ahLst/>
+            <a:cxnLst/>
+            <a:rect l="l" t="t" r="r" b="b"/>
+            <a:pathLst>
+              <a:path w="9248" h="10000">
+                <a:moveTo>
+                  <a:pt x="9248" y="4701"/>
+                </a:moveTo>
+                <a:lnTo>
+                  <a:pt x="7915" y="188"/>
+                </a:lnTo>
+                <a:cubicBezTo>
+                  <a:pt x="7906" y="156"/>
+                  <a:pt x="7895" y="126"/>
+                  <a:pt x="7886" y="94"/>
+                </a:cubicBezTo>
+                <a:cubicBezTo>
+                  <a:pt x="7859" y="0"/>
+                  <a:pt x="7831" y="0"/>
+                  <a:pt x="7803" y="0"/>
+                </a:cubicBezTo>
+                <a:lnTo>
+                  <a:pt x="7275" y="0"/>
+                </a:lnTo>
+                <a:lnTo>
+                  <a:pt x="0" y="70"/>
+                </a:lnTo>
+                <a:cubicBezTo>
+                  <a:pt x="8" y="3380"/>
+                  <a:pt x="17" y="6690"/>
+                  <a:pt x="25" y="10000"/>
+                </a:cubicBezTo>
+                <a:lnTo>
+                  <a:pt x="7275" y="9966"/>
+                </a:lnTo>
+                <a:lnTo>
+                  <a:pt x="7803" y="9966"/>
+                </a:lnTo>
+                <a:cubicBezTo>
+                  <a:pt x="7831" y="9966"/>
+                  <a:pt x="7859" y="9872"/>
+                  <a:pt x="7886" y="9872"/>
+                </a:cubicBezTo>
+                <a:cubicBezTo>
+                  <a:pt x="7886" y="9778"/>
+                  <a:pt x="7915" y="9778"/>
+                  <a:pt x="7915" y="9778"/>
+                </a:cubicBezTo>
+                <a:lnTo>
+                  <a:pt x="9248" y="5265"/>
+                </a:lnTo>
+                <a:cubicBezTo>
+                  <a:pt x="9303" y="5077"/>
+                  <a:pt x="9303" y="4889"/>
+                  <a:pt x="9248" y="4701"/>
+                </a:cubicBezTo>
+                <a:close/>
+              </a:path>
+            </a:pathLst>
+          </a:custGeom>
+          <a:solidFill>
+            <a:schemeClr val="accent1"/>
+          </a:solidFill>
+          <a:ln>
+            <a:noFill/>
+          </a:ln>
+        </p:spPr>
+      </p:sp>
+      <p:sp>
+        <p:nvSpPr>
+          <p:cNvPr id="3" name="Content Placeholder 2">
+            <a:extLst>
+              <a:ext uri="{FF2B5EF4-FFF2-40B4-BE49-F238E27FC236}">
+                <a16:creationId xmlns:a16="http://schemas.microsoft.com/office/drawing/2014/main" id="{D5C6D999-65D6-4EE9-9528-22AEAA589580}"/>
+              </a:ext>
+            </a:extLst>
+          </p:cNvPr>
+          <p:cNvSpPr>
+            <a:spLocks noGrp="1"/>
+          </p:cNvSpPr>
+          <p:nvPr>
+            <p:ph idx="1"/>
+          </p:nvPr>
+        </p:nvSpPr>
+        <p:spPr>
+          <a:xfrm>
+            <a:off x="2259805" y="1710267"/>
+            <a:ext cx="8862484" cy="3777622"/>
+          </a:xfrm>
+        </p:spPr>
+        <p:txBody>
+          <a:bodyPr vert="horz" lIns="91440" tIns="45720" rIns="91440" bIns="45720" rtlCol="0" anchor="t">
+            <a:normAutofit/>
+          </a:bodyPr>
+          <a:lstStyle/>
+          <a:p>
+            <a:pPr>
+              <a:buNone/>
+            </a:pPr>
+            <a:endParaRPr lang="en-US" sz="2400">
+              <a:latin typeface="Biome"/>
+              <a:ea typeface="+mn-lt"/>
+              <a:cs typeface="+mn-lt"/>
+            </a:endParaRPr>
+          </a:p>
+          <a:p>
+            <a:pPr>
+              <a:buNone/>
+            </a:pPr>
+            <a:endParaRPr lang="en-US" sz="2400" dirty="0">
+              <a:latin typeface="Biome"/>
+              <a:ea typeface="+mn-lt"/>
+              <a:cs typeface="Biome"/>
+            </a:endParaRPr>
+          </a:p>
+        </p:txBody>
+      </p:sp>
+      <p:sp>
+        <p:nvSpPr>
+          <p:cNvPr id="4" name="TextBox 3">
+            <a:extLst>
+              <a:ext uri="{FF2B5EF4-FFF2-40B4-BE49-F238E27FC236}">
+                <a16:creationId xmlns:a16="http://schemas.microsoft.com/office/drawing/2014/main" id="{72E298A3-0797-4FCE-952A-201E5020658B}"/>
+              </a:ext>
+            </a:extLst>
+          </p:cNvPr>
+          <p:cNvSpPr txBox="1"/>
+          <p:nvPr/>
+        </p:nvSpPr>
+        <p:spPr>
+          <a:xfrm>
+            <a:off x="9275234" y="6057901"/>
+            <a:ext cx="2637366" cy="369332"/>
+          </a:xfrm>
+          <a:prstGeom prst="rect">
+            <a:avLst/>
+          </a:prstGeom>
+          <a:noFill/>
+        </p:spPr>
+        <p:txBody>
+          <a:bodyPr rot="0" spcFirstLastPara="0" vertOverflow="overflow" horzOverflow="overflow" vert="horz" wrap="square" lIns="91440" tIns="45720" rIns="91440" bIns="45720" numCol="1" spcCol="0" rtlCol="0" fromWordArt="0" anchor="t" anchorCtr="0" forceAA="0" compatLnSpc="1">
+            <a:prstTxWarp prst="textNoShape">
+              <a:avLst/>
+            </a:prstTxWarp>
+            <a:spAutoFit/>
+          </a:bodyPr>
+          <a:lstStyle/>
+          <a:p>
+            <a:r>
+              <a:rPr lang="en-US" i="1" dirty="0">
+                <a:latin typeface="Biome"/>
+                <a:cs typeface="Biome"/>
+              </a:rPr>
+              <a:t>Text Search Engine</a:t>
+            </a:r>
+          </a:p>
+        </p:txBody>
+      </p:sp>
+      <p:pic>
+        <p:nvPicPr>
+          <p:cNvPr id="5" name="Picture 5" descr="Diagram&#10;&#10;Description automatically generated">
+            <a:extLst>
+              <a:ext uri="{FF2B5EF4-FFF2-40B4-BE49-F238E27FC236}">
+                <a16:creationId xmlns:a16="http://schemas.microsoft.com/office/drawing/2014/main" id="{D42D9EE4-923C-41CF-801B-CD24C62EEAA6}"/>
+              </a:ext>
+            </a:extLst>
+          </p:cNvPr>
+          <p:cNvPicPr>
+            <a:picLocks noChangeAspect="1"/>
+          </p:cNvPicPr>
+          <p:nvPr/>
+        </p:nvPicPr>
+        <p:blipFill>
+          <a:blip r:embed="rId3"/>
+          <a:stretch>
+            <a:fillRect/>
+          </a:stretch>
+        </p:blipFill>
+        <p:spPr>
+          <a:xfrm>
+            <a:off x="2618317" y="1594943"/>
+            <a:ext cx="8034866" cy="4271364"/>
+          </a:xfrm>
+          <a:prstGeom prst="rect">
+            <a:avLst/>
+          </a:prstGeom>
+        </p:spPr>
+      </p:pic>
+    </p:spTree>
+    <p:extLst>
+      <p:ext uri="{BB962C8B-B14F-4D97-AF65-F5344CB8AC3E}">
+        <p14:creationId xmlns:p14="http://schemas.microsoft.com/office/powerpoint/2010/main" val="1320378831"/>
       </p:ext>
     </p:extLst>
   </p:cSld>
